--- a/meeting_docs/中期答辩/中期答辩PPT.pptx
+++ b/meeting_docs/中期答辩/中期答辩PPT.pptx
@@ -7,7 +7,7 @@
     <p:sldMasterId id="2147483664" r:id="rId3"/>
   </p:sldMasterIdLst>
   <p:notesMasterIdLst>
-    <p:notesMasterId r:id="rId23"/>
+    <p:notesMasterId r:id="rId24"/>
   </p:notesMasterIdLst>
   <p:sldIdLst>
     <p:sldId id="2345" r:id="rId4"/>
@@ -21,14 +21,15 @@
     <p:sldId id="2630" r:id="rId12"/>
     <p:sldId id="2631" r:id="rId13"/>
     <p:sldId id="2633" r:id="rId14"/>
-    <p:sldId id="2632" r:id="rId15"/>
-    <p:sldId id="2634" r:id="rId16"/>
-    <p:sldId id="2635" r:id="rId17"/>
-    <p:sldId id="2627" r:id="rId18"/>
-    <p:sldId id="2628" r:id="rId19"/>
-    <p:sldId id="2623" r:id="rId20"/>
-    <p:sldId id="2624" r:id="rId21"/>
-    <p:sldId id="2625" r:id="rId22"/>
+    <p:sldId id="2637" r:id="rId15"/>
+    <p:sldId id="2632" r:id="rId16"/>
+    <p:sldId id="2636" r:id="rId17"/>
+    <p:sldId id="2634" r:id="rId18"/>
+    <p:sldId id="2638" r:id="rId19"/>
+    <p:sldId id="2635" r:id="rId20"/>
+    <p:sldId id="2639" r:id="rId21"/>
+    <p:sldId id="2624" r:id="rId22"/>
+    <p:sldId id="2625" r:id="rId23"/>
   </p:sldIdLst>
   <p:sldSz cx="12192000" cy="6858000"/>
   <p:notesSz cx="6858000" cy="9144000"/>
@@ -217,7 +218,7 @@
           <a:p>
             <a:fld id="{68E75791-964B-4C63-BFCE-0ED49BE326E8}" type="datetimeFigureOut">
               <a:rPr lang="zh-CN" altLang="en-US" smtClean="0"/>
-              <a:t>2023/4/1</a:t>
+              <a:t>2023/4/2</a:t>
             </a:fld>
             <a:endParaRPr lang="zh-CN" altLang="en-US"/>
           </a:p>
@@ -924,7 +925,7 @@
           <a:p>
             <a:fld id="{34C042E6-B216-4592-8AF3-2B42AC14DDDB}" type="datetimeFigureOut">
               <a:rPr lang="zh-CN" altLang="en-US" smtClean="0"/>
-              <a:t>2023/4/1</a:t>
+              <a:t>2023/4/2</a:t>
             </a:fld>
             <a:endParaRPr lang="zh-CN" altLang="en-US"/>
           </a:p>
@@ -1122,7 +1123,7 @@
           <a:p>
             <a:fld id="{34C042E6-B216-4592-8AF3-2B42AC14DDDB}" type="datetimeFigureOut">
               <a:rPr lang="zh-CN" altLang="en-US" smtClean="0"/>
-              <a:t>2023/4/1</a:t>
+              <a:t>2023/4/2</a:t>
             </a:fld>
             <a:endParaRPr lang="zh-CN" altLang="en-US"/>
           </a:p>
@@ -1330,7 +1331,7 @@
           <a:p>
             <a:fld id="{34C042E6-B216-4592-8AF3-2B42AC14DDDB}" type="datetimeFigureOut">
               <a:rPr lang="zh-CN" altLang="en-US" smtClean="0"/>
-              <a:t>2023/4/1</a:t>
+              <a:t>2023/4/2</a:t>
             </a:fld>
             <a:endParaRPr lang="zh-CN" altLang="en-US"/>
           </a:p>
@@ -3358,7 +3359,7 @@
           <a:p>
             <a:fld id="{34C042E6-B216-4592-8AF3-2B42AC14DDDB}" type="datetimeFigureOut">
               <a:rPr lang="zh-CN" altLang="en-US" smtClean="0"/>
-              <a:t>2023/4/1</a:t>
+              <a:t>2023/4/2</a:t>
             </a:fld>
             <a:endParaRPr lang="zh-CN" altLang="en-US"/>
           </a:p>
@@ -3633,7 +3634,7 @@
           <a:p>
             <a:fld id="{34C042E6-B216-4592-8AF3-2B42AC14DDDB}" type="datetimeFigureOut">
               <a:rPr lang="zh-CN" altLang="en-US" smtClean="0"/>
-              <a:t>2023/4/1</a:t>
+              <a:t>2023/4/2</a:t>
             </a:fld>
             <a:endParaRPr lang="zh-CN" altLang="en-US"/>
           </a:p>
@@ -3898,7 +3899,7 @@
           <a:p>
             <a:fld id="{34C042E6-B216-4592-8AF3-2B42AC14DDDB}" type="datetimeFigureOut">
               <a:rPr lang="zh-CN" altLang="en-US" smtClean="0"/>
-              <a:t>2023/4/1</a:t>
+              <a:t>2023/4/2</a:t>
             </a:fld>
             <a:endParaRPr lang="zh-CN" altLang="en-US"/>
           </a:p>
@@ -4310,7 +4311,7 @@
           <a:p>
             <a:fld id="{34C042E6-B216-4592-8AF3-2B42AC14DDDB}" type="datetimeFigureOut">
               <a:rPr lang="zh-CN" altLang="en-US" smtClean="0"/>
-              <a:t>2023/4/1</a:t>
+              <a:t>2023/4/2</a:t>
             </a:fld>
             <a:endParaRPr lang="zh-CN" altLang="en-US"/>
           </a:p>
@@ -4451,7 +4452,7 @@
           <a:p>
             <a:fld id="{34C042E6-B216-4592-8AF3-2B42AC14DDDB}" type="datetimeFigureOut">
               <a:rPr lang="zh-CN" altLang="en-US" smtClean="0"/>
-              <a:t>2023/4/1</a:t>
+              <a:t>2023/4/2</a:t>
             </a:fld>
             <a:endParaRPr lang="zh-CN" altLang="en-US"/>
           </a:p>
@@ -4564,7 +4565,7 @@
           <a:p>
             <a:fld id="{34C042E6-B216-4592-8AF3-2B42AC14DDDB}" type="datetimeFigureOut">
               <a:rPr lang="zh-CN" altLang="en-US" smtClean="0"/>
-              <a:t>2023/4/1</a:t>
+              <a:t>2023/4/2</a:t>
             </a:fld>
             <a:endParaRPr lang="zh-CN" altLang="en-US"/>
           </a:p>
@@ -4875,7 +4876,7 @@
           <a:p>
             <a:fld id="{34C042E6-B216-4592-8AF3-2B42AC14DDDB}" type="datetimeFigureOut">
               <a:rPr lang="zh-CN" altLang="en-US" smtClean="0"/>
-              <a:t>2023/4/1</a:t>
+              <a:t>2023/4/2</a:t>
             </a:fld>
             <a:endParaRPr lang="zh-CN" altLang="en-US"/>
           </a:p>
@@ -5163,7 +5164,7 @@
           <a:p>
             <a:fld id="{34C042E6-B216-4592-8AF3-2B42AC14DDDB}" type="datetimeFigureOut">
               <a:rPr lang="zh-CN" altLang="en-US" smtClean="0"/>
-              <a:t>2023/4/1</a:t>
+              <a:t>2023/4/2</a:t>
             </a:fld>
             <a:endParaRPr lang="zh-CN" altLang="en-US"/>
           </a:p>
@@ -5404,7 +5405,7 @@
           <a:p>
             <a:fld id="{34C042E6-B216-4592-8AF3-2B42AC14DDDB}" type="datetimeFigureOut">
               <a:rPr lang="zh-CN" altLang="en-US" smtClean="0"/>
-              <a:t>2023/4/1</a:t>
+              <a:t>2023/4/2</a:t>
             </a:fld>
             <a:endParaRPr lang="zh-CN" altLang="en-US"/>
           </a:p>
@@ -8703,43 +8704,105 @@
           <a:p>
             <a:r>
               <a:rPr kumimoji="1" lang="zh-CN" altLang="en-US" sz="2160" dirty="0"/>
-              <a:t>尝试用</a:t>
-            </a:r>
-            <a:r>
-              <a:rPr kumimoji="1" lang="en-US" altLang="zh-CN" sz="2160" dirty="0" err="1"/>
-              <a:t>Pagerank</a:t>
-            </a:r>
-            <a:r>
-              <a:rPr kumimoji="1" lang="zh-CN" altLang="en-US" sz="2160" dirty="0"/>
-              <a:t>算法直接计算节点</a:t>
+              <a:t>瓦片的三种类型</a:t>
             </a:r>
             <a:endParaRPr kumimoji="1" lang="en-US" altLang="zh-CN" sz="2160" dirty="0"/>
           </a:p>
           <a:p>
             <a:pPr lvl="1"/>
             <a:r>
-              <a:rPr kumimoji="1" lang="zh-CN" altLang="en-US" sz="1680" dirty="0"/>
-              <a:t>对图的微小变化反应不太剧烈</a:t>
-            </a:r>
-            <a:endParaRPr kumimoji="1" lang="en-US" altLang="zh-CN" sz="1680" dirty="0"/>
+              <a:rPr kumimoji="1" lang="en-US" altLang="zh-CN" sz="2000" b="1" dirty="0"/>
+              <a:t>Quadratic: </a:t>
+            </a:r>
+            <a:r>
+              <a:rPr kumimoji="1" lang="en-US" altLang="zh-CN" sz="2000" dirty="0"/>
+              <a:t>x ∗ y = z </a:t>
+            </a:r>
+            <a:r>
+              <a:rPr kumimoji="1" lang="zh-CN" altLang="en-US" sz="2000" dirty="0"/>
+              <a:t>的瓦片</a:t>
+            </a:r>
+            <a:r>
+              <a:rPr kumimoji="1" lang="en-US" altLang="zh-CN" sz="2000" dirty="0"/>
+              <a:t>, </a:t>
+            </a:r>
+            <a:r>
+              <a:rPr kumimoji="1" lang="zh-CN" altLang="en-US" sz="2000" dirty="0"/>
+              <a:t>其中 </a:t>
+            </a:r>
+            <a:r>
+              <a:rPr kumimoji="1" lang="en-US" altLang="zh-CN" sz="2000" dirty="0" err="1"/>
+              <a:t>x,y,z</a:t>
+            </a:r>
+            <a:r>
+              <a:rPr kumimoji="1" lang="en-US" altLang="zh-CN" sz="2000" dirty="0"/>
+              <a:t> </a:t>
+            </a:r>
+            <a:r>
+              <a:rPr kumimoji="1" lang="zh-CN" altLang="en-US" sz="2000" dirty="0"/>
+              <a:t>均为变量</a:t>
+            </a:r>
           </a:p>
           <a:p>
             <a:pPr lvl="1"/>
             <a:r>
-              <a:rPr kumimoji="1" lang="zh-CN" altLang="en-US" sz="1680" dirty="0"/>
-              <a:t>对于同一节点</a:t>
-            </a:r>
-            <a:r>
-              <a:rPr kumimoji="1" lang="en-US" altLang="zh-CN" sz="1680" dirty="0"/>
-              <a:t>,</a:t>
-            </a:r>
-            <a:r>
-              <a:rPr kumimoji="1" lang="zh-CN" altLang="en-US" sz="1680" dirty="0"/>
-              <a:t>权重的波动值大概占到权重本身的</a:t>
-            </a:r>
-            <a:r>
-              <a:rPr kumimoji="1" lang="en-US" altLang="zh-CN" sz="1680" dirty="0"/>
-              <a:t>10%</a:t>
+              <a:rPr kumimoji="1" lang="en-US" altLang="zh-CN" sz="2000" b="1" dirty="0" err="1"/>
+              <a:t>MullLinear</a:t>
+            </a:r>
+            <a:r>
+              <a:rPr kumimoji="1" lang="en-US" altLang="zh-CN" sz="2000" b="1" dirty="0"/>
+              <a:t>: </a:t>
+            </a:r>
+            <a:r>
+              <a:rPr kumimoji="1" lang="zh-CN" altLang="en-US" sz="2000" dirty="0"/>
+              <a:t>根节点由其两个父亲相乘得到的瓦片</a:t>
+            </a:r>
+            <a:r>
+              <a:rPr kumimoji="1" lang="en-US" altLang="zh-CN" sz="2000" dirty="0"/>
+              <a:t>, </a:t>
+            </a:r>
+            <a:r>
+              <a:rPr kumimoji="1" lang="zh-CN" altLang="en-US" sz="2000" dirty="0"/>
+              <a:t>两个父亲中至少有一个为常数</a:t>
+            </a:r>
+            <a:r>
+              <a:rPr kumimoji="1" lang="en-US" altLang="zh-CN" sz="2000" dirty="0"/>
+              <a:t>, </a:t>
+            </a:r>
+            <a:r>
+              <a:rPr kumimoji="1" lang="zh-CN" altLang="en-US" sz="2000" dirty="0"/>
+              <a:t>比如 </a:t>
+            </a:r>
+            <a:r>
+              <a:rPr kumimoji="1" lang="en-US" altLang="zh-CN" sz="2000" dirty="0"/>
+              <a:t>(5 ∗ x) ∗ 7 = z</a:t>
+            </a:r>
+          </a:p>
+          <a:p>
+            <a:pPr lvl="1"/>
+            <a:r>
+              <a:rPr kumimoji="1" lang="en-US" altLang="zh-CN" sz="2000" b="1" dirty="0" err="1"/>
+              <a:t>AddLinear</a:t>
+            </a:r>
+            <a:r>
+              <a:rPr kumimoji="1" lang="en-US" altLang="zh-CN" sz="2000" b="1" dirty="0"/>
+              <a:t>: </a:t>
+            </a:r>
+            <a:r>
+              <a:rPr kumimoji="1" lang="zh-CN" altLang="en-US" sz="2000" dirty="0"/>
+              <a:t>根节点由其两个父亲相加得到的瓦片</a:t>
+            </a:r>
+            <a:r>
+              <a:rPr kumimoji="1" lang="en-US" altLang="zh-CN" sz="2000" dirty="0"/>
+              <a:t>, </a:t>
+            </a:r>
+            <a:r>
+              <a:rPr kumimoji="1" lang="zh-CN" altLang="en-US" sz="2000" dirty="0"/>
+              <a:t>比如 </a:t>
+            </a:r>
+            <a:r>
+              <a:rPr kumimoji="1" lang="en-US" altLang="zh-CN" sz="2000" dirty="0"/>
+              <a:t>x3 + 5 + x = z</a:t>
             </a:r>
           </a:p>
         </p:txBody>
@@ -8792,9 +8855,7 @@
         </p:nvSpPr>
         <p:spPr/>
         <p:txBody>
-          <a:bodyPr>
-            <a:normAutofit/>
-          </a:bodyPr>
+          <a:bodyPr/>
           <a:lstStyle/>
           <a:p>
             <a:r>
@@ -8803,7 +8864,7 @@
             </a:r>
             <a:r>
               <a:rPr kumimoji="1" lang="en-US" altLang="zh-CN" dirty="0"/>
-              <a:t>2:</a:t>
+              <a:t>2: </a:t>
             </a:r>
             <a:r>
               <a:rPr kumimoji="1" lang="zh-CN" altLang="en-US" dirty="0"/>
@@ -8859,8 +8920,8 @@
         </p:nvSpPr>
         <p:spPr>
           <a:xfrm>
-            <a:off x="786063" y="1374845"/>
-            <a:ext cx="10174396" cy="4981511"/>
+            <a:off x="1158240" y="1600201"/>
+            <a:ext cx="9875520" cy="4756153"/>
           </a:xfrm>
         </p:spPr>
         <p:txBody>
@@ -8869,15 +8930,162 @@
           </a:bodyPr>
           <a:lstStyle/>
           <a:p>
+            <a:r>
+              <a:rPr kumimoji="1" lang="zh-CN" altLang="en-US" sz="2160" dirty="0"/>
+              <a:t>总体思路</a:t>
+            </a:r>
+            <a:r>
+              <a:rPr kumimoji="1" lang="en-US" altLang="zh-CN" sz="2160" dirty="0"/>
+              <a:t>:</a:t>
+            </a:r>
+            <a:endParaRPr kumimoji="1" lang="en-US" altLang="zh-CN" sz="1920" dirty="0"/>
+          </a:p>
+          <a:p>
             <a:pPr lvl="1"/>
+            <a:r>
+              <a:rPr kumimoji="1" lang="zh-CN" altLang="en-US" sz="2000" dirty="0"/>
+              <a:t>参考编译原理中</a:t>
+            </a:r>
+            <a:r>
+              <a:rPr kumimoji="1" lang="en-US" altLang="zh-CN" sz="2000" dirty="0"/>
+              <a:t>IR-Tree</a:t>
+            </a:r>
+            <a:r>
+              <a:rPr kumimoji="1" lang="zh-CN" altLang="en-US" sz="2000" dirty="0"/>
+              <a:t>到汇编语言语法树的转换中瓦片选取</a:t>
+            </a:r>
+            <a:endParaRPr kumimoji="1" lang="en-US" altLang="zh-CN" sz="2000" dirty="0"/>
+          </a:p>
+          <a:p>
+            <a:pPr lvl="1"/>
+            <a:r>
+              <a:rPr kumimoji="1" lang="zh-CN" altLang="en-US" sz="2000" dirty="0"/>
+              <a:t>自定义瓦片类型并且分割</a:t>
+            </a:r>
+            <a:r>
+              <a:rPr kumimoji="1" lang="en-US" altLang="zh-CN" sz="2000" dirty="0" err="1"/>
+              <a:t>Rnode</a:t>
+            </a:r>
+            <a:r>
+              <a:rPr kumimoji="1" lang="en-US" altLang="zh-CN" sz="2000" dirty="0"/>
+              <a:t> Graph</a:t>
+            </a:r>
+            <a:endParaRPr kumimoji="1" lang="zh-CN" altLang="en-US" sz="1920" dirty="0"/>
+          </a:p>
+          <a:p>
+            <a:pPr lvl="1"/>
+            <a:endParaRPr kumimoji="1" lang="zh-CN" altLang="en-US" sz="1920" dirty="0"/>
+          </a:p>
+          <a:p>
+            <a:r>
+              <a:rPr kumimoji="1" lang="zh-CN" altLang="en-US" sz="2160" dirty="0"/>
+              <a:t>瓦片的三种类型</a:t>
+            </a:r>
             <a:endParaRPr kumimoji="1" lang="en-US" altLang="zh-CN" sz="2160" dirty="0"/>
+          </a:p>
+          <a:p>
+            <a:pPr lvl="1"/>
+            <a:r>
+              <a:rPr kumimoji="1" lang="en-US" altLang="zh-CN" sz="2000" b="1" dirty="0"/>
+              <a:t>Quadratic: </a:t>
+            </a:r>
+            <a:r>
+              <a:rPr kumimoji="1" lang="en-US" altLang="zh-CN" sz="2000" dirty="0"/>
+              <a:t>x ∗ y = z </a:t>
+            </a:r>
+            <a:r>
+              <a:rPr kumimoji="1" lang="zh-CN" altLang="en-US" sz="2000" dirty="0"/>
+              <a:t>的瓦片</a:t>
+            </a:r>
+            <a:r>
+              <a:rPr kumimoji="1" lang="en-US" altLang="zh-CN" sz="2000" dirty="0"/>
+              <a:t>, </a:t>
+            </a:r>
+            <a:r>
+              <a:rPr kumimoji="1" lang="zh-CN" altLang="en-US" sz="2000" dirty="0"/>
+              <a:t>其中 </a:t>
+            </a:r>
+            <a:r>
+              <a:rPr kumimoji="1" lang="en-US" altLang="zh-CN" sz="2000" dirty="0" err="1"/>
+              <a:t>x,y,z</a:t>
+            </a:r>
+            <a:r>
+              <a:rPr kumimoji="1" lang="en-US" altLang="zh-CN" sz="2000" dirty="0"/>
+              <a:t> </a:t>
+            </a:r>
+            <a:r>
+              <a:rPr kumimoji="1" lang="zh-CN" altLang="en-US" sz="2000" dirty="0"/>
+              <a:t>均为变量</a:t>
+            </a:r>
+          </a:p>
+          <a:p>
+            <a:pPr lvl="1"/>
+            <a:r>
+              <a:rPr kumimoji="1" lang="en-US" altLang="zh-CN" sz="2000" b="1" dirty="0" err="1"/>
+              <a:t>MullLinear</a:t>
+            </a:r>
+            <a:r>
+              <a:rPr kumimoji="1" lang="en-US" altLang="zh-CN" sz="2000" b="1" dirty="0"/>
+              <a:t>: </a:t>
+            </a:r>
+            <a:r>
+              <a:rPr kumimoji="1" lang="zh-CN" altLang="en-US" sz="2000" dirty="0"/>
+              <a:t>根节点由其两个父亲相乘得到的瓦片</a:t>
+            </a:r>
+            <a:r>
+              <a:rPr kumimoji="1" lang="en-US" altLang="zh-CN" sz="2000" dirty="0"/>
+              <a:t>, </a:t>
+            </a:r>
+            <a:r>
+              <a:rPr kumimoji="1" lang="zh-CN" altLang="en-US" sz="2000" dirty="0"/>
+              <a:t>两个父亲中至少有一个为常数</a:t>
+            </a:r>
+            <a:r>
+              <a:rPr kumimoji="1" lang="en-US" altLang="zh-CN" sz="2000" dirty="0"/>
+              <a:t>, </a:t>
+            </a:r>
+            <a:r>
+              <a:rPr kumimoji="1" lang="zh-CN" altLang="en-US" sz="2000" dirty="0"/>
+              <a:t>比如 </a:t>
+            </a:r>
+            <a:r>
+              <a:rPr kumimoji="1" lang="en-US" altLang="zh-CN" sz="2000" dirty="0"/>
+              <a:t>(5 ∗ x) ∗ 7 = z</a:t>
+            </a:r>
+          </a:p>
+          <a:p>
+            <a:pPr lvl="1"/>
+            <a:r>
+              <a:rPr kumimoji="1" lang="en-US" altLang="zh-CN" sz="2000" b="1" dirty="0" err="1"/>
+              <a:t>AddLinear</a:t>
+            </a:r>
+            <a:r>
+              <a:rPr kumimoji="1" lang="en-US" altLang="zh-CN" sz="2000" b="1" dirty="0"/>
+              <a:t>: </a:t>
+            </a:r>
+            <a:r>
+              <a:rPr kumimoji="1" lang="zh-CN" altLang="en-US" sz="2000" dirty="0"/>
+              <a:t>根节点由其两个父亲相加得到的瓦片</a:t>
+            </a:r>
+            <a:r>
+              <a:rPr kumimoji="1" lang="en-US" altLang="zh-CN" sz="2000" dirty="0"/>
+              <a:t>, </a:t>
+            </a:r>
+            <a:r>
+              <a:rPr kumimoji="1" lang="zh-CN" altLang="en-US" sz="2000" dirty="0"/>
+              <a:t>比如 </a:t>
+            </a:r>
+            <a:r>
+              <a:rPr kumimoji="1" lang="en-US" altLang="zh-CN" sz="2000" dirty="0"/>
+              <a:t>x3 + 5 + x = z</a:t>
+            </a:r>
           </a:p>
         </p:txBody>
       </p:sp>
     </p:spTree>
     <p:extLst>
       <p:ext uri="{BB962C8B-B14F-4D97-AF65-F5344CB8AC3E}">
-        <p14:creationId xmlns:p14="http://schemas.microsoft.com/office/powerpoint/2010/main" val="149265304"/>
+        <p14:creationId xmlns:p14="http://schemas.microsoft.com/office/powerpoint/2010/main" val="3259279347"/>
       </p:ext>
     </p:extLst>
   </p:cSld>
@@ -8933,11 +9141,11 @@
             </a:r>
             <a:r>
               <a:rPr kumimoji="1" lang="en-US" altLang="zh-CN" dirty="0"/>
-              <a:t>3:</a:t>
+              <a:t>2:</a:t>
             </a:r>
             <a:r>
               <a:rPr kumimoji="1" lang="zh-CN" altLang="en-US" dirty="0"/>
-              <a:t>对图的进一步抽象</a:t>
+              <a:t>瓦片生成</a:t>
             </a:r>
           </a:p>
         </p:txBody>
@@ -8999,15 +9207,1339 @@
           </a:bodyPr>
           <a:lstStyle/>
           <a:p>
-            <a:pPr lvl="1"/>
+            <a:pPr marL="548640" lvl="1" indent="0">
+              <a:buNone/>
+            </a:pPr>
+            <a:r>
+              <a:rPr kumimoji="1" lang="zh-CN" altLang="en-US" sz="2160" dirty="0"/>
+              <a:t>瓦片结构示意图</a:t>
+            </a:r>
             <a:endParaRPr kumimoji="1" lang="en-US" altLang="zh-CN" sz="2160" dirty="0"/>
           </a:p>
         </p:txBody>
       </p:sp>
+      <p:grpSp>
+        <p:nvGrpSpPr>
+          <p:cNvPr id="110" name="组合 109">
+            <a:extLst>
+              <a:ext uri="{FF2B5EF4-FFF2-40B4-BE49-F238E27FC236}">
+                <a16:creationId xmlns:a16="http://schemas.microsoft.com/office/drawing/2014/main" id="{325E4840-A9EF-3246-E751-6C7D018EF126}"/>
+              </a:ext>
+            </a:extLst>
+          </p:cNvPr>
+          <p:cNvGrpSpPr/>
+          <p:nvPr/>
+        </p:nvGrpSpPr>
+        <p:grpSpPr>
+          <a:xfrm>
+            <a:off x="1750682" y="2043710"/>
+            <a:ext cx="8620409" cy="3390507"/>
+            <a:chOff x="1750682" y="2043710"/>
+            <a:chExt cx="8620409" cy="3390507"/>
+          </a:xfrm>
+        </p:grpSpPr>
+        <p:sp>
+          <p:nvSpPr>
+            <p:cNvPr id="111" name="椭圆 110">
+              <a:extLst>
+                <a:ext uri="{FF2B5EF4-FFF2-40B4-BE49-F238E27FC236}">
+                  <a16:creationId xmlns:a16="http://schemas.microsoft.com/office/drawing/2014/main" id="{57B4FAD1-B5EC-D67A-B603-C70FEBE7FB61}"/>
+                </a:ext>
+              </a:extLst>
+            </p:cNvPr>
+            <p:cNvSpPr/>
+            <p:nvPr/>
+          </p:nvSpPr>
+          <p:spPr>
+            <a:xfrm>
+              <a:off x="7646285" y="3091715"/>
+              <a:ext cx="719091" cy="719091"/>
+            </a:xfrm>
+            <a:prstGeom prst="ellipse">
+              <a:avLst/>
+            </a:prstGeom>
+          </p:spPr>
+          <p:style>
+            <a:lnRef idx="2">
+              <a:schemeClr val="accent1">
+                <a:shade val="50000"/>
+              </a:schemeClr>
+            </a:lnRef>
+            <a:fillRef idx="1">
+              <a:schemeClr val="accent1"/>
+            </a:fillRef>
+            <a:effectRef idx="0">
+              <a:schemeClr val="accent1"/>
+            </a:effectRef>
+            <a:fontRef idx="minor">
+              <a:schemeClr val="lt1"/>
+            </a:fontRef>
+          </p:style>
+          <p:txBody>
+            <a:bodyPr rtlCol="0" anchor="ctr"/>
+            <a:lstStyle/>
+            <a:p>
+              <a:pPr algn="ctr"/>
+              <a:r>
+                <a:rPr lang="en-US" altLang="zh-CN" sz="1100" dirty="0"/>
+                <a:t>NUL</a:t>
+              </a:r>
+            </a:p>
+            <a:p>
+              <a:pPr algn="ctr"/>
+              <a:r>
+                <a:rPr lang="en-US" altLang="zh-CN" sz="1100" dirty="0"/>
+                <a:t>X</a:t>
+              </a:r>
+              <a:endParaRPr lang="zh-CN" altLang="en-US" sz="1100" dirty="0"/>
+            </a:p>
+          </p:txBody>
+        </p:sp>
+        <p:sp>
+          <p:nvSpPr>
+            <p:cNvPr id="112" name="椭圆 111">
+              <a:extLst>
+                <a:ext uri="{FF2B5EF4-FFF2-40B4-BE49-F238E27FC236}">
+                  <a16:creationId xmlns:a16="http://schemas.microsoft.com/office/drawing/2014/main" id="{32124302-C503-F5C2-B7E2-F7B9140DF2E6}"/>
+                </a:ext>
+              </a:extLst>
+            </p:cNvPr>
+            <p:cNvSpPr/>
+            <p:nvPr/>
+          </p:nvSpPr>
+          <p:spPr>
+            <a:xfrm>
+              <a:off x="9652000" y="2118385"/>
+              <a:ext cx="719091" cy="719091"/>
+            </a:xfrm>
+            <a:prstGeom prst="ellipse">
+              <a:avLst/>
+            </a:prstGeom>
+          </p:spPr>
+          <p:style>
+            <a:lnRef idx="2">
+              <a:schemeClr val="accent1">
+                <a:shade val="50000"/>
+              </a:schemeClr>
+            </a:lnRef>
+            <a:fillRef idx="1">
+              <a:schemeClr val="accent1"/>
+            </a:fillRef>
+            <a:effectRef idx="0">
+              <a:schemeClr val="accent1"/>
+            </a:effectRef>
+            <a:fontRef idx="minor">
+              <a:schemeClr val="lt1"/>
+            </a:fontRef>
+          </p:style>
+          <p:txBody>
+            <a:bodyPr rtlCol="0" anchor="ctr"/>
+            <a:lstStyle/>
+            <a:p>
+              <a:pPr algn="ctr"/>
+              <a:r>
+                <a:rPr lang="en-US" altLang="zh-CN" sz="1100" dirty="0"/>
+                <a:t>MUL</a:t>
+              </a:r>
+            </a:p>
+            <a:p>
+              <a:pPr algn="ctr"/>
+              <a:r>
+                <a:rPr lang="en-US" altLang="zh-CN" sz="1100" dirty="0"/>
+                <a:t>X^3</a:t>
+              </a:r>
+              <a:endParaRPr lang="zh-CN" altLang="en-US" sz="1100" dirty="0"/>
+            </a:p>
+          </p:txBody>
+        </p:sp>
+        <p:sp>
+          <p:nvSpPr>
+            <p:cNvPr id="113" name="椭圆 112">
+              <a:extLst>
+                <a:ext uri="{FF2B5EF4-FFF2-40B4-BE49-F238E27FC236}">
+                  <a16:creationId xmlns:a16="http://schemas.microsoft.com/office/drawing/2014/main" id="{DB070230-6D25-72A2-0F47-691A6F1CF687}"/>
+                </a:ext>
+              </a:extLst>
+            </p:cNvPr>
+            <p:cNvSpPr/>
+            <p:nvPr/>
+          </p:nvSpPr>
+          <p:spPr>
+            <a:xfrm>
+              <a:off x="8852040" y="3069454"/>
+              <a:ext cx="719091" cy="719091"/>
+            </a:xfrm>
+            <a:prstGeom prst="ellipse">
+              <a:avLst/>
+            </a:prstGeom>
+          </p:spPr>
+          <p:style>
+            <a:lnRef idx="2">
+              <a:schemeClr val="accent1">
+                <a:shade val="50000"/>
+              </a:schemeClr>
+            </a:lnRef>
+            <a:fillRef idx="1">
+              <a:schemeClr val="accent1"/>
+            </a:fillRef>
+            <a:effectRef idx="0">
+              <a:schemeClr val="accent1"/>
+            </a:effectRef>
+            <a:fontRef idx="minor">
+              <a:schemeClr val="lt1"/>
+            </a:fontRef>
+          </p:style>
+          <p:txBody>
+            <a:bodyPr rtlCol="0" anchor="ctr"/>
+            <a:lstStyle/>
+            <a:p>
+              <a:pPr algn="ctr"/>
+              <a:r>
+                <a:rPr lang="en-US" altLang="zh-CN" sz="1100" dirty="0"/>
+                <a:t>ADD</a:t>
+              </a:r>
+            </a:p>
+            <a:p>
+              <a:pPr algn="ctr"/>
+              <a:r>
+                <a:rPr lang="en-US" altLang="zh-CN" sz="1100" dirty="0"/>
+                <a:t>_</a:t>
+              </a:r>
+              <a:endParaRPr lang="zh-CN" altLang="en-US" sz="1100" dirty="0"/>
+            </a:p>
+          </p:txBody>
+        </p:sp>
+        <p:cxnSp>
+          <p:nvCxnSpPr>
+            <p:cNvPr id="114" name="连接符: 曲线 113">
+              <a:extLst>
+                <a:ext uri="{FF2B5EF4-FFF2-40B4-BE49-F238E27FC236}">
+                  <a16:creationId xmlns:a16="http://schemas.microsoft.com/office/drawing/2014/main" id="{08955424-F8C2-6560-3C4B-3E6EC0E3EB94}"/>
+                </a:ext>
+              </a:extLst>
+            </p:cNvPr>
+            <p:cNvCxnSpPr>
+              <a:stCxn id="112" idx="3"/>
+              <a:endCxn id="113" idx="7"/>
+            </p:cNvCxnSpPr>
+            <p:nvPr/>
+          </p:nvCxnSpPr>
+          <p:spPr>
+            <a:xfrm rot="5400000">
+              <a:off x="9390269" y="2807723"/>
+              <a:ext cx="442594" cy="291485"/>
+            </a:xfrm>
+            <a:prstGeom prst="curvedConnector3">
+              <a:avLst>
+                <a:gd name="adj1" fmla="val 50000"/>
+              </a:avLst>
+            </a:prstGeom>
+            <a:ln>
+              <a:tailEnd type="triangle"/>
+            </a:ln>
+          </p:spPr>
+          <p:style>
+            <a:lnRef idx="1">
+              <a:schemeClr val="accent1"/>
+            </a:lnRef>
+            <a:fillRef idx="0">
+              <a:schemeClr val="accent1"/>
+            </a:fillRef>
+            <a:effectRef idx="0">
+              <a:schemeClr val="accent1"/>
+            </a:effectRef>
+            <a:fontRef idx="minor">
+              <a:schemeClr val="tx1"/>
+            </a:fontRef>
+          </p:style>
+        </p:cxnSp>
+        <p:cxnSp>
+          <p:nvCxnSpPr>
+            <p:cNvPr id="115" name="连接符: 曲线 114">
+              <a:extLst>
+                <a:ext uri="{FF2B5EF4-FFF2-40B4-BE49-F238E27FC236}">
+                  <a16:creationId xmlns:a16="http://schemas.microsoft.com/office/drawing/2014/main" id="{021F72BD-913A-B065-4D3C-282483494068}"/>
+                </a:ext>
+              </a:extLst>
+            </p:cNvPr>
+            <p:cNvCxnSpPr>
+              <a:cxnSpLocks/>
+              <a:stCxn id="111" idx="4"/>
+              <a:endCxn id="117" idx="1"/>
+            </p:cNvCxnSpPr>
+            <p:nvPr/>
+          </p:nvCxnSpPr>
+          <p:spPr>
+            <a:xfrm rot="16200000" flipH="1">
+              <a:off x="7979849" y="3836788"/>
+              <a:ext cx="389699" cy="337734"/>
+            </a:xfrm>
+            <a:prstGeom prst="curvedConnector3">
+              <a:avLst>
+                <a:gd name="adj1" fmla="val 50000"/>
+              </a:avLst>
+            </a:prstGeom>
+            <a:ln>
+              <a:tailEnd type="triangle"/>
+            </a:ln>
+          </p:spPr>
+          <p:style>
+            <a:lnRef idx="1">
+              <a:schemeClr val="accent1"/>
+            </a:lnRef>
+            <a:fillRef idx="0">
+              <a:schemeClr val="accent1"/>
+            </a:fillRef>
+            <a:effectRef idx="0">
+              <a:schemeClr val="accent1"/>
+            </a:effectRef>
+            <a:fontRef idx="minor">
+              <a:schemeClr val="tx1"/>
+            </a:fontRef>
+          </p:style>
+        </p:cxnSp>
+        <p:sp>
+          <p:nvSpPr>
+            <p:cNvPr id="116" name="椭圆 115">
+              <a:extLst>
+                <a:ext uri="{FF2B5EF4-FFF2-40B4-BE49-F238E27FC236}">
+                  <a16:creationId xmlns:a16="http://schemas.microsoft.com/office/drawing/2014/main" id="{B28D4DB3-60F4-6344-0FD2-AAC354FC2876}"/>
+                </a:ext>
+              </a:extLst>
+            </p:cNvPr>
+            <p:cNvSpPr/>
+            <p:nvPr/>
+          </p:nvSpPr>
+          <p:spPr>
+            <a:xfrm>
+              <a:off x="8080096" y="2118386"/>
+              <a:ext cx="719091" cy="719091"/>
+            </a:xfrm>
+            <a:prstGeom prst="ellipse">
+              <a:avLst/>
+            </a:prstGeom>
+          </p:spPr>
+          <p:style>
+            <a:lnRef idx="2">
+              <a:schemeClr val="accent1">
+                <a:shade val="50000"/>
+              </a:schemeClr>
+            </a:lnRef>
+            <a:fillRef idx="1">
+              <a:schemeClr val="accent1"/>
+            </a:fillRef>
+            <a:effectRef idx="0">
+              <a:schemeClr val="accent1"/>
+            </a:effectRef>
+            <a:fontRef idx="minor">
+              <a:schemeClr val="lt1"/>
+            </a:fontRef>
+          </p:style>
+          <p:txBody>
+            <a:bodyPr rtlCol="0" anchor="ctr"/>
+            <a:lstStyle/>
+            <a:p>
+              <a:pPr algn="ctr"/>
+              <a:r>
+                <a:rPr lang="en-US" altLang="zh-CN" sz="900" dirty="0"/>
+                <a:t>~ONE</a:t>
+              </a:r>
+            </a:p>
+            <a:p>
+              <a:pPr algn="ctr"/>
+              <a:r>
+                <a:rPr lang="en-US" altLang="zh-CN" sz="1100" dirty="0"/>
+                <a:t>5</a:t>
+              </a:r>
+            </a:p>
+          </p:txBody>
+        </p:sp>
+        <p:sp>
+          <p:nvSpPr>
+            <p:cNvPr id="117" name="椭圆 116">
+              <a:extLst>
+                <a:ext uri="{FF2B5EF4-FFF2-40B4-BE49-F238E27FC236}">
+                  <a16:creationId xmlns:a16="http://schemas.microsoft.com/office/drawing/2014/main" id="{0942F1F5-2666-7620-3725-7C0E99A398C5}"/>
+                </a:ext>
+              </a:extLst>
+            </p:cNvPr>
+            <p:cNvSpPr/>
+            <p:nvPr/>
+          </p:nvSpPr>
+          <p:spPr>
+            <a:xfrm>
+              <a:off x="8238257" y="4095197"/>
+              <a:ext cx="719091" cy="719091"/>
+            </a:xfrm>
+            <a:prstGeom prst="ellipse">
+              <a:avLst/>
+            </a:prstGeom>
+          </p:spPr>
+          <p:style>
+            <a:lnRef idx="2">
+              <a:schemeClr val="accent1">
+                <a:shade val="50000"/>
+              </a:schemeClr>
+            </a:lnRef>
+            <a:fillRef idx="1">
+              <a:schemeClr val="accent1"/>
+            </a:fillRef>
+            <a:effectRef idx="0">
+              <a:schemeClr val="accent1"/>
+            </a:effectRef>
+            <a:fontRef idx="minor">
+              <a:schemeClr val="lt1"/>
+            </a:fontRef>
+          </p:style>
+          <p:txBody>
+            <a:bodyPr rtlCol="0" anchor="ctr"/>
+            <a:lstStyle/>
+            <a:p>
+              <a:pPr algn="ctr"/>
+              <a:r>
+                <a:rPr lang="en-US" altLang="zh-CN" sz="1100" dirty="0"/>
+                <a:t>ADD</a:t>
+              </a:r>
+            </a:p>
+            <a:p>
+              <a:pPr algn="ctr"/>
+              <a:r>
+                <a:rPr lang="en-US" altLang="zh-CN" sz="1100" dirty="0"/>
+                <a:t>_</a:t>
+              </a:r>
+              <a:endParaRPr lang="zh-CN" altLang="en-US" sz="1100" dirty="0"/>
+            </a:p>
+          </p:txBody>
+        </p:sp>
+        <p:cxnSp>
+          <p:nvCxnSpPr>
+            <p:cNvPr id="118" name="连接符: 曲线 117">
+              <a:extLst>
+                <a:ext uri="{FF2B5EF4-FFF2-40B4-BE49-F238E27FC236}">
+                  <a16:creationId xmlns:a16="http://schemas.microsoft.com/office/drawing/2014/main" id="{770C9091-D6A8-548F-D974-B544EB92D87D}"/>
+                </a:ext>
+              </a:extLst>
+            </p:cNvPr>
+            <p:cNvCxnSpPr>
+              <a:cxnSpLocks/>
+              <a:stCxn id="116" idx="4"/>
+              <a:endCxn id="113" idx="1"/>
+            </p:cNvCxnSpPr>
+            <p:nvPr/>
+          </p:nvCxnSpPr>
+          <p:spPr>
+            <a:xfrm rot="16200000" flipH="1">
+              <a:off x="8529853" y="2747266"/>
+              <a:ext cx="337285" cy="517706"/>
+            </a:xfrm>
+            <a:prstGeom prst="curvedConnector3">
+              <a:avLst>
+                <a:gd name="adj1" fmla="val 50000"/>
+              </a:avLst>
+            </a:prstGeom>
+            <a:ln>
+              <a:tailEnd type="triangle"/>
+            </a:ln>
+          </p:spPr>
+          <p:style>
+            <a:lnRef idx="1">
+              <a:schemeClr val="accent1"/>
+            </a:lnRef>
+            <a:fillRef idx="0">
+              <a:schemeClr val="accent1"/>
+            </a:fillRef>
+            <a:effectRef idx="0">
+              <a:schemeClr val="accent1"/>
+            </a:effectRef>
+            <a:fontRef idx="minor">
+              <a:schemeClr val="tx1"/>
+            </a:fontRef>
+          </p:style>
+        </p:cxnSp>
+        <p:cxnSp>
+          <p:nvCxnSpPr>
+            <p:cNvPr id="119" name="连接符: 曲线 118">
+              <a:extLst>
+                <a:ext uri="{FF2B5EF4-FFF2-40B4-BE49-F238E27FC236}">
+                  <a16:creationId xmlns:a16="http://schemas.microsoft.com/office/drawing/2014/main" id="{711DD839-CDBB-FAF8-83EE-14D69AA6E12E}"/>
+                </a:ext>
+              </a:extLst>
+            </p:cNvPr>
+            <p:cNvCxnSpPr>
+              <a:cxnSpLocks/>
+              <a:stCxn id="113" idx="4"/>
+              <a:endCxn id="117" idx="7"/>
+            </p:cNvCxnSpPr>
+            <p:nvPr/>
+          </p:nvCxnSpPr>
+          <p:spPr>
+            <a:xfrm rot="5400000">
+              <a:off x="8825833" y="3814752"/>
+              <a:ext cx="411960" cy="359546"/>
+            </a:xfrm>
+            <a:prstGeom prst="curvedConnector3">
+              <a:avLst>
+                <a:gd name="adj1" fmla="val 50000"/>
+              </a:avLst>
+            </a:prstGeom>
+            <a:ln>
+              <a:tailEnd type="triangle"/>
+            </a:ln>
+          </p:spPr>
+          <p:style>
+            <a:lnRef idx="1">
+              <a:schemeClr val="accent1"/>
+            </a:lnRef>
+            <a:fillRef idx="0">
+              <a:schemeClr val="accent1"/>
+            </a:fillRef>
+            <a:effectRef idx="0">
+              <a:schemeClr val="accent1"/>
+            </a:effectRef>
+            <a:fontRef idx="minor">
+              <a:schemeClr val="tx1"/>
+            </a:fontRef>
+          </p:style>
+        </p:cxnSp>
+        <p:sp>
+          <p:nvSpPr>
+            <p:cNvPr id="120" name="椭圆 119">
+              <a:extLst>
+                <a:ext uri="{FF2B5EF4-FFF2-40B4-BE49-F238E27FC236}">
+                  <a16:creationId xmlns:a16="http://schemas.microsoft.com/office/drawing/2014/main" id="{4B5C4C05-D550-4A27-3932-5578BE9FA4B6}"/>
+                </a:ext>
+              </a:extLst>
+            </p:cNvPr>
+            <p:cNvSpPr/>
+            <p:nvPr/>
+          </p:nvSpPr>
+          <p:spPr>
+            <a:xfrm>
+              <a:off x="1750682" y="3069455"/>
+              <a:ext cx="719091" cy="719091"/>
+            </a:xfrm>
+            <a:prstGeom prst="ellipse">
+              <a:avLst/>
+            </a:prstGeom>
+          </p:spPr>
+          <p:style>
+            <a:lnRef idx="2">
+              <a:schemeClr val="accent1">
+                <a:shade val="50000"/>
+              </a:schemeClr>
+            </a:lnRef>
+            <a:fillRef idx="1">
+              <a:schemeClr val="accent1"/>
+            </a:fillRef>
+            <a:effectRef idx="0">
+              <a:schemeClr val="accent1"/>
+            </a:effectRef>
+            <a:fontRef idx="minor">
+              <a:schemeClr val="lt1"/>
+            </a:fontRef>
+          </p:style>
+          <p:txBody>
+            <a:bodyPr rtlCol="0" anchor="ctr"/>
+            <a:lstStyle/>
+            <a:p>
+              <a:pPr algn="ctr"/>
+              <a:r>
+                <a:rPr lang="en-US" altLang="zh-CN" sz="1100" dirty="0"/>
+                <a:t>NUL</a:t>
+              </a:r>
+            </a:p>
+            <a:p>
+              <a:pPr algn="ctr"/>
+              <a:r>
+                <a:rPr lang="en-US" altLang="zh-CN" sz="1100" dirty="0"/>
+                <a:t>X</a:t>
+              </a:r>
+              <a:endParaRPr lang="zh-CN" altLang="en-US" sz="1100" dirty="0"/>
+            </a:p>
+          </p:txBody>
+        </p:sp>
+        <p:sp>
+          <p:nvSpPr>
+            <p:cNvPr id="121" name="椭圆 120">
+              <a:extLst>
+                <a:ext uri="{FF2B5EF4-FFF2-40B4-BE49-F238E27FC236}">
+                  <a16:creationId xmlns:a16="http://schemas.microsoft.com/office/drawing/2014/main" id="{7C38FB7E-1981-8270-3266-08A46474CCBC}"/>
+                </a:ext>
+              </a:extLst>
+            </p:cNvPr>
+            <p:cNvSpPr/>
+            <p:nvPr/>
+          </p:nvSpPr>
+          <p:spPr>
+            <a:xfrm>
+              <a:off x="2895944" y="3069455"/>
+              <a:ext cx="719091" cy="719091"/>
+            </a:xfrm>
+            <a:prstGeom prst="ellipse">
+              <a:avLst/>
+            </a:prstGeom>
+          </p:spPr>
+          <p:style>
+            <a:lnRef idx="2">
+              <a:schemeClr val="accent1">
+                <a:shade val="50000"/>
+              </a:schemeClr>
+            </a:lnRef>
+            <a:fillRef idx="1">
+              <a:schemeClr val="accent1"/>
+            </a:fillRef>
+            <a:effectRef idx="0">
+              <a:schemeClr val="accent1"/>
+            </a:effectRef>
+            <a:fontRef idx="minor">
+              <a:schemeClr val="lt1"/>
+            </a:fontRef>
+          </p:style>
+          <p:txBody>
+            <a:bodyPr rtlCol="0" anchor="ctr"/>
+            <a:lstStyle/>
+            <a:p>
+              <a:pPr algn="ctr"/>
+              <a:r>
+                <a:rPr lang="en-US" altLang="zh-CN" sz="1100" dirty="0"/>
+                <a:t>MUL</a:t>
+              </a:r>
+            </a:p>
+            <a:p>
+              <a:pPr algn="ctr"/>
+              <a:r>
+                <a:rPr lang="en-US" altLang="zh-CN" sz="1100" dirty="0"/>
+                <a:t>Y</a:t>
+              </a:r>
+              <a:endParaRPr lang="zh-CN" altLang="en-US" sz="1100" dirty="0"/>
+            </a:p>
+          </p:txBody>
+        </p:sp>
+        <p:sp>
+          <p:nvSpPr>
+            <p:cNvPr id="122" name="椭圆 121">
+              <a:extLst>
+                <a:ext uri="{FF2B5EF4-FFF2-40B4-BE49-F238E27FC236}">
+                  <a16:creationId xmlns:a16="http://schemas.microsoft.com/office/drawing/2014/main" id="{2ADC96B8-EAE5-51F1-4D78-26FAF3CD89A7}"/>
+                </a:ext>
+              </a:extLst>
+            </p:cNvPr>
+            <p:cNvSpPr/>
+            <p:nvPr/>
+          </p:nvSpPr>
+          <p:spPr>
+            <a:xfrm>
+              <a:off x="2328020" y="4095198"/>
+              <a:ext cx="719091" cy="719091"/>
+            </a:xfrm>
+            <a:prstGeom prst="ellipse">
+              <a:avLst/>
+            </a:prstGeom>
+          </p:spPr>
+          <p:style>
+            <a:lnRef idx="2">
+              <a:schemeClr val="accent1">
+                <a:shade val="50000"/>
+              </a:schemeClr>
+            </a:lnRef>
+            <a:fillRef idx="1">
+              <a:schemeClr val="accent1"/>
+            </a:fillRef>
+            <a:effectRef idx="0">
+              <a:schemeClr val="accent1"/>
+            </a:effectRef>
+            <a:fontRef idx="minor">
+              <a:schemeClr val="lt1"/>
+            </a:fontRef>
+          </p:style>
+          <p:txBody>
+            <a:bodyPr rtlCol="0" anchor="ctr"/>
+            <a:lstStyle/>
+            <a:p>
+              <a:pPr algn="ctr"/>
+              <a:r>
+                <a:rPr lang="en-US" altLang="zh-CN" sz="1100" dirty="0"/>
+                <a:t>MUL</a:t>
+              </a:r>
+            </a:p>
+            <a:p>
+              <a:pPr algn="ctr"/>
+              <a:r>
+                <a:rPr lang="en-US" altLang="zh-CN" sz="1100" dirty="0"/>
+                <a:t>Z</a:t>
+              </a:r>
+              <a:endParaRPr lang="zh-CN" altLang="en-US" sz="1100" dirty="0"/>
+            </a:p>
+          </p:txBody>
+        </p:sp>
+        <p:cxnSp>
+          <p:nvCxnSpPr>
+            <p:cNvPr id="123" name="连接符: 曲线 122">
+              <a:extLst>
+                <a:ext uri="{FF2B5EF4-FFF2-40B4-BE49-F238E27FC236}">
+                  <a16:creationId xmlns:a16="http://schemas.microsoft.com/office/drawing/2014/main" id="{79F41D1E-B4D5-AEB1-6E8F-A78BAAF56C18}"/>
+                </a:ext>
+              </a:extLst>
+            </p:cNvPr>
+            <p:cNvCxnSpPr>
+              <a:cxnSpLocks/>
+              <a:stCxn id="121" idx="4"/>
+              <a:endCxn id="122" idx="7"/>
+            </p:cNvCxnSpPr>
+            <p:nvPr/>
+          </p:nvCxnSpPr>
+          <p:spPr>
+            <a:xfrm rot="5400000">
+              <a:off x="2892667" y="3837683"/>
+              <a:ext cx="411960" cy="313687"/>
+            </a:xfrm>
+            <a:prstGeom prst="curvedConnector3">
+              <a:avLst>
+                <a:gd name="adj1" fmla="val 50000"/>
+              </a:avLst>
+            </a:prstGeom>
+            <a:ln>
+              <a:tailEnd type="triangle"/>
+            </a:ln>
+          </p:spPr>
+          <p:style>
+            <a:lnRef idx="1">
+              <a:schemeClr val="accent1"/>
+            </a:lnRef>
+            <a:fillRef idx="0">
+              <a:schemeClr val="accent1"/>
+            </a:fillRef>
+            <a:effectRef idx="0">
+              <a:schemeClr val="accent1"/>
+            </a:effectRef>
+            <a:fontRef idx="minor">
+              <a:schemeClr val="tx1"/>
+            </a:fontRef>
+          </p:style>
+        </p:cxnSp>
+        <p:cxnSp>
+          <p:nvCxnSpPr>
+            <p:cNvPr id="124" name="连接符: 曲线 123">
+              <a:extLst>
+                <a:ext uri="{FF2B5EF4-FFF2-40B4-BE49-F238E27FC236}">
+                  <a16:creationId xmlns:a16="http://schemas.microsoft.com/office/drawing/2014/main" id="{4530C11D-7ADE-A903-3E4F-7F05DC07B251}"/>
+                </a:ext>
+              </a:extLst>
+            </p:cNvPr>
+            <p:cNvCxnSpPr>
+              <a:cxnSpLocks/>
+              <a:stCxn id="120" idx="4"/>
+              <a:endCxn id="122" idx="1"/>
+            </p:cNvCxnSpPr>
+            <p:nvPr/>
+          </p:nvCxnSpPr>
+          <p:spPr>
+            <a:xfrm rot="16200000" flipH="1">
+              <a:off x="2065798" y="3832976"/>
+              <a:ext cx="411960" cy="323100"/>
+            </a:xfrm>
+            <a:prstGeom prst="curvedConnector3">
+              <a:avLst>
+                <a:gd name="adj1" fmla="val 50000"/>
+              </a:avLst>
+            </a:prstGeom>
+            <a:ln>
+              <a:tailEnd type="triangle"/>
+            </a:ln>
+          </p:spPr>
+          <p:style>
+            <a:lnRef idx="1">
+              <a:schemeClr val="accent1"/>
+            </a:lnRef>
+            <a:fillRef idx="0">
+              <a:schemeClr val="accent1"/>
+            </a:fillRef>
+            <a:effectRef idx="0">
+              <a:schemeClr val="accent1"/>
+            </a:effectRef>
+            <a:fontRef idx="minor">
+              <a:schemeClr val="tx1"/>
+            </a:fontRef>
+          </p:style>
+        </p:cxnSp>
+        <p:sp>
+          <p:nvSpPr>
+            <p:cNvPr id="125" name="椭圆 124">
+              <a:extLst>
+                <a:ext uri="{FF2B5EF4-FFF2-40B4-BE49-F238E27FC236}">
+                  <a16:creationId xmlns:a16="http://schemas.microsoft.com/office/drawing/2014/main" id="{1207826C-C709-D8BE-ED03-0A0DED474B3C}"/>
+                </a:ext>
+              </a:extLst>
+            </p:cNvPr>
+            <p:cNvSpPr/>
+            <p:nvPr/>
+          </p:nvSpPr>
+          <p:spPr>
+            <a:xfrm>
+              <a:off x="4445924" y="3069454"/>
+              <a:ext cx="719091" cy="719091"/>
+            </a:xfrm>
+            <a:prstGeom prst="ellipse">
+              <a:avLst/>
+            </a:prstGeom>
+          </p:spPr>
+          <p:style>
+            <a:lnRef idx="2">
+              <a:schemeClr val="accent1">
+                <a:shade val="50000"/>
+              </a:schemeClr>
+            </a:lnRef>
+            <a:fillRef idx="1">
+              <a:schemeClr val="accent1"/>
+            </a:fillRef>
+            <a:effectRef idx="0">
+              <a:schemeClr val="accent1"/>
+            </a:effectRef>
+            <a:fontRef idx="minor">
+              <a:schemeClr val="lt1"/>
+            </a:fontRef>
+          </p:style>
+          <p:txBody>
+            <a:bodyPr rtlCol="0" anchor="ctr"/>
+            <a:lstStyle/>
+            <a:p>
+              <a:pPr algn="ctr"/>
+              <a:r>
+                <a:rPr lang="en-US" altLang="zh-CN" sz="900" dirty="0"/>
+                <a:t>~ONE</a:t>
+              </a:r>
+            </a:p>
+            <a:p>
+              <a:pPr algn="ctr"/>
+              <a:r>
+                <a:rPr lang="en-US" altLang="zh-CN" sz="1100" dirty="0"/>
+                <a:t>5</a:t>
+              </a:r>
+              <a:endParaRPr lang="zh-CN" altLang="en-US" sz="1100" dirty="0"/>
+            </a:p>
+          </p:txBody>
+        </p:sp>
+        <p:sp>
+          <p:nvSpPr>
+            <p:cNvPr id="126" name="椭圆 125">
+              <a:extLst>
+                <a:ext uri="{FF2B5EF4-FFF2-40B4-BE49-F238E27FC236}">
+                  <a16:creationId xmlns:a16="http://schemas.microsoft.com/office/drawing/2014/main" id="{D3477B36-EE5B-127C-4F28-44EEDB618401}"/>
+                </a:ext>
+              </a:extLst>
+            </p:cNvPr>
+            <p:cNvSpPr/>
+            <p:nvPr/>
+          </p:nvSpPr>
+          <p:spPr>
+            <a:xfrm>
+              <a:off x="5591186" y="3069454"/>
+              <a:ext cx="719091" cy="719091"/>
+            </a:xfrm>
+            <a:prstGeom prst="ellipse">
+              <a:avLst/>
+            </a:prstGeom>
+          </p:spPr>
+          <p:style>
+            <a:lnRef idx="2">
+              <a:schemeClr val="accent1">
+                <a:shade val="50000"/>
+              </a:schemeClr>
+            </a:lnRef>
+            <a:fillRef idx="1">
+              <a:schemeClr val="accent1"/>
+            </a:fillRef>
+            <a:effectRef idx="0">
+              <a:schemeClr val="accent1"/>
+            </a:effectRef>
+            <a:fontRef idx="minor">
+              <a:schemeClr val="lt1"/>
+            </a:fontRef>
+          </p:style>
+          <p:txBody>
+            <a:bodyPr rtlCol="0" anchor="ctr"/>
+            <a:lstStyle/>
+            <a:p>
+              <a:pPr algn="ctr"/>
+              <a:r>
+                <a:rPr lang="en-US" altLang="zh-CN" sz="1100" dirty="0"/>
+                <a:t>MUL</a:t>
+              </a:r>
+            </a:p>
+            <a:p>
+              <a:pPr algn="ctr"/>
+              <a:r>
+                <a:rPr lang="en-US" altLang="zh-CN" sz="1100" dirty="0"/>
+                <a:t>_</a:t>
+              </a:r>
+              <a:endParaRPr lang="zh-CN" altLang="en-US" sz="1100" dirty="0"/>
+            </a:p>
+          </p:txBody>
+        </p:sp>
+        <p:sp>
+          <p:nvSpPr>
+            <p:cNvPr id="127" name="椭圆 126">
+              <a:extLst>
+                <a:ext uri="{FF2B5EF4-FFF2-40B4-BE49-F238E27FC236}">
+                  <a16:creationId xmlns:a16="http://schemas.microsoft.com/office/drawing/2014/main" id="{55D7BD14-CD53-2C93-655C-9D25784D88CD}"/>
+                </a:ext>
+              </a:extLst>
+            </p:cNvPr>
+            <p:cNvSpPr/>
+            <p:nvPr/>
+          </p:nvSpPr>
+          <p:spPr>
+            <a:xfrm>
+              <a:off x="5023262" y="4095197"/>
+              <a:ext cx="719091" cy="719091"/>
+            </a:xfrm>
+            <a:prstGeom prst="ellipse">
+              <a:avLst/>
+            </a:prstGeom>
+          </p:spPr>
+          <p:style>
+            <a:lnRef idx="2">
+              <a:schemeClr val="accent1">
+                <a:shade val="50000"/>
+              </a:schemeClr>
+            </a:lnRef>
+            <a:fillRef idx="1">
+              <a:schemeClr val="accent1"/>
+            </a:fillRef>
+            <a:effectRef idx="0">
+              <a:schemeClr val="accent1"/>
+            </a:effectRef>
+            <a:fontRef idx="minor">
+              <a:schemeClr val="lt1"/>
+            </a:fontRef>
+          </p:style>
+          <p:txBody>
+            <a:bodyPr rtlCol="0" anchor="ctr"/>
+            <a:lstStyle/>
+            <a:p>
+              <a:pPr algn="ctr"/>
+              <a:r>
+                <a:rPr lang="en-US" altLang="zh-CN" sz="1100" dirty="0"/>
+                <a:t>MUL</a:t>
+              </a:r>
+            </a:p>
+            <a:p>
+              <a:pPr algn="ctr"/>
+              <a:r>
+                <a:rPr lang="en-US" altLang="zh-CN" sz="1100" dirty="0"/>
+                <a:t>Z</a:t>
+              </a:r>
+              <a:endParaRPr lang="zh-CN" altLang="en-US" sz="1100" dirty="0"/>
+            </a:p>
+          </p:txBody>
+        </p:sp>
+        <p:cxnSp>
+          <p:nvCxnSpPr>
+            <p:cNvPr id="128" name="连接符: 曲线 127">
+              <a:extLst>
+                <a:ext uri="{FF2B5EF4-FFF2-40B4-BE49-F238E27FC236}">
+                  <a16:creationId xmlns:a16="http://schemas.microsoft.com/office/drawing/2014/main" id="{9CF5321D-576D-BF5D-3A9C-C2CEE931F5F7}"/>
+                </a:ext>
+              </a:extLst>
+            </p:cNvPr>
+            <p:cNvCxnSpPr>
+              <a:cxnSpLocks/>
+              <a:stCxn id="126" idx="4"/>
+              <a:endCxn id="127" idx="7"/>
+            </p:cNvCxnSpPr>
+            <p:nvPr/>
+          </p:nvCxnSpPr>
+          <p:spPr>
+            <a:xfrm rot="5400000">
+              <a:off x="5587909" y="3837682"/>
+              <a:ext cx="411960" cy="313687"/>
+            </a:xfrm>
+            <a:prstGeom prst="curvedConnector3">
+              <a:avLst>
+                <a:gd name="adj1" fmla="val 50000"/>
+              </a:avLst>
+            </a:prstGeom>
+            <a:ln>
+              <a:tailEnd type="triangle"/>
+            </a:ln>
+          </p:spPr>
+          <p:style>
+            <a:lnRef idx="1">
+              <a:schemeClr val="accent1"/>
+            </a:lnRef>
+            <a:fillRef idx="0">
+              <a:schemeClr val="accent1"/>
+            </a:fillRef>
+            <a:effectRef idx="0">
+              <a:schemeClr val="accent1"/>
+            </a:effectRef>
+            <a:fontRef idx="minor">
+              <a:schemeClr val="tx1"/>
+            </a:fontRef>
+          </p:style>
+        </p:cxnSp>
+        <p:cxnSp>
+          <p:nvCxnSpPr>
+            <p:cNvPr id="129" name="连接符: 曲线 128">
+              <a:extLst>
+                <a:ext uri="{FF2B5EF4-FFF2-40B4-BE49-F238E27FC236}">
+                  <a16:creationId xmlns:a16="http://schemas.microsoft.com/office/drawing/2014/main" id="{F4B20B81-1A0B-8A86-E419-520A109FBEF5}"/>
+                </a:ext>
+              </a:extLst>
+            </p:cNvPr>
+            <p:cNvCxnSpPr>
+              <a:cxnSpLocks/>
+              <a:stCxn id="125" idx="4"/>
+              <a:endCxn id="127" idx="1"/>
+            </p:cNvCxnSpPr>
+            <p:nvPr/>
+          </p:nvCxnSpPr>
+          <p:spPr>
+            <a:xfrm rot="16200000" flipH="1">
+              <a:off x="4761040" y="3832975"/>
+              <a:ext cx="411960" cy="323100"/>
+            </a:xfrm>
+            <a:prstGeom prst="curvedConnector3">
+              <a:avLst>
+                <a:gd name="adj1" fmla="val 50000"/>
+              </a:avLst>
+            </a:prstGeom>
+            <a:ln>
+              <a:tailEnd type="triangle"/>
+            </a:ln>
+          </p:spPr>
+          <p:style>
+            <a:lnRef idx="1">
+              <a:schemeClr val="accent1"/>
+            </a:lnRef>
+            <a:fillRef idx="0">
+              <a:schemeClr val="accent1"/>
+            </a:fillRef>
+            <a:effectRef idx="0">
+              <a:schemeClr val="accent1"/>
+            </a:effectRef>
+            <a:fontRef idx="minor">
+              <a:schemeClr val="tx1"/>
+            </a:fontRef>
+          </p:style>
+        </p:cxnSp>
+        <p:sp>
+          <p:nvSpPr>
+            <p:cNvPr id="130" name="椭圆 129">
+              <a:extLst>
+                <a:ext uri="{FF2B5EF4-FFF2-40B4-BE49-F238E27FC236}">
+                  <a16:creationId xmlns:a16="http://schemas.microsoft.com/office/drawing/2014/main" id="{7150313D-760C-15DE-AD4B-5ACBA9C39207}"/>
+                </a:ext>
+              </a:extLst>
+            </p:cNvPr>
+            <p:cNvSpPr/>
+            <p:nvPr/>
+          </p:nvSpPr>
+          <p:spPr>
+            <a:xfrm>
+              <a:off x="4946560" y="2043710"/>
+              <a:ext cx="719091" cy="719091"/>
+            </a:xfrm>
+            <a:prstGeom prst="ellipse">
+              <a:avLst/>
+            </a:prstGeom>
+          </p:spPr>
+          <p:style>
+            <a:lnRef idx="2">
+              <a:schemeClr val="accent1">
+                <a:shade val="50000"/>
+              </a:schemeClr>
+            </a:lnRef>
+            <a:fillRef idx="1">
+              <a:schemeClr val="accent1"/>
+            </a:fillRef>
+            <a:effectRef idx="0">
+              <a:schemeClr val="accent1"/>
+            </a:effectRef>
+            <a:fontRef idx="minor">
+              <a:schemeClr val="lt1"/>
+            </a:fontRef>
+          </p:style>
+          <p:txBody>
+            <a:bodyPr rtlCol="0" anchor="ctr"/>
+            <a:lstStyle/>
+            <a:p>
+              <a:pPr algn="ctr"/>
+              <a:r>
+                <a:rPr lang="en-US" altLang="zh-CN" sz="1100" dirty="0"/>
+                <a:t>NUL</a:t>
+              </a:r>
+            </a:p>
+            <a:p>
+              <a:pPr algn="ctr"/>
+              <a:r>
+                <a:rPr lang="en-US" altLang="zh-CN" sz="1100" dirty="0"/>
+                <a:t>X</a:t>
+              </a:r>
+              <a:endParaRPr lang="zh-CN" altLang="en-US" sz="1100" dirty="0"/>
+            </a:p>
+          </p:txBody>
+        </p:sp>
+        <p:sp>
+          <p:nvSpPr>
+            <p:cNvPr id="131" name="椭圆 130">
+              <a:extLst>
+                <a:ext uri="{FF2B5EF4-FFF2-40B4-BE49-F238E27FC236}">
+                  <a16:creationId xmlns:a16="http://schemas.microsoft.com/office/drawing/2014/main" id="{CAEC0E95-88E0-9A79-89AA-A5CB8AC0DB94}"/>
+                </a:ext>
+              </a:extLst>
+            </p:cNvPr>
+            <p:cNvSpPr/>
+            <p:nvPr/>
+          </p:nvSpPr>
+          <p:spPr>
+            <a:xfrm>
+              <a:off x="6231750" y="2043711"/>
+              <a:ext cx="719091" cy="719091"/>
+            </a:xfrm>
+            <a:prstGeom prst="ellipse">
+              <a:avLst/>
+            </a:prstGeom>
+          </p:spPr>
+          <p:style>
+            <a:lnRef idx="2">
+              <a:schemeClr val="accent1">
+                <a:shade val="50000"/>
+              </a:schemeClr>
+            </a:lnRef>
+            <a:fillRef idx="1">
+              <a:schemeClr val="accent1"/>
+            </a:fillRef>
+            <a:effectRef idx="0">
+              <a:schemeClr val="accent1"/>
+            </a:effectRef>
+            <a:fontRef idx="minor">
+              <a:schemeClr val="lt1"/>
+            </a:fontRef>
+          </p:style>
+          <p:txBody>
+            <a:bodyPr rtlCol="0" anchor="ctr"/>
+            <a:lstStyle/>
+            <a:p>
+              <a:pPr algn="ctr"/>
+              <a:r>
+                <a:rPr lang="en-US" altLang="zh-CN" sz="1100" dirty="0"/>
+                <a:t>MUL</a:t>
+              </a:r>
+            </a:p>
+            <a:p>
+              <a:pPr algn="ctr"/>
+              <a:r>
+                <a:rPr lang="en-US" altLang="zh-CN" sz="1100" dirty="0"/>
+                <a:t>7</a:t>
+              </a:r>
+              <a:endParaRPr lang="zh-CN" altLang="en-US" sz="1100" dirty="0"/>
+            </a:p>
+          </p:txBody>
+        </p:sp>
+        <p:cxnSp>
+          <p:nvCxnSpPr>
+            <p:cNvPr id="132" name="连接符: 曲线 131">
+              <a:extLst>
+                <a:ext uri="{FF2B5EF4-FFF2-40B4-BE49-F238E27FC236}">
+                  <a16:creationId xmlns:a16="http://schemas.microsoft.com/office/drawing/2014/main" id="{B083A9FE-C9CB-1C02-E301-43956639865F}"/>
+                </a:ext>
+              </a:extLst>
+            </p:cNvPr>
+            <p:cNvCxnSpPr>
+              <a:cxnSpLocks/>
+              <a:stCxn id="131" idx="4"/>
+              <a:endCxn id="126" idx="7"/>
+            </p:cNvCxnSpPr>
+            <p:nvPr/>
+          </p:nvCxnSpPr>
+          <p:spPr>
+            <a:xfrm rot="5400000">
+              <a:off x="6192153" y="2775619"/>
+              <a:ext cx="411960" cy="386327"/>
+            </a:xfrm>
+            <a:prstGeom prst="curvedConnector3">
+              <a:avLst>
+                <a:gd name="adj1" fmla="val 50000"/>
+              </a:avLst>
+            </a:prstGeom>
+            <a:ln>
+              <a:tailEnd type="triangle"/>
+            </a:ln>
+          </p:spPr>
+          <p:style>
+            <a:lnRef idx="1">
+              <a:schemeClr val="accent1"/>
+            </a:lnRef>
+            <a:fillRef idx="0">
+              <a:schemeClr val="accent1"/>
+            </a:fillRef>
+            <a:effectRef idx="0">
+              <a:schemeClr val="accent1"/>
+            </a:effectRef>
+            <a:fontRef idx="minor">
+              <a:schemeClr val="tx1"/>
+            </a:fontRef>
+          </p:style>
+        </p:cxnSp>
+        <p:cxnSp>
+          <p:nvCxnSpPr>
+            <p:cNvPr id="133" name="连接符: 曲线 132">
+              <a:extLst>
+                <a:ext uri="{FF2B5EF4-FFF2-40B4-BE49-F238E27FC236}">
+                  <a16:creationId xmlns:a16="http://schemas.microsoft.com/office/drawing/2014/main" id="{B05C0664-72DA-8F97-1761-533658BF16AE}"/>
+                </a:ext>
+              </a:extLst>
+            </p:cNvPr>
+            <p:cNvCxnSpPr>
+              <a:cxnSpLocks/>
+              <a:stCxn id="130" idx="4"/>
+              <a:endCxn id="126" idx="1"/>
+            </p:cNvCxnSpPr>
+            <p:nvPr/>
+          </p:nvCxnSpPr>
+          <p:spPr>
+            <a:xfrm rot="16200000" flipH="1">
+              <a:off x="5295320" y="2773587"/>
+              <a:ext cx="411961" cy="390388"/>
+            </a:xfrm>
+            <a:prstGeom prst="curvedConnector3">
+              <a:avLst>
+                <a:gd name="adj1" fmla="val 50000"/>
+              </a:avLst>
+            </a:prstGeom>
+            <a:ln>
+              <a:tailEnd type="triangle"/>
+            </a:ln>
+          </p:spPr>
+          <p:style>
+            <a:lnRef idx="1">
+              <a:schemeClr val="accent1"/>
+            </a:lnRef>
+            <a:fillRef idx="0">
+              <a:schemeClr val="accent1"/>
+            </a:fillRef>
+            <a:effectRef idx="0">
+              <a:schemeClr val="accent1"/>
+            </a:effectRef>
+            <a:fontRef idx="minor">
+              <a:schemeClr val="tx1"/>
+            </a:fontRef>
+          </p:style>
+        </p:cxnSp>
+        <p:sp>
+          <p:nvSpPr>
+            <p:cNvPr id="134" name="文本框 133">
+              <a:extLst>
+                <a:ext uri="{FF2B5EF4-FFF2-40B4-BE49-F238E27FC236}">
+                  <a16:creationId xmlns:a16="http://schemas.microsoft.com/office/drawing/2014/main" id="{31CEA128-2829-E490-1EC4-3D64530DA04E}"/>
+                </a:ext>
+              </a:extLst>
+            </p:cNvPr>
+            <p:cNvSpPr txBox="1"/>
+            <p:nvPr/>
+          </p:nvSpPr>
+          <p:spPr>
+            <a:xfrm>
+              <a:off x="2110227" y="5064885"/>
+              <a:ext cx="1305018" cy="369332"/>
+            </a:xfrm>
+            <a:prstGeom prst="rect">
+              <a:avLst/>
+            </a:prstGeom>
+            <a:noFill/>
+          </p:spPr>
+          <p:txBody>
+            <a:bodyPr wrap="square" rtlCol="0">
+              <a:spAutoFit/>
+            </a:bodyPr>
+            <a:lstStyle/>
+            <a:p>
+              <a:r>
+                <a:rPr lang="en-US" altLang="zh-CN" dirty="0"/>
+                <a:t>Quadratic</a:t>
+              </a:r>
+              <a:endParaRPr lang="zh-CN" altLang="en-US" dirty="0"/>
+            </a:p>
+          </p:txBody>
+        </p:sp>
+        <p:sp>
+          <p:nvSpPr>
+            <p:cNvPr id="135" name="文本框 134">
+              <a:extLst>
+                <a:ext uri="{FF2B5EF4-FFF2-40B4-BE49-F238E27FC236}">
+                  <a16:creationId xmlns:a16="http://schemas.microsoft.com/office/drawing/2014/main" id="{AC3702F7-53B7-9EFE-C1E3-F6F55CA66816}"/>
+                </a:ext>
+              </a:extLst>
+            </p:cNvPr>
+            <p:cNvSpPr txBox="1"/>
+            <p:nvPr/>
+          </p:nvSpPr>
+          <p:spPr>
+            <a:xfrm>
+              <a:off x="4749545" y="5048663"/>
+              <a:ext cx="1305018" cy="369332"/>
+            </a:xfrm>
+            <a:prstGeom prst="rect">
+              <a:avLst/>
+            </a:prstGeom>
+            <a:noFill/>
+          </p:spPr>
+          <p:txBody>
+            <a:bodyPr wrap="square" rtlCol="0">
+              <a:spAutoFit/>
+            </a:bodyPr>
+            <a:lstStyle/>
+            <a:p>
+              <a:r>
+                <a:rPr lang="en-US" altLang="zh-CN" dirty="0" err="1"/>
+                <a:t>MullLinear</a:t>
+              </a:r>
+              <a:endParaRPr lang="zh-CN" altLang="en-US" dirty="0"/>
+            </a:p>
+          </p:txBody>
+        </p:sp>
+        <p:sp>
+          <p:nvSpPr>
+            <p:cNvPr id="136" name="文本框 135">
+              <a:extLst>
+                <a:ext uri="{FF2B5EF4-FFF2-40B4-BE49-F238E27FC236}">
+                  <a16:creationId xmlns:a16="http://schemas.microsoft.com/office/drawing/2014/main" id="{BE6D2E4F-0CB9-C1E2-F744-6F97FBBE2BCF}"/>
+                </a:ext>
+              </a:extLst>
+            </p:cNvPr>
+            <p:cNvSpPr txBox="1"/>
+            <p:nvPr/>
+          </p:nvSpPr>
+          <p:spPr>
+            <a:xfrm>
+              <a:off x="7966883" y="5046265"/>
+              <a:ext cx="1305018" cy="369332"/>
+            </a:xfrm>
+            <a:prstGeom prst="rect">
+              <a:avLst/>
+            </a:prstGeom>
+            <a:noFill/>
+          </p:spPr>
+          <p:txBody>
+            <a:bodyPr wrap="square" rtlCol="0">
+              <a:spAutoFit/>
+            </a:bodyPr>
+            <a:lstStyle/>
+            <a:p>
+              <a:r>
+                <a:rPr lang="en-US" altLang="zh-CN" dirty="0" err="1"/>
+                <a:t>AddLinear</a:t>
+              </a:r>
+              <a:endParaRPr lang="zh-CN" altLang="en-US" dirty="0"/>
+            </a:p>
+          </p:txBody>
+        </p:sp>
+      </p:grpSp>
     </p:spTree>
     <p:extLst>
       <p:ext uri="{BB962C8B-B14F-4D97-AF65-F5344CB8AC3E}">
-        <p14:creationId xmlns:p14="http://schemas.microsoft.com/office/powerpoint/2010/main" val="2725361790"/>
+        <p14:creationId xmlns:p14="http://schemas.microsoft.com/office/powerpoint/2010/main" val="149265304"/>
       </p:ext>
     </p:extLst>
   </p:cSld>
@@ -9052,9 +10584,7 @@
         </p:nvSpPr>
         <p:spPr/>
         <p:txBody>
-          <a:bodyPr>
-            <a:normAutofit/>
-          </a:bodyPr>
+          <a:bodyPr/>
           <a:lstStyle/>
           <a:p>
             <a:r>
@@ -9063,11 +10593,11 @@
             </a:r>
             <a:r>
               <a:rPr kumimoji="1" lang="en-US" altLang="zh-CN" dirty="0"/>
-              <a:t>4:</a:t>
+              <a:t>2: </a:t>
             </a:r>
             <a:r>
               <a:rPr kumimoji="1" lang="zh-CN" altLang="en-US" dirty="0"/>
-              <a:t>对线性瓦片的进一步调整</a:t>
+              <a:t>瓦片生成</a:t>
             </a:r>
           </a:p>
         </p:txBody>
@@ -9096,6 +10626,258 @@
             <a:fld id="{ADE361C3-C043-4A6E-BDCE-8DA1E7D90A3B}" type="slidenum">
               <a:rPr lang="zh-CN" altLang="en-US" smtClean="0"/>
               <a:t>14</a:t>
+            </a:fld>
+            <a:endParaRPr lang="zh-CN" altLang="en-US"/>
+          </a:p>
+        </p:txBody>
+      </p:sp>
+      <p:sp>
+        <p:nvSpPr>
+          <p:cNvPr id="9" name="内容占位符 2">
+            <a:extLst>
+              <a:ext uri="{FF2B5EF4-FFF2-40B4-BE49-F238E27FC236}">
+                <a16:creationId xmlns:a16="http://schemas.microsoft.com/office/drawing/2014/main" id="{EB648DB9-04AF-7B4D-A50C-D5002B6028A5}"/>
+              </a:ext>
+            </a:extLst>
+          </p:cNvPr>
+          <p:cNvSpPr>
+            <a:spLocks noGrp="1"/>
+          </p:cNvSpPr>
+          <p:nvPr>
+            <p:ph idx="1"/>
+          </p:nvPr>
+        </p:nvSpPr>
+        <p:spPr>
+          <a:xfrm>
+            <a:off x="1158240" y="1600202"/>
+            <a:ext cx="9875520" cy="4756153"/>
+          </a:xfrm>
+        </p:spPr>
+        <p:txBody>
+          <a:bodyPr>
+            <a:normAutofit/>
+          </a:bodyPr>
+          <a:lstStyle/>
+          <a:p>
+            <a:r>
+              <a:rPr kumimoji="1" lang="en-US" altLang="zh-CN" sz="2160" dirty="0" err="1"/>
+              <a:t>AddLinear</a:t>
+            </a:r>
+            <a:r>
+              <a:rPr kumimoji="1" lang="en-US" altLang="zh-CN" sz="2160" dirty="0"/>
+              <a:t> </a:t>
+            </a:r>
+            <a:r>
+              <a:rPr kumimoji="1" lang="zh-CN" altLang="en-US" sz="2160" dirty="0"/>
+              <a:t>和 </a:t>
+            </a:r>
+            <a:r>
+              <a:rPr kumimoji="1" lang="en-US" altLang="zh-CN" sz="2160" dirty="0" err="1"/>
+              <a:t>MullLinear</a:t>
+            </a:r>
+            <a:r>
+              <a:rPr kumimoji="1" lang="en-US" altLang="zh-CN" sz="2160" dirty="0"/>
+              <a:t> </a:t>
+            </a:r>
+            <a:r>
+              <a:rPr kumimoji="1" lang="zh-CN" altLang="en-US" sz="2160" dirty="0"/>
+              <a:t>瓦片本质上都由线性约束产生</a:t>
+            </a:r>
+            <a:r>
+              <a:rPr kumimoji="1" lang="en-US" altLang="zh-CN" sz="2160" dirty="0"/>
+              <a:t>, </a:t>
+            </a:r>
+            <a:r>
+              <a:rPr kumimoji="1" lang="zh-CN" altLang="en-US" sz="2160" dirty="0"/>
+              <a:t>都是 </a:t>
+            </a:r>
+            <a:r>
+              <a:rPr kumimoji="1" lang="en-US" altLang="zh-CN" sz="2160" dirty="0"/>
+              <a:t>Linear </a:t>
+            </a:r>
+            <a:r>
+              <a:rPr kumimoji="1" lang="zh-CN" altLang="en-US" sz="2160" dirty="0"/>
+              <a:t>瓦片</a:t>
+            </a:r>
+            <a:r>
+              <a:rPr kumimoji="1" lang="en-US" altLang="zh-CN" sz="2160" dirty="0"/>
+              <a:t>, </a:t>
+            </a:r>
+            <a:r>
+              <a:rPr kumimoji="1" lang="zh-CN" altLang="en-US" sz="2160" dirty="0"/>
+              <a:t>但是由于在算法处理上逻辑完全不同</a:t>
+            </a:r>
+            <a:r>
+              <a:rPr kumimoji="1" lang="en-US" altLang="zh-CN" sz="2160" dirty="0"/>
+              <a:t>, </a:t>
+            </a:r>
+            <a:r>
+              <a:rPr kumimoji="1" lang="zh-CN" altLang="en-US" sz="2160" dirty="0"/>
+              <a:t>所以在此将其分为两个种类讨论</a:t>
+            </a:r>
+            <a:endParaRPr kumimoji="1" lang="en-US" altLang="zh-CN" sz="2160" dirty="0"/>
+          </a:p>
+          <a:p>
+            <a:endParaRPr kumimoji="1" lang="en-US" altLang="zh-CN" sz="2160" dirty="0"/>
+          </a:p>
+          <a:p>
+            <a:r>
+              <a:rPr kumimoji="1" lang="zh-CN" altLang="en-US" sz="2400" dirty="0"/>
+              <a:t>三个考量</a:t>
+            </a:r>
+            <a:r>
+              <a:rPr kumimoji="1" lang="en-US" altLang="zh-CN" sz="2400" dirty="0"/>
+              <a:t>:</a:t>
+            </a:r>
+          </a:p>
+          <a:p>
+            <a:pPr lvl="1"/>
+            <a:r>
+              <a:rPr kumimoji="1" lang="zh-CN" altLang="en-US" sz="2400" dirty="0"/>
+              <a:t>将约束合并步骤暂时搁置</a:t>
+            </a:r>
+            <a:r>
+              <a:rPr kumimoji="1" lang="en-US" altLang="zh-CN" sz="2400" dirty="0"/>
+              <a:t>, </a:t>
+            </a:r>
+            <a:r>
+              <a:rPr kumimoji="1" lang="zh-CN" altLang="en-US" sz="2400" dirty="0"/>
+              <a:t>待后续步骤获取树中的更多信息后在进行</a:t>
+            </a:r>
+          </a:p>
+          <a:p>
+            <a:pPr lvl="1"/>
+            <a:r>
+              <a:rPr kumimoji="1" lang="zh-CN" altLang="en-US" sz="2400" dirty="0"/>
+              <a:t>产生未合并的范式后</a:t>
+            </a:r>
+            <a:r>
+              <a:rPr kumimoji="1" lang="en-US" altLang="zh-CN" sz="2400" dirty="0"/>
+              <a:t>, </a:t>
+            </a:r>
+            <a:r>
+              <a:rPr kumimoji="1" lang="zh-CN" altLang="en-US" sz="2400" dirty="0"/>
+              <a:t>如有产生合并范式的需求</a:t>
+            </a:r>
+            <a:r>
+              <a:rPr kumimoji="1" lang="en-US" altLang="zh-CN" sz="2400" dirty="0"/>
+              <a:t>, </a:t>
+            </a:r>
+            <a:r>
+              <a:rPr kumimoji="1" lang="zh-CN" altLang="en-US" sz="2400" dirty="0"/>
+              <a:t>只需在未合并的范式上应用固定算法即可</a:t>
+            </a:r>
+            <a:r>
+              <a:rPr kumimoji="1" lang="en-US" altLang="zh-CN" sz="2400" dirty="0"/>
+              <a:t>, </a:t>
+            </a:r>
+            <a:r>
+              <a:rPr kumimoji="1" lang="zh-CN" altLang="en-US" sz="2400" dirty="0"/>
+              <a:t>相对简单</a:t>
+            </a:r>
+          </a:p>
+          <a:p>
+            <a:pPr lvl="1"/>
+            <a:r>
+              <a:rPr kumimoji="1" lang="zh-CN" altLang="en-US" sz="2400" dirty="0"/>
+              <a:t>瓦片选取的算法实现也相对简单</a:t>
+            </a:r>
+            <a:endParaRPr kumimoji="1" lang="en-US" altLang="zh-CN" sz="2400" dirty="0"/>
+          </a:p>
+        </p:txBody>
+      </p:sp>
+    </p:spTree>
+    <p:extLst>
+      <p:ext uri="{BB962C8B-B14F-4D97-AF65-F5344CB8AC3E}">
+        <p14:creationId xmlns:p14="http://schemas.microsoft.com/office/powerpoint/2010/main" val="1958840463"/>
+      </p:ext>
+    </p:extLst>
+  </p:cSld>
+  <p:clrMapOvr>
+    <a:masterClrMapping/>
+  </p:clrMapOvr>
+</p:sld>
+</file>
+
+<file path=ppt/slides/slide15.xml><?xml version="1.0" encoding="utf-8"?>
+<p:sld xmlns:a="http://schemas.openxmlformats.org/drawingml/2006/main" xmlns:r="http://schemas.openxmlformats.org/officeDocument/2006/relationships" xmlns:p="http://schemas.openxmlformats.org/presentationml/2006/main">
+  <p:cSld>
+    <p:spTree>
+      <p:nvGrpSpPr>
+        <p:cNvPr id="1" name=""/>
+        <p:cNvGrpSpPr/>
+        <p:nvPr/>
+      </p:nvGrpSpPr>
+      <p:grpSpPr>
+        <a:xfrm>
+          <a:off x="0" y="0"/>
+          <a:ext cx="0" cy="0"/>
+          <a:chOff x="0" y="0"/>
+          <a:chExt cx="0" cy="0"/>
+        </a:xfrm>
+      </p:grpSpPr>
+      <p:sp>
+        <p:nvSpPr>
+          <p:cNvPr id="2" name="标题 1">
+            <a:extLst>
+              <a:ext uri="{FF2B5EF4-FFF2-40B4-BE49-F238E27FC236}">
+                <a16:creationId xmlns:a16="http://schemas.microsoft.com/office/drawing/2014/main" id="{3675270D-B90F-3849-B3BB-AF1CF4DC3E7D}"/>
+              </a:ext>
+            </a:extLst>
+          </p:cNvPr>
+          <p:cNvSpPr>
+            <a:spLocks noGrp="1"/>
+          </p:cNvSpPr>
+          <p:nvPr>
+            <p:ph type="title"/>
+          </p:nvPr>
+        </p:nvSpPr>
+        <p:spPr/>
+        <p:txBody>
+          <a:bodyPr>
+            <a:normAutofit/>
+          </a:bodyPr>
+          <a:lstStyle/>
+          <a:p>
+            <a:r>
+              <a:rPr kumimoji="1" lang="zh-CN" altLang="en-US" dirty="0"/>
+              <a:t>目前成果</a:t>
+            </a:r>
+            <a:r>
+              <a:rPr kumimoji="1" lang="en-US" altLang="zh-CN" dirty="0"/>
+              <a:t>3:</a:t>
+            </a:r>
+            <a:r>
+              <a:rPr kumimoji="1" lang="zh-CN" altLang="en-US" dirty="0"/>
+              <a:t>对图的进一步抽象</a:t>
+            </a:r>
+          </a:p>
+        </p:txBody>
+      </p:sp>
+      <p:sp>
+        <p:nvSpPr>
+          <p:cNvPr id="4" name="灯片编号占位符 3">
+            <a:extLst>
+              <a:ext uri="{FF2B5EF4-FFF2-40B4-BE49-F238E27FC236}">
+                <a16:creationId xmlns:a16="http://schemas.microsoft.com/office/drawing/2014/main" id="{AE828391-B279-8E41-A69D-5A4E4B3F5BB5}"/>
+              </a:ext>
+            </a:extLst>
+          </p:cNvPr>
+          <p:cNvSpPr>
+            <a:spLocks noGrp="1"/>
+          </p:cNvSpPr>
+          <p:nvPr>
+            <p:ph type="sldNum" sz="quarter" idx="12"/>
+          </p:nvPr>
+        </p:nvSpPr>
+        <p:spPr/>
+        <p:txBody>
+          <a:bodyPr/>
+          <a:lstStyle/>
+          <a:p>
+            <a:fld id="{ADE361C3-C043-4A6E-BDCE-8DA1E7D90A3B}" type="slidenum">
+              <a:rPr lang="zh-CN" altLang="en-US" smtClean="0"/>
+              <a:t>15</a:t>
             </a:fld>
             <a:endParaRPr lang="zh-CN" altLang="en-US"/>
           </a:p>
@@ -9129,266 +10911,1358 @@
           </a:bodyPr>
           <a:lstStyle/>
           <a:p>
-            <a:pPr lvl="1"/>
-            <a:endParaRPr kumimoji="1" lang="en-US" altLang="zh-CN" sz="2160" dirty="0"/>
+            <a:r>
+              <a:rPr kumimoji="1" lang="zh-CN" altLang="en-US" sz="2400" dirty="0"/>
+              <a:t>将选出的</a:t>
+            </a:r>
+            <a:r>
+              <a:rPr kumimoji="1" lang="en-US" altLang="zh-CN" sz="2400" dirty="0"/>
+              <a:t>Linear</a:t>
+            </a:r>
+            <a:r>
+              <a:rPr kumimoji="1" lang="zh-CN" altLang="en-US" sz="2400" dirty="0"/>
+              <a:t>瓦片抽象成一个大的点</a:t>
+            </a:r>
+            <a:r>
+              <a:rPr kumimoji="1" lang="en-US" altLang="zh-CN" sz="2400" dirty="0"/>
+              <a:t>, Quadratic</a:t>
+            </a:r>
+            <a:r>
+              <a:rPr kumimoji="1" lang="zh-CN" altLang="en-US" sz="2400" dirty="0"/>
+              <a:t>瓦片中的点保持不变</a:t>
+            </a:r>
+            <a:endParaRPr kumimoji="1" lang="en-US" altLang="zh-CN" sz="2400" dirty="0"/>
           </a:p>
         </p:txBody>
       </p:sp>
-    </p:spTree>
-    <p:extLst>
-      <p:ext uri="{BB962C8B-B14F-4D97-AF65-F5344CB8AC3E}">
-        <p14:creationId xmlns:p14="http://schemas.microsoft.com/office/powerpoint/2010/main" val="3920983860"/>
-      </p:ext>
-    </p:extLst>
-  </p:cSld>
-  <p:clrMapOvr>
-    <a:masterClrMapping/>
-  </p:clrMapOvr>
-</p:sld>
-</file>
-
-<file path=ppt/slides/slide15.xml><?xml version="1.0" encoding="utf-8"?>
-<p:sld xmlns:a="http://schemas.openxmlformats.org/drawingml/2006/main" xmlns:r="http://schemas.openxmlformats.org/officeDocument/2006/relationships" xmlns:p="http://schemas.openxmlformats.org/presentationml/2006/main">
-  <p:cSld>
-    <p:spTree>
-      <p:nvGrpSpPr>
-        <p:cNvPr id="1" name=""/>
-        <p:cNvGrpSpPr/>
-        <p:nvPr/>
-      </p:nvGrpSpPr>
-      <p:grpSpPr>
-        <a:xfrm>
-          <a:off x="0" y="0"/>
-          <a:ext cx="0" cy="0"/>
-          <a:chOff x="0" y="0"/>
-          <a:chExt cx="0" cy="0"/>
-        </a:xfrm>
-      </p:grpSpPr>
-      <p:sp>
-        <p:nvSpPr>
-          <p:cNvPr id="4" name="灯片编号占位符 3">
+      <p:grpSp>
+        <p:nvGrpSpPr>
+          <p:cNvPr id="31" name="组合 30">
             <a:extLst>
               <a:ext uri="{FF2B5EF4-FFF2-40B4-BE49-F238E27FC236}">
-                <a16:creationId xmlns:a16="http://schemas.microsoft.com/office/drawing/2014/main" id="{AE828391-B279-8E41-A69D-5A4E4B3F5BB5}"/>
+                <a16:creationId xmlns:a16="http://schemas.microsoft.com/office/drawing/2014/main" id="{831F3252-D20A-8B39-1BFB-836D8E68116A}"/>
               </a:ext>
             </a:extLst>
           </p:cNvPr>
-          <p:cNvSpPr>
-            <a:spLocks noGrp="1"/>
-          </p:cNvSpPr>
-          <p:nvPr>
-            <p:ph type="sldNum" sz="quarter" idx="12"/>
-          </p:nvPr>
-        </p:nvSpPr>
-        <p:spPr/>
-        <p:txBody>
-          <a:bodyPr/>
-          <a:lstStyle/>
-          <a:p>
-            <a:fld id="{ADE361C3-C043-4A6E-BDCE-8DA1E7D90A3B}" type="slidenum">
-              <a:rPr lang="zh-CN" altLang="en-US" smtClean="0"/>
-              <a:t>15</a:t>
-            </a:fld>
-            <a:endParaRPr lang="zh-CN" altLang="en-US"/>
-          </a:p>
-        </p:txBody>
-      </p:sp>
-      <p:sp>
-        <p:nvSpPr>
-          <p:cNvPr id="56" name="椭圆 55">
+          <p:cNvGrpSpPr/>
+          <p:nvPr/>
+        </p:nvGrpSpPr>
+        <p:grpSpPr>
+          <a:xfrm>
+            <a:off x="1531450" y="2062377"/>
+            <a:ext cx="9129100" cy="4563778"/>
+            <a:chOff x="1231541" y="2062377"/>
+            <a:chExt cx="9215491" cy="4606966"/>
+          </a:xfrm>
+        </p:grpSpPr>
+        <p:sp>
+          <p:nvSpPr>
+            <p:cNvPr id="3" name="椭圆 2">
+              <a:extLst>
+                <a:ext uri="{FF2B5EF4-FFF2-40B4-BE49-F238E27FC236}">
+                  <a16:creationId xmlns:a16="http://schemas.microsoft.com/office/drawing/2014/main" id="{9916C281-F946-9273-670E-F3B3BCB4DFFC}"/>
+                </a:ext>
+              </a:extLst>
+            </p:cNvPr>
+            <p:cNvSpPr/>
+            <p:nvPr/>
+          </p:nvSpPr>
+          <p:spPr>
+            <a:xfrm>
+              <a:off x="4209679" y="2062377"/>
+              <a:ext cx="719091" cy="719091"/>
+            </a:xfrm>
+            <a:prstGeom prst="ellipse">
+              <a:avLst/>
+            </a:prstGeom>
+          </p:spPr>
+          <p:style>
+            <a:lnRef idx="2">
+              <a:schemeClr val="accent1">
+                <a:shade val="50000"/>
+              </a:schemeClr>
+            </a:lnRef>
+            <a:fillRef idx="1">
+              <a:schemeClr val="accent1"/>
+            </a:fillRef>
+            <a:effectRef idx="0">
+              <a:schemeClr val="accent1"/>
+            </a:effectRef>
+            <a:fontRef idx="minor">
+              <a:schemeClr val="lt1"/>
+            </a:fontRef>
+          </p:style>
+          <p:txBody>
+            <a:bodyPr rtlCol="0" anchor="ctr"/>
+            <a:lstStyle/>
+            <a:p>
+              <a:pPr algn="ctr"/>
+              <a:r>
+                <a:rPr lang="en-US" altLang="zh-CN" sz="1100" dirty="0"/>
+                <a:t>NUL</a:t>
+              </a:r>
+            </a:p>
+            <a:p>
+              <a:pPr algn="ctr"/>
+              <a:r>
+                <a:rPr lang="en-US" altLang="zh-CN" sz="1100" dirty="0"/>
+                <a:t>X</a:t>
+              </a:r>
+              <a:endParaRPr lang="zh-CN" altLang="en-US" sz="1100" dirty="0"/>
+            </a:p>
+          </p:txBody>
+        </p:sp>
+        <p:sp>
+          <p:nvSpPr>
+            <p:cNvPr id="5" name="椭圆 4">
+              <a:extLst>
+                <a:ext uri="{FF2B5EF4-FFF2-40B4-BE49-F238E27FC236}">
+                  <a16:creationId xmlns:a16="http://schemas.microsoft.com/office/drawing/2014/main" id="{9E766C5A-3D3F-633B-9CE5-20C0EEFF8B04}"/>
+                </a:ext>
+              </a:extLst>
+            </p:cNvPr>
+            <p:cNvSpPr/>
+            <p:nvPr/>
+          </p:nvSpPr>
+          <p:spPr>
+            <a:xfrm>
+              <a:off x="4209679" y="3235711"/>
+              <a:ext cx="719091" cy="719091"/>
+            </a:xfrm>
+            <a:prstGeom prst="ellipse">
+              <a:avLst/>
+            </a:prstGeom>
+          </p:spPr>
+          <p:style>
+            <a:lnRef idx="2">
+              <a:schemeClr val="accent1">
+                <a:shade val="50000"/>
+              </a:schemeClr>
+            </a:lnRef>
+            <a:fillRef idx="1">
+              <a:schemeClr val="accent1"/>
+            </a:fillRef>
+            <a:effectRef idx="0">
+              <a:schemeClr val="accent1"/>
+            </a:effectRef>
+            <a:fontRef idx="minor">
+              <a:schemeClr val="lt1"/>
+            </a:fontRef>
+          </p:style>
+          <p:txBody>
+            <a:bodyPr rtlCol="0" anchor="ctr"/>
+            <a:lstStyle/>
+            <a:p>
+              <a:pPr algn="ctr"/>
+              <a:r>
+                <a:rPr lang="en-US" altLang="zh-CN" sz="1100" dirty="0"/>
+                <a:t>MUL</a:t>
+              </a:r>
+            </a:p>
+            <a:p>
+              <a:pPr algn="ctr"/>
+              <a:r>
+                <a:rPr lang="en-US" altLang="zh-CN" sz="1100" dirty="0"/>
+                <a:t>X^2</a:t>
+              </a:r>
+              <a:endParaRPr lang="zh-CN" altLang="en-US" sz="1100" dirty="0"/>
+            </a:p>
+          </p:txBody>
+        </p:sp>
+        <p:sp>
+          <p:nvSpPr>
+            <p:cNvPr id="6" name="椭圆 5">
+              <a:extLst>
+                <a:ext uri="{FF2B5EF4-FFF2-40B4-BE49-F238E27FC236}">
+                  <a16:creationId xmlns:a16="http://schemas.microsoft.com/office/drawing/2014/main" id="{44EF8344-259D-8A98-E27A-CEADE83DB5F7}"/>
+                </a:ext>
+              </a:extLst>
+            </p:cNvPr>
+            <p:cNvSpPr/>
+            <p:nvPr/>
+          </p:nvSpPr>
+          <p:spPr>
+            <a:xfrm>
+              <a:off x="3376659" y="4098324"/>
+              <a:ext cx="719091" cy="719091"/>
+            </a:xfrm>
+            <a:prstGeom prst="ellipse">
+              <a:avLst/>
+            </a:prstGeom>
+          </p:spPr>
+          <p:style>
+            <a:lnRef idx="2">
+              <a:schemeClr val="accent1">
+                <a:shade val="50000"/>
+              </a:schemeClr>
+            </a:lnRef>
+            <a:fillRef idx="1">
+              <a:schemeClr val="accent1"/>
+            </a:fillRef>
+            <a:effectRef idx="0">
+              <a:schemeClr val="accent1"/>
+            </a:effectRef>
+            <a:fontRef idx="minor">
+              <a:schemeClr val="lt1"/>
+            </a:fontRef>
+          </p:style>
+          <p:txBody>
+            <a:bodyPr rtlCol="0" anchor="ctr"/>
+            <a:lstStyle/>
+            <a:p>
+              <a:pPr algn="ctr"/>
+              <a:r>
+                <a:rPr lang="en-US" altLang="zh-CN" sz="1100" dirty="0"/>
+                <a:t>MUL</a:t>
+              </a:r>
+            </a:p>
+            <a:p>
+              <a:pPr algn="ctr"/>
+              <a:r>
+                <a:rPr lang="en-US" altLang="zh-CN" sz="1100" dirty="0"/>
+                <a:t>X^3</a:t>
+              </a:r>
+              <a:endParaRPr lang="zh-CN" altLang="en-US" sz="1100" dirty="0"/>
+            </a:p>
+          </p:txBody>
+        </p:sp>
+        <p:cxnSp>
+          <p:nvCxnSpPr>
+            <p:cNvPr id="7" name="连接符: 曲线 6">
+              <a:extLst>
+                <a:ext uri="{FF2B5EF4-FFF2-40B4-BE49-F238E27FC236}">
+                  <a16:creationId xmlns:a16="http://schemas.microsoft.com/office/drawing/2014/main" id="{226EC00A-DC4E-80A9-EF9D-EC96D7881979}"/>
+                </a:ext>
+              </a:extLst>
+            </p:cNvPr>
+            <p:cNvCxnSpPr>
+              <a:stCxn id="3" idx="4"/>
+              <a:endCxn id="5" idx="0"/>
+            </p:cNvCxnSpPr>
+            <p:nvPr/>
+          </p:nvCxnSpPr>
+          <p:spPr>
+            <a:xfrm rot="5400000">
+              <a:off x="4342104" y="3008589"/>
+              <a:ext cx="454243" cy="12700"/>
+            </a:xfrm>
+            <a:prstGeom prst="curvedConnector3">
+              <a:avLst/>
+            </a:prstGeom>
+            <a:ln>
+              <a:tailEnd type="triangle"/>
+            </a:ln>
+          </p:spPr>
+          <p:style>
+            <a:lnRef idx="1">
+              <a:schemeClr val="accent1"/>
+            </a:lnRef>
+            <a:fillRef idx="0">
+              <a:schemeClr val="accent1"/>
+            </a:fillRef>
+            <a:effectRef idx="0">
+              <a:schemeClr val="accent1"/>
+            </a:effectRef>
+            <a:fontRef idx="minor">
+              <a:schemeClr val="tx1"/>
+            </a:fontRef>
+          </p:style>
+        </p:cxnSp>
+        <p:cxnSp>
+          <p:nvCxnSpPr>
+            <p:cNvPr id="8" name="连接符: 曲线 7">
+              <a:extLst>
+                <a:ext uri="{FF2B5EF4-FFF2-40B4-BE49-F238E27FC236}">
+                  <a16:creationId xmlns:a16="http://schemas.microsoft.com/office/drawing/2014/main" id="{EB26168F-72EB-B946-85CD-009BB0367652}"/>
+                </a:ext>
+              </a:extLst>
+            </p:cNvPr>
+            <p:cNvCxnSpPr>
+              <a:stCxn id="5" idx="4"/>
+              <a:endCxn id="6" idx="6"/>
+            </p:cNvCxnSpPr>
+            <p:nvPr/>
+          </p:nvCxnSpPr>
+          <p:spPr>
+            <a:xfrm rot="5400000">
+              <a:off x="4080954" y="3969599"/>
+              <a:ext cx="503068" cy="473475"/>
+            </a:xfrm>
+            <a:prstGeom prst="curvedConnector2">
+              <a:avLst/>
+            </a:prstGeom>
+            <a:ln>
+              <a:tailEnd type="triangle"/>
+            </a:ln>
+          </p:spPr>
+          <p:style>
+            <a:lnRef idx="1">
+              <a:schemeClr val="accent1"/>
+            </a:lnRef>
+            <a:fillRef idx="0">
+              <a:schemeClr val="accent1"/>
+            </a:fillRef>
+            <a:effectRef idx="0">
+              <a:schemeClr val="accent1"/>
+            </a:effectRef>
+            <a:fontRef idx="minor">
+              <a:schemeClr val="tx1"/>
+            </a:fontRef>
+          </p:style>
+        </p:cxnSp>
+        <p:cxnSp>
+          <p:nvCxnSpPr>
+            <p:cNvPr id="10" name="连接符: 曲线 9">
+              <a:extLst>
+                <a:ext uri="{FF2B5EF4-FFF2-40B4-BE49-F238E27FC236}">
+                  <a16:creationId xmlns:a16="http://schemas.microsoft.com/office/drawing/2014/main" id="{EA62D3B6-FEE9-5805-F81A-821B27DEC6A5}"/>
+                </a:ext>
+              </a:extLst>
+            </p:cNvPr>
+            <p:cNvCxnSpPr>
+              <a:cxnSpLocks/>
+              <a:stCxn id="3" idx="3"/>
+              <a:endCxn id="6" idx="0"/>
+            </p:cNvCxnSpPr>
+            <p:nvPr/>
+          </p:nvCxnSpPr>
+          <p:spPr>
+            <a:xfrm rot="5400000">
+              <a:off x="3314514" y="3097851"/>
+              <a:ext cx="1422164" cy="578782"/>
+            </a:xfrm>
+            <a:prstGeom prst="curvedConnector3">
+              <a:avLst>
+                <a:gd name="adj1" fmla="val 50000"/>
+              </a:avLst>
+            </a:prstGeom>
+            <a:ln>
+              <a:tailEnd type="triangle"/>
+            </a:ln>
+          </p:spPr>
+          <p:style>
+            <a:lnRef idx="1">
+              <a:schemeClr val="accent1"/>
+            </a:lnRef>
+            <a:fillRef idx="0">
+              <a:schemeClr val="accent1"/>
+            </a:fillRef>
+            <a:effectRef idx="0">
+              <a:schemeClr val="accent1"/>
+            </a:effectRef>
+            <a:fontRef idx="minor">
+              <a:schemeClr val="tx1"/>
+            </a:fontRef>
+          </p:style>
+        </p:cxnSp>
+        <p:sp>
+          <p:nvSpPr>
+            <p:cNvPr id="11" name="椭圆 10">
+              <a:extLst>
+                <a:ext uri="{FF2B5EF4-FFF2-40B4-BE49-F238E27FC236}">
+                  <a16:creationId xmlns:a16="http://schemas.microsoft.com/office/drawing/2014/main" id="{49A4F1EC-DAFA-87C5-D55E-508EAE74E828}"/>
+                </a:ext>
+              </a:extLst>
+            </p:cNvPr>
+            <p:cNvSpPr/>
+            <p:nvPr/>
+          </p:nvSpPr>
+          <p:spPr>
+            <a:xfrm>
+              <a:off x="2557906" y="5048593"/>
+              <a:ext cx="719091" cy="719091"/>
+            </a:xfrm>
+            <a:prstGeom prst="ellipse">
+              <a:avLst/>
+            </a:prstGeom>
+          </p:spPr>
+          <p:style>
+            <a:lnRef idx="2">
+              <a:schemeClr val="accent1">
+                <a:shade val="50000"/>
+              </a:schemeClr>
+            </a:lnRef>
+            <a:fillRef idx="1">
+              <a:schemeClr val="accent1"/>
+            </a:fillRef>
+            <a:effectRef idx="0">
+              <a:schemeClr val="accent1"/>
+            </a:effectRef>
+            <a:fontRef idx="minor">
+              <a:schemeClr val="lt1"/>
+            </a:fontRef>
+          </p:style>
+          <p:txBody>
+            <a:bodyPr rtlCol="0" anchor="ctr"/>
+            <a:lstStyle/>
+            <a:p>
+              <a:pPr algn="ctr"/>
+              <a:r>
+                <a:rPr lang="en-US" altLang="zh-CN" sz="1100" dirty="0"/>
+                <a:t>ADD</a:t>
+              </a:r>
+            </a:p>
+            <a:p>
+              <a:pPr algn="ctr"/>
+              <a:r>
+                <a:rPr lang="en-US" altLang="zh-CN" sz="1100" dirty="0"/>
+                <a:t>_</a:t>
+              </a:r>
+              <a:endParaRPr lang="zh-CN" altLang="en-US" sz="1100" dirty="0"/>
+            </a:p>
+          </p:txBody>
+        </p:sp>
+        <p:cxnSp>
+          <p:nvCxnSpPr>
+            <p:cNvPr id="12" name="连接符: 曲线 11">
+              <a:extLst>
+                <a:ext uri="{FF2B5EF4-FFF2-40B4-BE49-F238E27FC236}">
+                  <a16:creationId xmlns:a16="http://schemas.microsoft.com/office/drawing/2014/main" id="{8ABDFEFB-4B22-AA1E-A383-8D53CCEE524E}"/>
+                </a:ext>
+              </a:extLst>
+            </p:cNvPr>
+            <p:cNvCxnSpPr>
+              <a:stCxn id="6" idx="3"/>
+              <a:endCxn id="11" idx="7"/>
+            </p:cNvCxnSpPr>
+            <p:nvPr/>
+          </p:nvCxnSpPr>
+          <p:spPr>
+            <a:xfrm rot="5400000">
+              <a:off x="3105931" y="4777865"/>
+              <a:ext cx="441794" cy="310278"/>
+            </a:xfrm>
+            <a:prstGeom prst="curvedConnector3">
+              <a:avLst/>
+            </a:prstGeom>
+            <a:ln>
+              <a:tailEnd type="triangle"/>
+            </a:ln>
+          </p:spPr>
+          <p:style>
+            <a:lnRef idx="1">
+              <a:schemeClr val="accent1"/>
+            </a:lnRef>
+            <a:fillRef idx="0">
+              <a:schemeClr val="accent1"/>
+            </a:fillRef>
+            <a:effectRef idx="0">
+              <a:schemeClr val="accent1"/>
+            </a:effectRef>
+            <a:fontRef idx="minor">
+              <a:schemeClr val="tx1"/>
+            </a:fontRef>
+          </p:style>
+        </p:cxnSp>
+        <p:cxnSp>
+          <p:nvCxnSpPr>
+            <p:cNvPr id="13" name="连接符: 曲线 12">
+              <a:extLst>
+                <a:ext uri="{FF2B5EF4-FFF2-40B4-BE49-F238E27FC236}">
+                  <a16:creationId xmlns:a16="http://schemas.microsoft.com/office/drawing/2014/main" id="{FB05F541-6F7D-622E-9667-817910B1920E}"/>
+                </a:ext>
+              </a:extLst>
+            </p:cNvPr>
+            <p:cNvCxnSpPr>
+              <a:stCxn id="3" idx="2"/>
+              <a:endCxn id="11" idx="0"/>
+            </p:cNvCxnSpPr>
+            <p:nvPr/>
+          </p:nvCxnSpPr>
+          <p:spPr>
+            <a:xfrm rot="10800000" flipV="1">
+              <a:off x="2917453" y="2421923"/>
+              <a:ext cx="1292227" cy="2626670"/>
+            </a:xfrm>
+            <a:prstGeom prst="curvedConnector2">
+              <a:avLst/>
+            </a:prstGeom>
+            <a:ln>
+              <a:tailEnd type="triangle"/>
+            </a:ln>
+          </p:spPr>
+          <p:style>
+            <a:lnRef idx="1">
+              <a:schemeClr val="accent1"/>
+            </a:lnRef>
+            <a:fillRef idx="0">
+              <a:schemeClr val="accent1"/>
+            </a:fillRef>
+            <a:effectRef idx="0">
+              <a:schemeClr val="accent1"/>
+            </a:effectRef>
+            <a:fontRef idx="minor">
+              <a:schemeClr val="tx1"/>
+            </a:fontRef>
+          </p:style>
+        </p:cxnSp>
+        <p:sp>
+          <p:nvSpPr>
+            <p:cNvPr id="14" name="椭圆 13">
+              <a:extLst>
+                <a:ext uri="{FF2B5EF4-FFF2-40B4-BE49-F238E27FC236}">
+                  <a16:creationId xmlns:a16="http://schemas.microsoft.com/office/drawing/2014/main" id="{C8B34A82-022D-FE4B-43FE-50D5E6D07886}"/>
+                </a:ext>
+              </a:extLst>
+            </p:cNvPr>
+            <p:cNvSpPr/>
+            <p:nvPr/>
+          </p:nvSpPr>
+          <p:spPr>
+            <a:xfrm>
+              <a:off x="1231541" y="5068443"/>
+              <a:ext cx="719091" cy="719091"/>
+            </a:xfrm>
+            <a:prstGeom prst="ellipse">
+              <a:avLst/>
+            </a:prstGeom>
+          </p:spPr>
+          <p:style>
+            <a:lnRef idx="2">
+              <a:schemeClr val="accent1">
+                <a:shade val="50000"/>
+              </a:schemeClr>
+            </a:lnRef>
+            <a:fillRef idx="1">
+              <a:schemeClr val="accent1"/>
+            </a:fillRef>
+            <a:effectRef idx="0">
+              <a:schemeClr val="accent1"/>
+            </a:effectRef>
+            <a:fontRef idx="minor">
+              <a:schemeClr val="lt1"/>
+            </a:fontRef>
+          </p:style>
+          <p:txBody>
+            <a:bodyPr rtlCol="0" anchor="ctr"/>
+            <a:lstStyle/>
+            <a:p>
+              <a:pPr algn="ctr"/>
+              <a:r>
+                <a:rPr lang="en-US" altLang="zh-CN" sz="900" dirty="0"/>
+                <a:t>~ONE</a:t>
+              </a:r>
+            </a:p>
+            <a:p>
+              <a:pPr algn="ctr"/>
+              <a:r>
+                <a:rPr lang="en-US" altLang="zh-CN" sz="1100" dirty="0"/>
+                <a:t>5</a:t>
+              </a:r>
+            </a:p>
+          </p:txBody>
+        </p:sp>
+        <p:sp>
+          <p:nvSpPr>
+            <p:cNvPr id="15" name="椭圆 14">
+              <a:extLst>
+                <a:ext uri="{FF2B5EF4-FFF2-40B4-BE49-F238E27FC236}">
+                  <a16:creationId xmlns:a16="http://schemas.microsoft.com/office/drawing/2014/main" id="{71648729-B346-C4F7-2D76-CDA011F085EA}"/>
+                </a:ext>
+              </a:extLst>
+            </p:cNvPr>
+            <p:cNvSpPr/>
+            <p:nvPr/>
+          </p:nvSpPr>
+          <p:spPr>
+            <a:xfrm>
+              <a:off x="1920722" y="5950252"/>
+              <a:ext cx="719091" cy="719091"/>
+            </a:xfrm>
+            <a:prstGeom prst="ellipse">
+              <a:avLst/>
+            </a:prstGeom>
+          </p:spPr>
+          <p:style>
+            <a:lnRef idx="2">
+              <a:schemeClr val="accent1">
+                <a:shade val="50000"/>
+              </a:schemeClr>
+            </a:lnRef>
+            <a:fillRef idx="1">
+              <a:schemeClr val="accent1"/>
+            </a:fillRef>
+            <a:effectRef idx="0">
+              <a:schemeClr val="accent1"/>
+            </a:effectRef>
+            <a:fontRef idx="minor">
+              <a:schemeClr val="lt1"/>
+            </a:fontRef>
+          </p:style>
+          <p:txBody>
+            <a:bodyPr rtlCol="0" anchor="ctr"/>
+            <a:lstStyle/>
+            <a:p>
+              <a:pPr algn="ctr"/>
+              <a:r>
+                <a:rPr lang="en-US" altLang="zh-CN" sz="1100" dirty="0"/>
+                <a:t>ADD</a:t>
+              </a:r>
+            </a:p>
+            <a:p>
+              <a:pPr algn="ctr"/>
+              <a:r>
+                <a:rPr lang="en-US" altLang="zh-CN" sz="1100" dirty="0"/>
+                <a:t>_</a:t>
+              </a:r>
+              <a:endParaRPr lang="zh-CN" altLang="en-US" sz="1100" dirty="0"/>
+            </a:p>
+          </p:txBody>
+        </p:sp>
+        <p:cxnSp>
+          <p:nvCxnSpPr>
+            <p:cNvPr id="16" name="连接符: 曲线 15">
+              <a:extLst>
+                <a:ext uri="{FF2B5EF4-FFF2-40B4-BE49-F238E27FC236}">
+                  <a16:creationId xmlns:a16="http://schemas.microsoft.com/office/drawing/2014/main" id="{C33B9D58-044D-CE0F-7250-3E8E0180B063}"/>
+                </a:ext>
+              </a:extLst>
+            </p:cNvPr>
+            <p:cNvCxnSpPr>
+              <a:stCxn id="14" idx="5"/>
+              <a:endCxn id="15" idx="1"/>
+            </p:cNvCxnSpPr>
+            <p:nvPr/>
+          </p:nvCxnSpPr>
+          <p:spPr>
+            <a:xfrm rot="16200000" flipH="1">
+              <a:off x="1749010" y="5778540"/>
+              <a:ext cx="373334" cy="180706"/>
+            </a:xfrm>
+            <a:prstGeom prst="curvedConnector3">
+              <a:avLst/>
+            </a:prstGeom>
+            <a:ln>
+              <a:tailEnd type="triangle"/>
+            </a:ln>
+          </p:spPr>
+          <p:style>
+            <a:lnRef idx="1">
+              <a:schemeClr val="accent1"/>
+            </a:lnRef>
+            <a:fillRef idx="0">
+              <a:schemeClr val="accent1"/>
+            </a:fillRef>
+            <a:effectRef idx="0">
+              <a:schemeClr val="accent1"/>
+            </a:effectRef>
+            <a:fontRef idx="minor">
+              <a:schemeClr val="tx1"/>
+            </a:fontRef>
+          </p:style>
+        </p:cxnSp>
+        <p:cxnSp>
+          <p:nvCxnSpPr>
+            <p:cNvPr id="17" name="连接符: 曲线 16">
+              <a:extLst>
+                <a:ext uri="{FF2B5EF4-FFF2-40B4-BE49-F238E27FC236}">
+                  <a16:creationId xmlns:a16="http://schemas.microsoft.com/office/drawing/2014/main" id="{611F99A9-4EA3-2989-37AA-4A13B6174759}"/>
+                </a:ext>
+              </a:extLst>
+            </p:cNvPr>
+            <p:cNvCxnSpPr>
+              <a:stCxn id="11" idx="3"/>
+              <a:endCxn id="15" idx="7"/>
+            </p:cNvCxnSpPr>
+            <p:nvPr/>
+          </p:nvCxnSpPr>
+          <p:spPr>
+            <a:xfrm rot="5400000">
+              <a:off x="2402268" y="5794614"/>
+              <a:ext cx="393184" cy="128709"/>
+            </a:xfrm>
+            <a:prstGeom prst="curvedConnector3">
+              <a:avLst/>
+            </a:prstGeom>
+            <a:ln>
+              <a:tailEnd type="triangle"/>
+            </a:ln>
+          </p:spPr>
+          <p:style>
+            <a:lnRef idx="1">
+              <a:schemeClr val="accent1"/>
+            </a:lnRef>
+            <a:fillRef idx="0">
+              <a:schemeClr val="accent1"/>
+            </a:fillRef>
+            <a:effectRef idx="0">
+              <a:schemeClr val="accent1"/>
+            </a:effectRef>
+            <a:fontRef idx="minor">
+              <a:schemeClr val="tx1"/>
+            </a:fontRef>
+          </p:style>
+        </p:cxnSp>
+        <p:sp>
+          <p:nvSpPr>
+            <p:cNvPr id="18" name="椭圆 17">
+              <a:extLst>
+                <a:ext uri="{FF2B5EF4-FFF2-40B4-BE49-F238E27FC236}">
+                  <a16:creationId xmlns:a16="http://schemas.microsoft.com/office/drawing/2014/main" id="{62E932D1-931A-34FF-4289-B66E5A73B74D}"/>
+                </a:ext>
+              </a:extLst>
+            </p:cNvPr>
+            <p:cNvSpPr/>
+            <p:nvPr/>
+          </p:nvSpPr>
+          <p:spPr>
+            <a:xfrm>
+              <a:off x="9727941" y="2202378"/>
+              <a:ext cx="719091" cy="719091"/>
+            </a:xfrm>
+            <a:prstGeom prst="ellipse">
+              <a:avLst/>
+            </a:prstGeom>
+          </p:spPr>
+          <p:style>
+            <a:lnRef idx="2">
+              <a:schemeClr val="accent1">
+                <a:shade val="50000"/>
+              </a:schemeClr>
+            </a:lnRef>
+            <a:fillRef idx="1">
+              <a:schemeClr val="accent1"/>
+            </a:fillRef>
+            <a:effectRef idx="0">
+              <a:schemeClr val="accent1"/>
+            </a:effectRef>
+            <a:fontRef idx="minor">
+              <a:schemeClr val="lt1"/>
+            </a:fontRef>
+          </p:style>
+          <p:txBody>
+            <a:bodyPr rtlCol="0" anchor="ctr"/>
+            <a:lstStyle/>
+            <a:p>
+              <a:pPr algn="ctr"/>
+              <a:r>
+                <a:rPr lang="en-US" altLang="zh-CN" sz="1100" dirty="0"/>
+                <a:t>NUL</a:t>
+              </a:r>
+            </a:p>
+            <a:p>
+              <a:pPr algn="ctr"/>
+              <a:r>
+                <a:rPr lang="en-US" altLang="zh-CN" sz="1100" dirty="0"/>
+                <a:t>X</a:t>
+              </a:r>
+              <a:endParaRPr lang="zh-CN" altLang="en-US" sz="1100" dirty="0"/>
+            </a:p>
+          </p:txBody>
+        </p:sp>
+        <p:sp>
+          <p:nvSpPr>
+            <p:cNvPr id="19" name="椭圆 18">
+              <a:extLst>
+                <a:ext uri="{FF2B5EF4-FFF2-40B4-BE49-F238E27FC236}">
+                  <a16:creationId xmlns:a16="http://schemas.microsoft.com/office/drawing/2014/main" id="{3C93BF99-A2E5-87A4-B772-BE02514CCA59}"/>
+                </a:ext>
+              </a:extLst>
+            </p:cNvPr>
+            <p:cNvSpPr/>
+            <p:nvPr/>
+          </p:nvSpPr>
+          <p:spPr>
+            <a:xfrm>
+              <a:off x="9727941" y="3375712"/>
+              <a:ext cx="719091" cy="719091"/>
+            </a:xfrm>
+            <a:prstGeom prst="ellipse">
+              <a:avLst/>
+            </a:prstGeom>
+          </p:spPr>
+          <p:style>
+            <a:lnRef idx="2">
+              <a:schemeClr val="accent1">
+                <a:shade val="50000"/>
+              </a:schemeClr>
+            </a:lnRef>
+            <a:fillRef idx="1">
+              <a:schemeClr val="accent1"/>
+            </a:fillRef>
+            <a:effectRef idx="0">
+              <a:schemeClr val="accent1"/>
+            </a:effectRef>
+            <a:fontRef idx="minor">
+              <a:schemeClr val="lt1"/>
+            </a:fontRef>
+          </p:style>
+          <p:txBody>
+            <a:bodyPr rtlCol="0" anchor="ctr"/>
+            <a:lstStyle/>
+            <a:p>
+              <a:pPr algn="ctr"/>
+              <a:r>
+                <a:rPr lang="en-US" altLang="zh-CN" sz="1100" dirty="0"/>
+                <a:t>MUL</a:t>
+              </a:r>
+            </a:p>
+            <a:p>
+              <a:pPr algn="ctr"/>
+              <a:r>
+                <a:rPr lang="en-US" altLang="zh-CN" sz="1100" dirty="0"/>
+                <a:t>X^2</a:t>
+              </a:r>
+              <a:endParaRPr lang="zh-CN" altLang="en-US" sz="1100" dirty="0"/>
+            </a:p>
+          </p:txBody>
+        </p:sp>
+        <p:sp>
+          <p:nvSpPr>
+            <p:cNvPr id="20" name="椭圆 19">
+              <a:extLst>
+                <a:ext uri="{FF2B5EF4-FFF2-40B4-BE49-F238E27FC236}">
+                  <a16:creationId xmlns:a16="http://schemas.microsoft.com/office/drawing/2014/main" id="{56C830B9-B301-1FBA-C5B8-AAB5AD37B760}"/>
+                </a:ext>
+              </a:extLst>
+            </p:cNvPr>
+            <p:cNvSpPr/>
+            <p:nvPr/>
+          </p:nvSpPr>
+          <p:spPr>
+            <a:xfrm>
+              <a:off x="8894921" y="4238325"/>
+              <a:ext cx="719091" cy="719091"/>
+            </a:xfrm>
+            <a:prstGeom prst="ellipse">
+              <a:avLst/>
+            </a:prstGeom>
+          </p:spPr>
+          <p:style>
+            <a:lnRef idx="2">
+              <a:schemeClr val="accent1">
+                <a:shade val="50000"/>
+              </a:schemeClr>
+            </a:lnRef>
+            <a:fillRef idx="1">
+              <a:schemeClr val="accent1"/>
+            </a:fillRef>
+            <a:effectRef idx="0">
+              <a:schemeClr val="accent1"/>
+            </a:effectRef>
+            <a:fontRef idx="minor">
+              <a:schemeClr val="lt1"/>
+            </a:fontRef>
+          </p:style>
+          <p:txBody>
+            <a:bodyPr rtlCol="0" anchor="ctr"/>
+            <a:lstStyle/>
+            <a:p>
+              <a:pPr algn="ctr"/>
+              <a:r>
+                <a:rPr lang="en-US" altLang="zh-CN" sz="1100" dirty="0"/>
+                <a:t>MUL</a:t>
+              </a:r>
+            </a:p>
+            <a:p>
+              <a:pPr algn="ctr"/>
+              <a:r>
+                <a:rPr lang="en-US" altLang="zh-CN" sz="1100" dirty="0"/>
+                <a:t>X^3</a:t>
+              </a:r>
+              <a:endParaRPr lang="zh-CN" altLang="en-US" sz="1100" dirty="0"/>
+            </a:p>
+          </p:txBody>
+        </p:sp>
+        <p:cxnSp>
+          <p:nvCxnSpPr>
+            <p:cNvPr id="21" name="连接符: 曲线 20">
+              <a:extLst>
+                <a:ext uri="{FF2B5EF4-FFF2-40B4-BE49-F238E27FC236}">
+                  <a16:creationId xmlns:a16="http://schemas.microsoft.com/office/drawing/2014/main" id="{5F32C2CC-0BF5-477C-C861-7A09E9ECA3F9}"/>
+                </a:ext>
+              </a:extLst>
+            </p:cNvPr>
+            <p:cNvCxnSpPr>
+              <a:stCxn id="18" idx="4"/>
+              <a:endCxn id="19" idx="0"/>
+            </p:cNvCxnSpPr>
+            <p:nvPr/>
+          </p:nvCxnSpPr>
+          <p:spPr>
+            <a:xfrm rot="5400000">
+              <a:off x="9860366" y="3148590"/>
+              <a:ext cx="454243" cy="12700"/>
+            </a:xfrm>
+            <a:prstGeom prst="curvedConnector3">
+              <a:avLst/>
+            </a:prstGeom>
+            <a:ln>
+              <a:tailEnd type="triangle"/>
+            </a:ln>
+          </p:spPr>
+          <p:style>
+            <a:lnRef idx="1">
+              <a:schemeClr val="accent1"/>
+            </a:lnRef>
+            <a:fillRef idx="0">
+              <a:schemeClr val="accent1"/>
+            </a:fillRef>
+            <a:effectRef idx="0">
+              <a:schemeClr val="accent1"/>
+            </a:effectRef>
+            <a:fontRef idx="minor">
+              <a:schemeClr val="tx1"/>
+            </a:fontRef>
+          </p:style>
+        </p:cxnSp>
+        <p:cxnSp>
+          <p:nvCxnSpPr>
+            <p:cNvPr id="22" name="连接符: 曲线 21">
+              <a:extLst>
+                <a:ext uri="{FF2B5EF4-FFF2-40B4-BE49-F238E27FC236}">
+                  <a16:creationId xmlns:a16="http://schemas.microsoft.com/office/drawing/2014/main" id="{888EE4A8-F652-C055-BB56-5D390CC9120E}"/>
+                </a:ext>
+              </a:extLst>
+            </p:cNvPr>
+            <p:cNvCxnSpPr>
+              <a:stCxn id="19" idx="4"/>
+              <a:endCxn id="20" idx="6"/>
+            </p:cNvCxnSpPr>
+            <p:nvPr/>
+          </p:nvCxnSpPr>
+          <p:spPr>
+            <a:xfrm rot="5400000">
+              <a:off x="9599216" y="4109600"/>
+              <a:ext cx="503068" cy="473475"/>
+            </a:xfrm>
+            <a:prstGeom prst="curvedConnector2">
+              <a:avLst/>
+            </a:prstGeom>
+            <a:ln>
+              <a:tailEnd type="triangle"/>
+            </a:ln>
+          </p:spPr>
+          <p:style>
+            <a:lnRef idx="1">
+              <a:schemeClr val="accent1"/>
+            </a:lnRef>
+            <a:fillRef idx="0">
+              <a:schemeClr val="accent1"/>
+            </a:fillRef>
+            <a:effectRef idx="0">
+              <a:schemeClr val="accent1"/>
+            </a:effectRef>
+            <a:fontRef idx="minor">
+              <a:schemeClr val="tx1"/>
+            </a:fontRef>
+          </p:style>
+        </p:cxnSp>
+        <p:cxnSp>
+          <p:nvCxnSpPr>
+            <p:cNvPr id="23" name="连接符: 曲线 22">
+              <a:extLst>
+                <a:ext uri="{FF2B5EF4-FFF2-40B4-BE49-F238E27FC236}">
+                  <a16:creationId xmlns:a16="http://schemas.microsoft.com/office/drawing/2014/main" id="{FD8DFC00-F890-03F6-7337-5B4A82FB7B0B}"/>
+                </a:ext>
+              </a:extLst>
+            </p:cNvPr>
+            <p:cNvCxnSpPr>
+              <a:cxnSpLocks/>
+              <a:stCxn id="18" idx="3"/>
+              <a:endCxn id="20" idx="0"/>
+            </p:cNvCxnSpPr>
+            <p:nvPr/>
+          </p:nvCxnSpPr>
+          <p:spPr>
+            <a:xfrm rot="5400000">
+              <a:off x="8832776" y="3237852"/>
+              <a:ext cx="1422164" cy="578782"/>
+            </a:xfrm>
+            <a:prstGeom prst="curvedConnector3">
+              <a:avLst>
+                <a:gd name="adj1" fmla="val 50000"/>
+              </a:avLst>
+            </a:prstGeom>
+            <a:ln>
+              <a:tailEnd type="triangle"/>
+            </a:ln>
+          </p:spPr>
+          <p:style>
+            <a:lnRef idx="1">
+              <a:schemeClr val="accent1"/>
+            </a:lnRef>
+            <a:fillRef idx="0">
+              <a:schemeClr val="accent1"/>
+            </a:fillRef>
+            <a:effectRef idx="0">
+              <a:schemeClr val="accent1"/>
+            </a:effectRef>
+            <a:fontRef idx="minor">
+              <a:schemeClr val="tx1"/>
+            </a:fontRef>
+          </p:style>
+        </p:cxnSp>
+        <p:sp>
+          <p:nvSpPr>
+            <p:cNvPr id="24" name="椭圆 23">
+              <a:extLst>
+                <a:ext uri="{FF2B5EF4-FFF2-40B4-BE49-F238E27FC236}">
+                  <a16:creationId xmlns:a16="http://schemas.microsoft.com/office/drawing/2014/main" id="{A670A828-E303-279D-912A-615030FF320F}"/>
+                </a:ext>
+              </a:extLst>
+            </p:cNvPr>
+            <p:cNvSpPr/>
+            <p:nvPr/>
+          </p:nvSpPr>
+          <p:spPr>
+            <a:xfrm>
+              <a:off x="8076168" y="5188594"/>
+              <a:ext cx="719091" cy="719091"/>
+            </a:xfrm>
+            <a:prstGeom prst="ellipse">
+              <a:avLst/>
+            </a:prstGeom>
+          </p:spPr>
+          <p:style>
+            <a:lnRef idx="2">
+              <a:schemeClr val="accent1">
+                <a:shade val="50000"/>
+              </a:schemeClr>
+            </a:lnRef>
+            <a:fillRef idx="1">
+              <a:schemeClr val="accent1"/>
+            </a:fillRef>
+            <a:effectRef idx="0">
+              <a:schemeClr val="accent1"/>
+            </a:effectRef>
+            <a:fontRef idx="minor">
+              <a:schemeClr val="lt1"/>
+            </a:fontRef>
+          </p:style>
+          <p:txBody>
+            <a:bodyPr rtlCol="0" anchor="ctr"/>
+            <a:lstStyle/>
+            <a:p>
+              <a:pPr algn="ctr"/>
+              <a:r>
+                <a:rPr lang="en-US" altLang="zh-CN" sz="1100" dirty="0"/>
+                <a:t>ADD</a:t>
+              </a:r>
+            </a:p>
+            <a:p>
+              <a:pPr algn="ctr"/>
+              <a:r>
+                <a:rPr lang="en-US" altLang="zh-CN" sz="1100" dirty="0"/>
+                <a:t>_</a:t>
+              </a:r>
+              <a:endParaRPr lang="zh-CN" altLang="en-US" sz="1100" dirty="0"/>
+            </a:p>
+          </p:txBody>
+        </p:sp>
+        <p:cxnSp>
+          <p:nvCxnSpPr>
+            <p:cNvPr id="25" name="连接符: 曲线 24">
+              <a:extLst>
+                <a:ext uri="{FF2B5EF4-FFF2-40B4-BE49-F238E27FC236}">
+                  <a16:creationId xmlns:a16="http://schemas.microsoft.com/office/drawing/2014/main" id="{E721C6B2-744A-AFEA-CBEB-04A5A4921BF7}"/>
+                </a:ext>
+              </a:extLst>
+            </p:cNvPr>
+            <p:cNvCxnSpPr>
+              <a:stCxn id="20" idx="3"/>
+              <a:endCxn id="24" idx="7"/>
+            </p:cNvCxnSpPr>
+            <p:nvPr/>
+          </p:nvCxnSpPr>
+          <p:spPr>
+            <a:xfrm rot="5400000">
+              <a:off x="8624193" y="4917866"/>
+              <a:ext cx="441794" cy="310278"/>
+            </a:xfrm>
+            <a:prstGeom prst="curvedConnector3">
+              <a:avLst/>
+            </a:prstGeom>
+            <a:ln>
+              <a:tailEnd type="triangle"/>
+            </a:ln>
+          </p:spPr>
+          <p:style>
+            <a:lnRef idx="1">
+              <a:schemeClr val="accent1"/>
+            </a:lnRef>
+            <a:fillRef idx="0">
+              <a:schemeClr val="accent1"/>
+            </a:fillRef>
+            <a:effectRef idx="0">
+              <a:schemeClr val="accent1"/>
+            </a:effectRef>
+            <a:fontRef idx="minor">
+              <a:schemeClr val="tx1"/>
+            </a:fontRef>
+          </p:style>
+        </p:cxnSp>
+        <p:cxnSp>
+          <p:nvCxnSpPr>
+            <p:cNvPr id="26" name="连接符: 曲线 25">
+              <a:extLst>
+                <a:ext uri="{FF2B5EF4-FFF2-40B4-BE49-F238E27FC236}">
+                  <a16:creationId xmlns:a16="http://schemas.microsoft.com/office/drawing/2014/main" id="{70BF0269-2E4D-9160-9AA6-01F61FE5F61B}"/>
+                </a:ext>
+              </a:extLst>
+            </p:cNvPr>
+            <p:cNvCxnSpPr>
+              <a:cxnSpLocks/>
+              <a:stCxn id="18" idx="2"/>
+              <a:endCxn id="28" idx="1"/>
+            </p:cNvCxnSpPr>
+            <p:nvPr/>
+          </p:nvCxnSpPr>
+          <p:spPr>
+            <a:xfrm rot="10800000" flipV="1">
+              <a:off x="7109347" y="2561923"/>
+              <a:ext cx="2618594" cy="3341323"/>
+            </a:xfrm>
+            <a:prstGeom prst="curvedConnector2">
+              <a:avLst/>
+            </a:prstGeom>
+            <a:ln>
+              <a:tailEnd type="triangle"/>
+            </a:ln>
+          </p:spPr>
+          <p:style>
+            <a:lnRef idx="1">
+              <a:schemeClr val="accent1"/>
+            </a:lnRef>
+            <a:fillRef idx="0">
+              <a:schemeClr val="accent1"/>
+            </a:fillRef>
+            <a:effectRef idx="0">
+              <a:schemeClr val="accent1"/>
+            </a:effectRef>
+            <a:fontRef idx="minor">
+              <a:schemeClr val="tx1"/>
+            </a:fontRef>
+          </p:style>
+        </p:cxnSp>
+        <p:sp>
+          <p:nvSpPr>
+            <p:cNvPr id="27" name="椭圆 26">
+              <a:extLst>
+                <a:ext uri="{FF2B5EF4-FFF2-40B4-BE49-F238E27FC236}">
+                  <a16:creationId xmlns:a16="http://schemas.microsoft.com/office/drawing/2014/main" id="{2C4FF0B0-E743-2EA7-AC93-E1A9A8883E94}"/>
+                </a:ext>
+              </a:extLst>
+            </p:cNvPr>
+            <p:cNvSpPr/>
+            <p:nvPr/>
+          </p:nvSpPr>
+          <p:spPr>
+            <a:xfrm>
+              <a:off x="7962238" y="4162851"/>
+              <a:ext cx="719091" cy="719091"/>
+            </a:xfrm>
+            <a:prstGeom prst="ellipse">
+              <a:avLst/>
+            </a:prstGeom>
+          </p:spPr>
+          <p:style>
+            <a:lnRef idx="2">
+              <a:schemeClr val="accent1">
+                <a:shade val="50000"/>
+              </a:schemeClr>
+            </a:lnRef>
+            <a:fillRef idx="1">
+              <a:schemeClr val="accent1"/>
+            </a:fillRef>
+            <a:effectRef idx="0">
+              <a:schemeClr val="accent1"/>
+            </a:effectRef>
+            <a:fontRef idx="minor">
+              <a:schemeClr val="lt1"/>
+            </a:fontRef>
+          </p:style>
+          <p:txBody>
+            <a:bodyPr rtlCol="0" anchor="ctr"/>
+            <a:lstStyle/>
+            <a:p>
+              <a:pPr algn="ctr"/>
+              <a:r>
+                <a:rPr lang="en-US" altLang="zh-CN" sz="900" dirty="0"/>
+                <a:t>~ONE</a:t>
+              </a:r>
+            </a:p>
+            <a:p>
+              <a:pPr algn="ctr"/>
+              <a:r>
+                <a:rPr lang="en-US" altLang="zh-CN" sz="1100" dirty="0"/>
+                <a:t>5</a:t>
+              </a:r>
+            </a:p>
+          </p:txBody>
+        </p:sp>
+        <p:sp>
+          <p:nvSpPr>
+            <p:cNvPr id="28" name="椭圆 27">
+              <a:extLst>
+                <a:ext uri="{FF2B5EF4-FFF2-40B4-BE49-F238E27FC236}">
+                  <a16:creationId xmlns:a16="http://schemas.microsoft.com/office/drawing/2014/main" id="{4A07A434-68DD-DE7B-6A8C-6AFE574018F5}"/>
+                </a:ext>
+              </a:extLst>
+            </p:cNvPr>
+            <p:cNvSpPr/>
+            <p:nvPr/>
+          </p:nvSpPr>
+          <p:spPr>
+            <a:xfrm>
+              <a:off x="7004039" y="5797939"/>
+              <a:ext cx="719091" cy="719091"/>
+            </a:xfrm>
+            <a:prstGeom prst="ellipse">
+              <a:avLst/>
+            </a:prstGeom>
+          </p:spPr>
+          <p:style>
+            <a:lnRef idx="2">
+              <a:schemeClr val="accent1">
+                <a:shade val="50000"/>
+              </a:schemeClr>
+            </a:lnRef>
+            <a:fillRef idx="1">
+              <a:schemeClr val="accent1"/>
+            </a:fillRef>
+            <a:effectRef idx="0">
+              <a:schemeClr val="accent1"/>
+            </a:effectRef>
+            <a:fontRef idx="minor">
+              <a:schemeClr val="lt1"/>
+            </a:fontRef>
+          </p:style>
+          <p:txBody>
+            <a:bodyPr rtlCol="0" anchor="ctr"/>
+            <a:lstStyle/>
+            <a:p>
+              <a:pPr algn="ctr"/>
+              <a:r>
+                <a:rPr lang="en-US" altLang="zh-CN" sz="1100" dirty="0"/>
+                <a:t>ADD</a:t>
+              </a:r>
+            </a:p>
+            <a:p>
+              <a:pPr algn="ctr"/>
+              <a:r>
+                <a:rPr lang="en-US" altLang="zh-CN" sz="1100" dirty="0"/>
+                <a:t>_</a:t>
+              </a:r>
+              <a:endParaRPr lang="zh-CN" altLang="en-US" sz="1100" dirty="0"/>
+            </a:p>
+          </p:txBody>
+        </p:sp>
+        <p:cxnSp>
+          <p:nvCxnSpPr>
+            <p:cNvPr id="29" name="连接符: 曲线 28">
+              <a:extLst>
+                <a:ext uri="{FF2B5EF4-FFF2-40B4-BE49-F238E27FC236}">
+                  <a16:creationId xmlns:a16="http://schemas.microsoft.com/office/drawing/2014/main" id="{3C068969-F42F-E826-CA4E-73AFE376B3ED}"/>
+                </a:ext>
+              </a:extLst>
+            </p:cNvPr>
+            <p:cNvCxnSpPr>
+              <a:cxnSpLocks/>
+              <a:stCxn id="27" idx="4"/>
+              <a:endCxn id="24" idx="0"/>
+            </p:cNvCxnSpPr>
+            <p:nvPr/>
+          </p:nvCxnSpPr>
+          <p:spPr>
+            <a:xfrm rot="16200000" flipH="1">
+              <a:off x="8225423" y="4978303"/>
+              <a:ext cx="306652" cy="113930"/>
+            </a:xfrm>
+            <a:prstGeom prst="curvedConnector3">
+              <a:avLst>
+                <a:gd name="adj1" fmla="val 50000"/>
+              </a:avLst>
+            </a:prstGeom>
+            <a:ln>
+              <a:tailEnd type="triangle"/>
+            </a:ln>
+          </p:spPr>
+          <p:style>
+            <a:lnRef idx="1">
+              <a:schemeClr val="accent1"/>
+            </a:lnRef>
+            <a:fillRef idx="0">
+              <a:schemeClr val="accent1"/>
+            </a:fillRef>
+            <a:effectRef idx="0">
+              <a:schemeClr val="accent1"/>
+            </a:effectRef>
+            <a:fontRef idx="minor">
+              <a:schemeClr val="tx1"/>
+            </a:fontRef>
+          </p:style>
+        </p:cxnSp>
+        <p:cxnSp>
+          <p:nvCxnSpPr>
+            <p:cNvPr id="30" name="连接符: 曲线 29">
+              <a:extLst>
+                <a:ext uri="{FF2B5EF4-FFF2-40B4-BE49-F238E27FC236}">
+                  <a16:creationId xmlns:a16="http://schemas.microsoft.com/office/drawing/2014/main" id="{88E18E72-5EA9-B0CE-06AC-998311BFB741}"/>
+                </a:ext>
+              </a:extLst>
+            </p:cNvPr>
+            <p:cNvCxnSpPr>
+              <a:cxnSpLocks/>
+              <a:stCxn id="24" idx="2"/>
+              <a:endCxn id="28" idx="7"/>
+            </p:cNvCxnSpPr>
+            <p:nvPr/>
+          </p:nvCxnSpPr>
+          <p:spPr>
+            <a:xfrm rot="10800000" flipV="1">
+              <a:off x="7617822" y="5548139"/>
+              <a:ext cx="458346" cy="355107"/>
+            </a:xfrm>
+            <a:prstGeom prst="curvedConnector2">
+              <a:avLst/>
+            </a:prstGeom>
+            <a:ln>
+              <a:tailEnd type="triangle"/>
+            </a:ln>
+          </p:spPr>
+          <p:style>
+            <a:lnRef idx="1">
+              <a:schemeClr val="accent1"/>
+            </a:lnRef>
+            <a:fillRef idx="0">
+              <a:schemeClr val="accent1"/>
+            </a:fillRef>
+            <a:effectRef idx="0">
+              <a:schemeClr val="accent1"/>
+            </a:effectRef>
+            <a:fontRef idx="minor">
+              <a:schemeClr val="tx1"/>
+            </a:fontRef>
+          </p:style>
+        </p:cxnSp>
+      </p:grpSp>
+      <p:cxnSp>
+        <p:nvCxnSpPr>
+          <p:cNvPr id="38" name="直接连接符 37">
             <a:extLst>
               <a:ext uri="{FF2B5EF4-FFF2-40B4-BE49-F238E27FC236}">
-                <a16:creationId xmlns:a16="http://schemas.microsoft.com/office/drawing/2014/main" id="{077817F6-8A7F-C514-219F-E59EB433745D}"/>
-              </a:ext>
-            </a:extLst>
-          </p:cNvPr>
-          <p:cNvSpPr/>
-          <p:nvPr/>
-        </p:nvSpPr>
-        <p:spPr>
-          <a:xfrm>
-            <a:off x="3855864" y="772357"/>
-            <a:ext cx="719091" cy="719091"/>
-          </a:xfrm>
-          <a:prstGeom prst="ellipse">
-            <a:avLst/>
-          </a:prstGeom>
-        </p:spPr>
-        <p:style>
-          <a:lnRef idx="2">
-            <a:schemeClr val="accent1">
-              <a:shade val="50000"/>
-            </a:schemeClr>
-          </a:lnRef>
-          <a:fillRef idx="1">
-            <a:schemeClr val="accent1"/>
-          </a:fillRef>
-          <a:effectRef idx="0">
-            <a:schemeClr val="accent1"/>
-          </a:effectRef>
-          <a:fontRef idx="minor">
-            <a:schemeClr val="lt1"/>
-          </a:fontRef>
-        </p:style>
-        <p:txBody>
-          <a:bodyPr rtlCol="0" anchor="ctr"/>
-          <a:lstStyle/>
-          <a:p>
-            <a:pPr algn="ctr"/>
-            <a:r>
-              <a:rPr lang="en-US" altLang="zh-CN" sz="1100" dirty="0"/>
-              <a:t>NUL</a:t>
-            </a:r>
-          </a:p>
-          <a:p>
-            <a:pPr algn="ctr"/>
-            <a:r>
-              <a:rPr lang="en-US" altLang="zh-CN" sz="1100" dirty="0"/>
-              <a:t>X</a:t>
-            </a:r>
-            <a:endParaRPr lang="zh-CN" altLang="en-US" sz="1100" dirty="0"/>
-          </a:p>
-        </p:txBody>
-      </p:sp>
-      <p:sp>
-        <p:nvSpPr>
-          <p:cNvPr id="58" name="椭圆 57">
-            <a:extLst>
-              <a:ext uri="{FF2B5EF4-FFF2-40B4-BE49-F238E27FC236}">
-                <a16:creationId xmlns:a16="http://schemas.microsoft.com/office/drawing/2014/main" id="{D126501B-6CA3-7CA2-523C-771D2525D779}"/>
-              </a:ext>
-            </a:extLst>
-          </p:cNvPr>
-          <p:cNvSpPr/>
-          <p:nvPr/>
-        </p:nvSpPr>
-        <p:spPr>
-          <a:xfrm>
-            <a:off x="3022844" y="2808304"/>
-            <a:ext cx="719091" cy="719091"/>
-          </a:xfrm>
-          <a:prstGeom prst="ellipse">
-            <a:avLst/>
-          </a:prstGeom>
-        </p:spPr>
-        <p:style>
-          <a:lnRef idx="2">
-            <a:schemeClr val="accent1">
-              <a:shade val="50000"/>
-            </a:schemeClr>
-          </a:lnRef>
-          <a:fillRef idx="1">
-            <a:schemeClr val="accent1"/>
-          </a:fillRef>
-          <a:effectRef idx="0">
-            <a:schemeClr val="accent1"/>
-          </a:effectRef>
-          <a:fontRef idx="minor">
-            <a:schemeClr val="lt1"/>
-          </a:fontRef>
-        </p:style>
-        <p:txBody>
-          <a:bodyPr rtlCol="0" anchor="ctr"/>
-          <a:lstStyle/>
-          <a:p>
-            <a:pPr algn="ctr"/>
-            <a:r>
-              <a:rPr lang="en-US" altLang="zh-CN" sz="1100" dirty="0"/>
-              <a:t>MUL</a:t>
-            </a:r>
-          </a:p>
-          <a:p>
-            <a:pPr algn="ctr"/>
-            <a:r>
-              <a:rPr lang="en-US" altLang="zh-CN" sz="1100" dirty="0"/>
-              <a:t>X^3</a:t>
-            </a:r>
-            <a:endParaRPr lang="zh-CN" altLang="en-US" sz="1100" dirty="0"/>
-          </a:p>
-        </p:txBody>
-      </p:sp>
-      <p:sp>
-        <p:nvSpPr>
-          <p:cNvPr id="67" name="椭圆 66">
-            <a:extLst>
-              <a:ext uri="{FF2B5EF4-FFF2-40B4-BE49-F238E27FC236}">
-                <a16:creationId xmlns:a16="http://schemas.microsoft.com/office/drawing/2014/main" id="{37E7127B-F921-347E-A8A0-D75A5DB294A2}"/>
-              </a:ext>
-            </a:extLst>
-          </p:cNvPr>
-          <p:cNvSpPr/>
-          <p:nvPr/>
-        </p:nvSpPr>
-        <p:spPr>
-          <a:xfrm>
-            <a:off x="2204091" y="3758573"/>
-            <a:ext cx="719091" cy="719091"/>
-          </a:xfrm>
-          <a:prstGeom prst="ellipse">
-            <a:avLst/>
-          </a:prstGeom>
-        </p:spPr>
-        <p:style>
-          <a:lnRef idx="2">
-            <a:schemeClr val="accent1">
-              <a:shade val="50000"/>
-            </a:schemeClr>
-          </a:lnRef>
-          <a:fillRef idx="1">
-            <a:schemeClr val="accent1"/>
-          </a:fillRef>
-          <a:effectRef idx="0">
-            <a:schemeClr val="accent1"/>
-          </a:effectRef>
-          <a:fontRef idx="minor">
-            <a:schemeClr val="lt1"/>
-          </a:fontRef>
-        </p:style>
-        <p:txBody>
-          <a:bodyPr rtlCol="0" anchor="ctr"/>
-          <a:lstStyle/>
-          <a:p>
-            <a:pPr algn="ctr"/>
-            <a:r>
-              <a:rPr lang="en-US" altLang="zh-CN" sz="1100" dirty="0"/>
-              <a:t>ADD</a:t>
-            </a:r>
-          </a:p>
-          <a:p>
-            <a:pPr algn="ctr"/>
-            <a:r>
-              <a:rPr lang="en-US" altLang="zh-CN" sz="1100" dirty="0"/>
-              <a:t>_</a:t>
-            </a:r>
-            <a:endParaRPr lang="zh-CN" altLang="en-US" sz="1100" dirty="0"/>
-          </a:p>
-        </p:txBody>
-      </p:sp>
-      <p:cxnSp>
-        <p:nvCxnSpPr>
-          <p:cNvPr id="69" name="连接符: 曲线 68">
-            <a:extLst>
-              <a:ext uri="{FF2B5EF4-FFF2-40B4-BE49-F238E27FC236}">
-                <a16:creationId xmlns:a16="http://schemas.microsoft.com/office/drawing/2014/main" id="{F0740A20-0BB8-2286-37BA-7349FB7EB552}"/>
+                <a16:creationId xmlns:a16="http://schemas.microsoft.com/office/drawing/2014/main" id="{6D7814AF-FADB-C580-6F6F-74BD1FB4642A}"/>
               </a:ext>
             </a:extLst>
           </p:cNvPr>
           <p:cNvCxnSpPr>
-            <a:stCxn id="58" idx="3"/>
-            <a:endCxn id="67" idx="7"/>
+            <a:cxnSpLocks/>
           </p:cNvCxnSpPr>
           <p:nvPr/>
         </p:nvCxnSpPr>
         <p:spPr>
-          <a:xfrm rot="5400000">
-            <a:off x="2752116" y="3487845"/>
-            <a:ext cx="441794" cy="310278"/>
+          <a:xfrm flipH="1">
+            <a:off x="1219200" y="1731020"/>
+            <a:ext cx="4087679" cy="1697980"/>
           </a:xfrm>
-          <a:prstGeom prst="curvedConnector3">
+          <a:prstGeom prst="line">
             <a:avLst/>
           </a:prstGeom>
-          <a:ln>
-            <a:tailEnd type="triangle"/>
+          <a:ln w="57150">
+            <a:solidFill>
+              <a:schemeClr val="tx1"/>
+            </a:solidFill>
           </a:ln>
         </p:spPr>
         <p:style>
@@ -9408,184 +12282,28 @@
       </p:cxnSp>
       <p:cxnSp>
         <p:nvCxnSpPr>
-          <p:cNvPr id="71" name="连接符: 曲线 70">
+          <p:cNvPr id="40" name="直接连接符 39">
             <a:extLst>
               <a:ext uri="{FF2B5EF4-FFF2-40B4-BE49-F238E27FC236}">
-                <a16:creationId xmlns:a16="http://schemas.microsoft.com/office/drawing/2014/main" id="{1424580A-F6A5-5D91-1EBE-BB04F1BFF202}"/>
+                <a16:creationId xmlns:a16="http://schemas.microsoft.com/office/drawing/2014/main" id="{04D670A5-3ED6-C851-A95D-98386E0A865E}"/>
               </a:ext>
             </a:extLst>
           </p:cNvPr>
-          <p:cNvCxnSpPr>
-            <a:stCxn id="56" idx="2"/>
-            <a:endCxn id="67" idx="0"/>
-          </p:cNvCxnSpPr>
+          <p:cNvCxnSpPr/>
           <p:nvPr/>
         </p:nvCxnSpPr>
         <p:spPr>
-          <a:xfrm rot="10800000" flipV="1">
-            <a:off x="2563638" y="1131903"/>
-            <a:ext cx="1292227" cy="2626670"/>
+          <a:xfrm>
+            <a:off x="1219199" y="3471209"/>
+            <a:ext cx="283417" cy="3264974"/>
           </a:xfrm>
-          <a:prstGeom prst="curvedConnector2">
+          <a:prstGeom prst="line">
             <a:avLst/>
           </a:prstGeom>
-          <a:ln>
-            <a:tailEnd type="triangle"/>
-          </a:ln>
-        </p:spPr>
-        <p:style>
-          <a:lnRef idx="1">
-            <a:schemeClr val="accent1"/>
-          </a:lnRef>
-          <a:fillRef idx="0">
-            <a:schemeClr val="accent1"/>
-          </a:fillRef>
-          <a:effectRef idx="0">
-            <a:schemeClr val="accent1"/>
-          </a:effectRef>
-          <a:fontRef idx="minor">
-            <a:schemeClr val="tx1"/>
-          </a:fontRef>
-        </p:style>
-      </p:cxnSp>
-      <p:sp>
-        <p:nvSpPr>
-          <p:cNvPr id="72" name="椭圆 71">
-            <a:extLst>
-              <a:ext uri="{FF2B5EF4-FFF2-40B4-BE49-F238E27FC236}">
-                <a16:creationId xmlns:a16="http://schemas.microsoft.com/office/drawing/2014/main" id="{BCFFA7C4-1111-E198-8D3C-D3DA4F61166B}"/>
-              </a:ext>
-            </a:extLst>
-          </p:cNvPr>
-          <p:cNvSpPr/>
-          <p:nvPr/>
-        </p:nvSpPr>
-        <p:spPr>
-          <a:xfrm>
-            <a:off x="877726" y="3778423"/>
-            <a:ext cx="719091" cy="719091"/>
-          </a:xfrm>
-          <a:prstGeom prst="ellipse">
-            <a:avLst/>
-          </a:prstGeom>
-        </p:spPr>
-        <p:style>
-          <a:lnRef idx="2">
-            <a:schemeClr val="accent1">
-              <a:shade val="50000"/>
-            </a:schemeClr>
-          </a:lnRef>
-          <a:fillRef idx="1">
-            <a:schemeClr val="accent1"/>
-          </a:fillRef>
-          <a:effectRef idx="0">
-            <a:schemeClr val="accent1"/>
-          </a:effectRef>
-          <a:fontRef idx="minor">
-            <a:schemeClr val="lt1"/>
-          </a:fontRef>
-        </p:style>
-        <p:txBody>
-          <a:bodyPr rtlCol="0" anchor="ctr"/>
-          <a:lstStyle/>
-          <a:p>
-            <a:pPr algn="ctr"/>
-            <a:r>
-              <a:rPr lang="en-US" altLang="zh-CN" sz="900" dirty="0"/>
-              <a:t>~ONE</a:t>
-            </a:r>
-          </a:p>
-          <a:p>
-            <a:pPr algn="ctr"/>
-            <a:r>
-              <a:rPr lang="en-US" altLang="zh-CN" sz="1100" dirty="0"/>
-              <a:t>5</a:t>
-            </a:r>
-          </a:p>
-        </p:txBody>
-      </p:sp>
-      <p:sp>
-        <p:nvSpPr>
-          <p:cNvPr id="73" name="椭圆 72">
-            <a:extLst>
-              <a:ext uri="{FF2B5EF4-FFF2-40B4-BE49-F238E27FC236}">
-                <a16:creationId xmlns:a16="http://schemas.microsoft.com/office/drawing/2014/main" id="{F85993A7-A6C8-3F7B-A172-540027787C8A}"/>
-              </a:ext>
-            </a:extLst>
-          </p:cNvPr>
-          <p:cNvSpPr/>
-          <p:nvPr/>
-        </p:nvSpPr>
-        <p:spPr>
-          <a:xfrm>
-            <a:off x="1566907" y="4660232"/>
-            <a:ext cx="719091" cy="719091"/>
-          </a:xfrm>
-          <a:prstGeom prst="ellipse">
-            <a:avLst/>
-          </a:prstGeom>
-        </p:spPr>
-        <p:style>
-          <a:lnRef idx="2">
-            <a:schemeClr val="accent1">
-              <a:shade val="50000"/>
-            </a:schemeClr>
-          </a:lnRef>
-          <a:fillRef idx="1">
-            <a:schemeClr val="accent1"/>
-          </a:fillRef>
-          <a:effectRef idx="0">
-            <a:schemeClr val="accent1"/>
-          </a:effectRef>
-          <a:fontRef idx="minor">
-            <a:schemeClr val="lt1"/>
-          </a:fontRef>
-        </p:style>
-        <p:txBody>
-          <a:bodyPr rtlCol="0" anchor="ctr"/>
-          <a:lstStyle/>
-          <a:p>
-            <a:pPr algn="ctr"/>
-            <a:r>
-              <a:rPr lang="en-US" altLang="zh-CN" sz="1100" dirty="0"/>
-              <a:t>ADD</a:t>
-            </a:r>
-          </a:p>
-          <a:p>
-            <a:pPr algn="ctr"/>
-            <a:r>
-              <a:rPr lang="en-US" altLang="zh-CN" sz="1100" dirty="0"/>
-              <a:t>_</a:t>
-            </a:r>
-            <a:endParaRPr lang="zh-CN" altLang="en-US" sz="1100" dirty="0"/>
-          </a:p>
-        </p:txBody>
-      </p:sp>
-      <p:cxnSp>
-        <p:nvCxnSpPr>
-          <p:cNvPr id="75" name="连接符: 曲线 74">
-            <a:extLst>
-              <a:ext uri="{FF2B5EF4-FFF2-40B4-BE49-F238E27FC236}">
-                <a16:creationId xmlns:a16="http://schemas.microsoft.com/office/drawing/2014/main" id="{172881D9-0C57-8213-5138-BD55D3A0C38C}"/>
-              </a:ext>
-            </a:extLst>
-          </p:cNvPr>
-          <p:cNvCxnSpPr>
-            <a:stCxn id="72" idx="5"/>
-            <a:endCxn id="73" idx="1"/>
-          </p:cNvCxnSpPr>
-          <p:nvPr/>
-        </p:nvCxnSpPr>
-        <p:spPr>
-          <a:xfrm rot="16200000" flipH="1">
-            <a:off x="1395195" y="4488520"/>
-            <a:ext cx="373334" cy="180706"/>
-          </a:xfrm>
-          <a:prstGeom prst="curvedConnector3">
-            <a:avLst/>
-          </a:prstGeom>
-          <a:ln>
-            <a:tailEnd type="triangle"/>
+          <a:ln w="57150">
+            <a:solidFill>
+              <a:schemeClr val="tx1"/>
+            </a:solidFill>
           </a:ln>
         </p:spPr>
         <p:style>
@@ -9605,398 +12323,28 @@
       </p:cxnSp>
       <p:cxnSp>
         <p:nvCxnSpPr>
-          <p:cNvPr id="77" name="连接符: 曲线 76">
+          <p:cNvPr id="42" name="直接连接符 41">
             <a:extLst>
               <a:ext uri="{FF2B5EF4-FFF2-40B4-BE49-F238E27FC236}">
-                <a16:creationId xmlns:a16="http://schemas.microsoft.com/office/drawing/2014/main" id="{271ADFAB-164D-F7B8-0FA6-865A23D9DCFF}"/>
+                <a16:creationId xmlns:a16="http://schemas.microsoft.com/office/drawing/2014/main" id="{CF538E6B-8747-416F-413C-A09518D4E926}"/>
               </a:ext>
             </a:extLst>
           </p:cNvPr>
-          <p:cNvCxnSpPr>
-            <a:stCxn id="67" idx="3"/>
-            <a:endCxn id="73" idx="7"/>
-          </p:cNvCxnSpPr>
+          <p:cNvCxnSpPr/>
           <p:nvPr/>
         </p:nvCxnSpPr>
         <p:spPr>
-          <a:xfrm rot="5400000">
-            <a:off x="2048453" y="4504594"/>
-            <a:ext cx="393184" cy="128709"/>
+          <a:xfrm flipV="1">
+            <a:off x="1493279" y="6626155"/>
+            <a:ext cx="2024188" cy="152237"/>
           </a:xfrm>
-          <a:prstGeom prst="curvedConnector3">
+          <a:prstGeom prst="line">
             <a:avLst/>
           </a:prstGeom>
-          <a:ln>
-            <a:tailEnd type="triangle"/>
-          </a:ln>
-        </p:spPr>
-        <p:style>
-          <a:lnRef idx="1">
-            <a:schemeClr val="accent1"/>
-          </a:lnRef>
-          <a:fillRef idx="0">
-            <a:schemeClr val="accent1"/>
-          </a:fillRef>
-          <a:effectRef idx="0">
-            <a:schemeClr val="accent1"/>
-          </a:effectRef>
-          <a:fontRef idx="minor">
-            <a:schemeClr val="tx1"/>
-          </a:fontRef>
-        </p:style>
-      </p:cxnSp>
-      <p:sp>
-        <p:nvSpPr>
-          <p:cNvPr id="2" name="椭圆 1">
-            <a:extLst>
-              <a:ext uri="{FF2B5EF4-FFF2-40B4-BE49-F238E27FC236}">
-                <a16:creationId xmlns:a16="http://schemas.microsoft.com/office/drawing/2014/main" id="{70CCDA30-2FCC-60CF-8800-1BD8B9F26BAB}"/>
-              </a:ext>
-            </a:extLst>
-          </p:cNvPr>
-          <p:cNvSpPr/>
-          <p:nvPr/>
-        </p:nvSpPr>
-        <p:spPr>
-          <a:xfrm>
-            <a:off x="9938547" y="772357"/>
-            <a:ext cx="719091" cy="719091"/>
-          </a:xfrm>
-          <a:prstGeom prst="ellipse">
-            <a:avLst/>
-          </a:prstGeom>
-        </p:spPr>
-        <p:style>
-          <a:lnRef idx="2">
-            <a:schemeClr val="accent1">
-              <a:shade val="50000"/>
-            </a:schemeClr>
-          </a:lnRef>
-          <a:fillRef idx="1">
-            <a:schemeClr val="accent1"/>
-          </a:fillRef>
-          <a:effectRef idx="0">
-            <a:schemeClr val="accent1"/>
-          </a:effectRef>
-          <a:fontRef idx="minor">
-            <a:schemeClr val="lt1"/>
-          </a:fontRef>
-        </p:style>
-        <p:txBody>
-          <a:bodyPr rtlCol="0" anchor="ctr"/>
-          <a:lstStyle/>
-          <a:p>
-            <a:pPr algn="ctr"/>
-            <a:r>
-              <a:rPr lang="en-US" altLang="zh-CN" sz="1100" dirty="0"/>
-              <a:t>NUL</a:t>
-            </a:r>
-          </a:p>
-          <a:p>
-            <a:pPr algn="ctr"/>
-            <a:r>
-              <a:rPr lang="en-US" altLang="zh-CN" sz="1100" dirty="0"/>
-              <a:t>X</a:t>
-            </a:r>
-            <a:endParaRPr lang="zh-CN" altLang="en-US" sz="1100" dirty="0"/>
-          </a:p>
-        </p:txBody>
-      </p:sp>
-      <p:sp>
-        <p:nvSpPr>
-          <p:cNvPr id="3" name="椭圆 2">
-            <a:extLst>
-              <a:ext uri="{FF2B5EF4-FFF2-40B4-BE49-F238E27FC236}">
-                <a16:creationId xmlns:a16="http://schemas.microsoft.com/office/drawing/2014/main" id="{D63251E8-84F4-0515-84E4-1EA09F9F5DBD}"/>
-              </a:ext>
-            </a:extLst>
-          </p:cNvPr>
-          <p:cNvSpPr/>
-          <p:nvPr/>
-        </p:nvSpPr>
-        <p:spPr>
-          <a:xfrm>
-            <a:off x="9938547" y="1945691"/>
-            <a:ext cx="719091" cy="719091"/>
-          </a:xfrm>
-          <a:prstGeom prst="ellipse">
-            <a:avLst/>
-          </a:prstGeom>
-        </p:spPr>
-        <p:style>
-          <a:lnRef idx="2">
-            <a:schemeClr val="accent1">
-              <a:shade val="50000"/>
-            </a:schemeClr>
-          </a:lnRef>
-          <a:fillRef idx="1">
-            <a:schemeClr val="accent1"/>
-          </a:fillRef>
-          <a:effectRef idx="0">
-            <a:schemeClr val="accent1"/>
-          </a:effectRef>
-          <a:fontRef idx="minor">
-            <a:schemeClr val="lt1"/>
-          </a:fontRef>
-        </p:style>
-        <p:txBody>
-          <a:bodyPr rtlCol="0" anchor="ctr"/>
-          <a:lstStyle/>
-          <a:p>
-            <a:pPr algn="ctr"/>
-            <a:r>
-              <a:rPr lang="en-US" altLang="zh-CN" sz="1100" dirty="0"/>
-              <a:t>MUL</a:t>
-            </a:r>
-          </a:p>
-          <a:p>
-            <a:pPr algn="ctr"/>
-            <a:r>
-              <a:rPr lang="en-US" altLang="zh-CN" sz="1100" dirty="0"/>
-              <a:t>X^2</a:t>
-            </a:r>
-            <a:endParaRPr lang="zh-CN" altLang="en-US" sz="1100" dirty="0"/>
-          </a:p>
-        </p:txBody>
-      </p:sp>
-      <p:cxnSp>
-        <p:nvCxnSpPr>
-          <p:cNvPr id="5" name="连接符: 曲线 4">
-            <a:extLst>
-              <a:ext uri="{FF2B5EF4-FFF2-40B4-BE49-F238E27FC236}">
-                <a16:creationId xmlns:a16="http://schemas.microsoft.com/office/drawing/2014/main" id="{FE374C12-482B-8DA9-41C9-9449FBADC5E5}"/>
-              </a:ext>
-            </a:extLst>
-          </p:cNvPr>
-          <p:cNvCxnSpPr>
-            <a:stCxn id="2" idx="4"/>
-            <a:endCxn id="3" idx="0"/>
-          </p:cNvCxnSpPr>
-          <p:nvPr/>
-        </p:nvCxnSpPr>
-        <p:spPr>
-          <a:xfrm rot="5400000">
-            <a:off x="10070972" y="1718569"/>
-            <a:ext cx="454243" cy="12700"/>
-          </a:xfrm>
-          <a:prstGeom prst="curvedConnector3">
-            <a:avLst/>
-          </a:prstGeom>
-          <a:ln>
-            <a:tailEnd type="triangle"/>
-          </a:ln>
-        </p:spPr>
-        <p:style>
-          <a:lnRef idx="1">
-            <a:schemeClr val="accent1"/>
-          </a:lnRef>
-          <a:fillRef idx="0">
-            <a:schemeClr val="accent1"/>
-          </a:fillRef>
-          <a:effectRef idx="0">
-            <a:schemeClr val="accent1"/>
-          </a:effectRef>
-          <a:fontRef idx="minor">
-            <a:schemeClr val="tx1"/>
-          </a:fontRef>
-        </p:style>
-      </p:cxnSp>
-      <p:sp>
-        <p:nvSpPr>
-          <p:cNvPr id="6" name="椭圆 5">
-            <a:extLst>
-              <a:ext uri="{FF2B5EF4-FFF2-40B4-BE49-F238E27FC236}">
-                <a16:creationId xmlns:a16="http://schemas.microsoft.com/office/drawing/2014/main" id="{C58025C8-84E2-1E9D-D0E9-12AB772A6359}"/>
-              </a:ext>
-            </a:extLst>
-          </p:cNvPr>
-          <p:cNvSpPr/>
-          <p:nvPr/>
-        </p:nvSpPr>
-        <p:spPr>
-          <a:xfrm>
-            <a:off x="7343304" y="772357"/>
-            <a:ext cx="719091" cy="719091"/>
-          </a:xfrm>
-          <a:prstGeom prst="ellipse">
-            <a:avLst/>
-          </a:prstGeom>
-        </p:spPr>
-        <p:style>
-          <a:lnRef idx="2">
-            <a:schemeClr val="accent1">
-              <a:shade val="50000"/>
-            </a:schemeClr>
-          </a:lnRef>
-          <a:fillRef idx="1">
-            <a:schemeClr val="accent1"/>
-          </a:fillRef>
-          <a:effectRef idx="0">
-            <a:schemeClr val="accent1"/>
-          </a:effectRef>
-          <a:fontRef idx="minor">
-            <a:schemeClr val="lt1"/>
-          </a:fontRef>
-        </p:style>
-        <p:txBody>
-          <a:bodyPr rtlCol="0" anchor="ctr"/>
-          <a:lstStyle/>
-          <a:p>
-            <a:pPr algn="ctr"/>
-            <a:r>
-              <a:rPr lang="en-US" altLang="zh-CN" sz="1100" dirty="0"/>
-              <a:t>NUL</a:t>
-            </a:r>
-          </a:p>
-          <a:p>
-            <a:pPr algn="ctr"/>
-            <a:r>
-              <a:rPr lang="en-US" altLang="zh-CN" sz="1100" dirty="0"/>
-              <a:t>X</a:t>
-            </a:r>
-            <a:endParaRPr lang="zh-CN" altLang="en-US" sz="1100" dirty="0"/>
-          </a:p>
-        </p:txBody>
-      </p:sp>
-      <p:sp>
-        <p:nvSpPr>
-          <p:cNvPr id="7" name="椭圆 6">
-            <a:extLst>
-              <a:ext uri="{FF2B5EF4-FFF2-40B4-BE49-F238E27FC236}">
-                <a16:creationId xmlns:a16="http://schemas.microsoft.com/office/drawing/2014/main" id="{38C626B6-5BC1-3762-A3B3-DAFF574847C5}"/>
-              </a:ext>
-            </a:extLst>
-          </p:cNvPr>
-          <p:cNvSpPr/>
-          <p:nvPr/>
-        </p:nvSpPr>
-        <p:spPr>
-          <a:xfrm>
-            <a:off x="7343304" y="1945691"/>
-            <a:ext cx="719091" cy="719091"/>
-          </a:xfrm>
-          <a:prstGeom prst="ellipse">
-            <a:avLst/>
-          </a:prstGeom>
-        </p:spPr>
-        <p:style>
-          <a:lnRef idx="2">
-            <a:schemeClr val="accent1">
-              <a:shade val="50000"/>
-            </a:schemeClr>
-          </a:lnRef>
-          <a:fillRef idx="1">
-            <a:schemeClr val="accent1"/>
-          </a:fillRef>
-          <a:effectRef idx="0">
-            <a:schemeClr val="accent1"/>
-          </a:effectRef>
-          <a:fontRef idx="minor">
-            <a:schemeClr val="lt1"/>
-          </a:fontRef>
-        </p:style>
-        <p:txBody>
-          <a:bodyPr rtlCol="0" anchor="ctr"/>
-          <a:lstStyle/>
-          <a:p>
-            <a:pPr algn="ctr"/>
-            <a:r>
-              <a:rPr lang="en-US" altLang="zh-CN" sz="1100" dirty="0"/>
-              <a:t>MUL</a:t>
-            </a:r>
-          </a:p>
-          <a:p>
-            <a:pPr algn="ctr"/>
-            <a:r>
-              <a:rPr lang="en-US" altLang="zh-CN" sz="1100" dirty="0"/>
-              <a:t>X^2</a:t>
-            </a:r>
-            <a:endParaRPr lang="zh-CN" altLang="en-US" sz="1100" dirty="0"/>
-          </a:p>
-        </p:txBody>
-      </p:sp>
-      <p:sp>
-        <p:nvSpPr>
-          <p:cNvPr id="8" name="椭圆 7">
-            <a:extLst>
-              <a:ext uri="{FF2B5EF4-FFF2-40B4-BE49-F238E27FC236}">
-                <a16:creationId xmlns:a16="http://schemas.microsoft.com/office/drawing/2014/main" id="{B6C6758D-9EFC-6073-8090-914AF5352ED5}"/>
-              </a:ext>
-            </a:extLst>
-          </p:cNvPr>
-          <p:cNvSpPr/>
-          <p:nvPr/>
-        </p:nvSpPr>
-        <p:spPr>
-          <a:xfrm>
-            <a:off x="6510284" y="2808304"/>
-            <a:ext cx="719091" cy="719091"/>
-          </a:xfrm>
-          <a:prstGeom prst="ellipse">
-            <a:avLst/>
-          </a:prstGeom>
-        </p:spPr>
-        <p:style>
-          <a:lnRef idx="2">
-            <a:schemeClr val="accent1">
-              <a:shade val="50000"/>
-            </a:schemeClr>
-          </a:lnRef>
-          <a:fillRef idx="1">
-            <a:schemeClr val="accent1"/>
-          </a:fillRef>
-          <a:effectRef idx="0">
-            <a:schemeClr val="accent1"/>
-          </a:effectRef>
-          <a:fontRef idx="minor">
-            <a:schemeClr val="lt1"/>
-          </a:fontRef>
-        </p:style>
-        <p:txBody>
-          <a:bodyPr rtlCol="0" anchor="ctr"/>
-          <a:lstStyle/>
-          <a:p>
-            <a:pPr algn="ctr"/>
-            <a:r>
-              <a:rPr lang="en-US" altLang="zh-CN" sz="1100" dirty="0"/>
-              <a:t>MUL</a:t>
-            </a:r>
-          </a:p>
-          <a:p>
-            <a:pPr algn="ctr"/>
-            <a:r>
-              <a:rPr lang="en-US" altLang="zh-CN" sz="1100" dirty="0"/>
-              <a:t>X^3</a:t>
-            </a:r>
-            <a:endParaRPr lang="zh-CN" altLang="en-US" sz="1100" dirty="0"/>
-          </a:p>
-        </p:txBody>
-      </p:sp>
-      <p:cxnSp>
-        <p:nvCxnSpPr>
-          <p:cNvPr id="9" name="连接符: 曲线 8">
-            <a:extLst>
-              <a:ext uri="{FF2B5EF4-FFF2-40B4-BE49-F238E27FC236}">
-                <a16:creationId xmlns:a16="http://schemas.microsoft.com/office/drawing/2014/main" id="{DBFE09F2-E6A1-0438-6E08-EDEB41A88958}"/>
-              </a:ext>
-            </a:extLst>
-          </p:cNvPr>
-          <p:cNvCxnSpPr>
-            <a:stCxn id="7" idx="4"/>
-            <a:endCxn id="8" idx="6"/>
-          </p:cNvCxnSpPr>
-          <p:nvPr/>
-        </p:nvCxnSpPr>
-        <p:spPr>
-          <a:xfrm rot="5400000">
-            <a:off x="7214579" y="2679579"/>
-            <a:ext cx="503068" cy="473475"/>
-          </a:xfrm>
-          <a:prstGeom prst="curvedConnector2">
-            <a:avLst/>
-          </a:prstGeom>
-          <a:ln>
-            <a:tailEnd type="triangle"/>
+          <a:ln w="57150">
+            <a:solidFill>
+              <a:schemeClr val="tx1"/>
+            </a:solidFill>
           </a:ln>
         </p:spPr>
         <p:style>
@@ -10016,32 +12364,444 @@
       </p:cxnSp>
       <p:cxnSp>
         <p:nvCxnSpPr>
-          <p:cNvPr id="10" name="连接符: 曲线 9">
+          <p:cNvPr id="44" name="直接连接符 43">
             <a:extLst>
               <a:ext uri="{FF2B5EF4-FFF2-40B4-BE49-F238E27FC236}">
-                <a16:creationId xmlns:a16="http://schemas.microsoft.com/office/drawing/2014/main" id="{AFAB5CC1-3EA2-0E14-98FE-D1EF768FB033}"/>
+                <a16:creationId xmlns:a16="http://schemas.microsoft.com/office/drawing/2014/main" id="{38790EB7-1692-E7F0-AC5C-B41C5005DA04}"/>
+              </a:ext>
+            </a:extLst>
+          </p:cNvPr>
+          <p:cNvCxnSpPr/>
+          <p:nvPr/>
+        </p:nvCxnSpPr>
+        <p:spPr>
+          <a:xfrm flipV="1">
+            <a:off x="3557731" y="4217927"/>
+            <a:ext cx="1028259" cy="2423606"/>
+          </a:xfrm>
+          <a:prstGeom prst="line">
+            <a:avLst/>
+          </a:prstGeom>
+          <a:ln w="57150">
+            <a:solidFill>
+              <a:schemeClr val="tx1"/>
+            </a:solidFill>
+          </a:ln>
+        </p:spPr>
+        <p:style>
+          <a:lnRef idx="1">
+            <a:schemeClr val="accent1"/>
+          </a:lnRef>
+          <a:fillRef idx="0">
+            <a:schemeClr val="accent1"/>
+          </a:fillRef>
+          <a:effectRef idx="0">
+            <a:schemeClr val="accent1"/>
+          </a:effectRef>
+          <a:fontRef idx="minor">
+            <a:schemeClr val="tx1"/>
+          </a:fontRef>
+        </p:style>
+      </p:cxnSp>
+      <p:cxnSp>
+        <p:nvCxnSpPr>
+          <p:cNvPr id="46" name="直接连接符 45">
+            <a:extLst>
+              <a:ext uri="{FF2B5EF4-FFF2-40B4-BE49-F238E27FC236}">
+                <a16:creationId xmlns:a16="http://schemas.microsoft.com/office/drawing/2014/main" id="{72D6B6C2-FB37-326A-F00D-E01F5EBEC42C}"/>
               </a:ext>
             </a:extLst>
           </p:cNvPr>
           <p:cNvCxnSpPr>
             <a:cxnSpLocks/>
-            <a:stCxn id="6" idx="3"/>
-            <a:endCxn id="8" idx="0"/>
           </p:cNvCxnSpPr>
           <p:nvPr/>
         </p:nvCxnSpPr>
         <p:spPr>
-          <a:xfrm rot="5400000">
-            <a:off x="6448139" y="1807831"/>
-            <a:ext cx="1422164" cy="578782"/>
+          <a:xfrm flipH="1" flipV="1">
+            <a:off x="4116954" y="3351877"/>
+            <a:ext cx="488721" cy="866050"/>
           </a:xfrm>
-          <a:prstGeom prst="curvedConnector3">
-            <a:avLst>
-              <a:gd name="adj1" fmla="val 50000"/>
-            </a:avLst>
+          <a:prstGeom prst="line">
+            <a:avLst/>
           </a:prstGeom>
-          <a:ln>
-            <a:tailEnd type="triangle"/>
+          <a:ln w="57150">
+            <a:solidFill>
+              <a:schemeClr val="tx1"/>
+            </a:solidFill>
+          </a:ln>
+        </p:spPr>
+        <p:style>
+          <a:lnRef idx="1">
+            <a:schemeClr val="accent1"/>
+          </a:lnRef>
+          <a:fillRef idx="0">
+            <a:schemeClr val="accent1"/>
+          </a:fillRef>
+          <a:effectRef idx="0">
+            <a:schemeClr val="accent1"/>
+          </a:effectRef>
+          <a:fontRef idx="minor">
+            <a:schemeClr val="tx1"/>
+          </a:fontRef>
+        </p:style>
+      </p:cxnSp>
+      <p:cxnSp>
+        <p:nvCxnSpPr>
+          <p:cNvPr id="49" name="直接连接符 48">
+            <a:extLst>
+              <a:ext uri="{FF2B5EF4-FFF2-40B4-BE49-F238E27FC236}">
+                <a16:creationId xmlns:a16="http://schemas.microsoft.com/office/drawing/2014/main" id="{093DEE2F-12B7-FF37-6598-DC598D199253}"/>
+              </a:ext>
+            </a:extLst>
+          </p:cNvPr>
+          <p:cNvCxnSpPr/>
+          <p:nvPr/>
+        </p:nvCxnSpPr>
+        <p:spPr>
+          <a:xfrm flipV="1">
+            <a:off x="4108414" y="2670405"/>
+            <a:ext cx="1554640" cy="681471"/>
+          </a:xfrm>
+          <a:prstGeom prst="line">
+            <a:avLst/>
+          </a:prstGeom>
+          <a:ln w="57150">
+            <a:solidFill>
+              <a:schemeClr val="tx1"/>
+            </a:solidFill>
+          </a:ln>
+        </p:spPr>
+        <p:style>
+          <a:lnRef idx="1">
+            <a:schemeClr val="accent1"/>
+          </a:lnRef>
+          <a:fillRef idx="0">
+            <a:schemeClr val="accent1"/>
+          </a:fillRef>
+          <a:effectRef idx="0">
+            <a:schemeClr val="accent1"/>
+          </a:effectRef>
+          <a:fontRef idx="minor">
+            <a:schemeClr val="tx1"/>
+          </a:fontRef>
+        </p:style>
+      </p:cxnSp>
+      <p:cxnSp>
+        <p:nvCxnSpPr>
+          <p:cNvPr id="52" name="直接连接符 51">
+            <a:extLst>
+              <a:ext uri="{FF2B5EF4-FFF2-40B4-BE49-F238E27FC236}">
+                <a16:creationId xmlns:a16="http://schemas.microsoft.com/office/drawing/2014/main" id="{86DB65D3-F970-94A0-687F-4390FD0C530E}"/>
+              </a:ext>
+            </a:extLst>
+          </p:cNvPr>
+          <p:cNvCxnSpPr/>
+          <p:nvPr/>
+        </p:nvCxnSpPr>
+        <p:spPr>
+          <a:xfrm>
+            <a:off x="5306879" y="1731019"/>
+            <a:ext cx="356175" cy="939386"/>
+          </a:xfrm>
+          <a:prstGeom prst="line">
+            <a:avLst/>
+          </a:prstGeom>
+          <a:ln w="57150">
+            <a:solidFill>
+              <a:schemeClr val="tx1"/>
+            </a:solidFill>
+          </a:ln>
+        </p:spPr>
+        <p:style>
+          <a:lnRef idx="1">
+            <a:schemeClr val="accent1"/>
+          </a:lnRef>
+          <a:fillRef idx="0">
+            <a:schemeClr val="accent1"/>
+          </a:fillRef>
+          <a:effectRef idx="0">
+            <a:schemeClr val="accent1"/>
+          </a:effectRef>
+          <a:fontRef idx="minor">
+            <a:schemeClr val="tx1"/>
+          </a:fontRef>
+        </p:style>
+      </p:cxnSp>
+      <p:cxnSp>
+        <p:nvCxnSpPr>
+          <p:cNvPr id="53" name="直接连接符 52">
+            <a:extLst>
+              <a:ext uri="{FF2B5EF4-FFF2-40B4-BE49-F238E27FC236}">
+                <a16:creationId xmlns:a16="http://schemas.microsoft.com/office/drawing/2014/main" id="{CAA70D41-AA4D-FA25-CB75-A7404D2B4E6E}"/>
+              </a:ext>
+            </a:extLst>
+          </p:cNvPr>
+          <p:cNvCxnSpPr>
+            <a:cxnSpLocks/>
+          </p:cNvCxnSpPr>
+          <p:nvPr/>
+        </p:nvCxnSpPr>
+        <p:spPr>
+          <a:xfrm flipH="1">
+            <a:off x="6762170" y="1731020"/>
+            <a:ext cx="4087679" cy="1697980"/>
+          </a:xfrm>
+          <a:prstGeom prst="line">
+            <a:avLst/>
+          </a:prstGeom>
+          <a:ln w="57150">
+            <a:solidFill>
+              <a:schemeClr val="tx1"/>
+            </a:solidFill>
+          </a:ln>
+        </p:spPr>
+        <p:style>
+          <a:lnRef idx="1">
+            <a:schemeClr val="accent1"/>
+          </a:lnRef>
+          <a:fillRef idx="0">
+            <a:schemeClr val="accent1"/>
+          </a:fillRef>
+          <a:effectRef idx="0">
+            <a:schemeClr val="accent1"/>
+          </a:effectRef>
+          <a:fontRef idx="minor">
+            <a:schemeClr val="tx1"/>
+          </a:fontRef>
+        </p:style>
+      </p:cxnSp>
+      <p:cxnSp>
+        <p:nvCxnSpPr>
+          <p:cNvPr id="54" name="直接连接符 53">
+            <a:extLst>
+              <a:ext uri="{FF2B5EF4-FFF2-40B4-BE49-F238E27FC236}">
+                <a16:creationId xmlns:a16="http://schemas.microsoft.com/office/drawing/2014/main" id="{59A7E128-BC2B-4E9F-5190-50B4E210993F}"/>
+              </a:ext>
+            </a:extLst>
+          </p:cNvPr>
+          <p:cNvCxnSpPr/>
+          <p:nvPr/>
+        </p:nvCxnSpPr>
+        <p:spPr>
+          <a:xfrm>
+            <a:off x="6762169" y="3471209"/>
+            <a:ext cx="283417" cy="3264974"/>
+          </a:xfrm>
+          <a:prstGeom prst="line">
+            <a:avLst/>
+          </a:prstGeom>
+          <a:ln w="57150">
+            <a:solidFill>
+              <a:schemeClr val="tx1"/>
+            </a:solidFill>
+          </a:ln>
+        </p:spPr>
+        <p:style>
+          <a:lnRef idx="1">
+            <a:schemeClr val="accent1"/>
+          </a:lnRef>
+          <a:fillRef idx="0">
+            <a:schemeClr val="accent1"/>
+          </a:fillRef>
+          <a:effectRef idx="0">
+            <a:schemeClr val="accent1"/>
+          </a:effectRef>
+          <a:fontRef idx="minor">
+            <a:schemeClr val="tx1"/>
+          </a:fontRef>
+        </p:style>
+      </p:cxnSp>
+      <p:cxnSp>
+        <p:nvCxnSpPr>
+          <p:cNvPr id="55" name="直接连接符 54">
+            <a:extLst>
+              <a:ext uri="{FF2B5EF4-FFF2-40B4-BE49-F238E27FC236}">
+                <a16:creationId xmlns:a16="http://schemas.microsoft.com/office/drawing/2014/main" id="{D4F1E4F6-0850-8A39-956F-0E0A26CD2749}"/>
+              </a:ext>
+            </a:extLst>
+          </p:cNvPr>
+          <p:cNvCxnSpPr/>
+          <p:nvPr/>
+        </p:nvCxnSpPr>
+        <p:spPr>
+          <a:xfrm flipV="1">
+            <a:off x="7036249" y="6626155"/>
+            <a:ext cx="2024188" cy="152237"/>
+          </a:xfrm>
+          <a:prstGeom prst="line">
+            <a:avLst/>
+          </a:prstGeom>
+          <a:ln w="57150">
+            <a:solidFill>
+              <a:schemeClr val="tx1"/>
+            </a:solidFill>
+          </a:ln>
+        </p:spPr>
+        <p:style>
+          <a:lnRef idx="1">
+            <a:schemeClr val="accent1"/>
+          </a:lnRef>
+          <a:fillRef idx="0">
+            <a:schemeClr val="accent1"/>
+          </a:fillRef>
+          <a:effectRef idx="0">
+            <a:schemeClr val="accent1"/>
+          </a:effectRef>
+          <a:fontRef idx="minor">
+            <a:schemeClr val="tx1"/>
+          </a:fontRef>
+        </p:style>
+      </p:cxnSp>
+      <p:cxnSp>
+        <p:nvCxnSpPr>
+          <p:cNvPr id="56" name="直接连接符 55">
+            <a:extLst>
+              <a:ext uri="{FF2B5EF4-FFF2-40B4-BE49-F238E27FC236}">
+                <a16:creationId xmlns:a16="http://schemas.microsoft.com/office/drawing/2014/main" id="{9312CEDD-F80B-A4D9-E221-93A46D4A6BF2}"/>
+              </a:ext>
+            </a:extLst>
+          </p:cNvPr>
+          <p:cNvCxnSpPr/>
+          <p:nvPr/>
+        </p:nvCxnSpPr>
+        <p:spPr>
+          <a:xfrm flipV="1">
+            <a:off x="9100701" y="4217927"/>
+            <a:ext cx="1028259" cy="2423606"/>
+          </a:xfrm>
+          <a:prstGeom prst="line">
+            <a:avLst/>
+          </a:prstGeom>
+          <a:ln w="57150">
+            <a:solidFill>
+              <a:schemeClr val="tx1"/>
+            </a:solidFill>
+          </a:ln>
+        </p:spPr>
+        <p:style>
+          <a:lnRef idx="1">
+            <a:schemeClr val="accent1"/>
+          </a:lnRef>
+          <a:fillRef idx="0">
+            <a:schemeClr val="accent1"/>
+          </a:fillRef>
+          <a:effectRef idx="0">
+            <a:schemeClr val="accent1"/>
+          </a:effectRef>
+          <a:fontRef idx="minor">
+            <a:schemeClr val="tx1"/>
+          </a:fontRef>
+        </p:style>
+      </p:cxnSp>
+      <p:cxnSp>
+        <p:nvCxnSpPr>
+          <p:cNvPr id="57" name="直接连接符 56">
+            <a:extLst>
+              <a:ext uri="{FF2B5EF4-FFF2-40B4-BE49-F238E27FC236}">
+                <a16:creationId xmlns:a16="http://schemas.microsoft.com/office/drawing/2014/main" id="{56816A9C-DD24-D9D1-60F3-D87DFF0B661C}"/>
+              </a:ext>
+            </a:extLst>
+          </p:cNvPr>
+          <p:cNvCxnSpPr>
+            <a:cxnSpLocks/>
+          </p:cNvCxnSpPr>
+          <p:nvPr/>
+        </p:nvCxnSpPr>
+        <p:spPr>
+          <a:xfrm flipH="1" flipV="1">
+            <a:off x="9659924" y="3351877"/>
+            <a:ext cx="488721" cy="866050"/>
+          </a:xfrm>
+          <a:prstGeom prst="line">
+            <a:avLst/>
+          </a:prstGeom>
+          <a:ln w="57150">
+            <a:solidFill>
+              <a:schemeClr val="tx1"/>
+            </a:solidFill>
+          </a:ln>
+        </p:spPr>
+        <p:style>
+          <a:lnRef idx="1">
+            <a:schemeClr val="accent1"/>
+          </a:lnRef>
+          <a:fillRef idx="0">
+            <a:schemeClr val="accent1"/>
+          </a:fillRef>
+          <a:effectRef idx="0">
+            <a:schemeClr val="accent1"/>
+          </a:effectRef>
+          <a:fontRef idx="minor">
+            <a:schemeClr val="tx1"/>
+          </a:fontRef>
+        </p:style>
+      </p:cxnSp>
+      <p:cxnSp>
+        <p:nvCxnSpPr>
+          <p:cNvPr id="58" name="直接连接符 57">
+            <a:extLst>
+              <a:ext uri="{FF2B5EF4-FFF2-40B4-BE49-F238E27FC236}">
+                <a16:creationId xmlns:a16="http://schemas.microsoft.com/office/drawing/2014/main" id="{56ADC081-1745-9323-B4D6-73F61E6CEF65}"/>
+              </a:ext>
+            </a:extLst>
+          </p:cNvPr>
+          <p:cNvCxnSpPr/>
+          <p:nvPr/>
+        </p:nvCxnSpPr>
+        <p:spPr>
+          <a:xfrm flipV="1">
+            <a:off x="9651384" y="2670405"/>
+            <a:ext cx="1554640" cy="681471"/>
+          </a:xfrm>
+          <a:prstGeom prst="line">
+            <a:avLst/>
+          </a:prstGeom>
+          <a:ln w="57150">
+            <a:solidFill>
+              <a:schemeClr val="tx1"/>
+            </a:solidFill>
+          </a:ln>
+        </p:spPr>
+        <p:style>
+          <a:lnRef idx="1">
+            <a:schemeClr val="accent1"/>
+          </a:lnRef>
+          <a:fillRef idx="0">
+            <a:schemeClr val="accent1"/>
+          </a:fillRef>
+          <a:effectRef idx="0">
+            <a:schemeClr val="accent1"/>
+          </a:effectRef>
+          <a:fontRef idx="minor">
+            <a:schemeClr val="tx1"/>
+          </a:fontRef>
+        </p:style>
+      </p:cxnSp>
+      <p:cxnSp>
+        <p:nvCxnSpPr>
+          <p:cNvPr id="59" name="直接连接符 58">
+            <a:extLst>
+              <a:ext uri="{FF2B5EF4-FFF2-40B4-BE49-F238E27FC236}">
+                <a16:creationId xmlns:a16="http://schemas.microsoft.com/office/drawing/2014/main" id="{598D6586-8916-B795-3952-86157A8DCE32}"/>
+              </a:ext>
+            </a:extLst>
+          </p:cNvPr>
+          <p:cNvCxnSpPr/>
+          <p:nvPr/>
+        </p:nvCxnSpPr>
+        <p:spPr>
+          <a:xfrm>
+            <a:off x="10849849" y="1731019"/>
+            <a:ext cx="356175" cy="939386"/>
+          </a:xfrm>
+          <a:prstGeom prst="line">
+            <a:avLst/>
+          </a:prstGeom>
+          <a:ln w="57150">
+            <a:solidFill>
+              <a:schemeClr val="tx1"/>
+            </a:solidFill>
           </a:ln>
         </p:spPr>
         <p:style>
@@ -10062,7 +12822,7 @@
     </p:spTree>
     <p:extLst>
       <p:ext uri="{BB962C8B-B14F-4D97-AF65-F5344CB8AC3E}">
-        <p14:creationId xmlns:p14="http://schemas.microsoft.com/office/powerpoint/2010/main" val="1119926997"/>
+        <p14:creationId xmlns:p14="http://schemas.microsoft.com/office/powerpoint/2010/main" val="2725361790"/>
       </p:ext>
     </p:extLst>
   </p:cSld>
@@ -10089,6 +12849,74 @@
           <a:chExt cx="0" cy="0"/>
         </a:xfrm>
       </p:grpSpPr>
+      <p:pic>
+        <p:nvPicPr>
+          <p:cNvPr id="33" name="图片 32">
+            <a:extLst>
+              <a:ext uri="{FF2B5EF4-FFF2-40B4-BE49-F238E27FC236}">
+                <a16:creationId xmlns:a16="http://schemas.microsoft.com/office/drawing/2014/main" id="{A1F715DA-5283-01E4-214E-C0173BB23F3A}"/>
+              </a:ext>
+            </a:extLst>
+          </p:cNvPr>
+          <p:cNvPicPr>
+            <a:picLocks noChangeAspect="1"/>
+          </p:cNvPicPr>
+          <p:nvPr/>
+        </p:nvPicPr>
+        <p:blipFill>
+          <a:blip r:embed="rId2"/>
+          <a:stretch>
+            <a:fillRect/>
+          </a:stretch>
+        </p:blipFill>
+        <p:spPr>
+          <a:xfrm>
+            <a:off x="825859" y="1890712"/>
+            <a:ext cx="4495800" cy="3381375"/>
+          </a:xfrm>
+          <a:prstGeom prst="rect">
+            <a:avLst/>
+          </a:prstGeom>
+        </p:spPr>
+      </p:pic>
+      <p:sp>
+        <p:nvSpPr>
+          <p:cNvPr id="2" name="标题 1">
+            <a:extLst>
+              <a:ext uri="{FF2B5EF4-FFF2-40B4-BE49-F238E27FC236}">
+                <a16:creationId xmlns:a16="http://schemas.microsoft.com/office/drawing/2014/main" id="{3675270D-B90F-3849-B3BB-AF1CF4DC3E7D}"/>
+              </a:ext>
+            </a:extLst>
+          </p:cNvPr>
+          <p:cNvSpPr>
+            <a:spLocks noGrp="1"/>
+          </p:cNvSpPr>
+          <p:nvPr>
+            <p:ph type="title"/>
+          </p:nvPr>
+        </p:nvSpPr>
+        <p:spPr/>
+        <p:txBody>
+          <a:bodyPr>
+            <a:normAutofit/>
+          </a:bodyPr>
+          <a:lstStyle/>
+          <a:p>
+            <a:r>
+              <a:rPr kumimoji="1" lang="zh-CN" altLang="en-US" dirty="0"/>
+              <a:t>目前成果</a:t>
+            </a:r>
+            <a:r>
+              <a:rPr kumimoji="1" lang="en-US" altLang="zh-CN" dirty="0"/>
+              <a:t>3:</a:t>
+            </a:r>
+            <a:r>
+              <a:rPr kumimoji="1" lang="zh-CN" altLang="en-US" dirty="0"/>
+              <a:t>对图的进一步抽象</a:t>
+            </a:r>
+          </a:p>
+        </p:txBody>
+      </p:sp>
       <p:sp>
         <p:nvSpPr>
           <p:cNvPr id="4" name="灯片编号占位符 3">
@@ -10114,1311 +12942,491 @@
               <a:rPr lang="zh-CN" altLang="en-US" smtClean="0"/>
               <a:t>16</a:t>
             </a:fld>
-            <a:endParaRPr lang="zh-CN" altLang="en-US"/>
+            <a:endParaRPr lang="zh-CN" altLang="en-US" dirty="0"/>
           </a:p>
         </p:txBody>
       </p:sp>
       <p:sp>
         <p:nvSpPr>
-          <p:cNvPr id="78" name="椭圆 77">
+          <p:cNvPr id="9" name="内容占位符 2">
             <a:extLst>
               <a:ext uri="{FF2B5EF4-FFF2-40B4-BE49-F238E27FC236}">
-                <a16:creationId xmlns:a16="http://schemas.microsoft.com/office/drawing/2014/main" id="{078BF326-8E2E-1335-5CE5-C460B300D35D}"/>
+                <a16:creationId xmlns:a16="http://schemas.microsoft.com/office/drawing/2014/main" id="{EB648DB9-04AF-7B4D-A50C-D5002B6028A5}"/>
               </a:ext>
             </a:extLst>
           </p:cNvPr>
-          <p:cNvSpPr/>
-          <p:nvPr/>
+          <p:cNvSpPr>
+            <a:spLocks noGrp="1"/>
+          </p:cNvSpPr>
+          <p:nvPr>
+            <p:ph idx="1"/>
+          </p:nvPr>
         </p:nvSpPr>
         <p:spPr>
           <a:xfrm>
-            <a:off x="6731885" y="2176000"/>
-            <a:ext cx="719091" cy="719091"/>
+            <a:off x="786063" y="1374845"/>
+            <a:ext cx="10174396" cy="4981511"/>
           </a:xfrm>
-          <a:prstGeom prst="ellipse">
-            <a:avLst/>
-          </a:prstGeom>
         </p:spPr>
-        <p:style>
-          <a:lnRef idx="2">
-            <a:schemeClr val="accent1">
-              <a:shade val="50000"/>
-            </a:schemeClr>
-          </a:lnRef>
-          <a:fillRef idx="1">
-            <a:schemeClr val="accent1"/>
-          </a:fillRef>
-          <a:effectRef idx="0">
-            <a:schemeClr val="accent1"/>
-          </a:effectRef>
-          <a:fontRef idx="minor">
-            <a:schemeClr val="lt1"/>
-          </a:fontRef>
-        </p:style>
         <p:txBody>
-          <a:bodyPr rtlCol="0" anchor="ctr"/>
+          <a:bodyPr>
+            <a:normAutofit/>
+          </a:bodyPr>
           <a:lstStyle/>
           <a:p>
-            <a:pPr algn="ctr"/>
-            <a:r>
-              <a:rPr lang="en-US" altLang="zh-CN" sz="1100" dirty="0"/>
-              <a:t>NUL</a:t>
-            </a:r>
-          </a:p>
-          <a:p>
-            <a:pPr algn="ctr"/>
-            <a:r>
-              <a:rPr lang="en-US" altLang="zh-CN" sz="1100" dirty="0"/>
-              <a:t>X</a:t>
-            </a:r>
-            <a:endParaRPr lang="zh-CN" altLang="en-US" sz="1100" dirty="0"/>
+            <a:r>
+              <a:rPr kumimoji="1" lang="zh-CN" altLang="en-US" sz="2400" dirty="0"/>
+              <a:t>抽象后的图如图所示</a:t>
+            </a:r>
+            <a:r>
+              <a:rPr kumimoji="1" lang="en-US" altLang="zh-CN" sz="2400" dirty="0"/>
+              <a:t>:</a:t>
+            </a:r>
+          </a:p>
+          <a:p>
+            <a:endParaRPr kumimoji="1" lang="en-US" altLang="zh-CN" sz="2400" dirty="0"/>
+          </a:p>
+          <a:p>
+            <a:endParaRPr kumimoji="1" lang="en-US" altLang="zh-CN" sz="2400" dirty="0"/>
+          </a:p>
+          <a:p>
+            <a:endParaRPr kumimoji="1" lang="en-US" altLang="zh-CN" sz="2400" dirty="0"/>
+          </a:p>
+          <a:p>
+            <a:endParaRPr kumimoji="1" lang="en-US" altLang="zh-CN" sz="2400" dirty="0"/>
+          </a:p>
+          <a:p>
+            <a:endParaRPr kumimoji="1" lang="en-US" altLang="zh-CN" sz="2400" dirty="0"/>
+          </a:p>
+          <a:p>
+            <a:endParaRPr kumimoji="1" lang="en-US" altLang="zh-CN" sz="2400" dirty="0"/>
           </a:p>
         </p:txBody>
       </p:sp>
       <p:sp>
         <p:nvSpPr>
-          <p:cNvPr id="80" name="椭圆 79">
+          <p:cNvPr id="32" name="AutoShape 2">
             <a:extLst>
               <a:ext uri="{FF2B5EF4-FFF2-40B4-BE49-F238E27FC236}">
-                <a16:creationId xmlns:a16="http://schemas.microsoft.com/office/drawing/2014/main" id="{AC219E87-91B8-C119-56E9-EBEC886A27CA}"/>
+                <a16:creationId xmlns:a16="http://schemas.microsoft.com/office/drawing/2014/main" id="{166A6639-02D7-37AC-714B-050656EDCE60}"/>
               </a:ext>
             </a:extLst>
           </p:cNvPr>
-          <p:cNvSpPr/>
+          <p:cNvSpPr>
+            <a:spLocks noChangeAspect="1" noChangeArrowheads="1"/>
+          </p:cNvSpPr>
           <p:nvPr/>
         </p:nvSpPr>
-        <p:spPr>
+        <p:spPr bwMode="auto">
           <a:xfrm>
-            <a:off x="8737600" y="1202670"/>
-            <a:ext cx="719091" cy="719091"/>
-          </a:xfrm>
-          <a:prstGeom prst="ellipse">
-            <a:avLst/>
-          </a:prstGeom>
-        </p:spPr>
-        <p:style>
-          <a:lnRef idx="2">
-            <a:schemeClr val="accent1">
-              <a:shade val="50000"/>
-            </a:schemeClr>
-          </a:lnRef>
-          <a:fillRef idx="1">
-            <a:schemeClr val="accent1"/>
-          </a:fillRef>
-          <a:effectRef idx="0">
-            <a:schemeClr val="accent1"/>
-          </a:effectRef>
-          <a:fontRef idx="minor">
-            <a:schemeClr val="lt1"/>
-          </a:fontRef>
-        </p:style>
-        <p:txBody>
-          <a:bodyPr rtlCol="0" anchor="ctr"/>
-          <a:lstStyle/>
-          <a:p>
-            <a:pPr algn="ctr"/>
-            <a:r>
-              <a:rPr lang="en-US" altLang="zh-CN" sz="1100" dirty="0"/>
-              <a:t>MUL</a:t>
-            </a:r>
-          </a:p>
-          <a:p>
-            <a:pPr algn="ctr"/>
-            <a:r>
-              <a:rPr lang="en-US" altLang="zh-CN" sz="1100" dirty="0"/>
-              <a:t>X^3</a:t>
-            </a:r>
-            <a:endParaRPr lang="zh-CN" altLang="en-US" sz="1100" dirty="0"/>
-          </a:p>
-        </p:txBody>
-      </p:sp>
-      <p:sp>
-        <p:nvSpPr>
-          <p:cNvPr id="84" name="椭圆 83">
-            <a:extLst>
-              <a:ext uri="{FF2B5EF4-FFF2-40B4-BE49-F238E27FC236}">
-                <a16:creationId xmlns:a16="http://schemas.microsoft.com/office/drawing/2014/main" id="{BCA9F66B-4D0D-E821-0F0B-25383352D9A8}"/>
-              </a:ext>
-            </a:extLst>
-          </p:cNvPr>
-          <p:cNvSpPr/>
-          <p:nvPr/>
-        </p:nvSpPr>
-        <p:spPr>
-          <a:xfrm>
-            <a:off x="7937640" y="2153739"/>
-            <a:ext cx="719091" cy="719091"/>
-          </a:xfrm>
-          <a:prstGeom prst="ellipse">
-            <a:avLst/>
-          </a:prstGeom>
-        </p:spPr>
-        <p:style>
-          <a:lnRef idx="2">
-            <a:schemeClr val="accent1">
-              <a:shade val="50000"/>
-            </a:schemeClr>
-          </a:lnRef>
-          <a:fillRef idx="1">
-            <a:schemeClr val="accent1"/>
-          </a:fillRef>
-          <a:effectRef idx="0">
-            <a:schemeClr val="accent1"/>
-          </a:effectRef>
-          <a:fontRef idx="minor">
-            <a:schemeClr val="lt1"/>
-          </a:fontRef>
-        </p:style>
-        <p:txBody>
-          <a:bodyPr rtlCol="0" anchor="ctr"/>
-          <a:lstStyle/>
-          <a:p>
-            <a:pPr algn="ctr"/>
-            <a:r>
-              <a:rPr lang="en-US" altLang="zh-CN" sz="1100" dirty="0"/>
-              <a:t>ADD</a:t>
-            </a:r>
-          </a:p>
-          <a:p>
-            <a:pPr algn="ctr"/>
-            <a:r>
-              <a:rPr lang="en-US" altLang="zh-CN" sz="1100" dirty="0"/>
-              <a:t>_</a:t>
-            </a:r>
-            <a:endParaRPr lang="zh-CN" altLang="en-US" sz="1100" dirty="0"/>
-          </a:p>
-        </p:txBody>
-      </p:sp>
-      <p:cxnSp>
-        <p:nvCxnSpPr>
-          <p:cNvPr id="85" name="连接符: 曲线 84">
-            <a:extLst>
-              <a:ext uri="{FF2B5EF4-FFF2-40B4-BE49-F238E27FC236}">
-                <a16:creationId xmlns:a16="http://schemas.microsoft.com/office/drawing/2014/main" id="{5D7ECF30-CCB6-3F50-2986-590FB635EE1B}"/>
-              </a:ext>
-            </a:extLst>
-          </p:cNvPr>
-          <p:cNvCxnSpPr>
-            <a:stCxn id="80" idx="3"/>
-            <a:endCxn id="84" idx="7"/>
-          </p:cNvCxnSpPr>
-          <p:nvPr/>
-        </p:nvCxnSpPr>
-        <p:spPr>
-          <a:xfrm rot="5400000">
-            <a:off x="8475869" y="1892008"/>
-            <a:ext cx="442594" cy="291485"/>
-          </a:xfrm>
-          <a:prstGeom prst="curvedConnector3">
-            <a:avLst>
-              <a:gd name="adj1" fmla="val 50000"/>
-            </a:avLst>
-          </a:prstGeom>
-          <a:ln>
-            <a:tailEnd type="triangle"/>
-          </a:ln>
-        </p:spPr>
-        <p:style>
-          <a:lnRef idx="1">
-            <a:schemeClr val="accent1"/>
-          </a:lnRef>
-          <a:fillRef idx="0">
-            <a:schemeClr val="accent1"/>
-          </a:fillRef>
-          <a:effectRef idx="0">
-            <a:schemeClr val="accent1"/>
-          </a:effectRef>
-          <a:fontRef idx="minor">
-            <a:schemeClr val="tx1"/>
-          </a:fontRef>
-        </p:style>
-      </p:cxnSp>
-      <p:cxnSp>
-        <p:nvCxnSpPr>
-          <p:cNvPr id="86" name="连接符: 曲线 85">
-            <a:extLst>
-              <a:ext uri="{FF2B5EF4-FFF2-40B4-BE49-F238E27FC236}">
-                <a16:creationId xmlns:a16="http://schemas.microsoft.com/office/drawing/2014/main" id="{6585000A-A840-684F-EE04-5A508A8B7AD2}"/>
-              </a:ext>
-            </a:extLst>
-          </p:cNvPr>
-          <p:cNvCxnSpPr>
-            <a:cxnSpLocks/>
-            <a:stCxn id="78" idx="4"/>
-            <a:endCxn id="88" idx="1"/>
-          </p:cNvCxnSpPr>
-          <p:nvPr/>
-        </p:nvCxnSpPr>
-        <p:spPr>
-          <a:xfrm rot="16200000" flipH="1">
-            <a:off x="7065449" y="2921073"/>
-            <a:ext cx="389699" cy="337734"/>
-          </a:xfrm>
-          <a:prstGeom prst="curvedConnector3">
-            <a:avLst>
-              <a:gd name="adj1" fmla="val 50000"/>
-            </a:avLst>
-          </a:prstGeom>
-          <a:ln>
-            <a:tailEnd type="triangle"/>
-          </a:ln>
-        </p:spPr>
-        <p:style>
-          <a:lnRef idx="1">
-            <a:schemeClr val="accent1"/>
-          </a:lnRef>
-          <a:fillRef idx="0">
-            <a:schemeClr val="accent1"/>
-          </a:fillRef>
-          <a:effectRef idx="0">
-            <a:schemeClr val="accent1"/>
-          </a:effectRef>
-          <a:fontRef idx="minor">
-            <a:schemeClr val="tx1"/>
-          </a:fontRef>
-        </p:style>
-      </p:cxnSp>
-      <p:sp>
-        <p:nvSpPr>
-          <p:cNvPr id="87" name="椭圆 86">
-            <a:extLst>
-              <a:ext uri="{FF2B5EF4-FFF2-40B4-BE49-F238E27FC236}">
-                <a16:creationId xmlns:a16="http://schemas.microsoft.com/office/drawing/2014/main" id="{8D8F532F-823A-7ADC-1102-45FF9687F390}"/>
-              </a:ext>
-            </a:extLst>
-          </p:cNvPr>
-          <p:cNvSpPr/>
-          <p:nvPr/>
-        </p:nvSpPr>
-        <p:spPr>
-          <a:xfrm>
-            <a:off x="7165696" y="1202671"/>
-            <a:ext cx="719091" cy="719091"/>
-          </a:xfrm>
-          <a:prstGeom prst="ellipse">
-            <a:avLst/>
-          </a:prstGeom>
-        </p:spPr>
-        <p:style>
-          <a:lnRef idx="2">
-            <a:schemeClr val="accent1">
-              <a:shade val="50000"/>
-            </a:schemeClr>
-          </a:lnRef>
-          <a:fillRef idx="1">
-            <a:schemeClr val="accent1"/>
-          </a:fillRef>
-          <a:effectRef idx="0">
-            <a:schemeClr val="accent1"/>
-          </a:effectRef>
-          <a:fontRef idx="minor">
-            <a:schemeClr val="lt1"/>
-          </a:fontRef>
-        </p:style>
-        <p:txBody>
-          <a:bodyPr rtlCol="0" anchor="ctr"/>
-          <a:lstStyle/>
-          <a:p>
-            <a:pPr algn="ctr"/>
-            <a:r>
-              <a:rPr lang="en-US" altLang="zh-CN" sz="900" dirty="0"/>
-              <a:t>~ONE</a:t>
-            </a:r>
-          </a:p>
-          <a:p>
-            <a:pPr algn="ctr"/>
-            <a:r>
-              <a:rPr lang="en-US" altLang="zh-CN" sz="1100" dirty="0"/>
-              <a:t>5</a:t>
-            </a:r>
-          </a:p>
-        </p:txBody>
-      </p:sp>
-      <p:sp>
-        <p:nvSpPr>
-          <p:cNvPr id="88" name="椭圆 87">
-            <a:extLst>
-              <a:ext uri="{FF2B5EF4-FFF2-40B4-BE49-F238E27FC236}">
-                <a16:creationId xmlns:a16="http://schemas.microsoft.com/office/drawing/2014/main" id="{4CA4EB5D-52F1-FC9B-67EF-9BE925DE5818}"/>
-              </a:ext>
-            </a:extLst>
-          </p:cNvPr>
-          <p:cNvSpPr/>
-          <p:nvPr/>
-        </p:nvSpPr>
-        <p:spPr>
-          <a:xfrm>
-            <a:off x="7323857" y="3179482"/>
-            <a:ext cx="719091" cy="719091"/>
-          </a:xfrm>
-          <a:prstGeom prst="ellipse">
-            <a:avLst/>
-          </a:prstGeom>
-        </p:spPr>
-        <p:style>
-          <a:lnRef idx="2">
-            <a:schemeClr val="accent1">
-              <a:shade val="50000"/>
-            </a:schemeClr>
-          </a:lnRef>
-          <a:fillRef idx="1">
-            <a:schemeClr val="accent1"/>
-          </a:fillRef>
-          <a:effectRef idx="0">
-            <a:schemeClr val="accent1"/>
-          </a:effectRef>
-          <a:fontRef idx="minor">
-            <a:schemeClr val="lt1"/>
-          </a:fontRef>
-        </p:style>
-        <p:txBody>
-          <a:bodyPr rtlCol="0" anchor="ctr"/>
-          <a:lstStyle/>
-          <a:p>
-            <a:pPr algn="ctr"/>
-            <a:r>
-              <a:rPr lang="en-US" altLang="zh-CN" sz="1100" dirty="0"/>
-              <a:t>ADD</a:t>
-            </a:r>
-          </a:p>
-          <a:p>
-            <a:pPr algn="ctr"/>
-            <a:r>
-              <a:rPr lang="en-US" altLang="zh-CN" sz="1100" dirty="0"/>
-              <a:t>_</a:t>
-            </a:r>
-            <a:endParaRPr lang="zh-CN" altLang="en-US" sz="1100" dirty="0"/>
-          </a:p>
-        </p:txBody>
-      </p:sp>
-      <p:cxnSp>
-        <p:nvCxnSpPr>
-          <p:cNvPr id="89" name="连接符: 曲线 88">
-            <a:extLst>
-              <a:ext uri="{FF2B5EF4-FFF2-40B4-BE49-F238E27FC236}">
-                <a16:creationId xmlns:a16="http://schemas.microsoft.com/office/drawing/2014/main" id="{780B3944-EF57-B1CE-CCD9-F303049B2894}"/>
-              </a:ext>
-            </a:extLst>
-          </p:cNvPr>
-          <p:cNvCxnSpPr>
-            <a:cxnSpLocks/>
-            <a:stCxn id="87" idx="4"/>
-            <a:endCxn id="84" idx="1"/>
-          </p:cNvCxnSpPr>
-          <p:nvPr/>
-        </p:nvCxnSpPr>
-        <p:spPr>
-          <a:xfrm rot="16200000" flipH="1">
-            <a:off x="7615453" y="1831551"/>
-            <a:ext cx="337285" cy="517706"/>
-          </a:xfrm>
-          <a:prstGeom prst="curvedConnector3">
-            <a:avLst>
-              <a:gd name="adj1" fmla="val 50000"/>
-            </a:avLst>
-          </a:prstGeom>
-          <a:ln>
-            <a:tailEnd type="triangle"/>
-          </a:ln>
-        </p:spPr>
-        <p:style>
-          <a:lnRef idx="1">
-            <a:schemeClr val="accent1"/>
-          </a:lnRef>
-          <a:fillRef idx="0">
-            <a:schemeClr val="accent1"/>
-          </a:fillRef>
-          <a:effectRef idx="0">
-            <a:schemeClr val="accent1"/>
-          </a:effectRef>
-          <a:fontRef idx="minor">
-            <a:schemeClr val="tx1"/>
-          </a:fontRef>
-        </p:style>
-      </p:cxnSp>
-      <p:cxnSp>
-        <p:nvCxnSpPr>
-          <p:cNvPr id="90" name="连接符: 曲线 89">
-            <a:extLst>
-              <a:ext uri="{FF2B5EF4-FFF2-40B4-BE49-F238E27FC236}">
-                <a16:creationId xmlns:a16="http://schemas.microsoft.com/office/drawing/2014/main" id="{B6FF64DA-36B4-8194-B46B-780CC1451743}"/>
-              </a:ext>
-            </a:extLst>
-          </p:cNvPr>
-          <p:cNvCxnSpPr>
-            <a:cxnSpLocks/>
-            <a:stCxn id="84" idx="4"/>
-            <a:endCxn id="88" idx="7"/>
-          </p:cNvCxnSpPr>
-          <p:nvPr/>
-        </p:nvCxnSpPr>
-        <p:spPr>
-          <a:xfrm rot="5400000">
-            <a:off x="7911433" y="2899037"/>
-            <a:ext cx="411960" cy="359546"/>
-          </a:xfrm>
-          <a:prstGeom prst="curvedConnector3">
-            <a:avLst>
-              <a:gd name="adj1" fmla="val 50000"/>
-            </a:avLst>
-          </a:prstGeom>
-          <a:ln>
-            <a:tailEnd type="triangle"/>
-          </a:ln>
-        </p:spPr>
-        <p:style>
-          <a:lnRef idx="1">
-            <a:schemeClr val="accent1"/>
-          </a:lnRef>
-          <a:fillRef idx="0">
-            <a:schemeClr val="accent1"/>
-          </a:fillRef>
-          <a:effectRef idx="0">
-            <a:schemeClr val="accent1"/>
-          </a:effectRef>
-          <a:fontRef idx="minor">
-            <a:schemeClr val="tx1"/>
-          </a:fontRef>
-        </p:style>
-      </p:cxnSp>
-      <p:sp>
-        <p:nvSpPr>
-          <p:cNvPr id="6" name="椭圆 5">
-            <a:extLst>
-              <a:ext uri="{FF2B5EF4-FFF2-40B4-BE49-F238E27FC236}">
-                <a16:creationId xmlns:a16="http://schemas.microsoft.com/office/drawing/2014/main" id="{4236BAF9-4035-7923-365D-5CA34B3D5139}"/>
-              </a:ext>
-            </a:extLst>
-          </p:cNvPr>
-          <p:cNvSpPr/>
-          <p:nvPr/>
-        </p:nvSpPr>
-        <p:spPr>
-          <a:xfrm>
-            <a:off x="836282" y="2153740"/>
-            <a:ext cx="719091" cy="719091"/>
-          </a:xfrm>
-          <a:prstGeom prst="ellipse">
-            <a:avLst/>
-          </a:prstGeom>
-        </p:spPr>
-        <p:style>
-          <a:lnRef idx="2">
-            <a:schemeClr val="accent1">
-              <a:shade val="50000"/>
-            </a:schemeClr>
-          </a:lnRef>
-          <a:fillRef idx="1">
-            <a:schemeClr val="accent1"/>
-          </a:fillRef>
-          <a:effectRef idx="0">
-            <a:schemeClr val="accent1"/>
-          </a:effectRef>
-          <a:fontRef idx="minor">
-            <a:schemeClr val="lt1"/>
-          </a:fontRef>
-        </p:style>
-        <p:txBody>
-          <a:bodyPr rtlCol="0" anchor="ctr"/>
-          <a:lstStyle/>
-          <a:p>
-            <a:pPr algn="ctr"/>
-            <a:r>
-              <a:rPr lang="en-US" altLang="zh-CN" sz="1100" dirty="0"/>
-              <a:t>NUL</a:t>
-            </a:r>
-          </a:p>
-          <a:p>
-            <a:pPr algn="ctr"/>
-            <a:r>
-              <a:rPr lang="en-US" altLang="zh-CN" sz="1100" dirty="0"/>
-              <a:t>X</a:t>
-            </a:r>
-            <a:endParaRPr lang="zh-CN" altLang="en-US" sz="1100" dirty="0"/>
-          </a:p>
-        </p:txBody>
-      </p:sp>
-      <p:sp>
-        <p:nvSpPr>
-          <p:cNvPr id="7" name="椭圆 6">
-            <a:extLst>
-              <a:ext uri="{FF2B5EF4-FFF2-40B4-BE49-F238E27FC236}">
-                <a16:creationId xmlns:a16="http://schemas.microsoft.com/office/drawing/2014/main" id="{2135F44B-1225-B9C4-F16F-E41A0C05E262}"/>
-              </a:ext>
-            </a:extLst>
-          </p:cNvPr>
-          <p:cNvSpPr/>
-          <p:nvPr/>
-        </p:nvSpPr>
-        <p:spPr>
-          <a:xfrm>
-            <a:off x="1981544" y="2153740"/>
-            <a:ext cx="719091" cy="719091"/>
-          </a:xfrm>
-          <a:prstGeom prst="ellipse">
-            <a:avLst/>
-          </a:prstGeom>
-        </p:spPr>
-        <p:style>
-          <a:lnRef idx="2">
-            <a:schemeClr val="accent1">
-              <a:shade val="50000"/>
-            </a:schemeClr>
-          </a:lnRef>
-          <a:fillRef idx="1">
-            <a:schemeClr val="accent1"/>
-          </a:fillRef>
-          <a:effectRef idx="0">
-            <a:schemeClr val="accent1"/>
-          </a:effectRef>
-          <a:fontRef idx="minor">
-            <a:schemeClr val="lt1"/>
-          </a:fontRef>
-        </p:style>
-        <p:txBody>
-          <a:bodyPr rtlCol="0" anchor="ctr"/>
-          <a:lstStyle/>
-          <a:p>
-            <a:pPr algn="ctr"/>
-            <a:r>
-              <a:rPr lang="en-US" altLang="zh-CN" sz="1100" dirty="0"/>
-              <a:t>MUL</a:t>
-            </a:r>
-          </a:p>
-          <a:p>
-            <a:pPr algn="ctr"/>
-            <a:r>
-              <a:rPr lang="en-US" altLang="zh-CN" sz="1100" dirty="0"/>
-              <a:t>Y</a:t>
-            </a:r>
-            <a:endParaRPr lang="zh-CN" altLang="en-US" sz="1100" dirty="0"/>
-          </a:p>
-        </p:txBody>
-      </p:sp>
-      <p:sp>
-        <p:nvSpPr>
-          <p:cNvPr id="8" name="椭圆 7">
-            <a:extLst>
-              <a:ext uri="{FF2B5EF4-FFF2-40B4-BE49-F238E27FC236}">
-                <a16:creationId xmlns:a16="http://schemas.microsoft.com/office/drawing/2014/main" id="{19C65E0F-8A1D-DF4F-A3A3-7425540BC306}"/>
-              </a:ext>
-            </a:extLst>
-          </p:cNvPr>
-          <p:cNvSpPr/>
-          <p:nvPr/>
-        </p:nvSpPr>
-        <p:spPr>
-          <a:xfrm>
-            <a:off x="1413620" y="3179483"/>
-            <a:ext cx="719091" cy="719091"/>
-          </a:xfrm>
-          <a:prstGeom prst="ellipse">
-            <a:avLst/>
-          </a:prstGeom>
-        </p:spPr>
-        <p:style>
-          <a:lnRef idx="2">
-            <a:schemeClr val="accent1">
-              <a:shade val="50000"/>
-            </a:schemeClr>
-          </a:lnRef>
-          <a:fillRef idx="1">
-            <a:schemeClr val="accent1"/>
-          </a:fillRef>
-          <a:effectRef idx="0">
-            <a:schemeClr val="accent1"/>
-          </a:effectRef>
-          <a:fontRef idx="minor">
-            <a:schemeClr val="lt1"/>
-          </a:fontRef>
-        </p:style>
-        <p:txBody>
-          <a:bodyPr rtlCol="0" anchor="ctr"/>
-          <a:lstStyle/>
-          <a:p>
-            <a:pPr algn="ctr"/>
-            <a:r>
-              <a:rPr lang="en-US" altLang="zh-CN" sz="1100" dirty="0"/>
-              <a:t>MUL</a:t>
-            </a:r>
-          </a:p>
-          <a:p>
-            <a:pPr algn="ctr"/>
-            <a:r>
-              <a:rPr lang="en-US" altLang="zh-CN" sz="1100" dirty="0"/>
-              <a:t>Z</a:t>
-            </a:r>
-            <a:endParaRPr lang="zh-CN" altLang="en-US" sz="1100" dirty="0"/>
-          </a:p>
-        </p:txBody>
-      </p:sp>
-      <p:cxnSp>
-        <p:nvCxnSpPr>
-          <p:cNvPr id="9" name="连接符: 曲线 8">
-            <a:extLst>
-              <a:ext uri="{FF2B5EF4-FFF2-40B4-BE49-F238E27FC236}">
-                <a16:creationId xmlns:a16="http://schemas.microsoft.com/office/drawing/2014/main" id="{6F816230-6E46-002C-849E-CCA401168AE8}"/>
-              </a:ext>
-            </a:extLst>
-          </p:cNvPr>
-          <p:cNvCxnSpPr>
-            <a:cxnSpLocks/>
-            <a:stCxn id="7" idx="4"/>
-            <a:endCxn id="8" idx="7"/>
-          </p:cNvCxnSpPr>
-          <p:nvPr/>
-        </p:nvCxnSpPr>
-        <p:spPr>
-          <a:xfrm rot="5400000">
-            <a:off x="1978267" y="2921968"/>
-            <a:ext cx="411960" cy="313687"/>
-          </a:xfrm>
-          <a:prstGeom prst="curvedConnector3">
-            <a:avLst>
-              <a:gd name="adj1" fmla="val 50000"/>
-            </a:avLst>
-          </a:prstGeom>
-          <a:ln>
-            <a:tailEnd type="triangle"/>
-          </a:ln>
-        </p:spPr>
-        <p:style>
-          <a:lnRef idx="1">
-            <a:schemeClr val="accent1"/>
-          </a:lnRef>
-          <a:fillRef idx="0">
-            <a:schemeClr val="accent1"/>
-          </a:fillRef>
-          <a:effectRef idx="0">
-            <a:schemeClr val="accent1"/>
-          </a:effectRef>
-          <a:fontRef idx="minor">
-            <a:schemeClr val="tx1"/>
-          </a:fontRef>
-        </p:style>
-      </p:cxnSp>
-      <p:cxnSp>
-        <p:nvCxnSpPr>
-          <p:cNvPr id="15" name="连接符: 曲线 14">
-            <a:extLst>
-              <a:ext uri="{FF2B5EF4-FFF2-40B4-BE49-F238E27FC236}">
-                <a16:creationId xmlns:a16="http://schemas.microsoft.com/office/drawing/2014/main" id="{263593E9-BD1B-133F-9128-5A3168CBF9A4}"/>
-              </a:ext>
-            </a:extLst>
-          </p:cNvPr>
-          <p:cNvCxnSpPr>
-            <a:cxnSpLocks/>
-            <a:stCxn id="6" idx="4"/>
-            <a:endCxn id="8" idx="1"/>
-          </p:cNvCxnSpPr>
-          <p:nvPr/>
-        </p:nvCxnSpPr>
-        <p:spPr>
-          <a:xfrm rot="16200000" flipH="1">
-            <a:off x="1151398" y="2917261"/>
-            <a:ext cx="411960" cy="323100"/>
-          </a:xfrm>
-          <a:prstGeom prst="curvedConnector3">
-            <a:avLst>
-              <a:gd name="adj1" fmla="val 50000"/>
-            </a:avLst>
-          </a:prstGeom>
-          <a:ln>
-            <a:tailEnd type="triangle"/>
-          </a:ln>
-        </p:spPr>
-        <p:style>
-          <a:lnRef idx="1">
-            <a:schemeClr val="accent1"/>
-          </a:lnRef>
-          <a:fillRef idx="0">
-            <a:schemeClr val="accent1"/>
-          </a:fillRef>
-          <a:effectRef idx="0">
-            <a:schemeClr val="accent1"/>
-          </a:effectRef>
-          <a:fontRef idx="minor">
-            <a:schemeClr val="tx1"/>
-          </a:fontRef>
-        </p:style>
-      </p:cxnSp>
-      <p:sp>
-        <p:nvSpPr>
-          <p:cNvPr id="23" name="椭圆 22">
-            <a:extLst>
-              <a:ext uri="{FF2B5EF4-FFF2-40B4-BE49-F238E27FC236}">
-                <a16:creationId xmlns:a16="http://schemas.microsoft.com/office/drawing/2014/main" id="{53E69B2E-9C45-FF46-9D8C-FEA1B0FA44F9}"/>
-              </a:ext>
-            </a:extLst>
-          </p:cNvPr>
-          <p:cNvSpPr/>
-          <p:nvPr/>
-        </p:nvSpPr>
-        <p:spPr>
-          <a:xfrm>
-            <a:off x="3531524" y="2153739"/>
-            <a:ext cx="719091" cy="719091"/>
-          </a:xfrm>
-          <a:prstGeom prst="ellipse">
-            <a:avLst/>
-          </a:prstGeom>
-        </p:spPr>
-        <p:style>
-          <a:lnRef idx="2">
-            <a:schemeClr val="accent1">
-              <a:shade val="50000"/>
-            </a:schemeClr>
-          </a:lnRef>
-          <a:fillRef idx="1">
-            <a:schemeClr val="accent1"/>
-          </a:fillRef>
-          <a:effectRef idx="0">
-            <a:schemeClr val="accent1"/>
-          </a:effectRef>
-          <a:fontRef idx="minor">
-            <a:schemeClr val="lt1"/>
-          </a:fontRef>
-        </p:style>
-        <p:txBody>
-          <a:bodyPr rtlCol="0" anchor="ctr"/>
-          <a:lstStyle/>
-          <a:p>
-            <a:pPr algn="ctr"/>
-            <a:r>
-              <a:rPr lang="en-US" altLang="zh-CN" sz="900" dirty="0"/>
-              <a:t>~ONE</a:t>
-            </a:r>
-          </a:p>
-          <a:p>
-            <a:pPr algn="ctr"/>
-            <a:r>
-              <a:rPr lang="en-US" altLang="zh-CN" sz="1100" dirty="0"/>
-              <a:t>5</a:t>
-            </a:r>
-            <a:endParaRPr lang="zh-CN" altLang="en-US" sz="1100" dirty="0"/>
-          </a:p>
-        </p:txBody>
-      </p:sp>
-      <p:sp>
-        <p:nvSpPr>
-          <p:cNvPr id="24" name="椭圆 23">
-            <a:extLst>
-              <a:ext uri="{FF2B5EF4-FFF2-40B4-BE49-F238E27FC236}">
-                <a16:creationId xmlns:a16="http://schemas.microsoft.com/office/drawing/2014/main" id="{3706FCBA-F96E-CE90-66CE-9DB25F2F085B}"/>
-              </a:ext>
-            </a:extLst>
-          </p:cNvPr>
-          <p:cNvSpPr/>
-          <p:nvPr/>
-        </p:nvSpPr>
-        <p:spPr>
-          <a:xfrm>
-            <a:off x="4676786" y="2153739"/>
-            <a:ext cx="719091" cy="719091"/>
-          </a:xfrm>
-          <a:prstGeom prst="ellipse">
-            <a:avLst/>
-          </a:prstGeom>
-        </p:spPr>
-        <p:style>
-          <a:lnRef idx="2">
-            <a:schemeClr val="accent1">
-              <a:shade val="50000"/>
-            </a:schemeClr>
-          </a:lnRef>
-          <a:fillRef idx="1">
-            <a:schemeClr val="accent1"/>
-          </a:fillRef>
-          <a:effectRef idx="0">
-            <a:schemeClr val="accent1"/>
-          </a:effectRef>
-          <a:fontRef idx="minor">
-            <a:schemeClr val="lt1"/>
-          </a:fontRef>
-        </p:style>
-        <p:txBody>
-          <a:bodyPr rtlCol="0" anchor="ctr"/>
-          <a:lstStyle/>
-          <a:p>
-            <a:pPr algn="ctr"/>
-            <a:r>
-              <a:rPr lang="en-US" altLang="zh-CN" sz="1100" dirty="0"/>
-              <a:t>MUL</a:t>
-            </a:r>
-          </a:p>
-          <a:p>
-            <a:pPr algn="ctr"/>
-            <a:r>
-              <a:rPr lang="en-US" altLang="zh-CN" sz="1100" dirty="0"/>
-              <a:t>_</a:t>
-            </a:r>
-            <a:endParaRPr lang="zh-CN" altLang="en-US" sz="1100" dirty="0"/>
-          </a:p>
-        </p:txBody>
-      </p:sp>
-      <p:sp>
-        <p:nvSpPr>
-          <p:cNvPr id="25" name="椭圆 24">
-            <a:extLst>
-              <a:ext uri="{FF2B5EF4-FFF2-40B4-BE49-F238E27FC236}">
-                <a16:creationId xmlns:a16="http://schemas.microsoft.com/office/drawing/2014/main" id="{0AEC95F4-1AA1-50EA-5F4E-67F4D044611E}"/>
-              </a:ext>
-            </a:extLst>
-          </p:cNvPr>
-          <p:cNvSpPr/>
-          <p:nvPr/>
-        </p:nvSpPr>
-        <p:spPr>
-          <a:xfrm>
-            <a:off x="4108862" y="3179482"/>
-            <a:ext cx="719091" cy="719091"/>
-          </a:xfrm>
-          <a:prstGeom prst="ellipse">
-            <a:avLst/>
-          </a:prstGeom>
-        </p:spPr>
-        <p:style>
-          <a:lnRef idx="2">
-            <a:schemeClr val="accent1">
-              <a:shade val="50000"/>
-            </a:schemeClr>
-          </a:lnRef>
-          <a:fillRef idx="1">
-            <a:schemeClr val="accent1"/>
-          </a:fillRef>
-          <a:effectRef idx="0">
-            <a:schemeClr val="accent1"/>
-          </a:effectRef>
-          <a:fontRef idx="minor">
-            <a:schemeClr val="lt1"/>
-          </a:fontRef>
-        </p:style>
-        <p:txBody>
-          <a:bodyPr rtlCol="0" anchor="ctr"/>
-          <a:lstStyle/>
-          <a:p>
-            <a:pPr algn="ctr"/>
-            <a:r>
-              <a:rPr lang="en-US" altLang="zh-CN" sz="1100" dirty="0"/>
-              <a:t>MUL</a:t>
-            </a:r>
-          </a:p>
-          <a:p>
-            <a:pPr algn="ctr"/>
-            <a:r>
-              <a:rPr lang="en-US" altLang="zh-CN" sz="1100" dirty="0"/>
-              <a:t>Z</a:t>
-            </a:r>
-            <a:endParaRPr lang="zh-CN" altLang="en-US" sz="1100" dirty="0"/>
-          </a:p>
-        </p:txBody>
-      </p:sp>
-      <p:cxnSp>
-        <p:nvCxnSpPr>
-          <p:cNvPr id="26" name="连接符: 曲线 25">
-            <a:extLst>
-              <a:ext uri="{FF2B5EF4-FFF2-40B4-BE49-F238E27FC236}">
-                <a16:creationId xmlns:a16="http://schemas.microsoft.com/office/drawing/2014/main" id="{087914FB-C523-ADF1-CF1F-196D5BD96089}"/>
-              </a:ext>
-            </a:extLst>
-          </p:cNvPr>
-          <p:cNvCxnSpPr>
-            <a:cxnSpLocks/>
-            <a:stCxn id="24" idx="4"/>
-            <a:endCxn id="25" idx="7"/>
-          </p:cNvCxnSpPr>
-          <p:nvPr/>
-        </p:nvCxnSpPr>
-        <p:spPr>
-          <a:xfrm rot="5400000">
-            <a:off x="4673509" y="2921967"/>
-            <a:ext cx="411960" cy="313687"/>
-          </a:xfrm>
-          <a:prstGeom prst="curvedConnector3">
-            <a:avLst>
-              <a:gd name="adj1" fmla="val 50000"/>
-            </a:avLst>
-          </a:prstGeom>
-          <a:ln>
-            <a:tailEnd type="triangle"/>
-          </a:ln>
-        </p:spPr>
-        <p:style>
-          <a:lnRef idx="1">
-            <a:schemeClr val="accent1"/>
-          </a:lnRef>
-          <a:fillRef idx="0">
-            <a:schemeClr val="accent1"/>
-          </a:fillRef>
-          <a:effectRef idx="0">
-            <a:schemeClr val="accent1"/>
-          </a:effectRef>
-          <a:fontRef idx="minor">
-            <a:schemeClr val="tx1"/>
-          </a:fontRef>
-        </p:style>
-      </p:cxnSp>
-      <p:cxnSp>
-        <p:nvCxnSpPr>
-          <p:cNvPr id="27" name="连接符: 曲线 26">
-            <a:extLst>
-              <a:ext uri="{FF2B5EF4-FFF2-40B4-BE49-F238E27FC236}">
-                <a16:creationId xmlns:a16="http://schemas.microsoft.com/office/drawing/2014/main" id="{FEC5F0DD-A1EF-A546-3692-E7E91E5D37D9}"/>
-              </a:ext>
-            </a:extLst>
-          </p:cNvPr>
-          <p:cNvCxnSpPr>
-            <a:cxnSpLocks/>
-            <a:stCxn id="23" idx="4"/>
-            <a:endCxn id="25" idx="1"/>
-          </p:cNvCxnSpPr>
-          <p:nvPr/>
-        </p:nvCxnSpPr>
-        <p:spPr>
-          <a:xfrm rot="16200000" flipH="1">
-            <a:off x="3846640" y="2917260"/>
-            <a:ext cx="411960" cy="323100"/>
-          </a:xfrm>
-          <a:prstGeom prst="curvedConnector3">
-            <a:avLst>
-              <a:gd name="adj1" fmla="val 50000"/>
-            </a:avLst>
-          </a:prstGeom>
-          <a:ln>
-            <a:tailEnd type="triangle"/>
-          </a:ln>
-        </p:spPr>
-        <p:style>
-          <a:lnRef idx="1">
-            <a:schemeClr val="accent1"/>
-          </a:lnRef>
-          <a:fillRef idx="0">
-            <a:schemeClr val="accent1"/>
-          </a:fillRef>
-          <a:effectRef idx="0">
-            <a:schemeClr val="accent1"/>
-          </a:effectRef>
-          <a:fontRef idx="minor">
-            <a:schemeClr val="tx1"/>
-          </a:fontRef>
-        </p:style>
-      </p:cxnSp>
-      <p:sp>
-        <p:nvSpPr>
-          <p:cNvPr id="29" name="椭圆 28">
-            <a:extLst>
-              <a:ext uri="{FF2B5EF4-FFF2-40B4-BE49-F238E27FC236}">
-                <a16:creationId xmlns:a16="http://schemas.microsoft.com/office/drawing/2014/main" id="{400E9DE1-4E77-B86A-34F2-1DDEBC76A324}"/>
-              </a:ext>
-            </a:extLst>
-          </p:cNvPr>
-          <p:cNvSpPr/>
-          <p:nvPr/>
-        </p:nvSpPr>
-        <p:spPr>
-          <a:xfrm>
-            <a:off x="4032160" y="1127995"/>
-            <a:ext cx="719091" cy="719091"/>
-          </a:xfrm>
-          <a:prstGeom prst="ellipse">
-            <a:avLst/>
-          </a:prstGeom>
-        </p:spPr>
-        <p:style>
-          <a:lnRef idx="2">
-            <a:schemeClr val="accent1">
-              <a:shade val="50000"/>
-            </a:schemeClr>
-          </a:lnRef>
-          <a:fillRef idx="1">
-            <a:schemeClr val="accent1"/>
-          </a:fillRef>
-          <a:effectRef idx="0">
-            <a:schemeClr val="accent1"/>
-          </a:effectRef>
-          <a:fontRef idx="minor">
-            <a:schemeClr val="lt1"/>
-          </a:fontRef>
-        </p:style>
-        <p:txBody>
-          <a:bodyPr rtlCol="0" anchor="ctr"/>
-          <a:lstStyle/>
-          <a:p>
-            <a:pPr algn="ctr"/>
-            <a:r>
-              <a:rPr lang="en-US" altLang="zh-CN" sz="1100" dirty="0"/>
-              <a:t>NUL</a:t>
-            </a:r>
-          </a:p>
-          <a:p>
-            <a:pPr algn="ctr"/>
-            <a:r>
-              <a:rPr lang="en-US" altLang="zh-CN" sz="1100" dirty="0"/>
-              <a:t>X</a:t>
-            </a:r>
-            <a:endParaRPr lang="zh-CN" altLang="en-US" sz="1100" dirty="0"/>
-          </a:p>
-        </p:txBody>
-      </p:sp>
-      <p:sp>
-        <p:nvSpPr>
-          <p:cNvPr id="30" name="椭圆 29">
-            <a:extLst>
-              <a:ext uri="{FF2B5EF4-FFF2-40B4-BE49-F238E27FC236}">
-                <a16:creationId xmlns:a16="http://schemas.microsoft.com/office/drawing/2014/main" id="{3738F620-1C62-8E7E-48A2-40020F2D7765}"/>
-              </a:ext>
-            </a:extLst>
-          </p:cNvPr>
-          <p:cNvSpPr/>
-          <p:nvPr/>
-        </p:nvSpPr>
-        <p:spPr>
-          <a:xfrm>
-            <a:off x="5317350" y="1127996"/>
-            <a:ext cx="719091" cy="719091"/>
-          </a:xfrm>
-          <a:prstGeom prst="ellipse">
-            <a:avLst/>
-          </a:prstGeom>
-        </p:spPr>
-        <p:style>
-          <a:lnRef idx="2">
-            <a:schemeClr val="accent1">
-              <a:shade val="50000"/>
-            </a:schemeClr>
-          </a:lnRef>
-          <a:fillRef idx="1">
-            <a:schemeClr val="accent1"/>
-          </a:fillRef>
-          <a:effectRef idx="0">
-            <a:schemeClr val="accent1"/>
-          </a:effectRef>
-          <a:fontRef idx="minor">
-            <a:schemeClr val="lt1"/>
-          </a:fontRef>
-        </p:style>
-        <p:txBody>
-          <a:bodyPr rtlCol="0" anchor="ctr"/>
-          <a:lstStyle/>
-          <a:p>
-            <a:pPr algn="ctr"/>
-            <a:r>
-              <a:rPr lang="en-US" altLang="zh-CN" sz="1100" dirty="0"/>
-              <a:t>MUL</a:t>
-            </a:r>
-          </a:p>
-          <a:p>
-            <a:pPr algn="ctr"/>
-            <a:r>
-              <a:rPr lang="en-US" altLang="zh-CN" sz="1100" dirty="0"/>
-              <a:t>7</a:t>
-            </a:r>
-            <a:endParaRPr lang="zh-CN" altLang="en-US" sz="1100" dirty="0"/>
-          </a:p>
-        </p:txBody>
-      </p:sp>
-      <p:cxnSp>
-        <p:nvCxnSpPr>
-          <p:cNvPr id="64" name="连接符: 曲线 63">
-            <a:extLst>
-              <a:ext uri="{FF2B5EF4-FFF2-40B4-BE49-F238E27FC236}">
-                <a16:creationId xmlns:a16="http://schemas.microsoft.com/office/drawing/2014/main" id="{A546313C-859A-8CDF-65E5-338A07270E65}"/>
-              </a:ext>
-            </a:extLst>
-          </p:cNvPr>
-          <p:cNvCxnSpPr>
-            <a:cxnSpLocks/>
-            <a:stCxn id="30" idx="4"/>
-            <a:endCxn id="24" idx="7"/>
-          </p:cNvCxnSpPr>
-          <p:nvPr/>
-        </p:nvCxnSpPr>
-        <p:spPr>
-          <a:xfrm rot="5400000">
-            <a:off x="5277753" y="1859904"/>
-            <a:ext cx="411960" cy="386327"/>
-          </a:xfrm>
-          <a:prstGeom prst="curvedConnector3">
-            <a:avLst>
-              <a:gd name="adj1" fmla="val 50000"/>
-            </a:avLst>
-          </a:prstGeom>
-          <a:ln>
-            <a:tailEnd type="triangle"/>
-          </a:ln>
-        </p:spPr>
-        <p:style>
-          <a:lnRef idx="1">
-            <a:schemeClr val="accent1"/>
-          </a:lnRef>
-          <a:fillRef idx="0">
-            <a:schemeClr val="accent1"/>
-          </a:fillRef>
-          <a:effectRef idx="0">
-            <a:schemeClr val="accent1"/>
-          </a:effectRef>
-          <a:fontRef idx="minor">
-            <a:schemeClr val="tx1"/>
-          </a:fontRef>
-        </p:style>
-      </p:cxnSp>
-      <p:cxnSp>
-        <p:nvCxnSpPr>
-          <p:cNvPr id="65" name="连接符: 曲线 64">
-            <a:extLst>
-              <a:ext uri="{FF2B5EF4-FFF2-40B4-BE49-F238E27FC236}">
-                <a16:creationId xmlns:a16="http://schemas.microsoft.com/office/drawing/2014/main" id="{982ED8C4-75EA-C28F-D036-621C0F32EFFD}"/>
-              </a:ext>
-            </a:extLst>
-          </p:cNvPr>
-          <p:cNvCxnSpPr>
-            <a:cxnSpLocks/>
-            <a:stCxn id="29" idx="4"/>
-            <a:endCxn id="24" idx="1"/>
-          </p:cNvCxnSpPr>
-          <p:nvPr/>
-        </p:nvCxnSpPr>
-        <p:spPr>
-          <a:xfrm rot="16200000" flipH="1">
-            <a:off x="4380920" y="1857872"/>
-            <a:ext cx="411961" cy="390388"/>
-          </a:xfrm>
-          <a:prstGeom prst="curvedConnector3">
-            <a:avLst>
-              <a:gd name="adj1" fmla="val 50000"/>
-            </a:avLst>
-          </a:prstGeom>
-          <a:ln>
-            <a:tailEnd type="triangle"/>
-          </a:ln>
-        </p:spPr>
-        <p:style>
-          <a:lnRef idx="1">
-            <a:schemeClr val="accent1"/>
-          </a:lnRef>
-          <a:fillRef idx="0">
-            <a:schemeClr val="accent1"/>
-          </a:fillRef>
-          <a:effectRef idx="0">
-            <a:schemeClr val="accent1"/>
-          </a:effectRef>
-          <a:fontRef idx="minor">
-            <a:schemeClr val="tx1"/>
-          </a:fontRef>
-        </p:style>
-      </p:cxnSp>
-      <p:sp>
-        <p:nvSpPr>
-          <p:cNvPr id="100" name="文本框 99">
-            <a:extLst>
-              <a:ext uri="{FF2B5EF4-FFF2-40B4-BE49-F238E27FC236}">
-                <a16:creationId xmlns:a16="http://schemas.microsoft.com/office/drawing/2014/main" id="{51183F6F-716A-B5F2-1391-5D4DE34B82D3}"/>
-              </a:ext>
-            </a:extLst>
-          </p:cNvPr>
-          <p:cNvSpPr txBox="1"/>
-          <p:nvPr/>
-        </p:nvSpPr>
-        <p:spPr>
-          <a:xfrm>
-            <a:off x="1195827" y="4149170"/>
-            <a:ext cx="1305018" cy="369332"/>
+            <a:off x="5943600" y="3276600"/>
+            <a:ext cx="304800" cy="304800"/>
           </a:xfrm>
           <a:prstGeom prst="rect">
             <a:avLst/>
           </a:prstGeom>
           <a:noFill/>
+          <a:extLst>
+            <a:ext uri="{909E8E84-426E-40DD-AFC4-6F175D3DCCD1}">
+              <a14:hiddenFill xmlns:a14="http://schemas.microsoft.com/office/drawing/2010/main">
+                <a:solidFill>
+                  <a:srgbClr val="FFFFFF"/>
+                </a:solidFill>
+              </a14:hiddenFill>
+            </a:ext>
+          </a:extLst>
         </p:spPr>
         <p:txBody>
-          <a:bodyPr wrap="square" rtlCol="0">
-            <a:spAutoFit/>
+          <a:bodyPr vert="horz" wrap="square" lIns="91440" tIns="45720" rIns="91440" bIns="45720" numCol="1" anchor="t" anchorCtr="0" compatLnSpc="1">
+            <a:prstTxWarp prst="textNoShape">
+              <a:avLst/>
+            </a:prstTxWarp>
           </a:bodyPr>
           <a:lstStyle/>
           <a:p>
-            <a:r>
-              <a:rPr lang="en-US" altLang="zh-CN" dirty="0"/>
-              <a:t>Quadratic</a:t>
-            </a:r>
-            <a:endParaRPr lang="zh-CN" altLang="en-US" dirty="0"/>
+            <a:endParaRPr lang="zh-CN" altLang="en-US"/>
           </a:p>
         </p:txBody>
       </p:sp>
       <p:sp>
         <p:nvSpPr>
-          <p:cNvPr id="106" name="文本框 105">
+          <p:cNvPr id="35" name="内容占位符 2">
             <a:extLst>
               <a:ext uri="{FF2B5EF4-FFF2-40B4-BE49-F238E27FC236}">
-                <a16:creationId xmlns:a16="http://schemas.microsoft.com/office/drawing/2014/main" id="{77A96AEF-89BC-91ED-2DED-95551977A79E}"/>
+                <a16:creationId xmlns:a16="http://schemas.microsoft.com/office/drawing/2014/main" id="{DB5906F8-F0E9-CFC5-11CC-2F489B26F342}"/>
               </a:ext>
             </a:extLst>
           </p:cNvPr>
-          <p:cNvSpPr txBox="1"/>
+          <p:cNvSpPr txBox="1">
+            <a:spLocks/>
+          </p:cNvSpPr>
           <p:nvPr/>
         </p:nvSpPr>
         <p:spPr>
           <a:xfrm>
-            <a:off x="3835145" y="4132948"/>
-            <a:ext cx="1305018" cy="369332"/>
+            <a:off x="4972050" y="1374844"/>
+            <a:ext cx="6061710" cy="4981511"/>
           </a:xfrm>
           <a:prstGeom prst="rect">
             <a:avLst/>
           </a:prstGeom>
-          <a:noFill/>
         </p:spPr>
         <p:txBody>
-          <a:bodyPr wrap="square" rtlCol="0">
-            <a:spAutoFit/>
+          <a:bodyPr vert="horz" lIns="91440" tIns="45720" rIns="91440" bIns="45720" rtlCol="0">
+            <a:normAutofit/>
           </a:bodyPr>
-          <a:lstStyle/>
-          <a:p>
-            <a:r>
-              <a:rPr lang="en-US" altLang="zh-CN" dirty="0" err="1"/>
-              <a:t>MullLinear</a:t>
-            </a:r>
-            <a:endParaRPr lang="zh-CN" altLang="en-US" dirty="0"/>
-          </a:p>
-        </p:txBody>
-      </p:sp>
-      <p:sp>
-        <p:nvSpPr>
-          <p:cNvPr id="107" name="文本框 106">
-            <a:extLst>
-              <a:ext uri="{FF2B5EF4-FFF2-40B4-BE49-F238E27FC236}">
-                <a16:creationId xmlns:a16="http://schemas.microsoft.com/office/drawing/2014/main" id="{B7B4F135-76D1-2490-1B9C-0315861AB934}"/>
-              </a:ext>
-            </a:extLst>
-          </p:cNvPr>
-          <p:cNvSpPr txBox="1"/>
-          <p:nvPr/>
-        </p:nvSpPr>
-        <p:spPr>
-          <a:xfrm>
-            <a:off x="7052483" y="4130550"/>
-            <a:ext cx="1305018" cy="369332"/>
-          </a:xfrm>
-          <a:prstGeom prst="rect">
-            <a:avLst/>
-          </a:prstGeom>
-          <a:noFill/>
-        </p:spPr>
-        <p:txBody>
-          <a:bodyPr wrap="square" rtlCol="0">
-            <a:spAutoFit/>
-          </a:bodyPr>
-          <a:lstStyle/>
-          <a:p>
-            <a:r>
-              <a:rPr lang="en-US" altLang="zh-CN" dirty="0" err="1"/>
-              <a:t>AddLinear</a:t>
-            </a:r>
-            <a:endParaRPr lang="zh-CN" altLang="en-US" dirty="0"/>
+          <a:lstStyle>
+            <a:lvl1pPr marL="411480" indent="-411480" algn="l" defTabSz="1097280" rtl="0" eaLnBrk="1" latinLnBrk="0" hangingPunct="1">
+              <a:lnSpc>
+                <a:spcPct val="120000"/>
+              </a:lnSpc>
+              <a:spcBef>
+                <a:spcPts val="1440"/>
+              </a:spcBef>
+              <a:buFont typeface="Arial" pitchFamily="34" charset="0"/>
+              <a:buChar char="•"/>
+              <a:defRPr sz="3120" b="1" i="0" kern="1200">
+                <a:solidFill>
+                  <a:schemeClr val="tx1">
+                    <a:lumMod val="75000"/>
+                    <a:lumOff val="25000"/>
+                  </a:schemeClr>
+                </a:solidFill>
+                <a:latin typeface="+mn-lt"/>
+                <a:ea typeface="微软雅黑" panose="020B0503020204020204" pitchFamily="34" charset="-122"/>
+                <a:cs typeface="微软雅黑" panose="020B0503020204020204" pitchFamily="34" charset="-122"/>
+              </a:defRPr>
+            </a:lvl1pPr>
+            <a:lvl2pPr marL="891540" indent="-342900" algn="l" defTabSz="1097280" rtl="0" eaLnBrk="1" latinLnBrk="0" hangingPunct="1">
+              <a:lnSpc>
+                <a:spcPct val="120000"/>
+              </a:lnSpc>
+              <a:spcBef>
+                <a:spcPct val="20000"/>
+              </a:spcBef>
+              <a:buFont typeface="Arial" pitchFamily="34" charset="0"/>
+              <a:buChar char="–"/>
+              <a:defRPr sz="2880" b="0" i="0" kern="1200">
+                <a:solidFill>
+                  <a:schemeClr val="tx1">
+                    <a:lumMod val="75000"/>
+                    <a:lumOff val="25000"/>
+                  </a:schemeClr>
+                </a:solidFill>
+                <a:latin typeface="+mn-lt"/>
+                <a:ea typeface="微软雅黑" panose="020B0503020204020204" pitchFamily="34" charset="-122"/>
+                <a:cs typeface="微软雅黑" panose="020B0503020204020204" pitchFamily="34" charset="-122"/>
+              </a:defRPr>
+            </a:lvl2pPr>
+            <a:lvl3pPr marL="1371600" indent="-274320" algn="l" defTabSz="1097280" rtl="0" eaLnBrk="1" latinLnBrk="0" hangingPunct="1">
+              <a:lnSpc>
+                <a:spcPct val="120000"/>
+              </a:lnSpc>
+              <a:spcBef>
+                <a:spcPct val="20000"/>
+              </a:spcBef>
+              <a:buFont typeface="Arial" pitchFamily="34" charset="0"/>
+              <a:buChar char="•"/>
+              <a:defRPr sz="2400" b="0" i="0" kern="1200">
+                <a:solidFill>
+                  <a:schemeClr val="tx1">
+                    <a:lumMod val="75000"/>
+                    <a:lumOff val="25000"/>
+                  </a:schemeClr>
+                </a:solidFill>
+                <a:latin typeface="+mn-lt"/>
+                <a:ea typeface="微软雅黑" panose="020B0503020204020204" pitchFamily="34" charset="-122"/>
+                <a:cs typeface="微软雅黑" panose="020B0503020204020204" pitchFamily="34" charset="-122"/>
+              </a:defRPr>
+            </a:lvl3pPr>
+            <a:lvl4pPr marL="1920240" indent="-274320" algn="l" defTabSz="1097280" rtl="0" eaLnBrk="1" latinLnBrk="0" hangingPunct="1">
+              <a:lnSpc>
+                <a:spcPct val="120000"/>
+              </a:lnSpc>
+              <a:spcBef>
+                <a:spcPct val="20000"/>
+              </a:spcBef>
+              <a:buFont typeface="Arial" pitchFamily="34" charset="0"/>
+              <a:buChar char="–"/>
+              <a:defRPr sz="2160" b="0" i="0" kern="1200">
+                <a:solidFill>
+                  <a:schemeClr val="tx1">
+                    <a:lumMod val="75000"/>
+                    <a:lumOff val="25000"/>
+                  </a:schemeClr>
+                </a:solidFill>
+                <a:latin typeface="+mn-lt"/>
+                <a:ea typeface="微软雅黑" panose="020B0503020204020204" pitchFamily="34" charset="-122"/>
+                <a:cs typeface="微软雅黑" panose="020B0503020204020204" pitchFamily="34" charset="-122"/>
+              </a:defRPr>
+            </a:lvl4pPr>
+            <a:lvl5pPr marL="2468880" indent="-274320" algn="l" defTabSz="1097280" rtl="0" eaLnBrk="1" latinLnBrk="0" hangingPunct="1">
+              <a:lnSpc>
+                <a:spcPct val="120000"/>
+              </a:lnSpc>
+              <a:spcBef>
+                <a:spcPct val="20000"/>
+              </a:spcBef>
+              <a:buFont typeface="Arial" pitchFamily="34" charset="0"/>
+              <a:buChar char="»"/>
+              <a:defRPr sz="2160" b="0" i="0" kern="1200">
+                <a:solidFill>
+                  <a:schemeClr val="tx1">
+                    <a:lumMod val="75000"/>
+                    <a:lumOff val="25000"/>
+                  </a:schemeClr>
+                </a:solidFill>
+                <a:latin typeface="+mn-lt"/>
+                <a:ea typeface="微软雅黑" panose="020B0503020204020204" pitchFamily="34" charset="-122"/>
+                <a:cs typeface="微软雅黑" panose="020B0503020204020204" pitchFamily="34" charset="-122"/>
+              </a:defRPr>
+            </a:lvl5pPr>
+            <a:lvl6pPr marL="3017520" indent="-274320" algn="l" defTabSz="1097280" rtl="0" eaLnBrk="1" latinLnBrk="0" hangingPunct="1">
+              <a:spcBef>
+                <a:spcPct val="20000"/>
+              </a:spcBef>
+              <a:buFont typeface="Arial" pitchFamily="34" charset="0"/>
+              <a:buChar char="•"/>
+              <a:defRPr sz="2400" kern="1200">
+                <a:solidFill>
+                  <a:schemeClr val="tx1"/>
+                </a:solidFill>
+                <a:latin typeface="+mn-lt"/>
+                <a:ea typeface="+mn-ea"/>
+                <a:cs typeface="+mn-cs"/>
+              </a:defRPr>
+            </a:lvl6pPr>
+            <a:lvl7pPr marL="3566160" indent="-274320" algn="l" defTabSz="1097280" rtl="0" eaLnBrk="1" latinLnBrk="0" hangingPunct="1">
+              <a:spcBef>
+                <a:spcPct val="20000"/>
+              </a:spcBef>
+              <a:buFont typeface="Arial" pitchFamily="34" charset="0"/>
+              <a:buChar char="•"/>
+              <a:defRPr sz="2400" kern="1200">
+                <a:solidFill>
+                  <a:schemeClr val="tx1"/>
+                </a:solidFill>
+                <a:latin typeface="+mn-lt"/>
+                <a:ea typeface="+mn-ea"/>
+                <a:cs typeface="+mn-cs"/>
+              </a:defRPr>
+            </a:lvl7pPr>
+            <a:lvl8pPr marL="4114800" indent="-274320" algn="l" defTabSz="1097280" rtl="0" eaLnBrk="1" latinLnBrk="0" hangingPunct="1">
+              <a:spcBef>
+                <a:spcPct val="20000"/>
+              </a:spcBef>
+              <a:buFont typeface="Arial" pitchFamily="34" charset="0"/>
+              <a:buChar char="•"/>
+              <a:defRPr sz="2400" kern="1200">
+                <a:solidFill>
+                  <a:schemeClr val="tx1"/>
+                </a:solidFill>
+                <a:latin typeface="+mn-lt"/>
+                <a:ea typeface="+mn-ea"/>
+                <a:cs typeface="+mn-cs"/>
+              </a:defRPr>
+            </a:lvl8pPr>
+            <a:lvl9pPr marL="4663440" indent="-274320" algn="l" defTabSz="1097280" rtl="0" eaLnBrk="1" latinLnBrk="0" hangingPunct="1">
+              <a:spcBef>
+                <a:spcPct val="20000"/>
+              </a:spcBef>
+              <a:buFont typeface="Arial" pitchFamily="34" charset="0"/>
+              <a:buChar char="•"/>
+              <a:defRPr sz="2400" kern="1200">
+                <a:solidFill>
+                  <a:schemeClr val="tx1"/>
+                </a:solidFill>
+                <a:latin typeface="+mn-lt"/>
+                <a:ea typeface="+mn-ea"/>
+                <a:cs typeface="+mn-cs"/>
+              </a:defRPr>
+            </a:lvl9pPr>
+          </a:lstStyle>
+          <a:p>
+            <a:r>
+              <a:rPr kumimoji="1" lang="zh-CN" altLang="en-US" sz="2400" dirty="0"/>
+              <a:t>边的类型有以下几种</a:t>
+            </a:r>
+            <a:endParaRPr kumimoji="1" lang="en-US" altLang="zh-CN" sz="2400" dirty="0"/>
+          </a:p>
+          <a:p>
+            <a:pPr lvl="1"/>
+            <a:r>
+              <a:rPr kumimoji="1" lang="en-US" altLang="zh-CN" sz="2000" b="1" dirty="0" err="1"/>
+              <a:t>RNode</a:t>
+            </a:r>
+            <a:r>
+              <a:rPr kumimoji="1" lang="en-US" altLang="zh-CN" sz="2000" b="1" dirty="0"/>
+              <a:t> </a:t>
+            </a:r>
+            <a:r>
+              <a:rPr kumimoji="1" lang="zh-CN" altLang="en-US" sz="2000" b="1" dirty="0"/>
+              <a:t>节点到 </a:t>
+            </a:r>
+            <a:r>
+              <a:rPr kumimoji="1" lang="en-US" altLang="zh-CN" sz="2000" b="1" dirty="0" err="1"/>
+              <a:t>RNode</a:t>
+            </a:r>
+            <a:r>
+              <a:rPr kumimoji="1" lang="en-US" altLang="zh-CN" sz="2000" b="1" dirty="0"/>
+              <a:t> </a:t>
+            </a:r>
+            <a:r>
+              <a:rPr kumimoji="1" lang="zh-CN" altLang="en-US" sz="2000" b="1" dirty="0"/>
+              <a:t>节点</a:t>
+            </a:r>
+            <a:r>
+              <a:rPr kumimoji="1" lang="en-US" altLang="zh-CN" sz="2000" dirty="0"/>
+              <a:t>: </a:t>
+            </a:r>
+            <a:r>
+              <a:rPr kumimoji="1" lang="zh-CN" altLang="en-US" sz="2000" dirty="0"/>
+              <a:t>与抽象前的 </a:t>
+            </a:r>
+            <a:r>
+              <a:rPr kumimoji="1" lang="en-US" altLang="zh-CN" sz="2000" dirty="0" err="1"/>
+              <a:t>RNodeGraph</a:t>
+            </a:r>
+            <a:r>
+              <a:rPr kumimoji="1" lang="en-US" altLang="zh-CN" sz="2000" dirty="0"/>
+              <a:t> </a:t>
+            </a:r>
+            <a:r>
+              <a:rPr kumimoji="1" lang="zh-CN" altLang="en-US" sz="2000" dirty="0"/>
+              <a:t>保持一致</a:t>
+            </a:r>
+            <a:endParaRPr kumimoji="1" lang="en-US" altLang="zh-CN" sz="2000" dirty="0"/>
+          </a:p>
+          <a:p>
+            <a:pPr lvl="1"/>
+            <a:endParaRPr kumimoji="1" lang="zh-CN" altLang="en-US" sz="2000" dirty="0"/>
+          </a:p>
+          <a:p>
+            <a:pPr lvl="1"/>
+            <a:r>
+              <a:rPr kumimoji="1" lang="en-US" altLang="zh-CN" sz="2000" b="1" dirty="0" err="1"/>
+              <a:t>RNode</a:t>
+            </a:r>
+            <a:r>
+              <a:rPr kumimoji="1" lang="en-US" altLang="zh-CN" sz="2000" b="1" dirty="0"/>
+              <a:t> </a:t>
+            </a:r>
+            <a:r>
+              <a:rPr kumimoji="1" lang="zh-CN" altLang="en-US" sz="2000" b="1" dirty="0"/>
+              <a:t>节点到 </a:t>
+            </a:r>
+            <a:r>
+              <a:rPr kumimoji="1" lang="en-US" altLang="zh-CN" sz="2000" b="1" dirty="0"/>
+              <a:t>Linear </a:t>
+            </a:r>
+            <a:r>
+              <a:rPr kumimoji="1" lang="zh-CN" altLang="en-US" sz="2000" b="1" dirty="0"/>
+              <a:t>瓦片抽象节点</a:t>
+            </a:r>
+            <a:r>
+              <a:rPr kumimoji="1" lang="en-US" altLang="zh-CN" sz="2000" dirty="0"/>
+              <a:t>: </a:t>
+            </a:r>
+            <a:r>
+              <a:rPr kumimoji="1" lang="zh-CN" altLang="en-US" sz="2000" dirty="0"/>
+              <a:t>如果抽象节点所代表的 </a:t>
+            </a:r>
+            <a:r>
+              <a:rPr kumimoji="1" lang="en-US" altLang="zh-CN" sz="2000" dirty="0"/>
+              <a:t>Linear</a:t>
+            </a:r>
+            <a:r>
+              <a:rPr kumimoji="1" lang="zh-CN" altLang="en-US" sz="2000" dirty="0"/>
+              <a:t>瓦片中存在 </a:t>
+            </a:r>
+            <a:r>
+              <a:rPr kumimoji="1" lang="en-US" altLang="zh-CN" sz="2000" dirty="0" err="1"/>
+              <a:t>RNode</a:t>
+            </a:r>
+            <a:r>
+              <a:rPr kumimoji="1" lang="en-US" altLang="zh-CN" sz="2000" dirty="0"/>
+              <a:t> </a:t>
+            </a:r>
+            <a:r>
+              <a:rPr kumimoji="1" lang="zh-CN" altLang="en-US" sz="2000" dirty="0"/>
+              <a:t>节点</a:t>
+            </a:r>
+            <a:r>
+              <a:rPr kumimoji="1" lang="en-US" altLang="zh-CN" sz="2000" dirty="0"/>
+              <a:t>, </a:t>
+            </a:r>
+            <a:r>
+              <a:rPr kumimoji="1" lang="zh-CN" altLang="en-US" sz="2000" dirty="0"/>
+              <a:t>则存在</a:t>
+            </a:r>
+            <a:endParaRPr kumimoji="1" lang="en-US" altLang="zh-CN" sz="2000" dirty="0"/>
+          </a:p>
+          <a:p>
+            <a:pPr lvl="1"/>
+            <a:endParaRPr kumimoji="1" lang="zh-CN" altLang="en-US" sz="2000" dirty="0"/>
+          </a:p>
+          <a:p>
+            <a:pPr lvl="1"/>
+            <a:r>
+              <a:rPr kumimoji="1" lang="en-US" altLang="zh-CN" sz="2000" b="1" dirty="0"/>
+              <a:t>Linear </a:t>
+            </a:r>
+            <a:r>
+              <a:rPr kumimoji="1" lang="zh-CN" altLang="en-US" sz="2000" b="1" dirty="0"/>
+              <a:t>瓦片抽象节点节点到 </a:t>
+            </a:r>
+            <a:r>
+              <a:rPr kumimoji="1" lang="en-US" altLang="zh-CN" sz="2000" b="1" dirty="0"/>
+              <a:t>Linear </a:t>
+            </a:r>
+            <a:r>
+              <a:rPr kumimoji="1" lang="zh-CN" altLang="en-US" sz="2000" b="1" dirty="0"/>
+              <a:t>瓦片抽象节点</a:t>
+            </a:r>
+            <a:r>
+              <a:rPr kumimoji="1" lang="en-US" altLang="zh-CN" sz="2000" dirty="0"/>
+              <a:t>: </a:t>
+            </a:r>
+            <a:r>
+              <a:rPr kumimoji="1" lang="zh-CN" altLang="en-US" sz="2000" dirty="0"/>
+              <a:t>如果两个抽象节点所代表的 </a:t>
+            </a:r>
+            <a:r>
+              <a:rPr kumimoji="1" lang="en-US" altLang="zh-CN" sz="2000" dirty="0"/>
+              <a:t>Linear </a:t>
+            </a:r>
+            <a:r>
+              <a:rPr kumimoji="1" lang="zh-CN" altLang="en-US" sz="2000" dirty="0"/>
+              <a:t>瓦片存在公有的 </a:t>
+            </a:r>
+            <a:r>
+              <a:rPr kumimoji="1" lang="en-US" altLang="zh-CN" sz="2000" dirty="0" err="1"/>
+              <a:t>RNode</a:t>
+            </a:r>
+            <a:r>
+              <a:rPr kumimoji="1" lang="en-US" altLang="zh-CN" sz="2000" dirty="0"/>
+              <a:t> </a:t>
+            </a:r>
+            <a:r>
+              <a:rPr kumimoji="1" lang="zh-CN" altLang="en-US" sz="2000" dirty="0"/>
+              <a:t>节点</a:t>
+            </a:r>
+            <a:r>
+              <a:rPr kumimoji="1" lang="en-US" altLang="zh-CN" sz="2000" dirty="0"/>
+              <a:t>. </a:t>
+            </a:r>
+            <a:r>
+              <a:rPr kumimoji="1" lang="zh-CN" altLang="en-US" sz="2000" dirty="0"/>
+              <a:t>则存在边</a:t>
+            </a:r>
+            <a:endParaRPr kumimoji="1" lang="en-US" altLang="zh-CN" sz="2000" dirty="0"/>
           </a:p>
         </p:txBody>
       </p:sp>
     </p:spTree>
     <p:extLst>
       <p:ext uri="{BB962C8B-B14F-4D97-AF65-F5344CB8AC3E}">
-        <p14:creationId xmlns:p14="http://schemas.microsoft.com/office/powerpoint/2010/main" val="3828835867"/>
+        <p14:creationId xmlns:p14="http://schemas.microsoft.com/office/powerpoint/2010/main" val="4147191935"/>
       </p:ext>
     </p:extLst>
   </p:cSld>
@@ -11447,10 +13455,10 @@
       </p:grpSpPr>
       <p:sp>
         <p:nvSpPr>
-          <p:cNvPr id="5" name="标题 4">
+          <p:cNvPr id="2" name="标题 1">
             <a:extLst>
               <a:ext uri="{FF2B5EF4-FFF2-40B4-BE49-F238E27FC236}">
-                <a16:creationId xmlns:a16="http://schemas.microsoft.com/office/drawing/2014/main" id="{7C3CFBB2-29A4-9845-909C-D2C6211C1301}"/>
+                <a16:creationId xmlns:a16="http://schemas.microsoft.com/office/drawing/2014/main" id="{3675270D-B90F-3849-B3BB-AF1CF4DC3E7D}"/>
               </a:ext>
             </a:extLst>
           </p:cNvPr>
@@ -11463,22 +13471,32 @@
         </p:nvSpPr>
         <p:spPr/>
         <p:txBody>
-          <a:bodyPr/>
+          <a:bodyPr>
+            <a:normAutofit/>
+          </a:bodyPr>
           <a:lstStyle/>
           <a:p>
             <a:r>
-              <a:rPr kumimoji="1" lang="zh-CN" altLang="en-US" b="1" dirty="0"/>
-              <a:t>第三阶段</a:t>
+              <a:rPr kumimoji="1" lang="zh-CN" altLang="en-US" dirty="0"/>
+              <a:t>目前成果</a:t>
+            </a:r>
+            <a:r>
+              <a:rPr kumimoji="1" lang="en-US" altLang="zh-CN" dirty="0"/>
+              <a:t>4:</a:t>
+            </a:r>
+            <a:r>
+              <a:rPr kumimoji="1" lang="zh-CN" altLang="en-US" dirty="0"/>
+              <a:t> 瓦片权重计算</a:t>
             </a:r>
           </a:p>
         </p:txBody>
       </p:sp>
       <p:sp>
         <p:nvSpPr>
-          <p:cNvPr id="6" name="文本占位符 5">
+          <p:cNvPr id="4" name="灯片编号占位符 3">
             <a:extLst>
               <a:ext uri="{FF2B5EF4-FFF2-40B4-BE49-F238E27FC236}">
-                <a16:creationId xmlns:a16="http://schemas.microsoft.com/office/drawing/2014/main" id="{88326478-0DD6-F849-B334-5BDB7DEEC82C}"/>
+                <a16:creationId xmlns:a16="http://schemas.microsoft.com/office/drawing/2014/main" id="{AE828391-B279-8E41-A69D-5A4E4B3F5BB5}"/>
               </a:ext>
             </a:extLst>
           </p:cNvPr>
@@ -11486,7 +13504,7 @@
             <a:spLocks noGrp="1"/>
           </p:cNvSpPr>
           <p:nvPr>
-            <p:ph type="body" idx="1"/>
+            <p:ph type="sldNum" sz="quarter" idx="12"/>
           </p:nvPr>
         </p:nvSpPr>
         <p:spPr/>
@@ -11494,14 +13512,522 @@
           <a:bodyPr/>
           <a:lstStyle/>
           <a:p>
-            <a:endParaRPr kumimoji="1" lang="zh-CN" altLang="en-US"/>
+            <a:fld id="{ADE361C3-C043-4A6E-BDCE-8DA1E7D90A3B}" type="slidenum">
+              <a:rPr lang="zh-CN" altLang="en-US" smtClean="0"/>
+              <a:t>17</a:t>
+            </a:fld>
+            <a:endParaRPr lang="zh-CN" altLang="en-US"/>
           </a:p>
         </p:txBody>
       </p:sp>
+      <mc:AlternateContent xmlns:mc="http://schemas.openxmlformats.org/markup-compatibility/2006">
+        <mc:Choice xmlns:a14="http://schemas.microsoft.com/office/drawing/2010/main" Requires="a14">
+          <p:sp>
+            <p:nvSpPr>
+              <p:cNvPr id="9" name="内容占位符 2">
+                <a:extLst>
+                  <a:ext uri="{FF2B5EF4-FFF2-40B4-BE49-F238E27FC236}">
+                    <a16:creationId xmlns:a16="http://schemas.microsoft.com/office/drawing/2014/main" id="{EB648DB9-04AF-7B4D-A50C-D5002B6028A5}"/>
+                  </a:ext>
+                </a:extLst>
+              </p:cNvPr>
+              <p:cNvSpPr>
+                <a:spLocks noGrp="1"/>
+              </p:cNvSpPr>
+              <p:nvPr>
+                <p:ph idx="1"/>
+              </p:nvPr>
+            </p:nvSpPr>
+            <p:spPr>
+              <a:xfrm>
+                <a:off x="786063" y="1374845"/>
+                <a:ext cx="10174396" cy="4981511"/>
+              </a:xfrm>
+            </p:spPr>
+            <p:txBody>
+              <a:bodyPr>
+                <a:normAutofit/>
+              </a:bodyPr>
+              <a:lstStyle/>
+              <a:p>
+                <a:r>
+                  <a:rPr kumimoji="1" lang="zh-CN" altLang="en-US" sz="2400" dirty="0"/>
+                  <a:t>使用</a:t>
+                </a:r>
+                <a:r>
+                  <a:rPr kumimoji="1" lang="en-US" altLang="zh-CN" sz="2400" dirty="0"/>
+                  <a:t>Weighted </a:t>
+                </a:r>
+                <a:r>
+                  <a:rPr kumimoji="1" lang="en-US" altLang="zh-CN" sz="2400" dirty="0" err="1"/>
+                  <a:t>Pagerank</a:t>
+                </a:r>
+                <a:r>
+                  <a:rPr kumimoji="1" lang="zh-CN" altLang="en-US" sz="2400" dirty="0"/>
+                  <a:t>算法</a:t>
+                </a:r>
+                <a:endParaRPr kumimoji="1" lang="en-US" altLang="zh-CN" sz="2400" dirty="0"/>
+              </a:p>
+              <a:p>
+                <a:pPr lvl="1"/>
+                <a:r>
+                  <a:rPr kumimoji="1" lang="en-US" altLang="zh-CN" sz="2160" dirty="0"/>
+                  <a:t>Xing W, </a:t>
+                </a:r>
+                <a:r>
+                  <a:rPr kumimoji="1" lang="en-US" altLang="zh-CN" sz="2160" dirty="0" err="1"/>
+                  <a:t>Ghorbani</a:t>
+                </a:r>
+                <a:r>
+                  <a:rPr kumimoji="1" lang="en-US" altLang="zh-CN" sz="2160" dirty="0"/>
+                  <a:t> A. Weighted </a:t>
+                </a:r>
+                <a:r>
+                  <a:rPr kumimoji="1" lang="en-US" altLang="zh-CN" sz="2160" dirty="0" err="1"/>
+                  <a:t>pagerank</a:t>
+                </a:r>
+                <a:r>
+                  <a:rPr kumimoji="1" lang="en-US" altLang="zh-CN" sz="2160" dirty="0"/>
+                  <a:t> algorithm[C]//Proceedings. Second Annual Conference on Communication Networks and Services Research, 2004. IEEE, 2004: 305-314.</a:t>
+                </a:r>
+              </a:p>
+              <a:p>
+                <a:r>
+                  <a:rPr kumimoji="1" lang="zh-CN" altLang="en-US" sz="2400" dirty="0"/>
+                  <a:t>权重公式</a:t>
+                </a:r>
+                <a:endParaRPr kumimoji="1" lang="en-US" altLang="zh-CN" sz="2400" dirty="0"/>
+              </a:p>
+              <a:p>
+                <a:pPr lvl="1"/>
+                <a14:m>
+                  <m:oMath xmlns:m="http://schemas.openxmlformats.org/officeDocument/2006/math">
+                    <m:r>
+                      <a:rPr lang="en-US" altLang="zh-CN" sz="3200" i="1" smtClean="0">
+                        <a:effectLst/>
+                        <a:latin typeface="Cambria Math" panose="02040503050406030204" pitchFamily="18" charset="0"/>
+                        <a:ea typeface="Cambria Math" panose="02040503050406030204" pitchFamily="18" charset="0"/>
+                        <a:cs typeface="Cambria Math" panose="02040503050406030204" pitchFamily="18" charset="0"/>
+                      </a:rPr>
+                      <m:t>𝑃𝑅</m:t>
+                    </m:r>
+                    <m:r>
+                      <a:rPr lang="en-US" altLang="zh-CN" sz="3200" i="1" smtClean="0">
+                        <a:effectLst/>
+                        <a:latin typeface="Cambria Math" panose="02040503050406030204" pitchFamily="18" charset="0"/>
+                        <a:ea typeface="Cambria Math" panose="02040503050406030204" pitchFamily="18" charset="0"/>
+                        <a:cs typeface="Cambria Math" panose="02040503050406030204" pitchFamily="18" charset="0"/>
+                      </a:rPr>
+                      <m:t>(</m:t>
+                    </m:r>
+                    <m:r>
+                      <a:rPr lang="en-US" altLang="zh-CN" sz="3200" i="1" smtClean="0">
+                        <a:effectLst/>
+                        <a:latin typeface="Cambria Math" panose="02040503050406030204" pitchFamily="18" charset="0"/>
+                        <a:ea typeface="Cambria Math" panose="02040503050406030204" pitchFamily="18" charset="0"/>
+                        <a:cs typeface="Cambria Math" panose="02040503050406030204" pitchFamily="18" charset="0"/>
+                      </a:rPr>
+                      <m:t>𝑢</m:t>
+                    </m:r>
+                    <m:r>
+                      <a:rPr lang="en-US" altLang="zh-CN" sz="3200" i="1" smtClean="0">
+                        <a:effectLst/>
+                        <a:latin typeface="Cambria Math" panose="02040503050406030204" pitchFamily="18" charset="0"/>
+                        <a:ea typeface="Cambria Math" panose="02040503050406030204" pitchFamily="18" charset="0"/>
+                        <a:cs typeface="Cambria Math" panose="02040503050406030204" pitchFamily="18" charset="0"/>
+                      </a:rPr>
+                      <m:t>)=(1−</m:t>
+                    </m:r>
+                    <m:r>
+                      <a:rPr lang="en-US" altLang="zh-CN" sz="3200" i="1" smtClean="0">
+                        <a:effectLst/>
+                        <a:latin typeface="Cambria Math" panose="02040503050406030204" pitchFamily="18" charset="0"/>
+                        <a:ea typeface="Cambria Math" panose="02040503050406030204" pitchFamily="18" charset="0"/>
+                        <a:cs typeface="Cambria Math" panose="02040503050406030204" pitchFamily="18" charset="0"/>
+                      </a:rPr>
+                      <m:t>𝑑</m:t>
+                    </m:r>
+                    <m:r>
+                      <a:rPr lang="en-US" altLang="zh-CN" sz="3200" i="1" smtClean="0">
+                        <a:effectLst/>
+                        <a:latin typeface="Cambria Math" panose="02040503050406030204" pitchFamily="18" charset="0"/>
+                        <a:ea typeface="Cambria Math" panose="02040503050406030204" pitchFamily="18" charset="0"/>
+                        <a:cs typeface="Cambria Math" panose="02040503050406030204" pitchFamily="18" charset="0"/>
+                      </a:rPr>
+                      <m:t>)+</m:t>
+                    </m:r>
+                    <m:r>
+                      <a:rPr lang="en-US" altLang="zh-CN" sz="3200" i="1" smtClean="0">
+                        <a:effectLst/>
+                        <a:latin typeface="Cambria Math" panose="02040503050406030204" pitchFamily="18" charset="0"/>
+                        <a:ea typeface="Cambria Math" panose="02040503050406030204" pitchFamily="18" charset="0"/>
+                        <a:cs typeface="Cambria Math" panose="02040503050406030204" pitchFamily="18" charset="0"/>
+                      </a:rPr>
+                      <m:t>𝑑</m:t>
+                    </m:r>
+                    <m:limLow>
+                      <m:limLowPr>
+                        <m:ctrlPr>
+                          <a:rPr lang="zh-CN" altLang="zh-CN" sz="3200" i="1">
+                            <a:effectLst/>
+                            <a:latin typeface="Cambria Math" panose="02040503050406030204" pitchFamily="18" charset="0"/>
+                            <a:ea typeface="Cambria Math" panose="02040503050406030204" pitchFamily="18" charset="0"/>
+                          </a:rPr>
+                        </m:ctrlPr>
+                      </m:limLowPr>
+                      <m:e>
+                        <m:r>
+                          <a:rPr lang="en-US" altLang="zh-CN" sz="3200" i="1">
+                            <a:effectLst/>
+                            <a:latin typeface="Cambria Math" panose="02040503050406030204" pitchFamily="18" charset="0"/>
+                            <a:ea typeface="Cambria Math" panose="02040503050406030204" pitchFamily="18" charset="0"/>
+                            <a:cs typeface="Cambria Math" panose="02040503050406030204" pitchFamily="18" charset="0"/>
+                          </a:rPr>
+                          <m:t>∑</m:t>
+                        </m:r>
+                      </m:e>
+                      <m:lim>
+                        <m:r>
+                          <a:rPr lang="en-US" altLang="zh-CN" sz="3200" i="1">
+                            <a:effectLst/>
+                            <a:latin typeface="Cambria Math" panose="02040503050406030204" pitchFamily="18" charset="0"/>
+                            <a:ea typeface="Cambria Math" panose="02040503050406030204" pitchFamily="18" charset="0"/>
+                            <a:cs typeface="Cambria Math" panose="02040503050406030204" pitchFamily="18" charset="0"/>
+                          </a:rPr>
+                          <m:t>𝑣</m:t>
+                        </m:r>
+                        <m:r>
+                          <a:rPr lang="en-US" altLang="zh-CN" sz="3200" i="1">
+                            <a:effectLst/>
+                            <a:latin typeface="Cambria Math" panose="02040503050406030204" pitchFamily="18" charset="0"/>
+                            <a:ea typeface="Cambria Math" panose="02040503050406030204" pitchFamily="18" charset="0"/>
+                            <a:cs typeface="Cambria Math" panose="02040503050406030204" pitchFamily="18" charset="0"/>
+                          </a:rPr>
+                          <m:t>∈</m:t>
+                        </m:r>
+                        <m:r>
+                          <a:rPr lang="en-US" altLang="zh-CN" sz="3200" i="1">
+                            <a:effectLst/>
+                            <a:latin typeface="Cambria Math" panose="02040503050406030204" pitchFamily="18" charset="0"/>
+                            <a:ea typeface="Cambria Math" panose="02040503050406030204" pitchFamily="18" charset="0"/>
+                            <a:cs typeface="Cambria Math" panose="02040503050406030204" pitchFamily="18" charset="0"/>
+                          </a:rPr>
+                          <m:t>𝐵</m:t>
+                        </m:r>
+                        <m:r>
+                          <a:rPr lang="en-US" altLang="zh-CN" sz="3200" i="1">
+                            <a:effectLst/>
+                            <a:latin typeface="Cambria Math" panose="02040503050406030204" pitchFamily="18" charset="0"/>
+                            <a:ea typeface="Cambria Math" panose="02040503050406030204" pitchFamily="18" charset="0"/>
+                            <a:cs typeface="Cambria Math" panose="02040503050406030204" pitchFamily="18" charset="0"/>
+                          </a:rPr>
+                          <m:t>(</m:t>
+                        </m:r>
+                        <m:r>
+                          <a:rPr lang="en-US" altLang="zh-CN" sz="3200" i="1">
+                            <a:effectLst/>
+                            <a:latin typeface="Cambria Math" panose="02040503050406030204" pitchFamily="18" charset="0"/>
+                            <a:ea typeface="Cambria Math" panose="02040503050406030204" pitchFamily="18" charset="0"/>
+                            <a:cs typeface="Cambria Math" panose="02040503050406030204" pitchFamily="18" charset="0"/>
+                          </a:rPr>
+                          <m:t>𝑢</m:t>
+                        </m:r>
+                        <m:r>
+                          <a:rPr lang="en-US" altLang="zh-CN" sz="3200" i="1">
+                            <a:effectLst/>
+                            <a:latin typeface="Cambria Math" panose="02040503050406030204" pitchFamily="18" charset="0"/>
+                            <a:ea typeface="Cambria Math" panose="02040503050406030204" pitchFamily="18" charset="0"/>
+                            <a:cs typeface="Cambria Math" panose="02040503050406030204" pitchFamily="18" charset="0"/>
+                          </a:rPr>
+                          <m:t>)</m:t>
+                        </m:r>
+                      </m:lim>
+                    </m:limLow>
+                    <m:r>
+                      <a:rPr lang="en-US" altLang="zh-CN" sz="3200" i="1">
+                        <a:effectLst/>
+                        <a:latin typeface="Cambria Math" panose="02040503050406030204" pitchFamily="18" charset="0"/>
+                        <a:ea typeface="Cambria Math" panose="02040503050406030204" pitchFamily="18" charset="0"/>
+                        <a:cs typeface="Cambria Math" panose="02040503050406030204" pitchFamily="18" charset="0"/>
+                      </a:rPr>
+                      <m:t>𝑃𝑅</m:t>
+                    </m:r>
+                    <m:r>
+                      <a:rPr lang="en-US" altLang="zh-CN" sz="3200" i="1">
+                        <a:effectLst/>
+                        <a:latin typeface="Cambria Math" panose="02040503050406030204" pitchFamily="18" charset="0"/>
+                        <a:ea typeface="Cambria Math" panose="02040503050406030204" pitchFamily="18" charset="0"/>
+                        <a:cs typeface="Cambria Math" panose="02040503050406030204" pitchFamily="18" charset="0"/>
+                      </a:rPr>
+                      <m:t>(</m:t>
+                    </m:r>
+                    <m:r>
+                      <a:rPr lang="en-US" altLang="zh-CN" sz="3200" i="1">
+                        <a:effectLst/>
+                        <a:latin typeface="Cambria Math" panose="02040503050406030204" pitchFamily="18" charset="0"/>
+                        <a:ea typeface="Cambria Math" panose="02040503050406030204" pitchFamily="18" charset="0"/>
+                        <a:cs typeface="Cambria Math" panose="02040503050406030204" pitchFamily="18" charset="0"/>
+                      </a:rPr>
+                      <m:t>𝑣</m:t>
+                    </m:r>
+                    <m:r>
+                      <a:rPr lang="en-US" altLang="zh-CN" sz="3200" i="1">
+                        <a:effectLst/>
+                        <a:latin typeface="Cambria Math" panose="02040503050406030204" pitchFamily="18" charset="0"/>
+                        <a:ea typeface="Cambria Math" panose="02040503050406030204" pitchFamily="18" charset="0"/>
+                        <a:cs typeface="Cambria Math" panose="02040503050406030204" pitchFamily="18" charset="0"/>
+                      </a:rPr>
+                      <m:t>)</m:t>
+                    </m:r>
+                    <m:sSubSup>
+                      <m:sSubSupPr>
+                        <m:ctrlPr>
+                          <a:rPr lang="zh-CN" altLang="zh-CN" sz="3200" i="1">
+                            <a:effectLst/>
+                            <a:latin typeface="Cambria Math" panose="02040503050406030204" pitchFamily="18" charset="0"/>
+                            <a:ea typeface="Cambria Math" panose="02040503050406030204" pitchFamily="18" charset="0"/>
+                          </a:rPr>
+                        </m:ctrlPr>
+                      </m:sSubSupPr>
+                      <m:e>
+                        <m:r>
+                          <a:rPr lang="en-US" altLang="zh-CN" sz="3200" i="1">
+                            <a:effectLst/>
+                            <a:latin typeface="Cambria Math" panose="02040503050406030204" pitchFamily="18" charset="0"/>
+                            <a:ea typeface="Cambria Math" panose="02040503050406030204" pitchFamily="18" charset="0"/>
+                            <a:cs typeface="Cambria Math" panose="02040503050406030204" pitchFamily="18" charset="0"/>
+                          </a:rPr>
+                          <m:t>𝑊</m:t>
+                        </m:r>
+                      </m:e>
+                      <m:sub>
+                        <m:r>
+                          <a:rPr lang="en-US" altLang="zh-CN" sz="3200" i="1">
+                            <a:effectLst/>
+                            <a:latin typeface="Cambria Math" panose="02040503050406030204" pitchFamily="18" charset="0"/>
+                            <a:ea typeface="Cambria Math" panose="02040503050406030204" pitchFamily="18" charset="0"/>
+                            <a:cs typeface="Cambria Math" panose="02040503050406030204" pitchFamily="18" charset="0"/>
+                          </a:rPr>
+                          <m:t>(</m:t>
+                        </m:r>
+                        <m:r>
+                          <a:rPr lang="en-US" altLang="zh-CN" sz="3200" i="1">
+                            <a:effectLst/>
+                            <a:latin typeface="Cambria Math" panose="02040503050406030204" pitchFamily="18" charset="0"/>
+                            <a:ea typeface="Cambria Math" panose="02040503050406030204" pitchFamily="18" charset="0"/>
+                            <a:cs typeface="Cambria Math" panose="02040503050406030204" pitchFamily="18" charset="0"/>
+                          </a:rPr>
+                          <m:t>𝑣</m:t>
+                        </m:r>
+                        <m:r>
+                          <a:rPr lang="en-US" altLang="zh-CN" sz="3200" i="1">
+                            <a:effectLst/>
+                            <a:latin typeface="Cambria Math" panose="02040503050406030204" pitchFamily="18" charset="0"/>
+                            <a:ea typeface="Cambria Math" panose="02040503050406030204" pitchFamily="18" charset="0"/>
+                            <a:cs typeface="Cambria Math" panose="02040503050406030204" pitchFamily="18" charset="0"/>
+                          </a:rPr>
+                          <m:t>,</m:t>
+                        </m:r>
+                        <m:r>
+                          <a:rPr lang="en-US" altLang="zh-CN" sz="3200" i="1">
+                            <a:effectLst/>
+                            <a:latin typeface="Cambria Math" panose="02040503050406030204" pitchFamily="18" charset="0"/>
+                            <a:ea typeface="Cambria Math" panose="02040503050406030204" pitchFamily="18" charset="0"/>
+                            <a:cs typeface="Cambria Math" panose="02040503050406030204" pitchFamily="18" charset="0"/>
+                          </a:rPr>
+                          <m:t>𝑢</m:t>
+                        </m:r>
+                        <m:r>
+                          <a:rPr lang="en-US" altLang="zh-CN" sz="3200" i="1">
+                            <a:effectLst/>
+                            <a:latin typeface="Cambria Math" panose="02040503050406030204" pitchFamily="18" charset="0"/>
+                            <a:ea typeface="Cambria Math" panose="02040503050406030204" pitchFamily="18" charset="0"/>
+                            <a:cs typeface="Cambria Math" panose="02040503050406030204" pitchFamily="18" charset="0"/>
+                          </a:rPr>
+                          <m:t>)</m:t>
+                        </m:r>
+                      </m:sub>
+                      <m:sup>
+                        <m:r>
+                          <a:rPr lang="en-US" altLang="zh-CN" sz="3200" i="1">
+                            <a:effectLst/>
+                            <a:latin typeface="Cambria Math" panose="02040503050406030204" pitchFamily="18" charset="0"/>
+                            <a:ea typeface="Cambria Math" panose="02040503050406030204" pitchFamily="18" charset="0"/>
+                            <a:cs typeface="Cambria Math" panose="02040503050406030204" pitchFamily="18" charset="0"/>
+                          </a:rPr>
+                          <m:t>𝑖𝑛</m:t>
+                        </m:r>
+                      </m:sup>
+                    </m:sSubSup>
+                    <m:sSubSup>
+                      <m:sSubSupPr>
+                        <m:ctrlPr>
+                          <a:rPr lang="zh-CN" altLang="zh-CN" sz="3200" i="1">
+                            <a:effectLst/>
+                            <a:latin typeface="Cambria Math" panose="02040503050406030204" pitchFamily="18" charset="0"/>
+                            <a:ea typeface="Cambria Math" panose="02040503050406030204" pitchFamily="18" charset="0"/>
+                          </a:rPr>
+                        </m:ctrlPr>
+                      </m:sSubSupPr>
+                      <m:e>
+                        <m:r>
+                          <a:rPr lang="en-US" altLang="zh-CN" sz="3200" i="1">
+                            <a:effectLst/>
+                            <a:latin typeface="Cambria Math" panose="02040503050406030204" pitchFamily="18" charset="0"/>
+                            <a:ea typeface="Cambria Math" panose="02040503050406030204" pitchFamily="18" charset="0"/>
+                            <a:cs typeface="Cambria Math" panose="02040503050406030204" pitchFamily="18" charset="0"/>
+                          </a:rPr>
+                          <m:t>𝑊</m:t>
+                        </m:r>
+                      </m:e>
+                      <m:sub>
+                        <m:r>
+                          <a:rPr lang="en-US" altLang="zh-CN" sz="3200" i="1">
+                            <a:effectLst/>
+                            <a:latin typeface="Cambria Math" panose="02040503050406030204" pitchFamily="18" charset="0"/>
+                            <a:ea typeface="Cambria Math" panose="02040503050406030204" pitchFamily="18" charset="0"/>
+                            <a:cs typeface="Cambria Math" panose="02040503050406030204" pitchFamily="18" charset="0"/>
+                          </a:rPr>
+                          <m:t>(</m:t>
+                        </m:r>
+                        <m:r>
+                          <a:rPr lang="en-US" altLang="zh-CN" sz="3200" i="1">
+                            <a:effectLst/>
+                            <a:latin typeface="Cambria Math" panose="02040503050406030204" pitchFamily="18" charset="0"/>
+                            <a:ea typeface="Cambria Math" panose="02040503050406030204" pitchFamily="18" charset="0"/>
+                            <a:cs typeface="Cambria Math" panose="02040503050406030204" pitchFamily="18" charset="0"/>
+                          </a:rPr>
+                          <m:t>𝑣</m:t>
+                        </m:r>
+                        <m:r>
+                          <a:rPr lang="en-US" altLang="zh-CN" sz="3200" i="1">
+                            <a:effectLst/>
+                            <a:latin typeface="Cambria Math" panose="02040503050406030204" pitchFamily="18" charset="0"/>
+                            <a:ea typeface="Cambria Math" panose="02040503050406030204" pitchFamily="18" charset="0"/>
+                            <a:cs typeface="Cambria Math" panose="02040503050406030204" pitchFamily="18" charset="0"/>
+                          </a:rPr>
+                          <m:t>,</m:t>
+                        </m:r>
+                        <m:r>
+                          <a:rPr lang="en-US" altLang="zh-CN" sz="3200" i="1">
+                            <a:effectLst/>
+                            <a:latin typeface="Cambria Math" panose="02040503050406030204" pitchFamily="18" charset="0"/>
+                            <a:ea typeface="Cambria Math" panose="02040503050406030204" pitchFamily="18" charset="0"/>
+                            <a:cs typeface="Cambria Math" panose="02040503050406030204" pitchFamily="18" charset="0"/>
+                          </a:rPr>
+                          <m:t>𝑢</m:t>
+                        </m:r>
+                        <m:r>
+                          <a:rPr lang="en-US" altLang="zh-CN" sz="3200" i="1">
+                            <a:effectLst/>
+                            <a:latin typeface="Cambria Math" panose="02040503050406030204" pitchFamily="18" charset="0"/>
+                            <a:ea typeface="Cambria Math" panose="02040503050406030204" pitchFamily="18" charset="0"/>
+                            <a:cs typeface="Cambria Math" panose="02040503050406030204" pitchFamily="18" charset="0"/>
+                          </a:rPr>
+                          <m:t>)</m:t>
+                        </m:r>
+                      </m:sub>
+                      <m:sup>
+                        <m:r>
+                          <a:rPr lang="en-US" altLang="zh-CN" sz="3200" i="1">
+                            <a:effectLst/>
+                            <a:latin typeface="Cambria Math" panose="02040503050406030204" pitchFamily="18" charset="0"/>
+                            <a:ea typeface="Cambria Math" panose="02040503050406030204" pitchFamily="18" charset="0"/>
+                            <a:cs typeface="Cambria Math" panose="02040503050406030204" pitchFamily="18" charset="0"/>
+                          </a:rPr>
+                          <m:t>𝑜𝑢𝑡</m:t>
+                        </m:r>
+                      </m:sup>
+                    </m:sSubSup>
+                  </m:oMath>
+                </a14:m>
+                <a:endParaRPr lang="en-US" altLang="zh-CN" sz="3200" dirty="0">
+                  <a:latin typeface="Times New Roman" panose="02020603050405020304" pitchFamily="18" charset="0"/>
+                  <a:ea typeface="Times New Roman" panose="02020603050405020304" pitchFamily="18" charset="0"/>
+                </a:endParaRPr>
+              </a:p>
+              <a:p>
+                <a:r>
+                  <a:rPr kumimoji="1" lang="zh-CN" altLang="en-US" sz="2400" dirty="0"/>
+                  <a:t>对</a:t>
+                </a:r>
+                <a:r>
+                  <a:rPr kumimoji="1" lang="en-US" altLang="zh-CN" sz="2400" dirty="0"/>
+                  <a:t>Linear</a:t>
+                </a:r>
+                <a:r>
+                  <a:rPr kumimoji="1" lang="zh-CN" altLang="en-US" sz="2400" dirty="0"/>
+                  <a:t>瓦片</a:t>
+                </a:r>
+                <a:r>
+                  <a:rPr kumimoji="1" lang="en-US" altLang="zh-CN" sz="2400" dirty="0"/>
+                  <a:t>,</a:t>
+                </a:r>
+                <a:r>
+                  <a:rPr kumimoji="1" lang="zh-CN" altLang="en-US" sz="2400" dirty="0"/>
+                  <a:t>使用其约束中系数的方差作为</a:t>
+                </a:r>
+                <a:r>
+                  <a:rPr kumimoji="1" lang="en-US" altLang="zh-CN" sz="2400" dirty="0"/>
+                  <a:t>field</a:t>
+                </a:r>
+                <a:endParaRPr kumimoji="1" lang="zh-CN" altLang="zh-CN" sz="2400" dirty="0"/>
+              </a:p>
+              <a:p>
+                <a:pPr lvl="1"/>
+                <a:endParaRPr kumimoji="1" lang="en-US" altLang="zh-CN" sz="2160" dirty="0"/>
+              </a:p>
+            </p:txBody>
+          </p:sp>
+        </mc:Choice>
+        <mc:Fallback>
+          <p:sp>
+            <p:nvSpPr>
+              <p:cNvPr id="9" name="内容占位符 2">
+                <a:extLst>
+                  <a:ext uri="{FF2B5EF4-FFF2-40B4-BE49-F238E27FC236}">
+                    <a16:creationId xmlns:a16="http://schemas.microsoft.com/office/drawing/2014/main" id="{EB648DB9-04AF-7B4D-A50C-D5002B6028A5}"/>
+                  </a:ext>
+                </a:extLst>
+              </p:cNvPr>
+              <p:cNvSpPr>
+                <a:spLocks noGrp="1" noRot="1" noChangeAspect="1" noMove="1" noResize="1" noEditPoints="1" noAdjustHandles="1" noChangeArrowheads="1" noChangeShapeType="1" noTextEdit="1"/>
+              </p:cNvSpPr>
+              <p:nvPr>
+                <p:ph idx="1"/>
+              </p:nvPr>
+            </p:nvSpPr>
+            <p:spPr>
+              <a:xfrm>
+                <a:off x="786063" y="1374845"/>
+                <a:ext cx="10174396" cy="4981511"/>
+              </a:xfrm>
+              <a:blipFill>
+                <a:blip r:embed="rId2"/>
+                <a:stretch>
+                  <a:fillRect l="-839" t="-245"/>
+                </a:stretch>
+              </a:blipFill>
+            </p:spPr>
+            <p:txBody>
+              <a:bodyPr/>
+              <a:lstStyle/>
+              <a:p>
+                <a:r>
+                  <a:rPr lang="zh-CN" altLang="en-US">
+                    <a:noFill/>
+                  </a:rPr>
+                  <a:t> </a:t>
+                </a:r>
+              </a:p>
+            </p:txBody>
+          </p:sp>
+        </mc:Fallback>
+      </mc:AlternateContent>
     </p:spTree>
     <p:extLst>
       <p:ext uri="{BB962C8B-B14F-4D97-AF65-F5344CB8AC3E}">
-        <p14:creationId xmlns:p14="http://schemas.microsoft.com/office/powerpoint/2010/main" val="347350649"/>
+        <p14:creationId xmlns:p14="http://schemas.microsoft.com/office/powerpoint/2010/main" val="3920983860"/>
       </p:ext>
     </p:extLst>
   </p:cSld>
@@ -11512,6 +14038,163 @@
 </file>
 
 <file path=ppt/slides/slide18.xml><?xml version="1.0" encoding="utf-8"?>
+<p:sld xmlns:a="http://schemas.openxmlformats.org/drawingml/2006/main" xmlns:r="http://schemas.openxmlformats.org/officeDocument/2006/relationships" xmlns:p="http://schemas.openxmlformats.org/presentationml/2006/main">
+  <p:cSld>
+    <p:spTree>
+      <p:nvGrpSpPr>
+        <p:cNvPr id="1" name=""/>
+        <p:cNvGrpSpPr/>
+        <p:nvPr/>
+      </p:nvGrpSpPr>
+      <p:grpSpPr>
+        <a:xfrm>
+          <a:off x="0" y="0"/>
+          <a:ext cx="0" cy="0"/>
+          <a:chOff x="0" y="0"/>
+          <a:chExt cx="0" cy="0"/>
+        </a:xfrm>
+      </p:grpSpPr>
+      <p:sp>
+        <p:nvSpPr>
+          <p:cNvPr id="2" name="标题 1">
+            <a:extLst>
+              <a:ext uri="{FF2B5EF4-FFF2-40B4-BE49-F238E27FC236}">
+                <a16:creationId xmlns:a16="http://schemas.microsoft.com/office/drawing/2014/main" id="{3675270D-B90F-3849-B3BB-AF1CF4DC3E7D}"/>
+              </a:ext>
+            </a:extLst>
+          </p:cNvPr>
+          <p:cNvSpPr>
+            <a:spLocks noGrp="1"/>
+          </p:cNvSpPr>
+          <p:nvPr>
+            <p:ph type="title"/>
+          </p:nvPr>
+        </p:nvSpPr>
+        <p:spPr/>
+        <p:txBody>
+          <a:bodyPr>
+            <a:normAutofit/>
+          </a:bodyPr>
+          <a:lstStyle/>
+          <a:p>
+            <a:r>
+              <a:rPr kumimoji="1" lang="zh-CN" altLang="en-US" dirty="0"/>
+              <a:t>目前成果</a:t>
+            </a:r>
+            <a:r>
+              <a:rPr kumimoji="1" lang="en-US" altLang="zh-CN" dirty="0"/>
+              <a:t>5:</a:t>
+            </a:r>
+            <a:r>
+              <a:rPr kumimoji="1" lang="zh-CN" altLang="en-US" dirty="0"/>
+              <a:t> 对线性瓦片的调整</a:t>
+            </a:r>
+          </a:p>
+        </p:txBody>
+      </p:sp>
+      <p:sp>
+        <p:nvSpPr>
+          <p:cNvPr id="4" name="灯片编号占位符 3">
+            <a:extLst>
+              <a:ext uri="{FF2B5EF4-FFF2-40B4-BE49-F238E27FC236}">
+                <a16:creationId xmlns:a16="http://schemas.microsoft.com/office/drawing/2014/main" id="{AE828391-B279-8E41-A69D-5A4E4B3F5BB5}"/>
+              </a:ext>
+            </a:extLst>
+          </p:cNvPr>
+          <p:cNvSpPr>
+            <a:spLocks noGrp="1"/>
+          </p:cNvSpPr>
+          <p:nvPr>
+            <p:ph type="sldNum" sz="quarter" idx="12"/>
+          </p:nvPr>
+        </p:nvSpPr>
+        <p:spPr/>
+        <p:txBody>
+          <a:bodyPr/>
+          <a:lstStyle/>
+          <a:p>
+            <a:fld id="{ADE361C3-C043-4A6E-BDCE-8DA1E7D90A3B}" type="slidenum">
+              <a:rPr lang="zh-CN" altLang="en-US" smtClean="0"/>
+              <a:t>18</a:t>
+            </a:fld>
+            <a:endParaRPr lang="zh-CN" altLang="en-US"/>
+          </a:p>
+        </p:txBody>
+      </p:sp>
+      <p:sp>
+        <p:nvSpPr>
+          <p:cNvPr id="9" name="内容占位符 2">
+            <a:extLst>
+              <a:ext uri="{FF2B5EF4-FFF2-40B4-BE49-F238E27FC236}">
+                <a16:creationId xmlns:a16="http://schemas.microsoft.com/office/drawing/2014/main" id="{EB648DB9-04AF-7B4D-A50C-D5002B6028A5}"/>
+              </a:ext>
+            </a:extLst>
+          </p:cNvPr>
+          <p:cNvSpPr>
+            <a:spLocks noGrp="1"/>
+          </p:cNvSpPr>
+          <p:nvPr>
+            <p:ph idx="1"/>
+          </p:nvPr>
+        </p:nvSpPr>
+        <p:spPr>
+          <a:xfrm>
+            <a:off x="786063" y="1374845"/>
+            <a:ext cx="10174396" cy="4981511"/>
+          </a:xfrm>
+        </p:spPr>
+        <p:txBody>
+          <a:bodyPr>
+            <a:normAutofit/>
+          </a:bodyPr>
+          <a:lstStyle/>
+          <a:p>
+            <a:r>
+              <a:rPr kumimoji="1" lang="zh-CN" altLang="en-US" sz="2400" dirty="0"/>
+              <a:t>为什么要调整</a:t>
+            </a:r>
+            <a:endParaRPr kumimoji="1" lang="en-US" altLang="zh-CN" sz="2400" dirty="0"/>
+          </a:p>
+          <a:p>
+            <a:pPr lvl="1"/>
+            <a:r>
+              <a:rPr kumimoji="1" lang="zh-CN" altLang="en-US" sz="1920" dirty="0"/>
+              <a:t>将线性瓦片抽象成一个顶点之后</a:t>
+            </a:r>
+            <a:r>
+              <a:rPr kumimoji="1" lang="en-US" altLang="zh-CN" sz="1920" dirty="0"/>
+              <a:t>, </a:t>
+            </a:r>
+            <a:r>
+              <a:rPr kumimoji="1" lang="zh-CN" altLang="en-US" sz="1920" dirty="0"/>
+              <a:t>对于瓦片中新增的节点</a:t>
+            </a:r>
+            <a:r>
+              <a:rPr kumimoji="1" lang="en-US" altLang="zh-CN" sz="1920" dirty="0"/>
+              <a:t>, </a:t>
+            </a:r>
+            <a:r>
+              <a:rPr kumimoji="1" lang="zh-CN" altLang="en-US" sz="1920" dirty="0"/>
+              <a:t>没有有效的排序标准</a:t>
+            </a:r>
+            <a:endParaRPr kumimoji="1" lang="en-US" altLang="zh-CN" sz="1920" dirty="0"/>
+          </a:p>
+        </p:txBody>
+      </p:sp>
+    </p:spTree>
+    <p:extLst>
+      <p:ext uri="{BB962C8B-B14F-4D97-AF65-F5344CB8AC3E}">
+        <p14:creationId xmlns:p14="http://schemas.microsoft.com/office/powerpoint/2010/main" val="1999556332"/>
+      </p:ext>
+    </p:extLst>
+  </p:cSld>
+  <p:clrMapOvr>
+    <a:masterClrMapping/>
+  </p:clrMapOvr>
+</p:sld>
+</file>
+
+<file path=ppt/slides/slide19.xml><?xml version="1.0" encoding="utf-8"?>
 <p:sld xmlns:a="http://schemas.openxmlformats.org/drawingml/2006/main" xmlns:r="http://schemas.openxmlformats.org/officeDocument/2006/relationships" xmlns:p="http://schemas.openxmlformats.org/presentationml/2006/main">
   <p:cSld>
     <p:spTree>
@@ -11749,7 +14432,7 @@
                 </a:solidFill>
               </a:rPr>
               <a:pPr defTabSz="1097280"/>
-              <a:t>18</a:t>
+              <a:t>19</a:t>
             </a:fld>
             <a:endParaRPr lang="zh-CN" altLang="en-US">
               <a:solidFill>
@@ -11765,94 +14448,6 @@
     <p:extLst>
       <p:ext uri="{BB962C8B-B14F-4D97-AF65-F5344CB8AC3E}">
         <p14:creationId xmlns:p14="http://schemas.microsoft.com/office/powerpoint/2010/main" val="4161856114"/>
-      </p:ext>
-    </p:extLst>
-  </p:cSld>
-  <p:clrMapOvr>
-    <a:masterClrMapping/>
-  </p:clrMapOvr>
-</p:sld>
-</file>
-
-<file path=ppt/slides/slide19.xml><?xml version="1.0" encoding="utf-8"?>
-<p:sld xmlns:a="http://schemas.openxmlformats.org/drawingml/2006/main" xmlns:r="http://schemas.openxmlformats.org/officeDocument/2006/relationships" xmlns:p="http://schemas.openxmlformats.org/presentationml/2006/main">
-  <p:cSld>
-    <p:spTree>
-      <p:nvGrpSpPr>
-        <p:cNvPr id="1" name=""/>
-        <p:cNvGrpSpPr/>
-        <p:nvPr/>
-      </p:nvGrpSpPr>
-      <p:grpSpPr>
-        <a:xfrm>
-          <a:off x="0" y="0"/>
-          <a:ext cx="0" cy="0"/>
-          <a:chOff x="0" y="0"/>
-          <a:chExt cx="0" cy="0"/>
-        </a:xfrm>
-      </p:grpSpPr>
-      <p:sp>
-        <p:nvSpPr>
-          <p:cNvPr id="5" name="标题 4">
-            <a:extLst>
-              <a:ext uri="{FF2B5EF4-FFF2-40B4-BE49-F238E27FC236}">
-                <a16:creationId xmlns:a16="http://schemas.microsoft.com/office/drawing/2014/main" id="{7C3CFBB2-29A4-9845-909C-D2C6211C1301}"/>
-              </a:ext>
-            </a:extLst>
-          </p:cNvPr>
-          <p:cNvSpPr>
-            <a:spLocks noGrp="1"/>
-          </p:cNvSpPr>
-          <p:nvPr>
-            <p:ph type="title"/>
-          </p:nvPr>
-        </p:nvSpPr>
-        <p:spPr/>
-        <p:txBody>
-          <a:bodyPr/>
-          <a:lstStyle/>
-          <a:p>
-            <a:r>
-              <a:rPr kumimoji="1" lang="zh-CN" altLang="en-US" b="1" dirty="0"/>
-              <a:t>感谢您的倾听</a:t>
-            </a:r>
-            <a:r>
-              <a:rPr kumimoji="1" lang="en-US" altLang="zh-CN" b="1" dirty="0"/>
-              <a:t>!</a:t>
-            </a:r>
-            <a:endParaRPr kumimoji="1" lang="zh-CN" altLang="en-US" b="1" dirty="0"/>
-          </a:p>
-        </p:txBody>
-      </p:sp>
-      <p:sp>
-        <p:nvSpPr>
-          <p:cNvPr id="6" name="文本占位符 5">
-            <a:extLst>
-              <a:ext uri="{FF2B5EF4-FFF2-40B4-BE49-F238E27FC236}">
-                <a16:creationId xmlns:a16="http://schemas.microsoft.com/office/drawing/2014/main" id="{88326478-0DD6-F849-B334-5BDB7DEEC82C}"/>
-              </a:ext>
-            </a:extLst>
-          </p:cNvPr>
-          <p:cNvSpPr>
-            <a:spLocks noGrp="1"/>
-          </p:cNvSpPr>
-          <p:nvPr>
-            <p:ph type="body" idx="1"/>
-          </p:nvPr>
-        </p:nvSpPr>
-        <p:spPr/>
-        <p:txBody>
-          <a:bodyPr/>
-          <a:lstStyle/>
-          <a:p>
-            <a:endParaRPr kumimoji="1" lang="zh-CN" altLang="en-US"/>
-          </a:p>
-        </p:txBody>
-      </p:sp>
-    </p:spTree>
-    <p:extLst>
-      <p:ext uri="{BB962C8B-B14F-4D97-AF65-F5344CB8AC3E}">
-        <p14:creationId xmlns:p14="http://schemas.microsoft.com/office/powerpoint/2010/main" val="1262638301"/>
       </p:ext>
     </p:extLst>
   </p:cSld>
@@ -12025,6 +14620,94 @@
     <p:extLst>
       <p:ext uri="{BB962C8B-B14F-4D97-AF65-F5344CB8AC3E}">
         <p14:creationId xmlns:p14="http://schemas.microsoft.com/office/powerpoint/2010/main" val="3124453655"/>
+      </p:ext>
+    </p:extLst>
+  </p:cSld>
+  <p:clrMapOvr>
+    <a:masterClrMapping/>
+  </p:clrMapOvr>
+</p:sld>
+</file>
+
+<file path=ppt/slides/slide20.xml><?xml version="1.0" encoding="utf-8"?>
+<p:sld xmlns:a="http://schemas.openxmlformats.org/drawingml/2006/main" xmlns:r="http://schemas.openxmlformats.org/officeDocument/2006/relationships" xmlns:p="http://schemas.openxmlformats.org/presentationml/2006/main">
+  <p:cSld>
+    <p:spTree>
+      <p:nvGrpSpPr>
+        <p:cNvPr id="1" name=""/>
+        <p:cNvGrpSpPr/>
+        <p:nvPr/>
+      </p:nvGrpSpPr>
+      <p:grpSpPr>
+        <a:xfrm>
+          <a:off x="0" y="0"/>
+          <a:ext cx="0" cy="0"/>
+          <a:chOff x="0" y="0"/>
+          <a:chExt cx="0" cy="0"/>
+        </a:xfrm>
+      </p:grpSpPr>
+      <p:sp>
+        <p:nvSpPr>
+          <p:cNvPr id="5" name="标题 4">
+            <a:extLst>
+              <a:ext uri="{FF2B5EF4-FFF2-40B4-BE49-F238E27FC236}">
+                <a16:creationId xmlns:a16="http://schemas.microsoft.com/office/drawing/2014/main" id="{7C3CFBB2-29A4-9845-909C-D2C6211C1301}"/>
+              </a:ext>
+            </a:extLst>
+          </p:cNvPr>
+          <p:cNvSpPr>
+            <a:spLocks noGrp="1"/>
+          </p:cNvSpPr>
+          <p:nvPr>
+            <p:ph type="title"/>
+          </p:nvPr>
+        </p:nvSpPr>
+        <p:spPr/>
+        <p:txBody>
+          <a:bodyPr/>
+          <a:lstStyle/>
+          <a:p>
+            <a:r>
+              <a:rPr kumimoji="1" lang="zh-CN" altLang="en-US" b="1" dirty="0"/>
+              <a:t>感谢您的倾听</a:t>
+            </a:r>
+            <a:r>
+              <a:rPr kumimoji="1" lang="en-US" altLang="zh-CN" b="1" dirty="0"/>
+              <a:t>!</a:t>
+            </a:r>
+            <a:endParaRPr kumimoji="1" lang="zh-CN" altLang="en-US" b="1" dirty="0"/>
+          </a:p>
+        </p:txBody>
+      </p:sp>
+      <p:sp>
+        <p:nvSpPr>
+          <p:cNvPr id="6" name="文本占位符 5">
+            <a:extLst>
+              <a:ext uri="{FF2B5EF4-FFF2-40B4-BE49-F238E27FC236}">
+                <a16:creationId xmlns:a16="http://schemas.microsoft.com/office/drawing/2014/main" id="{88326478-0DD6-F849-B334-5BDB7DEEC82C}"/>
+              </a:ext>
+            </a:extLst>
+          </p:cNvPr>
+          <p:cNvSpPr>
+            <a:spLocks noGrp="1"/>
+          </p:cNvSpPr>
+          <p:nvPr>
+            <p:ph type="body" idx="1"/>
+          </p:nvPr>
+        </p:nvSpPr>
+        <p:spPr/>
+        <p:txBody>
+          <a:bodyPr/>
+          <a:lstStyle/>
+          <a:p>
+            <a:endParaRPr kumimoji="1" lang="zh-CN" altLang="en-US"/>
+          </a:p>
+        </p:txBody>
+      </p:sp>
+    </p:spTree>
+    <p:extLst>
+      <p:ext uri="{BB962C8B-B14F-4D97-AF65-F5344CB8AC3E}">
+        <p14:creationId xmlns:p14="http://schemas.microsoft.com/office/powerpoint/2010/main" val="1262638301"/>
       </p:ext>
     </p:extLst>
   </p:cSld>

--- a/meeting_docs/中期答辩/中期答辩PPT.pptx
+++ b/meeting_docs/中期答辩/中期答辩PPT.pptx
@@ -7,7 +7,7 @@
     <p:sldMasterId id="2147483664" r:id="rId3"/>
   </p:sldMasterIdLst>
   <p:notesMasterIdLst>
-    <p:notesMasterId r:id="rId24"/>
+    <p:notesMasterId r:id="rId22"/>
   </p:notesMasterIdLst>
   <p:sldIdLst>
     <p:sldId id="2345" r:id="rId4"/>
@@ -15,21 +15,19 @@
     <p:sldId id="2618" r:id="rId6"/>
     <p:sldId id="2619" r:id="rId7"/>
     <p:sldId id="2621" r:id="rId8"/>
-    <p:sldId id="2615" r:id="rId9"/>
-    <p:sldId id="2629" r:id="rId10"/>
+    <p:sldId id="2629" r:id="rId9"/>
+    <p:sldId id="2615" r:id="rId10"/>
     <p:sldId id="2622" r:id="rId11"/>
-    <p:sldId id="2630" r:id="rId12"/>
-    <p:sldId id="2631" r:id="rId13"/>
-    <p:sldId id="2633" r:id="rId14"/>
-    <p:sldId id="2637" r:id="rId15"/>
-    <p:sldId id="2632" r:id="rId16"/>
-    <p:sldId id="2636" r:id="rId17"/>
-    <p:sldId id="2634" r:id="rId18"/>
-    <p:sldId id="2638" r:id="rId19"/>
-    <p:sldId id="2635" r:id="rId20"/>
-    <p:sldId id="2639" r:id="rId21"/>
-    <p:sldId id="2624" r:id="rId22"/>
-    <p:sldId id="2625" r:id="rId23"/>
+    <p:sldId id="2631" r:id="rId12"/>
+    <p:sldId id="2633" r:id="rId13"/>
+    <p:sldId id="2637" r:id="rId14"/>
+    <p:sldId id="2632" r:id="rId15"/>
+    <p:sldId id="2636" r:id="rId16"/>
+    <p:sldId id="2634" r:id="rId17"/>
+    <p:sldId id="2638" r:id="rId18"/>
+    <p:sldId id="2635" r:id="rId19"/>
+    <p:sldId id="2639" r:id="rId20"/>
+    <p:sldId id="2625" r:id="rId21"/>
   </p:sldIdLst>
   <p:sldSz cx="12192000" cy="6858000"/>
   <p:notesSz cx="6858000" cy="9144000"/>
@@ -218,7 +216,7 @@
           <a:p>
             <a:fld id="{68E75791-964B-4C63-BFCE-0ED49BE326E8}" type="datetimeFigureOut">
               <a:rPr lang="zh-CN" altLang="en-US" smtClean="0"/>
-              <a:t>2023/4/2</a:t>
+              <a:t>2023/4/4</a:t>
             </a:fld>
             <a:endParaRPr lang="zh-CN" altLang="en-US"/>
           </a:p>
@@ -925,7 +923,7 @@
           <a:p>
             <a:fld id="{34C042E6-B216-4592-8AF3-2B42AC14DDDB}" type="datetimeFigureOut">
               <a:rPr lang="zh-CN" altLang="en-US" smtClean="0"/>
-              <a:t>2023/4/2</a:t>
+              <a:t>2023/4/4</a:t>
             </a:fld>
             <a:endParaRPr lang="zh-CN" altLang="en-US"/>
           </a:p>
@@ -1123,7 +1121,7 @@
           <a:p>
             <a:fld id="{34C042E6-B216-4592-8AF3-2B42AC14DDDB}" type="datetimeFigureOut">
               <a:rPr lang="zh-CN" altLang="en-US" smtClean="0"/>
-              <a:t>2023/4/2</a:t>
+              <a:t>2023/4/4</a:t>
             </a:fld>
             <a:endParaRPr lang="zh-CN" altLang="en-US"/>
           </a:p>
@@ -1331,7 +1329,7 @@
           <a:p>
             <a:fld id="{34C042E6-B216-4592-8AF3-2B42AC14DDDB}" type="datetimeFigureOut">
               <a:rPr lang="zh-CN" altLang="en-US" smtClean="0"/>
-              <a:t>2023/4/2</a:t>
+              <a:t>2023/4/4</a:t>
             </a:fld>
             <a:endParaRPr lang="zh-CN" altLang="en-US"/>
           </a:p>
@@ -3359,7 +3357,7 @@
           <a:p>
             <a:fld id="{34C042E6-B216-4592-8AF3-2B42AC14DDDB}" type="datetimeFigureOut">
               <a:rPr lang="zh-CN" altLang="en-US" smtClean="0"/>
-              <a:t>2023/4/2</a:t>
+              <a:t>2023/4/4</a:t>
             </a:fld>
             <a:endParaRPr lang="zh-CN" altLang="en-US"/>
           </a:p>
@@ -3634,7 +3632,7 @@
           <a:p>
             <a:fld id="{34C042E6-B216-4592-8AF3-2B42AC14DDDB}" type="datetimeFigureOut">
               <a:rPr lang="zh-CN" altLang="en-US" smtClean="0"/>
-              <a:t>2023/4/2</a:t>
+              <a:t>2023/4/4</a:t>
             </a:fld>
             <a:endParaRPr lang="zh-CN" altLang="en-US"/>
           </a:p>
@@ -3899,7 +3897,7 @@
           <a:p>
             <a:fld id="{34C042E6-B216-4592-8AF3-2B42AC14DDDB}" type="datetimeFigureOut">
               <a:rPr lang="zh-CN" altLang="en-US" smtClean="0"/>
-              <a:t>2023/4/2</a:t>
+              <a:t>2023/4/4</a:t>
             </a:fld>
             <a:endParaRPr lang="zh-CN" altLang="en-US"/>
           </a:p>
@@ -4311,7 +4309,7 @@
           <a:p>
             <a:fld id="{34C042E6-B216-4592-8AF3-2B42AC14DDDB}" type="datetimeFigureOut">
               <a:rPr lang="zh-CN" altLang="en-US" smtClean="0"/>
-              <a:t>2023/4/2</a:t>
+              <a:t>2023/4/4</a:t>
             </a:fld>
             <a:endParaRPr lang="zh-CN" altLang="en-US"/>
           </a:p>
@@ -4452,7 +4450,7 @@
           <a:p>
             <a:fld id="{34C042E6-B216-4592-8AF3-2B42AC14DDDB}" type="datetimeFigureOut">
               <a:rPr lang="zh-CN" altLang="en-US" smtClean="0"/>
-              <a:t>2023/4/2</a:t>
+              <a:t>2023/4/4</a:t>
             </a:fld>
             <a:endParaRPr lang="zh-CN" altLang="en-US"/>
           </a:p>
@@ -4565,7 +4563,7 @@
           <a:p>
             <a:fld id="{34C042E6-B216-4592-8AF3-2B42AC14DDDB}" type="datetimeFigureOut">
               <a:rPr lang="zh-CN" altLang="en-US" smtClean="0"/>
-              <a:t>2023/4/2</a:t>
+              <a:t>2023/4/4</a:t>
             </a:fld>
             <a:endParaRPr lang="zh-CN" altLang="en-US"/>
           </a:p>
@@ -4876,7 +4874,7 @@
           <a:p>
             <a:fld id="{34C042E6-B216-4592-8AF3-2B42AC14DDDB}" type="datetimeFigureOut">
               <a:rPr lang="zh-CN" altLang="en-US" smtClean="0"/>
-              <a:t>2023/4/2</a:t>
+              <a:t>2023/4/4</a:t>
             </a:fld>
             <a:endParaRPr lang="zh-CN" altLang="en-US"/>
           </a:p>
@@ -5164,7 +5162,7 @@
           <a:p>
             <a:fld id="{34C042E6-B216-4592-8AF3-2B42AC14DDDB}" type="datetimeFigureOut">
               <a:rPr lang="zh-CN" altLang="en-US" smtClean="0"/>
-              <a:t>2023/4/2</a:t>
+              <a:t>2023/4/4</a:t>
             </a:fld>
             <a:endParaRPr lang="zh-CN" altLang="en-US"/>
           </a:p>
@@ -5405,7 +5403,7 @@
           <a:p>
             <a:fld id="{34C042E6-B216-4592-8AF3-2B42AC14DDDB}" type="datetimeFigureOut">
               <a:rPr lang="zh-CN" altLang="en-US" smtClean="0"/>
-              <a:t>2023/4/2</a:t>
+              <a:t>2023/4/4</a:t>
             </a:fld>
             <a:endParaRPr lang="zh-CN" altLang="en-US"/>
           </a:p>
@@ -7117,11 +7115,11 @@
             </a:r>
             <a:r>
               <a:rPr kumimoji="1" lang="en-US" altLang="zh-CN" dirty="0"/>
-              <a:t>1: </a:t>
+              <a:t>1.5: </a:t>
             </a:r>
             <a:r>
               <a:rPr kumimoji="1" lang="zh-CN" altLang="en-US" dirty="0"/>
-              <a:t>建立</a:t>
+              <a:t>计算</a:t>
             </a:r>
             <a:r>
               <a:rPr kumimoji="1" lang="en-US" altLang="zh-CN" dirty="0" err="1"/>
@@ -7131,7 +7129,10 @@
               <a:rPr kumimoji="1" lang="en-US" altLang="zh-CN" dirty="0"/>
               <a:t> Graph</a:t>
             </a:r>
-            <a:endParaRPr kumimoji="1" lang="zh-CN" altLang="en-US" dirty="0"/>
+            <a:r>
+              <a:rPr kumimoji="1" lang="zh-CN" altLang="en-US" dirty="0"/>
+              <a:t>节点权重</a:t>
+            </a:r>
           </a:p>
         </p:txBody>
       </p:sp>
@@ -7182,7 +7183,7 @@
         </p:nvSpPr>
         <p:spPr>
           <a:xfrm>
-            <a:off x="1084939" y="1600203"/>
+            <a:off x="1158240" y="1600201"/>
             <a:ext cx="9875520" cy="4756153"/>
           </a:xfrm>
         </p:spPr>
@@ -7192,1296 +7193,142 @@
           </a:bodyPr>
           <a:lstStyle/>
           <a:p>
+            <a:r>
+              <a:rPr kumimoji="1" lang="zh-CN" altLang="en-US" sz="2160" dirty="0"/>
+              <a:t>前述生成的两个</a:t>
+            </a:r>
+            <a:r>
+              <a:rPr kumimoji="1" lang="en-US" altLang="zh-CN" sz="2160" dirty="0" err="1"/>
+              <a:t>RNodeGraph</a:t>
+            </a:r>
+            <a:r>
+              <a:rPr kumimoji="1" lang="zh-CN" altLang="en-US" sz="2160" dirty="0"/>
+              <a:t>的不同之处在于</a:t>
+            </a:r>
+            <a:r>
+              <a:rPr kumimoji="1" lang="en-US" altLang="zh-CN" sz="2160" dirty="0"/>
+              <a:t>,</a:t>
+            </a:r>
+            <a:r>
+              <a:rPr kumimoji="1" lang="zh-CN" altLang="en-US" sz="2160" dirty="0"/>
+              <a:t> 加法的执行顺序不同</a:t>
+            </a:r>
+            <a:endParaRPr kumimoji="1" lang="en-US" altLang="zh-CN" sz="2160" dirty="0"/>
+          </a:p>
+          <a:p>
             <a:pPr lvl="1"/>
+            <a:r>
+              <a:rPr kumimoji="1" lang="zh-CN" altLang="en-US" sz="1920" dirty="0"/>
+              <a:t>约束组</a:t>
+            </a:r>
+            <a:r>
+              <a:rPr kumimoji="1" lang="en-US" altLang="zh-CN" sz="1920" dirty="0"/>
+              <a:t>A: (x</a:t>
+            </a:r>
+            <a:r>
+              <a:rPr kumimoji="1" lang="en-US" altLang="zh-CN" sz="1920" baseline="-25000" dirty="0"/>
+              <a:t>3</a:t>
+            </a:r>
+            <a:r>
+              <a:rPr kumimoji="1" lang="zh-CN" altLang="en-US" sz="1920" dirty="0"/>
+              <a:t> </a:t>
+            </a:r>
+            <a:r>
+              <a:rPr kumimoji="1" lang="en-US" altLang="zh-CN" sz="1920" dirty="0"/>
+              <a:t>+ x) + 5 = out</a:t>
+            </a:r>
+          </a:p>
+          <a:p>
+            <a:pPr lvl="1"/>
+            <a:r>
+              <a:rPr kumimoji="1" lang="zh-CN" altLang="en-US" sz="1920" dirty="0"/>
+              <a:t>约束组</a:t>
+            </a:r>
+            <a:r>
+              <a:rPr kumimoji="1" lang="en-US" altLang="zh-CN" sz="1920" dirty="0"/>
+              <a:t>B: x</a:t>
+            </a:r>
+            <a:r>
+              <a:rPr kumimoji="1" lang="en-US" altLang="zh-CN" sz="1920" baseline="-25000" dirty="0"/>
+              <a:t>3</a:t>
+            </a:r>
+            <a:r>
+              <a:rPr kumimoji="1" lang="zh-CN" altLang="en-US" sz="1920" dirty="0"/>
+              <a:t> </a:t>
+            </a:r>
+            <a:r>
+              <a:rPr kumimoji="1" lang="en-US" altLang="zh-CN" sz="1920" dirty="0"/>
+              <a:t>+ (x + 5) = out</a:t>
+            </a:r>
+          </a:p>
+          <a:p>
+            <a:pPr lvl="1"/>
+            <a:r>
+              <a:rPr kumimoji="1" lang="en-US" altLang="zh-CN" sz="1920" dirty="0" err="1"/>
+              <a:t>Rnode</a:t>
+            </a:r>
+            <a:r>
+              <a:rPr kumimoji="1" lang="en-US" altLang="zh-CN" sz="1920" dirty="0"/>
+              <a:t> Graph</a:t>
+            </a:r>
+            <a:r>
+              <a:rPr kumimoji="1" lang="zh-CN" altLang="en-US" sz="1920" dirty="0"/>
+              <a:t>的生成算法限制</a:t>
+            </a:r>
+            <a:endParaRPr kumimoji="1" lang="en-US" altLang="zh-CN" sz="1920" dirty="0"/>
+          </a:p>
+          <a:p>
+            <a:pPr lvl="1"/>
+            <a:endParaRPr kumimoji="1" lang="zh-CN" altLang="en-US" sz="1920" dirty="0"/>
+          </a:p>
+          <a:p>
+            <a:r>
+              <a:rPr kumimoji="1" lang="zh-CN" altLang="en-US" sz="2160" dirty="0"/>
+              <a:t>尝试用</a:t>
+            </a:r>
+            <a:r>
+              <a:rPr kumimoji="1" lang="en-US" altLang="zh-CN" sz="2160" dirty="0" err="1"/>
+              <a:t>Pagerank</a:t>
+            </a:r>
+            <a:r>
+              <a:rPr kumimoji="1" lang="zh-CN" altLang="en-US" sz="2160" dirty="0"/>
+              <a:t>算法直接计算节点</a:t>
+            </a:r>
             <a:endParaRPr kumimoji="1" lang="en-US" altLang="zh-CN" sz="2160" dirty="0"/>
+          </a:p>
+          <a:p>
+            <a:pPr lvl="1"/>
+            <a:r>
+              <a:rPr kumimoji="1" lang="zh-CN" altLang="en-US" sz="1680" dirty="0"/>
+              <a:t>对图的微小变化反应不太剧烈</a:t>
+            </a:r>
+            <a:endParaRPr kumimoji="1" lang="en-US" altLang="zh-CN" sz="1680" dirty="0"/>
+          </a:p>
+          <a:p>
+            <a:pPr lvl="1"/>
+            <a:r>
+              <a:rPr kumimoji="1" lang="zh-CN" altLang="en-US" sz="1680" dirty="0"/>
+              <a:t>对于同一节点</a:t>
+            </a:r>
+            <a:r>
+              <a:rPr kumimoji="1" lang="en-US" altLang="zh-CN" sz="1680" dirty="0"/>
+              <a:t>,</a:t>
+            </a:r>
+            <a:r>
+              <a:rPr kumimoji="1" lang="zh-CN" altLang="en-US" sz="1680" dirty="0"/>
+              <a:t>权重的波动值大概占到权重本身的</a:t>
+            </a:r>
+            <a:r>
+              <a:rPr kumimoji="1" lang="en-US" altLang="zh-CN" sz="1680" dirty="0"/>
+              <a:t>10%</a:t>
+            </a:r>
           </a:p>
         </p:txBody>
       </p:sp>
-      <p:sp>
-        <p:nvSpPr>
-          <p:cNvPr id="3" name="椭圆 2">
-            <a:extLst>
-              <a:ext uri="{FF2B5EF4-FFF2-40B4-BE49-F238E27FC236}">
-                <a16:creationId xmlns:a16="http://schemas.microsoft.com/office/drawing/2014/main" id="{A9853901-9E36-F864-FA61-0C01D2E5C382}"/>
-              </a:ext>
-            </a:extLst>
-          </p:cNvPr>
-          <p:cNvSpPr/>
-          <p:nvPr/>
-        </p:nvSpPr>
-        <p:spPr>
-          <a:xfrm>
-            <a:off x="4063077" y="1749388"/>
-            <a:ext cx="719091" cy="719091"/>
-          </a:xfrm>
-          <a:prstGeom prst="ellipse">
-            <a:avLst/>
-          </a:prstGeom>
-        </p:spPr>
-        <p:style>
-          <a:lnRef idx="2">
-            <a:schemeClr val="accent1">
-              <a:shade val="50000"/>
-            </a:schemeClr>
-          </a:lnRef>
-          <a:fillRef idx="1">
-            <a:schemeClr val="accent1"/>
-          </a:fillRef>
-          <a:effectRef idx="0">
-            <a:schemeClr val="accent1"/>
-          </a:effectRef>
-          <a:fontRef idx="minor">
-            <a:schemeClr val="lt1"/>
-          </a:fontRef>
-        </p:style>
-        <p:txBody>
-          <a:bodyPr rtlCol="0" anchor="ctr"/>
-          <a:lstStyle/>
-          <a:p>
-            <a:pPr algn="ctr"/>
-            <a:r>
-              <a:rPr lang="en-US" altLang="zh-CN" sz="1100" dirty="0"/>
-              <a:t>NUL</a:t>
-            </a:r>
-          </a:p>
-          <a:p>
-            <a:pPr algn="ctr"/>
-            <a:r>
-              <a:rPr lang="en-US" altLang="zh-CN" sz="1100" dirty="0"/>
-              <a:t>X</a:t>
-            </a:r>
-            <a:endParaRPr lang="zh-CN" altLang="en-US" sz="1100" dirty="0"/>
-          </a:p>
-        </p:txBody>
-      </p:sp>
-      <p:sp>
-        <p:nvSpPr>
-          <p:cNvPr id="5" name="椭圆 4">
-            <a:extLst>
-              <a:ext uri="{FF2B5EF4-FFF2-40B4-BE49-F238E27FC236}">
-                <a16:creationId xmlns:a16="http://schemas.microsoft.com/office/drawing/2014/main" id="{17716842-1842-A006-4A68-5C94ADADA80F}"/>
-              </a:ext>
-            </a:extLst>
-          </p:cNvPr>
-          <p:cNvSpPr/>
-          <p:nvPr/>
-        </p:nvSpPr>
-        <p:spPr>
-          <a:xfrm>
-            <a:off x="4063077" y="2922722"/>
-            <a:ext cx="719091" cy="719091"/>
-          </a:xfrm>
-          <a:prstGeom prst="ellipse">
-            <a:avLst/>
-          </a:prstGeom>
-        </p:spPr>
-        <p:style>
-          <a:lnRef idx="2">
-            <a:schemeClr val="accent1">
-              <a:shade val="50000"/>
-            </a:schemeClr>
-          </a:lnRef>
-          <a:fillRef idx="1">
-            <a:schemeClr val="accent1"/>
-          </a:fillRef>
-          <a:effectRef idx="0">
-            <a:schemeClr val="accent1"/>
-          </a:effectRef>
-          <a:fontRef idx="minor">
-            <a:schemeClr val="lt1"/>
-          </a:fontRef>
-        </p:style>
-        <p:txBody>
-          <a:bodyPr rtlCol="0" anchor="ctr"/>
-          <a:lstStyle/>
-          <a:p>
-            <a:pPr algn="ctr"/>
-            <a:r>
-              <a:rPr lang="en-US" altLang="zh-CN" sz="1100" dirty="0"/>
-              <a:t>MUL</a:t>
-            </a:r>
-          </a:p>
-          <a:p>
-            <a:pPr algn="ctr"/>
-            <a:r>
-              <a:rPr lang="en-US" altLang="zh-CN" sz="1100" dirty="0"/>
-              <a:t>X^2</a:t>
-            </a:r>
-            <a:endParaRPr lang="zh-CN" altLang="en-US" sz="1100" dirty="0"/>
-          </a:p>
-        </p:txBody>
-      </p:sp>
-      <p:sp>
-        <p:nvSpPr>
-          <p:cNvPr id="6" name="椭圆 5">
-            <a:extLst>
-              <a:ext uri="{FF2B5EF4-FFF2-40B4-BE49-F238E27FC236}">
-                <a16:creationId xmlns:a16="http://schemas.microsoft.com/office/drawing/2014/main" id="{A991E560-EA54-D2E9-2DE9-85946CEF1F82}"/>
-              </a:ext>
-            </a:extLst>
-          </p:cNvPr>
-          <p:cNvSpPr/>
-          <p:nvPr/>
-        </p:nvSpPr>
-        <p:spPr>
-          <a:xfrm>
-            <a:off x="3230057" y="3785335"/>
-            <a:ext cx="719091" cy="719091"/>
-          </a:xfrm>
-          <a:prstGeom prst="ellipse">
-            <a:avLst/>
-          </a:prstGeom>
-        </p:spPr>
-        <p:style>
-          <a:lnRef idx="2">
-            <a:schemeClr val="accent1">
-              <a:shade val="50000"/>
-            </a:schemeClr>
-          </a:lnRef>
-          <a:fillRef idx="1">
-            <a:schemeClr val="accent1"/>
-          </a:fillRef>
-          <a:effectRef idx="0">
-            <a:schemeClr val="accent1"/>
-          </a:effectRef>
-          <a:fontRef idx="minor">
-            <a:schemeClr val="lt1"/>
-          </a:fontRef>
-        </p:style>
-        <p:txBody>
-          <a:bodyPr rtlCol="0" anchor="ctr"/>
-          <a:lstStyle/>
-          <a:p>
-            <a:pPr algn="ctr"/>
-            <a:r>
-              <a:rPr lang="en-US" altLang="zh-CN" sz="1100" dirty="0"/>
-              <a:t>MUL</a:t>
-            </a:r>
-          </a:p>
-          <a:p>
-            <a:pPr algn="ctr"/>
-            <a:r>
-              <a:rPr lang="en-US" altLang="zh-CN" sz="1100" dirty="0"/>
-              <a:t>X^3</a:t>
-            </a:r>
-            <a:endParaRPr lang="zh-CN" altLang="en-US" sz="1100" dirty="0"/>
-          </a:p>
-        </p:txBody>
-      </p:sp>
-      <p:cxnSp>
-        <p:nvCxnSpPr>
-          <p:cNvPr id="7" name="连接符: 曲线 6">
-            <a:extLst>
-              <a:ext uri="{FF2B5EF4-FFF2-40B4-BE49-F238E27FC236}">
-                <a16:creationId xmlns:a16="http://schemas.microsoft.com/office/drawing/2014/main" id="{5A1D7CCF-E325-66A1-F848-34DBF2A261BE}"/>
-              </a:ext>
-            </a:extLst>
-          </p:cNvPr>
-          <p:cNvCxnSpPr>
-            <a:stCxn id="3" idx="4"/>
-            <a:endCxn id="5" idx="0"/>
-          </p:cNvCxnSpPr>
-          <p:nvPr/>
-        </p:nvCxnSpPr>
-        <p:spPr>
-          <a:xfrm rot="5400000">
-            <a:off x="4195502" y="2695600"/>
-            <a:ext cx="454243" cy="12700"/>
-          </a:xfrm>
-          <a:prstGeom prst="curvedConnector3">
-            <a:avLst/>
-          </a:prstGeom>
-          <a:ln>
-            <a:tailEnd type="triangle"/>
-          </a:ln>
-        </p:spPr>
-        <p:style>
-          <a:lnRef idx="1">
-            <a:schemeClr val="accent1"/>
-          </a:lnRef>
-          <a:fillRef idx="0">
-            <a:schemeClr val="accent1"/>
-          </a:fillRef>
-          <a:effectRef idx="0">
-            <a:schemeClr val="accent1"/>
-          </a:effectRef>
-          <a:fontRef idx="minor">
-            <a:schemeClr val="tx1"/>
-          </a:fontRef>
-        </p:style>
-      </p:cxnSp>
-      <p:cxnSp>
-        <p:nvCxnSpPr>
-          <p:cNvPr id="8" name="连接符: 曲线 7">
-            <a:extLst>
-              <a:ext uri="{FF2B5EF4-FFF2-40B4-BE49-F238E27FC236}">
-                <a16:creationId xmlns:a16="http://schemas.microsoft.com/office/drawing/2014/main" id="{159CCD41-C29A-68F8-2EE0-EAFCC39E269C}"/>
-              </a:ext>
-            </a:extLst>
-          </p:cNvPr>
-          <p:cNvCxnSpPr>
-            <a:stCxn id="5" idx="4"/>
-            <a:endCxn id="6" idx="6"/>
-          </p:cNvCxnSpPr>
-          <p:nvPr/>
-        </p:nvCxnSpPr>
-        <p:spPr>
-          <a:xfrm rot="5400000">
-            <a:off x="3934352" y="3656610"/>
-            <a:ext cx="503068" cy="473475"/>
-          </a:xfrm>
-          <a:prstGeom prst="curvedConnector2">
-            <a:avLst/>
-          </a:prstGeom>
-          <a:ln>
-            <a:tailEnd type="triangle"/>
-          </a:ln>
-        </p:spPr>
-        <p:style>
-          <a:lnRef idx="1">
-            <a:schemeClr val="accent1"/>
-          </a:lnRef>
-          <a:fillRef idx="0">
-            <a:schemeClr val="accent1"/>
-          </a:fillRef>
-          <a:effectRef idx="0">
-            <a:schemeClr val="accent1"/>
-          </a:effectRef>
-          <a:fontRef idx="minor">
-            <a:schemeClr val="tx1"/>
-          </a:fontRef>
-        </p:style>
-      </p:cxnSp>
-      <p:cxnSp>
-        <p:nvCxnSpPr>
-          <p:cNvPr id="11" name="连接符: 曲线 10">
-            <a:extLst>
-              <a:ext uri="{FF2B5EF4-FFF2-40B4-BE49-F238E27FC236}">
-                <a16:creationId xmlns:a16="http://schemas.microsoft.com/office/drawing/2014/main" id="{597DA95C-3186-AA57-964D-6BA4A52E0E0A}"/>
-              </a:ext>
-            </a:extLst>
-          </p:cNvPr>
-          <p:cNvCxnSpPr>
-            <a:cxnSpLocks/>
-            <a:stCxn id="3" idx="3"/>
-            <a:endCxn id="6" idx="0"/>
-          </p:cNvCxnSpPr>
-          <p:nvPr/>
-        </p:nvCxnSpPr>
-        <p:spPr>
-          <a:xfrm rot="5400000">
-            <a:off x="3167912" y="2784862"/>
-            <a:ext cx="1422164" cy="578782"/>
-          </a:xfrm>
-          <a:prstGeom prst="curvedConnector3">
-            <a:avLst>
-              <a:gd name="adj1" fmla="val 50000"/>
-            </a:avLst>
-          </a:prstGeom>
-          <a:ln>
-            <a:tailEnd type="triangle"/>
-          </a:ln>
-        </p:spPr>
-        <p:style>
-          <a:lnRef idx="1">
-            <a:schemeClr val="accent1"/>
-          </a:lnRef>
-          <a:fillRef idx="0">
-            <a:schemeClr val="accent1"/>
-          </a:fillRef>
-          <a:effectRef idx="0">
-            <a:schemeClr val="accent1"/>
-          </a:effectRef>
-          <a:fontRef idx="minor">
-            <a:schemeClr val="tx1"/>
-          </a:fontRef>
-        </p:style>
-      </p:cxnSp>
-      <p:sp>
-        <p:nvSpPr>
-          <p:cNvPr id="13" name="椭圆 12">
-            <a:extLst>
-              <a:ext uri="{FF2B5EF4-FFF2-40B4-BE49-F238E27FC236}">
-                <a16:creationId xmlns:a16="http://schemas.microsoft.com/office/drawing/2014/main" id="{F5209858-6118-2CD6-79C6-5549ED86C326}"/>
-              </a:ext>
-            </a:extLst>
-          </p:cNvPr>
-          <p:cNvSpPr/>
-          <p:nvPr/>
-        </p:nvSpPr>
-        <p:spPr>
-          <a:xfrm>
-            <a:off x="2411304" y="4735604"/>
-            <a:ext cx="719091" cy="719091"/>
-          </a:xfrm>
-          <a:prstGeom prst="ellipse">
-            <a:avLst/>
-          </a:prstGeom>
-        </p:spPr>
-        <p:style>
-          <a:lnRef idx="2">
-            <a:schemeClr val="accent1">
-              <a:shade val="50000"/>
-            </a:schemeClr>
-          </a:lnRef>
-          <a:fillRef idx="1">
-            <a:schemeClr val="accent1"/>
-          </a:fillRef>
-          <a:effectRef idx="0">
-            <a:schemeClr val="accent1"/>
-          </a:effectRef>
-          <a:fontRef idx="minor">
-            <a:schemeClr val="lt1"/>
-          </a:fontRef>
-        </p:style>
-        <p:txBody>
-          <a:bodyPr rtlCol="0" anchor="ctr"/>
-          <a:lstStyle/>
-          <a:p>
-            <a:pPr algn="ctr"/>
-            <a:r>
-              <a:rPr lang="en-US" altLang="zh-CN" sz="1100" dirty="0"/>
-              <a:t>ADD</a:t>
-            </a:r>
-          </a:p>
-          <a:p>
-            <a:pPr algn="ctr"/>
-            <a:r>
-              <a:rPr lang="en-US" altLang="zh-CN" sz="1100" dirty="0"/>
-              <a:t>_</a:t>
-            </a:r>
-            <a:endParaRPr lang="zh-CN" altLang="en-US" sz="1100" dirty="0"/>
-          </a:p>
-        </p:txBody>
-      </p:sp>
-      <p:cxnSp>
-        <p:nvCxnSpPr>
-          <p:cNvPr id="14" name="连接符: 曲线 13">
-            <a:extLst>
-              <a:ext uri="{FF2B5EF4-FFF2-40B4-BE49-F238E27FC236}">
-                <a16:creationId xmlns:a16="http://schemas.microsoft.com/office/drawing/2014/main" id="{8B0EBAB3-9F42-4DC9-9AC8-7653324F3CC7}"/>
-              </a:ext>
-            </a:extLst>
-          </p:cNvPr>
-          <p:cNvCxnSpPr>
-            <a:stCxn id="6" idx="3"/>
-            <a:endCxn id="13" idx="7"/>
-          </p:cNvCxnSpPr>
-          <p:nvPr/>
-        </p:nvCxnSpPr>
-        <p:spPr>
-          <a:xfrm rot="5400000">
-            <a:off x="2959329" y="4464876"/>
-            <a:ext cx="441794" cy="310278"/>
-          </a:xfrm>
-          <a:prstGeom prst="curvedConnector3">
-            <a:avLst/>
-          </a:prstGeom>
-          <a:ln>
-            <a:tailEnd type="triangle"/>
-          </a:ln>
-        </p:spPr>
-        <p:style>
-          <a:lnRef idx="1">
-            <a:schemeClr val="accent1"/>
-          </a:lnRef>
-          <a:fillRef idx="0">
-            <a:schemeClr val="accent1"/>
-          </a:fillRef>
-          <a:effectRef idx="0">
-            <a:schemeClr val="accent1"/>
-          </a:effectRef>
-          <a:fontRef idx="minor">
-            <a:schemeClr val="tx1"/>
-          </a:fontRef>
-        </p:style>
-      </p:cxnSp>
-      <p:cxnSp>
-        <p:nvCxnSpPr>
-          <p:cNvPr id="15" name="连接符: 曲线 14">
-            <a:extLst>
-              <a:ext uri="{FF2B5EF4-FFF2-40B4-BE49-F238E27FC236}">
-                <a16:creationId xmlns:a16="http://schemas.microsoft.com/office/drawing/2014/main" id="{562CEA5E-441E-519B-53DA-7E8A023FF67A}"/>
-              </a:ext>
-            </a:extLst>
-          </p:cNvPr>
-          <p:cNvCxnSpPr>
-            <a:stCxn id="3" idx="2"/>
-            <a:endCxn id="13" idx="0"/>
-          </p:cNvCxnSpPr>
-          <p:nvPr/>
-        </p:nvCxnSpPr>
-        <p:spPr>
-          <a:xfrm rot="10800000" flipV="1">
-            <a:off x="2770851" y="2108934"/>
-            <a:ext cx="1292227" cy="2626670"/>
-          </a:xfrm>
-          <a:prstGeom prst="curvedConnector2">
-            <a:avLst/>
-          </a:prstGeom>
-          <a:ln>
-            <a:tailEnd type="triangle"/>
-          </a:ln>
-        </p:spPr>
-        <p:style>
-          <a:lnRef idx="1">
-            <a:schemeClr val="accent1"/>
-          </a:lnRef>
-          <a:fillRef idx="0">
-            <a:schemeClr val="accent1"/>
-          </a:fillRef>
-          <a:effectRef idx="0">
-            <a:schemeClr val="accent1"/>
-          </a:effectRef>
-          <a:fontRef idx="minor">
-            <a:schemeClr val="tx1"/>
-          </a:fontRef>
-        </p:style>
-      </p:cxnSp>
-      <p:sp>
-        <p:nvSpPr>
-          <p:cNvPr id="16" name="椭圆 15">
-            <a:extLst>
-              <a:ext uri="{FF2B5EF4-FFF2-40B4-BE49-F238E27FC236}">
-                <a16:creationId xmlns:a16="http://schemas.microsoft.com/office/drawing/2014/main" id="{15948352-4C0D-183D-87E7-0E20B01FE5EE}"/>
-              </a:ext>
-            </a:extLst>
-          </p:cNvPr>
-          <p:cNvSpPr/>
-          <p:nvPr/>
-        </p:nvSpPr>
-        <p:spPr>
-          <a:xfrm>
-            <a:off x="1084939" y="4755454"/>
-            <a:ext cx="719091" cy="719091"/>
-          </a:xfrm>
-          <a:prstGeom prst="ellipse">
-            <a:avLst/>
-          </a:prstGeom>
-        </p:spPr>
-        <p:style>
-          <a:lnRef idx="2">
-            <a:schemeClr val="accent1">
-              <a:shade val="50000"/>
-            </a:schemeClr>
-          </a:lnRef>
-          <a:fillRef idx="1">
-            <a:schemeClr val="accent1"/>
-          </a:fillRef>
-          <a:effectRef idx="0">
-            <a:schemeClr val="accent1"/>
-          </a:effectRef>
-          <a:fontRef idx="minor">
-            <a:schemeClr val="lt1"/>
-          </a:fontRef>
-        </p:style>
-        <p:txBody>
-          <a:bodyPr rtlCol="0" anchor="ctr"/>
-          <a:lstStyle/>
-          <a:p>
-            <a:pPr algn="ctr"/>
-            <a:r>
-              <a:rPr lang="en-US" altLang="zh-CN" sz="900" dirty="0"/>
-              <a:t>~ONE</a:t>
-            </a:r>
-          </a:p>
-          <a:p>
-            <a:pPr algn="ctr"/>
-            <a:r>
-              <a:rPr lang="en-US" altLang="zh-CN" sz="1100" dirty="0"/>
-              <a:t>5</a:t>
-            </a:r>
-          </a:p>
-        </p:txBody>
-      </p:sp>
-      <p:sp>
-        <p:nvSpPr>
-          <p:cNvPr id="17" name="椭圆 16">
-            <a:extLst>
-              <a:ext uri="{FF2B5EF4-FFF2-40B4-BE49-F238E27FC236}">
-                <a16:creationId xmlns:a16="http://schemas.microsoft.com/office/drawing/2014/main" id="{CA892CD2-5F00-5E5A-AF52-2195729CFB9E}"/>
-              </a:ext>
-            </a:extLst>
-          </p:cNvPr>
-          <p:cNvSpPr/>
-          <p:nvPr/>
-        </p:nvSpPr>
-        <p:spPr>
-          <a:xfrm>
-            <a:off x="1774120" y="5637263"/>
-            <a:ext cx="719091" cy="719091"/>
-          </a:xfrm>
-          <a:prstGeom prst="ellipse">
-            <a:avLst/>
-          </a:prstGeom>
-        </p:spPr>
-        <p:style>
-          <a:lnRef idx="2">
-            <a:schemeClr val="accent1">
-              <a:shade val="50000"/>
-            </a:schemeClr>
-          </a:lnRef>
-          <a:fillRef idx="1">
-            <a:schemeClr val="accent1"/>
-          </a:fillRef>
-          <a:effectRef idx="0">
-            <a:schemeClr val="accent1"/>
-          </a:effectRef>
-          <a:fontRef idx="minor">
-            <a:schemeClr val="lt1"/>
-          </a:fontRef>
-        </p:style>
-        <p:txBody>
-          <a:bodyPr rtlCol="0" anchor="ctr"/>
-          <a:lstStyle/>
-          <a:p>
-            <a:pPr algn="ctr"/>
-            <a:r>
-              <a:rPr lang="en-US" altLang="zh-CN" sz="1100" dirty="0"/>
-              <a:t>ADD</a:t>
-            </a:r>
-          </a:p>
-          <a:p>
-            <a:pPr algn="ctr"/>
-            <a:r>
-              <a:rPr lang="en-US" altLang="zh-CN" sz="1100" dirty="0"/>
-              <a:t>_</a:t>
-            </a:r>
-            <a:endParaRPr lang="zh-CN" altLang="en-US" sz="1100" dirty="0"/>
-          </a:p>
-        </p:txBody>
-      </p:sp>
-      <p:cxnSp>
-        <p:nvCxnSpPr>
-          <p:cNvPr id="18" name="连接符: 曲线 17">
-            <a:extLst>
-              <a:ext uri="{FF2B5EF4-FFF2-40B4-BE49-F238E27FC236}">
-                <a16:creationId xmlns:a16="http://schemas.microsoft.com/office/drawing/2014/main" id="{D1EA5934-F687-C752-BFA7-EE11408C0B29}"/>
-              </a:ext>
-            </a:extLst>
-          </p:cNvPr>
-          <p:cNvCxnSpPr>
-            <a:stCxn id="16" idx="5"/>
-            <a:endCxn id="17" idx="1"/>
-          </p:cNvCxnSpPr>
-          <p:nvPr/>
-        </p:nvCxnSpPr>
-        <p:spPr>
-          <a:xfrm rot="16200000" flipH="1">
-            <a:off x="1602408" y="5465551"/>
-            <a:ext cx="373334" cy="180706"/>
-          </a:xfrm>
-          <a:prstGeom prst="curvedConnector3">
-            <a:avLst/>
-          </a:prstGeom>
-          <a:ln>
-            <a:tailEnd type="triangle"/>
-          </a:ln>
-        </p:spPr>
-        <p:style>
-          <a:lnRef idx="1">
-            <a:schemeClr val="accent1"/>
-          </a:lnRef>
-          <a:fillRef idx="0">
-            <a:schemeClr val="accent1"/>
-          </a:fillRef>
-          <a:effectRef idx="0">
-            <a:schemeClr val="accent1"/>
-          </a:effectRef>
-          <a:fontRef idx="minor">
-            <a:schemeClr val="tx1"/>
-          </a:fontRef>
-        </p:style>
-      </p:cxnSp>
-      <p:cxnSp>
-        <p:nvCxnSpPr>
-          <p:cNvPr id="19" name="连接符: 曲线 18">
-            <a:extLst>
-              <a:ext uri="{FF2B5EF4-FFF2-40B4-BE49-F238E27FC236}">
-                <a16:creationId xmlns:a16="http://schemas.microsoft.com/office/drawing/2014/main" id="{39E18E20-19E2-F2D4-19D4-F2C611C762A8}"/>
-              </a:ext>
-            </a:extLst>
-          </p:cNvPr>
-          <p:cNvCxnSpPr>
-            <a:stCxn id="13" idx="3"/>
-            <a:endCxn id="17" idx="7"/>
-          </p:cNvCxnSpPr>
-          <p:nvPr/>
-        </p:nvCxnSpPr>
-        <p:spPr>
-          <a:xfrm rot="5400000">
-            <a:off x="2255666" y="5481625"/>
-            <a:ext cx="393184" cy="128709"/>
-          </a:xfrm>
-          <a:prstGeom prst="curvedConnector3">
-            <a:avLst/>
-          </a:prstGeom>
-          <a:ln>
-            <a:tailEnd type="triangle"/>
-          </a:ln>
-        </p:spPr>
-        <p:style>
-          <a:lnRef idx="1">
-            <a:schemeClr val="accent1"/>
-          </a:lnRef>
-          <a:fillRef idx="0">
-            <a:schemeClr val="accent1"/>
-          </a:fillRef>
-          <a:effectRef idx="0">
-            <a:schemeClr val="accent1"/>
-          </a:effectRef>
-          <a:fontRef idx="minor">
-            <a:schemeClr val="tx1"/>
-          </a:fontRef>
-        </p:style>
-      </p:cxnSp>
-      <p:sp>
-        <p:nvSpPr>
-          <p:cNvPr id="20" name="椭圆 19">
-            <a:extLst>
-              <a:ext uri="{FF2B5EF4-FFF2-40B4-BE49-F238E27FC236}">
-                <a16:creationId xmlns:a16="http://schemas.microsoft.com/office/drawing/2014/main" id="{40CB2327-7D4F-5E2C-384D-B4028064E33E}"/>
-              </a:ext>
-            </a:extLst>
-          </p:cNvPr>
-          <p:cNvSpPr/>
-          <p:nvPr/>
-        </p:nvSpPr>
-        <p:spPr>
-          <a:xfrm>
-            <a:off x="9581339" y="1889389"/>
-            <a:ext cx="719091" cy="719091"/>
-          </a:xfrm>
-          <a:prstGeom prst="ellipse">
-            <a:avLst/>
-          </a:prstGeom>
-        </p:spPr>
-        <p:style>
-          <a:lnRef idx="2">
-            <a:schemeClr val="accent1">
-              <a:shade val="50000"/>
-            </a:schemeClr>
-          </a:lnRef>
-          <a:fillRef idx="1">
-            <a:schemeClr val="accent1"/>
-          </a:fillRef>
-          <a:effectRef idx="0">
-            <a:schemeClr val="accent1"/>
-          </a:effectRef>
-          <a:fontRef idx="minor">
-            <a:schemeClr val="lt1"/>
-          </a:fontRef>
-        </p:style>
-        <p:txBody>
-          <a:bodyPr rtlCol="0" anchor="ctr"/>
-          <a:lstStyle/>
-          <a:p>
-            <a:pPr algn="ctr"/>
-            <a:r>
-              <a:rPr lang="en-US" altLang="zh-CN" sz="1100" dirty="0"/>
-              <a:t>NUL</a:t>
-            </a:r>
-          </a:p>
-          <a:p>
-            <a:pPr algn="ctr"/>
-            <a:r>
-              <a:rPr lang="en-US" altLang="zh-CN" sz="1100" dirty="0"/>
-              <a:t>X</a:t>
-            </a:r>
-            <a:endParaRPr lang="zh-CN" altLang="en-US" sz="1100" dirty="0"/>
-          </a:p>
-        </p:txBody>
-      </p:sp>
-      <p:sp>
-        <p:nvSpPr>
-          <p:cNvPr id="21" name="椭圆 20">
-            <a:extLst>
-              <a:ext uri="{FF2B5EF4-FFF2-40B4-BE49-F238E27FC236}">
-                <a16:creationId xmlns:a16="http://schemas.microsoft.com/office/drawing/2014/main" id="{876F0601-54E3-F559-AEAF-A4E3606743FA}"/>
-              </a:ext>
-            </a:extLst>
-          </p:cNvPr>
-          <p:cNvSpPr/>
-          <p:nvPr/>
-        </p:nvSpPr>
-        <p:spPr>
-          <a:xfrm>
-            <a:off x="9581339" y="3062723"/>
-            <a:ext cx="719091" cy="719091"/>
-          </a:xfrm>
-          <a:prstGeom prst="ellipse">
-            <a:avLst/>
-          </a:prstGeom>
-        </p:spPr>
-        <p:style>
-          <a:lnRef idx="2">
-            <a:schemeClr val="accent1">
-              <a:shade val="50000"/>
-            </a:schemeClr>
-          </a:lnRef>
-          <a:fillRef idx="1">
-            <a:schemeClr val="accent1"/>
-          </a:fillRef>
-          <a:effectRef idx="0">
-            <a:schemeClr val="accent1"/>
-          </a:effectRef>
-          <a:fontRef idx="minor">
-            <a:schemeClr val="lt1"/>
-          </a:fontRef>
-        </p:style>
-        <p:txBody>
-          <a:bodyPr rtlCol="0" anchor="ctr"/>
-          <a:lstStyle/>
-          <a:p>
-            <a:pPr algn="ctr"/>
-            <a:r>
-              <a:rPr lang="en-US" altLang="zh-CN" sz="1100" dirty="0"/>
-              <a:t>MUL</a:t>
-            </a:r>
-          </a:p>
-          <a:p>
-            <a:pPr algn="ctr"/>
-            <a:r>
-              <a:rPr lang="en-US" altLang="zh-CN" sz="1100" dirty="0"/>
-              <a:t>X^2</a:t>
-            </a:r>
-            <a:endParaRPr lang="zh-CN" altLang="en-US" sz="1100" dirty="0"/>
-          </a:p>
-        </p:txBody>
-      </p:sp>
-      <p:sp>
-        <p:nvSpPr>
-          <p:cNvPr id="50" name="椭圆 49">
-            <a:extLst>
-              <a:ext uri="{FF2B5EF4-FFF2-40B4-BE49-F238E27FC236}">
-                <a16:creationId xmlns:a16="http://schemas.microsoft.com/office/drawing/2014/main" id="{FFF5218D-6E7C-C654-55FC-2FF20F93C315}"/>
-              </a:ext>
-            </a:extLst>
-          </p:cNvPr>
-          <p:cNvSpPr/>
-          <p:nvPr/>
-        </p:nvSpPr>
-        <p:spPr>
-          <a:xfrm>
-            <a:off x="8748319" y="3925336"/>
-            <a:ext cx="719091" cy="719091"/>
-          </a:xfrm>
-          <a:prstGeom prst="ellipse">
-            <a:avLst/>
-          </a:prstGeom>
-        </p:spPr>
-        <p:style>
-          <a:lnRef idx="2">
-            <a:schemeClr val="accent1">
-              <a:shade val="50000"/>
-            </a:schemeClr>
-          </a:lnRef>
-          <a:fillRef idx="1">
-            <a:schemeClr val="accent1"/>
-          </a:fillRef>
-          <a:effectRef idx="0">
-            <a:schemeClr val="accent1"/>
-          </a:effectRef>
-          <a:fontRef idx="minor">
-            <a:schemeClr val="lt1"/>
-          </a:fontRef>
-        </p:style>
-        <p:txBody>
-          <a:bodyPr rtlCol="0" anchor="ctr"/>
-          <a:lstStyle/>
-          <a:p>
-            <a:pPr algn="ctr"/>
-            <a:r>
-              <a:rPr lang="en-US" altLang="zh-CN" sz="1100" dirty="0"/>
-              <a:t>MUL</a:t>
-            </a:r>
-          </a:p>
-          <a:p>
-            <a:pPr algn="ctr"/>
-            <a:r>
-              <a:rPr lang="en-US" altLang="zh-CN" sz="1100" dirty="0"/>
-              <a:t>X^3</a:t>
-            </a:r>
-            <a:endParaRPr lang="zh-CN" altLang="en-US" sz="1100" dirty="0"/>
-          </a:p>
-        </p:txBody>
-      </p:sp>
-      <p:cxnSp>
-        <p:nvCxnSpPr>
-          <p:cNvPr id="51" name="连接符: 曲线 50">
-            <a:extLst>
-              <a:ext uri="{FF2B5EF4-FFF2-40B4-BE49-F238E27FC236}">
-                <a16:creationId xmlns:a16="http://schemas.microsoft.com/office/drawing/2014/main" id="{D5C963C7-839B-1E4B-2054-6143EAC74ED5}"/>
-              </a:ext>
-            </a:extLst>
-          </p:cNvPr>
-          <p:cNvCxnSpPr>
-            <a:stCxn id="20" idx="4"/>
-            <a:endCxn id="21" idx="0"/>
-          </p:cNvCxnSpPr>
-          <p:nvPr/>
-        </p:nvCxnSpPr>
-        <p:spPr>
-          <a:xfrm rot="5400000">
-            <a:off x="9713764" y="2835601"/>
-            <a:ext cx="454243" cy="12700"/>
-          </a:xfrm>
-          <a:prstGeom prst="curvedConnector3">
-            <a:avLst/>
-          </a:prstGeom>
-          <a:ln>
-            <a:tailEnd type="triangle"/>
-          </a:ln>
-        </p:spPr>
-        <p:style>
-          <a:lnRef idx="1">
-            <a:schemeClr val="accent1"/>
-          </a:lnRef>
-          <a:fillRef idx="0">
-            <a:schemeClr val="accent1"/>
-          </a:fillRef>
-          <a:effectRef idx="0">
-            <a:schemeClr val="accent1"/>
-          </a:effectRef>
-          <a:fontRef idx="minor">
-            <a:schemeClr val="tx1"/>
-          </a:fontRef>
-        </p:style>
-      </p:cxnSp>
-      <p:cxnSp>
-        <p:nvCxnSpPr>
-          <p:cNvPr id="52" name="连接符: 曲线 51">
-            <a:extLst>
-              <a:ext uri="{FF2B5EF4-FFF2-40B4-BE49-F238E27FC236}">
-                <a16:creationId xmlns:a16="http://schemas.microsoft.com/office/drawing/2014/main" id="{49A1996B-3C24-3001-EDC2-F7F2F2C866DB}"/>
-              </a:ext>
-            </a:extLst>
-          </p:cNvPr>
-          <p:cNvCxnSpPr>
-            <a:stCxn id="21" idx="4"/>
-            <a:endCxn id="50" idx="6"/>
-          </p:cNvCxnSpPr>
-          <p:nvPr/>
-        </p:nvCxnSpPr>
-        <p:spPr>
-          <a:xfrm rot="5400000">
-            <a:off x="9452614" y="3796611"/>
-            <a:ext cx="503068" cy="473475"/>
-          </a:xfrm>
-          <a:prstGeom prst="curvedConnector2">
-            <a:avLst/>
-          </a:prstGeom>
-          <a:ln>
-            <a:tailEnd type="triangle"/>
-          </a:ln>
-        </p:spPr>
-        <p:style>
-          <a:lnRef idx="1">
-            <a:schemeClr val="accent1"/>
-          </a:lnRef>
-          <a:fillRef idx="0">
-            <a:schemeClr val="accent1"/>
-          </a:fillRef>
-          <a:effectRef idx="0">
-            <a:schemeClr val="accent1"/>
-          </a:effectRef>
-          <a:fontRef idx="minor">
-            <a:schemeClr val="tx1"/>
-          </a:fontRef>
-        </p:style>
-      </p:cxnSp>
-      <p:cxnSp>
-        <p:nvCxnSpPr>
-          <p:cNvPr id="53" name="连接符: 曲线 52">
-            <a:extLst>
-              <a:ext uri="{FF2B5EF4-FFF2-40B4-BE49-F238E27FC236}">
-                <a16:creationId xmlns:a16="http://schemas.microsoft.com/office/drawing/2014/main" id="{DF0CF8AD-F750-B528-CCEA-31A5A0E6A8BE}"/>
-              </a:ext>
-            </a:extLst>
-          </p:cNvPr>
-          <p:cNvCxnSpPr>
-            <a:cxnSpLocks/>
-            <a:stCxn id="20" idx="3"/>
-            <a:endCxn id="50" idx="0"/>
-          </p:cNvCxnSpPr>
-          <p:nvPr/>
-        </p:nvCxnSpPr>
-        <p:spPr>
-          <a:xfrm rot="5400000">
-            <a:off x="8686174" y="2924863"/>
-            <a:ext cx="1422164" cy="578782"/>
-          </a:xfrm>
-          <a:prstGeom prst="curvedConnector3">
-            <a:avLst>
-              <a:gd name="adj1" fmla="val 50000"/>
-            </a:avLst>
-          </a:prstGeom>
-          <a:ln>
-            <a:tailEnd type="triangle"/>
-          </a:ln>
-        </p:spPr>
-        <p:style>
-          <a:lnRef idx="1">
-            <a:schemeClr val="accent1"/>
-          </a:lnRef>
-          <a:fillRef idx="0">
-            <a:schemeClr val="accent1"/>
-          </a:fillRef>
-          <a:effectRef idx="0">
-            <a:schemeClr val="accent1"/>
-          </a:effectRef>
-          <a:fontRef idx="minor">
-            <a:schemeClr val="tx1"/>
-          </a:fontRef>
-        </p:style>
-      </p:cxnSp>
-      <p:sp>
-        <p:nvSpPr>
-          <p:cNvPr id="54" name="椭圆 53">
-            <a:extLst>
-              <a:ext uri="{FF2B5EF4-FFF2-40B4-BE49-F238E27FC236}">
-                <a16:creationId xmlns:a16="http://schemas.microsoft.com/office/drawing/2014/main" id="{43809BD4-9753-EE83-C467-49CFC22F1026}"/>
-              </a:ext>
-            </a:extLst>
-          </p:cNvPr>
-          <p:cNvSpPr/>
-          <p:nvPr/>
-        </p:nvSpPr>
-        <p:spPr>
-          <a:xfrm>
-            <a:off x="7929566" y="4875605"/>
-            <a:ext cx="719091" cy="719091"/>
-          </a:xfrm>
-          <a:prstGeom prst="ellipse">
-            <a:avLst/>
-          </a:prstGeom>
-        </p:spPr>
-        <p:style>
-          <a:lnRef idx="2">
-            <a:schemeClr val="accent1">
-              <a:shade val="50000"/>
-            </a:schemeClr>
-          </a:lnRef>
-          <a:fillRef idx="1">
-            <a:schemeClr val="accent1"/>
-          </a:fillRef>
-          <a:effectRef idx="0">
-            <a:schemeClr val="accent1"/>
-          </a:effectRef>
-          <a:fontRef idx="minor">
-            <a:schemeClr val="lt1"/>
-          </a:fontRef>
-        </p:style>
-        <p:txBody>
-          <a:bodyPr rtlCol="0" anchor="ctr"/>
-          <a:lstStyle/>
-          <a:p>
-            <a:pPr algn="ctr"/>
-            <a:r>
-              <a:rPr lang="en-US" altLang="zh-CN" sz="1100" dirty="0"/>
-              <a:t>ADD</a:t>
-            </a:r>
-          </a:p>
-          <a:p>
-            <a:pPr algn="ctr"/>
-            <a:r>
-              <a:rPr lang="en-US" altLang="zh-CN" sz="1100" dirty="0"/>
-              <a:t>_</a:t>
-            </a:r>
-            <a:endParaRPr lang="zh-CN" altLang="en-US" sz="1100" dirty="0"/>
-          </a:p>
-        </p:txBody>
-      </p:sp>
-      <p:cxnSp>
-        <p:nvCxnSpPr>
-          <p:cNvPr id="55" name="连接符: 曲线 54">
-            <a:extLst>
-              <a:ext uri="{FF2B5EF4-FFF2-40B4-BE49-F238E27FC236}">
-                <a16:creationId xmlns:a16="http://schemas.microsoft.com/office/drawing/2014/main" id="{9ECC9930-C9B8-3DF2-0A6A-B6975AD30D94}"/>
-              </a:ext>
-            </a:extLst>
-          </p:cNvPr>
-          <p:cNvCxnSpPr>
-            <a:stCxn id="50" idx="3"/>
-            <a:endCxn id="54" idx="7"/>
-          </p:cNvCxnSpPr>
-          <p:nvPr/>
-        </p:nvCxnSpPr>
-        <p:spPr>
-          <a:xfrm rot="5400000">
-            <a:off x="8477591" y="4604877"/>
-            <a:ext cx="441794" cy="310278"/>
-          </a:xfrm>
-          <a:prstGeom prst="curvedConnector3">
-            <a:avLst/>
-          </a:prstGeom>
-          <a:ln>
-            <a:tailEnd type="triangle"/>
-          </a:ln>
-        </p:spPr>
-        <p:style>
-          <a:lnRef idx="1">
-            <a:schemeClr val="accent1"/>
-          </a:lnRef>
-          <a:fillRef idx="0">
-            <a:schemeClr val="accent1"/>
-          </a:fillRef>
-          <a:effectRef idx="0">
-            <a:schemeClr val="accent1"/>
-          </a:effectRef>
-          <a:fontRef idx="minor">
-            <a:schemeClr val="tx1"/>
-          </a:fontRef>
-        </p:style>
-      </p:cxnSp>
-      <p:cxnSp>
-        <p:nvCxnSpPr>
-          <p:cNvPr id="56" name="连接符: 曲线 55">
-            <a:extLst>
-              <a:ext uri="{FF2B5EF4-FFF2-40B4-BE49-F238E27FC236}">
-                <a16:creationId xmlns:a16="http://schemas.microsoft.com/office/drawing/2014/main" id="{CB62375F-4A3E-6F7A-97BE-48585A31A0E3}"/>
-              </a:ext>
-            </a:extLst>
-          </p:cNvPr>
-          <p:cNvCxnSpPr>
-            <a:cxnSpLocks/>
-            <a:stCxn id="20" idx="2"/>
-            <a:endCxn id="58" idx="1"/>
-          </p:cNvCxnSpPr>
-          <p:nvPr/>
-        </p:nvCxnSpPr>
-        <p:spPr>
-          <a:xfrm rot="10800000" flipV="1">
-            <a:off x="6962745" y="2248934"/>
-            <a:ext cx="2618594" cy="3341323"/>
-          </a:xfrm>
-          <a:prstGeom prst="curvedConnector2">
-            <a:avLst/>
-          </a:prstGeom>
-          <a:ln>
-            <a:tailEnd type="triangle"/>
-          </a:ln>
-        </p:spPr>
-        <p:style>
-          <a:lnRef idx="1">
-            <a:schemeClr val="accent1"/>
-          </a:lnRef>
-          <a:fillRef idx="0">
-            <a:schemeClr val="accent1"/>
-          </a:fillRef>
-          <a:effectRef idx="0">
-            <a:schemeClr val="accent1"/>
-          </a:effectRef>
-          <a:fontRef idx="minor">
-            <a:schemeClr val="tx1"/>
-          </a:fontRef>
-        </p:style>
-      </p:cxnSp>
-      <p:sp>
-        <p:nvSpPr>
-          <p:cNvPr id="57" name="椭圆 56">
-            <a:extLst>
-              <a:ext uri="{FF2B5EF4-FFF2-40B4-BE49-F238E27FC236}">
-                <a16:creationId xmlns:a16="http://schemas.microsoft.com/office/drawing/2014/main" id="{C7B27855-438D-7D75-BE3C-88E5189BB966}"/>
-              </a:ext>
-            </a:extLst>
-          </p:cNvPr>
-          <p:cNvSpPr/>
-          <p:nvPr/>
-        </p:nvSpPr>
-        <p:spPr>
-          <a:xfrm>
-            <a:off x="7815636" y="3849862"/>
-            <a:ext cx="719091" cy="719091"/>
-          </a:xfrm>
-          <a:prstGeom prst="ellipse">
-            <a:avLst/>
-          </a:prstGeom>
-        </p:spPr>
-        <p:style>
-          <a:lnRef idx="2">
-            <a:schemeClr val="accent1">
-              <a:shade val="50000"/>
-            </a:schemeClr>
-          </a:lnRef>
-          <a:fillRef idx="1">
-            <a:schemeClr val="accent1"/>
-          </a:fillRef>
-          <a:effectRef idx="0">
-            <a:schemeClr val="accent1"/>
-          </a:effectRef>
-          <a:fontRef idx="minor">
-            <a:schemeClr val="lt1"/>
-          </a:fontRef>
-        </p:style>
-        <p:txBody>
-          <a:bodyPr rtlCol="0" anchor="ctr"/>
-          <a:lstStyle/>
-          <a:p>
-            <a:pPr algn="ctr"/>
-            <a:r>
-              <a:rPr lang="en-US" altLang="zh-CN" sz="900" dirty="0"/>
-              <a:t>~ONE</a:t>
-            </a:r>
-          </a:p>
-          <a:p>
-            <a:pPr algn="ctr"/>
-            <a:r>
-              <a:rPr lang="en-US" altLang="zh-CN" sz="1100" dirty="0"/>
-              <a:t>5</a:t>
-            </a:r>
-          </a:p>
-        </p:txBody>
-      </p:sp>
-      <p:sp>
-        <p:nvSpPr>
-          <p:cNvPr id="58" name="椭圆 57">
-            <a:extLst>
-              <a:ext uri="{FF2B5EF4-FFF2-40B4-BE49-F238E27FC236}">
-                <a16:creationId xmlns:a16="http://schemas.microsoft.com/office/drawing/2014/main" id="{187B4AEE-5929-75F7-16D9-836AC954E584}"/>
-              </a:ext>
-            </a:extLst>
-          </p:cNvPr>
-          <p:cNvSpPr/>
-          <p:nvPr/>
-        </p:nvSpPr>
-        <p:spPr>
-          <a:xfrm>
-            <a:off x="6857437" y="5484950"/>
-            <a:ext cx="719091" cy="719091"/>
-          </a:xfrm>
-          <a:prstGeom prst="ellipse">
-            <a:avLst/>
-          </a:prstGeom>
-        </p:spPr>
-        <p:style>
-          <a:lnRef idx="2">
-            <a:schemeClr val="accent1">
-              <a:shade val="50000"/>
-            </a:schemeClr>
-          </a:lnRef>
-          <a:fillRef idx="1">
-            <a:schemeClr val="accent1"/>
-          </a:fillRef>
-          <a:effectRef idx="0">
-            <a:schemeClr val="accent1"/>
-          </a:effectRef>
-          <a:fontRef idx="minor">
-            <a:schemeClr val="lt1"/>
-          </a:fontRef>
-        </p:style>
-        <p:txBody>
-          <a:bodyPr rtlCol="0" anchor="ctr"/>
-          <a:lstStyle/>
-          <a:p>
-            <a:pPr algn="ctr"/>
-            <a:r>
-              <a:rPr lang="en-US" altLang="zh-CN" sz="1100" dirty="0"/>
-              <a:t>ADD</a:t>
-            </a:r>
-          </a:p>
-          <a:p>
-            <a:pPr algn="ctr"/>
-            <a:r>
-              <a:rPr lang="en-US" altLang="zh-CN" sz="1100" dirty="0"/>
-              <a:t>_</a:t>
-            </a:r>
-            <a:endParaRPr lang="zh-CN" altLang="en-US" sz="1100" dirty="0"/>
-          </a:p>
-        </p:txBody>
-      </p:sp>
-      <p:cxnSp>
-        <p:nvCxnSpPr>
-          <p:cNvPr id="59" name="连接符: 曲线 58">
-            <a:extLst>
-              <a:ext uri="{FF2B5EF4-FFF2-40B4-BE49-F238E27FC236}">
-                <a16:creationId xmlns:a16="http://schemas.microsoft.com/office/drawing/2014/main" id="{20FB0A17-2C39-51C7-FC69-4D3E50BC5E3A}"/>
-              </a:ext>
-            </a:extLst>
-          </p:cNvPr>
-          <p:cNvCxnSpPr>
-            <a:cxnSpLocks/>
-            <a:stCxn id="57" idx="4"/>
-            <a:endCxn id="54" idx="0"/>
-          </p:cNvCxnSpPr>
-          <p:nvPr/>
-        </p:nvCxnSpPr>
-        <p:spPr>
-          <a:xfrm rot="16200000" flipH="1">
-            <a:off x="8078821" y="4665314"/>
-            <a:ext cx="306652" cy="113930"/>
-          </a:xfrm>
-          <a:prstGeom prst="curvedConnector3">
-            <a:avLst>
-              <a:gd name="adj1" fmla="val 50000"/>
-            </a:avLst>
-          </a:prstGeom>
-          <a:ln>
-            <a:tailEnd type="triangle"/>
-          </a:ln>
-        </p:spPr>
-        <p:style>
-          <a:lnRef idx="1">
-            <a:schemeClr val="accent1"/>
-          </a:lnRef>
-          <a:fillRef idx="0">
-            <a:schemeClr val="accent1"/>
-          </a:fillRef>
-          <a:effectRef idx="0">
-            <a:schemeClr val="accent1"/>
-          </a:effectRef>
-          <a:fontRef idx="minor">
-            <a:schemeClr val="tx1"/>
-          </a:fontRef>
-        </p:style>
-      </p:cxnSp>
-      <p:cxnSp>
-        <p:nvCxnSpPr>
-          <p:cNvPr id="60" name="连接符: 曲线 59">
-            <a:extLst>
-              <a:ext uri="{FF2B5EF4-FFF2-40B4-BE49-F238E27FC236}">
-                <a16:creationId xmlns:a16="http://schemas.microsoft.com/office/drawing/2014/main" id="{4695DCA0-576E-F56B-2406-86F2FA0790A5}"/>
-              </a:ext>
-            </a:extLst>
-          </p:cNvPr>
-          <p:cNvCxnSpPr>
-            <a:cxnSpLocks/>
-            <a:stCxn id="54" idx="2"/>
-            <a:endCxn id="58" idx="7"/>
-          </p:cNvCxnSpPr>
-          <p:nvPr/>
-        </p:nvCxnSpPr>
-        <p:spPr>
-          <a:xfrm rot="10800000" flipV="1">
-            <a:off x="7471220" y="5235150"/>
-            <a:ext cx="458346" cy="355107"/>
-          </a:xfrm>
-          <a:prstGeom prst="curvedConnector2">
-            <a:avLst/>
-          </a:prstGeom>
-          <a:ln>
-            <a:tailEnd type="triangle"/>
-          </a:ln>
-        </p:spPr>
-        <p:style>
-          <a:lnRef idx="1">
-            <a:schemeClr val="accent1"/>
-          </a:lnRef>
-          <a:fillRef idx="0">
-            <a:schemeClr val="accent1"/>
-          </a:fillRef>
-          <a:effectRef idx="0">
-            <a:schemeClr val="accent1"/>
-          </a:effectRef>
-          <a:fontRef idx="minor">
-            <a:schemeClr val="tx1"/>
-          </a:fontRef>
-        </p:style>
-      </p:cxnSp>
     </p:spTree>
     <p:extLst>
       <p:ext uri="{BB962C8B-B14F-4D97-AF65-F5344CB8AC3E}">
-        <p14:creationId xmlns:p14="http://schemas.microsoft.com/office/powerpoint/2010/main" val="3613671037"/>
+        <p14:creationId xmlns:p14="http://schemas.microsoft.com/office/powerpoint/2010/main" val="2492385488"/>
       </p:ext>
     </p:extLst>
   </p:cSld>
@@ -8535,23 +7382,11 @@
             </a:r>
             <a:r>
               <a:rPr kumimoji="1" lang="en-US" altLang="zh-CN" dirty="0"/>
-              <a:t>1.5: </a:t>
+              <a:t>2: </a:t>
             </a:r>
             <a:r>
               <a:rPr kumimoji="1" lang="zh-CN" altLang="en-US" dirty="0"/>
-              <a:t>计算</a:t>
-            </a:r>
-            <a:r>
-              <a:rPr kumimoji="1" lang="en-US" altLang="zh-CN" dirty="0" err="1"/>
-              <a:t>Rnode</a:t>
-            </a:r>
-            <a:r>
-              <a:rPr kumimoji="1" lang="en-US" altLang="zh-CN" dirty="0"/>
-              <a:t> Graph</a:t>
-            </a:r>
-            <a:r>
-              <a:rPr kumimoji="1" lang="zh-CN" altLang="en-US" dirty="0"/>
-              <a:t>节点权重</a:t>
+              <a:t>瓦片生成</a:t>
             </a:r>
           </a:p>
         </p:txBody>
@@ -8615,87 +7450,45 @@
           <a:p>
             <a:r>
               <a:rPr kumimoji="1" lang="zh-CN" altLang="en-US" sz="2160" dirty="0"/>
-              <a:t>前述生成的两个</a:t>
-            </a:r>
-            <a:r>
-              <a:rPr kumimoji="1" lang="en-US" altLang="zh-CN" sz="2160" dirty="0" err="1"/>
-              <a:t>RNodeGraph</a:t>
-            </a:r>
-            <a:r>
-              <a:rPr kumimoji="1" lang="zh-CN" altLang="en-US" sz="2160" dirty="0"/>
-              <a:t>的不同之处在于</a:t>
+              <a:t>总体思路</a:t>
             </a:r>
             <a:r>
               <a:rPr kumimoji="1" lang="en-US" altLang="zh-CN" sz="2160" dirty="0"/>
-              <a:t>,</a:t>
-            </a:r>
-            <a:r>
-              <a:rPr kumimoji="1" lang="zh-CN" altLang="en-US" sz="2160" dirty="0"/>
-              <a:t> 加法的执行顺序不同</a:t>
-            </a:r>
-            <a:endParaRPr kumimoji="1" lang="en-US" altLang="zh-CN" sz="2160" dirty="0"/>
+              <a:t>:</a:t>
+            </a:r>
+            <a:endParaRPr kumimoji="1" lang="en-US" altLang="zh-CN" sz="1920" dirty="0"/>
           </a:p>
           <a:p>
             <a:pPr lvl="1"/>
             <a:r>
-              <a:rPr kumimoji="1" lang="zh-CN" altLang="en-US" sz="1920" dirty="0"/>
-              <a:t>约束组</a:t>
-            </a:r>
-            <a:r>
-              <a:rPr kumimoji="1" lang="en-US" altLang="zh-CN" sz="1920" dirty="0"/>
-              <a:t>A: (x</a:t>
-            </a:r>
-            <a:r>
-              <a:rPr kumimoji="1" lang="en-US" altLang="zh-CN" sz="1920" baseline="-25000" dirty="0"/>
-              <a:t>3</a:t>
-            </a:r>
-            <a:r>
-              <a:rPr kumimoji="1" lang="zh-CN" altLang="en-US" sz="1920" dirty="0"/>
-              <a:t> </a:t>
-            </a:r>
-            <a:r>
-              <a:rPr kumimoji="1" lang="en-US" altLang="zh-CN" sz="1920" dirty="0"/>
-              <a:t>+ x) + 5 = out</a:t>
-            </a:r>
+              <a:rPr kumimoji="1" lang="zh-CN" altLang="en-US" sz="2000" dirty="0"/>
+              <a:t>参考编译原理中</a:t>
+            </a:r>
+            <a:r>
+              <a:rPr kumimoji="1" lang="en-US" altLang="zh-CN" sz="2000" dirty="0"/>
+              <a:t>IR-Tree</a:t>
+            </a:r>
+            <a:r>
+              <a:rPr kumimoji="1" lang="zh-CN" altLang="en-US" sz="2000" dirty="0"/>
+              <a:t>到汇编语言语法树的转换中瓦片选取</a:t>
+            </a:r>
+            <a:endParaRPr kumimoji="1" lang="en-US" altLang="zh-CN" sz="2000" dirty="0"/>
           </a:p>
           <a:p>
             <a:pPr lvl="1"/>
             <a:r>
-              <a:rPr kumimoji="1" lang="zh-CN" altLang="en-US" sz="1920" dirty="0"/>
-              <a:t>约束组</a:t>
-            </a:r>
-            <a:r>
-              <a:rPr kumimoji="1" lang="en-US" altLang="zh-CN" sz="1920" dirty="0"/>
-              <a:t>B: x</a:t>
-            </a:r>
-            <a:r>
-              <a:rPr kumimoji="1" lang="en-US" altLang="zh-CN" sz="1920" baseline="-25000" dirty="0"/>
-              <a:t>3</a:t>
-            </a:r>
-            <a:r>
-              <a:rPr kumimoji="1" lang="zh-CN" altLang="en-US" sz="1920" dirty="0"/>
-              <a:t> </a:t>
-            </a:r>
-            <a:r>
-              <a:rPr kumimoji="1" lang="en-US" altLang="zh-CN" sz="1920" dirty="0"/>
-              <a:t>+ (x + 5) = out</a:t>
-            </a:r>
-          </a:p>
-          <a:p>
-            <a:pPr lvl="1"/>
-            <a:r>
-              <a:rPr kumimoji="1" lang="en-US" altLang="zh-CN" sz="1920" dirty="0" err="1"/>
+              <a:rPr kumimoji="1" lang="zh-CN" altLang="en-US" sz="2000" dirty="0"/>
+              <a:t>自定义瓦片类型并且分割</a:t>
+            </a:r>
+            <a:r>
+              <a:rPr kumimoji="1" lang="en-US" altLang="zh-CN" sz="2000" dirty="0" err="1"/>
               <a:t>Rnode</a:t>
             </a:r>
             <a:r>
-              <a:rPr kumimoji="1" lang="en-US" altLang="zh-CN" sz="1920" dirty="0"/>
+              <a:rPr kumimoji="1" lang="en-US" altLang="zh-CN" sz="2000" dirty="0"/>
               <a:t> Graph</a:t>
             </a:r>
-            <a:r>
-              <a:rPr kumimoji="1" lang="zh-CN" altLang="en-US" sz="1920" dirty="0"/>
-              <a:t>的生成算法限制</a:t>
-            </a:r>
-            <a:endParaRPr kumimoji="1" lang="en-US" altLang="zh-CN" sz="1920" dirty="0"/>
+            <a:endParaRPr kumimoji="1" lang="zh-CN" altLang="en-US" sz="1920" dirty="0"/>
           </a:p>
           <a:p>
             <a:pPr lvl="1"/>
@@ -8810,7 +7603,7 @@
     </p:spTree>
     <p:extLst>
       <p:ext uri="{BB962C8B-B14F-4D97-AF65-F5344CB8AC3E}">
-        <p14:creationId xmlns:p14="http://schemas.microsoft.com/office/powerpoint/2010/main" val="2492385488"/>
+        <p14:creationId xmlns:p14="http://schemas.microsoft.com/office/powerpoint/2010/main" val="3259279347"/>
       </p:ext>
     </p:extLst>
   </p:cSld>
@@ -8855,7 +7648,9 @@
         </p:nvSpPr>
         <p:spPr/>
         <p:txBody>
-          <a:bodyPr/>
+          <a:bodyPr>
+            <a:normAutofit/>
+          </a:bodyPr>
           <a:lstStyle/>
           <a:p>
             <a:r>
@@ -8864,7 +7659,7 @@
             </a:r>
             <a:r>
               <a:rPr kumimoji="1" lang="en-US" altLang="zh-CN" dirty="0"/>
-              <a:t>2: </a:t>
+              <a:t>2:</a:t>
             </a:r>
             <a:r>
               <a:rPr kumimoji="1" lang="zh-CN" altLang="en-US" dirty="0"/>
@@ -8897,283 +7692,6 @@
             <a:fld id="{ADE361C3-C043-4A6E-BDCE-8DA1E7D90A3B}" type="slidenum">
               <a:rPr lang="zh-CN" altLang="en-US" smtClean="0"/>
               <a:t>12</a:t>
-            </a:fld>
-            <a:endParaRPr lang="zh-CN" altLang="en-US"/>
-          </a:p>
-        </p:txBody>
-      </p:sp>
-      <p:sp>
-        <p:nvSpPr>
-          <p:cNvPr id="9" name="内容占位符 2">
-            <a:extLst>
-              <a:ext uri="{FF2B5EF4-FFF2-40B4-BE49-F238E27FC236}">
-                <a16:creationId xmlns:a16="http://schemas.microsoft.com/office/drawing/2014/main" id="{EB648DB9-04AF-7B4D-A50C-D5002B6028A5}"/>
-              </a:ext>
-            </a:extLst>
-          </p:cNvPr>
-          <p:cNvSpPr>
-            <a:spLocks noGrp="1"/>
-          </p:cNvSpPr>
-          <p:nvPr>
-            <p:ph idx="1"/>
-          </p:nvPr>
-        </p:nvSpPr>
-        <p:spPr>
-          <a:xfrm>
-            <a:off x="1158240" y="1600201"/>
-            <a:ext cx="9875520" cy="4756153"/>
-          </a:xfrm>
-        </p:spPr>
-        <p:txBody>
-          <a:bodyPr>
-            <a:normAutofit/>
-          </a:bodyPr>
-          <a:lstStyle/>
-          <a:p>
-            <a:r>
-              <a:rPr kumimoji="1" lang="zh-CN" altLang="en-US" sz="2160" dirty="0"/>
-              <a:t>总体思路</a:t>
-            </a:r>
-            <a:r>
-              <a:rPr kumimoji="1" lang="en-US" altLang="zh-CN" sz="2160" dirty="0"/>
-              <a:t>:</a:t>
-            </a:r>
-            <a:endParaRPr kumimoji="1" lang="en-US" altLang="zh-CN" sz="1920" dirty="0"/>
-          </a:p>
-          <a:p>
-            <a:pPr lvl="1"/>
-            <a:r>
-              <a:rPr kumimoji="1" lang="zh-CN" altLang="en-US" sz="2000" dirty="0"/>
-              <a:t>参考编译原理中</a:t>
-            </a:r>
-            <a:r>
-              <a:rPr kumimoji="1" lang="en-US" altLang="zh-CN" sz="2000" dirty="0"/>
-              <a:t>IR-Tree</a:t>
-            </a:r>
-            <a:r>
-              <a:rPr kumimoji="1" lang="zh-CN" altLang="en-US" sz="2000" dirty="0"/>
-              <a:t>到汇编语言语法树的转换中瓦片选取</a:t>
-            </a:r>
-            <a:endParaRPr kumimoji="1" lang="en-US" altLang="zh-CN" sz="2000" dirty="0"/>
-          </a:p>
-          <a:p>
-            <a:pPr lvl="1"/>
-            <a:r>
-              <a:rPr kumimoji="1" lang="zh-CN" altLang="en-US" sz="2000" dirty="0"/>
-              <a:t>自定义瓦片类型并且分割</a:t>
-            </a:r>
-            <a:r>
-              <a:rPr kumimoji="1" lang="en-US" altLang="zh-CN" sz="2000" dirty="0" err="1"/>
-              <a:t>Rnode</a:t>
-            </a:r>
-            <a:r>
-              <a:rPr kumimoji="1" lang="en-US" altLang="zh-CN" sz="2000" dirty="0"/>
-              <a:t> Graph</a:t>
-            </a:r>
-            <a:endParaRPr kumimoji="1" lang="zh-CN" altLang="en-US" sz="1920" dirty="0"/>
-          </a:p>
-          <a:p>
-            <a:pPr lvl="1"/>
-            <a:endParaRPr kumimoji="1" lang="zh-CN" altLang="en-US" sz="1920" dirty="0"/>
-          </a:p>
-          <a:p>
-            <a:r>
-              <a:rPr kumimoji="1" lang="zh-CN" altLang="en-US" sz="2160" dirty="0"/>
-              <a:t>瓦片的三种类型</a:t>
-            </a:r>
-            <a:endParaRPr kumimoji="1" lang="en-US" altLang="zh-CN" sz="2160" dirty="0"/>
-          </a:p>
-          <a:p>
-            <a:pPr lvl="1"/>
-            <a:r>
-              <a:rPr kumimoji="1" lang="en-US" altLang="zh-CN" sz="2000" b="1" dirty="0"/>
-              <a:t>Quadratic: </a:t>
-            </a:r>
-            <a:r>
-              <a:rPr kumimoji="1" lang="en-US" altLang="zh-CN" sz="2000" dirty="0"/>
-              <a:t>x ∗ y = z </a:t>
-            </a:r>
-            <a:r>
-              <a:rPr kumimoji="1" lang="zh-CN" altLang="en-US" sz="2000" dirty="0"/>
-              <a:t>的瓦片</a:t>
-            </a:r>
-            <a:r>
-              <a:rPr kumimoji="1" lang="en-US" altLang="zh-CN" sz="2000" dirty="0"/>
-              <a:t>, </a:t>
-            </a:r>
-            <a:r>
-              <a:rPr kumimoji="1" lang="zh-CN" altLang="en-US" sz="2000" dirty="0"/>
-              <a:t>其中 </a:t>
-            </a:r>
-            <a:r>
-              <a:rPr kumimoji="1" lang="en-US" altLang="zh-CN" sz="2000" dirty="0" err="1"/>
-              <a:t>x,y,z</a:t>
-            </a:r>
-            <a:r>
-              <a:rPr kumimoji="1" lang="en-US" altLang="zh-CN" sz="2000" dirty="0"/>
-              <a:t> </a:t>
-            </a:r>
-            <a:r>
-              <a:rPr kumimoji="1" lang="zh-CN" altLang="en-US" sz="2000" dirty="0"/>
-              <a:t>均为变量</a:t>
-            </a:r>
-          </a:p>
-          <a:p>
-            <a:pPr lvl="1"/>
-            <a:r>
-              <a:rPr kumimoji="1" lang="en-US" altLang="zh-CN" sz="2000" b="1" dirty="0" err="1"/>
-              <a:t>MullLinear</a:t>
-            </a:r>
-            <a:r>
-              <a:rPr kumimoji="1" lang="en-US" altLang="zh-CN" sz="2000" b="1" dirty="0"/>
-              <a:t>: </a:t>
-            </a:r>
-            <a:r>
-              <a:rPr kumimoji="1" lang="zh-CN" altLang="en-US" sz="2000" dirty="0"/>
-              <a:t>根节点由其两个父亲相乘得到的瓦片</a:t>
-            </a:r>
-            <a:r>
-              <a:rPr kumimoji="1" lang="en-US" altLang="zh-CN" sz="2000" dirty="0"/>
-              <a:t>, </a:t>
-            </a:r>
-            <a:r>
-              <a:rPr kumimoji="1" lang="zh-CN" altLang="en-US" sz="2000" dirty="0"/>
-              <a:t>两个父亲中至少有一个为常数</a:t>
-            </a:r>
-            <a:r>
-              <a:rPr kumimoji="1" lang="en-US" altLang="zh-CN" sz="2000" dirty="0"/>
-              <a:t>, </a:t>
-            </a:r>
-            <a:r>
-              <a:rPr kumimoji="1" lang="zh-CN" altLang="en-US" sz="2000" dirty="0"/>
-              <a:t>比如 </a:t>
-            </a:r>
-            <a:r>
-              <a:rPr kumimoji="1" lang="en-US" altLang="zh-CN" sz="2000" dirty="0"/>
-              <a:t>(5 ∗ x) ∗ 7 = z</a:t>
-            </a:r>
-          </a:p>
-          <a:p>
-            <a:pPr lvl="1"/>
-            <a:r>
-              <a:rPr kumimoji="1" lang="en-US" altLang="zh-CN" sz="2000" b="1" dirty="0" err="1"/>
-              <a:t>AddLinear</a:t>
-            </a:r>
-            <a:r>
-              <a:rPr kumimoji="1" lang="en-US" altLang="zh-CN" sz="2000" b="1" dirty="0"/>
-              <a:t>: </a:t>
-            </a:r>
-            <a:r>
-              <a:rPr kumimoji="1" lang="zh-CN" altLang="en-US" sz="2000" dirty="0"/>
-              <a:t>根节点由其两个父亲相加得到的瓦片</a:t>
-            </a:r>
-            <a:r>
-              <a:rPr kumimoji="1" lang="en-US" altLang="zh-CN" sz="2000" dirty="0"/>
-              <a:t>, </a:t>
-            </a:r>
-            <a:r>
-              <a:rPr kumimoji="1" lang="zh-CN" altLang="en-US" sz="2000" dirty="0"/>
-              <a:t>比如 </a:t>
-            </a:r>
-            <a:r>
-              <a:rPr kumimoji="1" lang="en-US" altLang="zh-CN" sz="2000" dirty="0"/>
-              <a:t>x3 + 5 + x = z</a:t>
-            </a:r>
-          </a:p>
-        </p:txBody>
-      </p:sp>
-    </p:spTree>
-    <p:extLst>
-      <p:ext uri="{BB962C8B-B14F-4D97-AF65-F5344CB8AC3E}">
-        <p14:creationId xmlns:p14="http://schemas.microsoft.com/office/powerpoint/2010/main" val="3259279347"/>
-      </p:ext>
-    </p:extLst>
-  </p:cSld>
-  <p:clrMapOvr>
-    <a:masterClrMapping/>
-  </p:clrMapOvr>
-</p:sld>
-</file>
-
-<file path=ppt/slides/slide13.xml><?xml version="1.0" encoding="utf-8"?>
-<p:sld xmlns:a="http://schemas.openxmlformats.org/drawingml/2006/main" xmlns:r="http://schemas.openxmlformats.org/officeDocument/2006/relationships" xmlns:p="http://schemas.openxmlformats.org/presentationml/2006/main">
-  <p:cSld>
-    <p:spTree>
-      <p:nvGrpSpPr>
-        <p:cNvPr id="1" name=""/>
-        <p:cNvGrpSpPr/>
-        <p:nvPr/>
-      </p:nvGrpSpPr>
-      <p:grpSpPr>
-        <a:xfrm>
-          <a:off x="0" y="0"/>
-          <a:ext cx="0" cy="0"/>
-          <a:chOff x="0" y="0"/>
-          <a:chExt cx="0" cy="0"/>
-        </a:xfrm>
-      </p:grpSpPr>
-      <p:sp>
-        <p:nvSpPr>
-          <p:cNvPr id="2" name="标题 1">
-            <a:extLst>
-              <a:ext uri="{FF2B5EF4-FFF2-40B4-BE49-F238E27FC236}">
-                <a16:creationId xmlns:a16="http://schemas.microsoft.com/office/drawing/2014/main" id="{3675270D-B90F-3849-B3BB-AF1CF4DC3E7D}"/>
-              </a:ext>
-            </a:extLst>
-          </p:cNvPr>
-          <p:cNvSpPr>
-            <a:spLocks noGrp="1"/>
-          </p:cNvSpPr>
-          <p:nvPr>
-            <p:ph type="title"/>
-          </p:nvPr>
-        </p:nvSpPr>
-        <p:spPr/>
-        <p:txBody>
-          <a:bodyPr>
-            <a:normAutofit/>
-          </a:bodyPr>
-          <a:lstStyle/>
-          <a:p>
-            <a:r>
-              <a:rPr kumimoji="1" lang="zh-CN" altLang="en-US" dirty="0"/>
-              <a:t>目前成果</a:t>
-            </a:r>
-            <a:r>
-              <a:rPr kumimoji="1" lang="en-US" altLang="zh-CN" dirty="0"/>
-              <a:t>2:</a:t>
-            </a:r>
-            <a:r>
-              <a:rPr kumimoji="1" lang="zh-CN" altLang="en-US" dirty="0"/>
-              <a:t>瓦片生成</a:t>
-            </a:r>
-          </a:p>
-        </p:txBody>
-      </p:sp>
-      <p:sp>
-        <p:nvSpPr>
-          <p:cNvPr id="4" name="灯片编号占位符 3">
-            <a:extLst>
-              <a:ext uri="{FF2B5EF4-FFF2-40B4-BE49-F238E27FC236}">
-                <a16:creationId xmlns:a16="http://schemas.microsoft.com/office/drawing/2014/main" id="{AE828391-B279-8E41-A69D-5A4E4B3F5BB5}"/>
-              </a:ext>
-            </a:extLst>
-          </p:cNvPr>
-          <p:cNvSpPr>
-            <a:spLocks noGrp="1"/>
-          </p:cNvSpPr>
-          <p:nvPr>
-            <p:ph type="sldNum" sz="quarter" idx="12"/>
-          </p:nvPr>
-        </p:nvSpPr>
-        <p:spPr/>
-        <p:txBody>
-          <a:bodyPr/>
-          <a:lstStyle/>
-          <a:p>
-            <a:fld id="{ADE361C3-C043-4A6E-BDCE-8DA1E7D90A3B}" type="slidenum">
-              <a:rPr lang="zh-CN" altLang="en-US" smtClean="0"/>
-              <a:t>13</a:t>
             </a:fld>
             <a:endParaRPr lang="zh-CN" altLang="en-US"/>
           </a:p>
@@ -10549,7 +9067,7 @@
 </p:sld>
 </file>
 
-<file path=ppt/slides/slide14.xml><?xml version="1.0" encoding="utf-8"?>
+<file path=ppt/slides/slide13.xml><?xml version="1.0" encoding="utf-8"?>
 <p:sld xmlns:a="http://schemas.openxmlformats.org/drawingml/2006/main" xmlns:r="http://schemas.openxmlformats.org/officeDocument/2006/relationships" xmlns:p="http://schemas.openxmlformats.org/presentationml/2006/main">
   <p:cSld>
     <p:spTree>
@@ -10625,7 +9143,7 @@
           <a:p>
             <a:fld id="{ADE361C3-C043-4A6E-BDCE-8DA1E7D90A3B}" type="slidenum">
               <a:rPr lang="zh-CN" altLang="en-US" smtClean="0"/>
-              <a:t>14</a:t>
+              <a:t>13</a:t>
             </a:fld>
             <a:endParaRPr lang="zh-CN" altLang="en-US"/>
           </a:p>
@@ -10799,7 +9317,7 @@
 </p:sld>
 </file>
 
-<file path=ppt/slides/slide15.xml><?xml version="1.0" encoding="utf-8"?>
+<file path=ppt/slides/slide14.xml><?xml version="1.0" encoding="utf-8"?>
 <p:sld xmlns:a="http://schemas.openxmlformats.org/drawingml/2006/main" xmlns:r="http://schemas.openxmlformats.org/officeDocument/2006/relationships" xmlns:p="http://schemas.openxmlformats.org/presentationml/2006/main">
   <p:cSld>
     <p:spTree>
@@ -10877,7 +9395,7 @@
           <a:p>
             <a:fld id="{ADE361C3-C043-4A6E-BDCE-8DA1E7D90A3B}" type="slidenum">
               <a:rPr lang="zh-CN" altLang="en-US" smtClean="0"/>
-              <a:t>15</a:t>
+              <a:t>14</a:t>
             </a:fld>
             <a:endParaRPr lang="zh-CN" altLang="en-US"/>
           </a:p>
@@ -12832,7 +11350,7 @@
 </p:sld>
 </file>
 
-<file path=ppt/slides/slide16.xml><?xml version="1.0" encoding="utf-8"?>
+<file path=ppt/slides/slide15.xml><?xml version="1.0" encoding="utf-8"?>
 <p:sld xmlns:a="http://schemas.openxmlformats.org/drawingml/2006/main" xmlns:r="http://schemas.openxmlformats.org/officeDocument/2006/relationships" xmlns:p="http://schemas.openxmlformats.org/presentationml/2006/main">
   <p:cSld>
     <p:spTree>
@@ -12940,7 +11458,7 @@
           <a:p>
             <a:fld id="{ADE361C3-C043-4A6E-BDCE-8DA1E7D90A3B}" type="slidenum">
               <a:rPr lang="zh-CN" altLang="en-US" smtClean="0"/>
-              <a:t>16</a:t>
+              <a:t>15</a:t>
             </a:fld>
             <a:endParaRPr lang="zh-CN" altLang="en-US" dirty="0"/>
           </a:p>
@@ -13436,7 +11954,7 @@
 </p:sld>
 </file>
 
-<file path=ppt/slides/slide17.xml><?xml version="1.0" encoding="utf-8"?>
+<file path=ppt/slides/slide16.xml><?xml version="1.0" encoding="utf-8"?>
 <p:sld xmlns:a="http://schemas.openxmlformats.org/drawingml/2006/main" xmlns:r="http://schemas.openxmlformats.org/officeDocument/2006/relationships" xmlns:p="http://schemas.openxmlformats.org/presentationml/2006/main">
   <p:cSld>
     <p:spTree>
@@ -13514,7 +12032,7 @@
           <a:p>
             <a:fld id="{ADE361C3-C043-4A6E-BDCE-8DA1E7D90A3B}" type="slidenum">
               <a:rPr lang="zh-CN" altLang="en-US" smtClean="0"/>
-              <a:t>17</a:t>
+              <a:t>16</a:t>
             </a:fld>
             <a:endParaRPr lang="zh-CN" altLang="en-US"/>
           </a:p>
@@ -13965,11 +12483,7 @@
                 </a:r>
                 <a:r>
                   <a:rPr kumimoji="1" lang="zh-CN" altLang="en-US" sz="2400" dirty="0"/>
-                  <a:t>使用其约束中系数的方差作为</a:t>
-                </a:r>
-                <a:r>
-                  <a:rPr kumimoji="1" lang="en-US" altLang="zh-CN" sz="2400" dirty="0"/>
-                  <a:t>field</a:t>
+                  <a:t>使用其约束中系数的方差作为权重</a:t>
                 </a:r>
                 <a:endParaRPr kumimoji="1" lang="zh-CN" altLang="zh-CN" sz="2400" dirty="0"/>
               </a:p>
@@ -14037,7 +12551,7 @@
 </p:sld>
 </file>
 
-<file path=ppt/slides/slide18.xml><?xml version="1.0" encoding="utf-8"?>
+<file path=ppt/slides/slide17.xml><?xml version="1.0" encoding="utf-8"?>
 <p:sld xmlns:a="http://schemas.openxmlformats.org/drawingml/2006/main" xmlns:r="http://schemas.openxmlformats.org/officeDocument/2006/relationships" xmlns:p="http://schemas.openxmlformats.org/presentationml/2006/main">
   <p:cSld>
     <p:spTree>
@@ -14115,72 +12629,395 @@
           <a:p>
             <a:fld id="{ADE361C3-C043-4A6E-BDCE-8DA1E7D90A3B}" type="slidenum">
               <a:rPr lang="zh-CN" altLang="en-US" smtClean="0"/>
-              <a:t>18</a:t>
+              <a:t>17</a:t>
             </a:fld>
             <a:endParaRPr lang="zh-CN" altLang="en-US"/>
           </a:p>
         </p:txBody>
       </p:sp>
-      <p:sp>
-        <p:nvSpPr>
-          <p:cNvPr id="9" name="内容占位符 2">
-            <a:extLst>
-              <a:ext uri="{FF2B5EF4-FFF2-40B4-BE49-F238E27FC236}">
-                <a16:creationId xmlns:a16="http://schemas.microsoft.com/office/drawing/2014/main" id="{EB648DB9-04AF-7B4D-A50C-D5002B6028A5}"/>
-              </a:ext>
-            </a:extLst>
-          </p:cNvPr>
-          <p:cNvSpPr>
-            <a:spLocks noGrp="1"/>
-          </p:cNvSpPr>
-          <p:nvPr>
-            <p:ph idx="1"/>
-          </p:nvPr>
-        </p:nvSpPr>
-        <p:spPr>
-          <a:xfrm>
-            <a:off x="786063" y="1374845"/>
-            <a:ext cx="10174396" cy="4981511"/>
-          </a:xfrm>
-        </p:spPr>
-        <p:txBody>
-          <a:bodyPr>
-            <a:normAutofit/>
-          </a:bodyPr>
-          <a:lstStyle/>
-          <a:p>
-            <a:r>
-              <a:rPr kumimoji="1" lang="zh-CN" altLang="en-US" sz="2400" dirty="0"/>
-              <a:t>为什么要调整</a:t>
-            </a:r>
-            <a:endParaRPr kumimoji="1" lang="en-US" altLang="zh-CN" sz="2400" dirty="0"/>
-          </a:p>
-          <a:p>
-            <a:pPr lvl="1"/>
-            <a:r>
-              <a:rPr kumimoji="1" lang="zh-CN" altLang="en-US" sz="1920" dirty="0"/>
-              <a:t>将线性瓦片抽象成一个顶点之后</a:t>
-            </a:r>
-            <a:r>
-              <a:rPr kumimoji="1" lang="en-US" altLang="zh-CN" sz="1920" dirty="0"/>
-              <a:t>, </a:t>
-            </a:r>
-            <a:r>
-              <a:rPr kumimoji="1" lang="zh-CN" altLang="en-US" sz="1920" dirty="0"/>
-              <a:t>对于瓦片中新增的节点</a:t>
-            </a:r>
-            <a:r>
-              <a:rPr kumimoji="1" lang="en-US" altLang="zh-CN" sz="1920" dirty="0"/>
-              <a:t>, </a:t>
-            </a:r>
-            <a:r>
-              <a:rPr kumimoji="1" lang="zh-CN" altLang="en-US" sz="1920" dirty="0"/>
-              <a:t>没有有效的排序标准</a:t>
-            </a:r>
-            <a:endParaRPr kumimoji="1" lang="en-US" altLang="zh-CN" sz="1920" dirty="0"/>
-          </a:p>
-        </p:txBody>
-      </p:sp>
+      <mc:AlternateContent xmlns:mc="http://schemas.openxmlformats.org/markup-compatibility/2006" xmlns:a14="http://schemas.microsoft.com/office/drawing/2010/main">
+        <mc:Choice Requires="a14">
+          <p:sp>
+            <p:nvSpPr>
+              <p:cNvPr id="9" name="内容占位符 2">
+                <a:extLst>
+                  <a:ext uri="{FF2B5EF4-FFF2-40B4-BE49-F238E27FC236}">
+                    <a16:creationId xmlns:a16="http://schemas.microsoft.com/office/drawing/2014/main" id="{EB648DB9-04AF-7B4D-A50C-D5002B6028A5}"/>
+                  </a:ext>
+                </a:extLst>
+              </p:cNvPr>
+              <p:cNvSpPr>
+                <a:spLocks noGrp="1"/>
+              </p:cNvSpPr>
+              <p:nvPr>
+                <p:ph idx="1"/>
+              </p:nvPr>
+            </p:nvSpPr>
+            <p:spPr>
+              <a:xfrm>
+                <a:off x="786063" y="1374845"/>
+                <a:ext cx="10174396" cy="4981511"/>
+              </a:xfrm>
+            </p:spPr>
+            <p:txBody>
+              <a:bodyPr>
+                <a:normAutofit lnSpcReduction="10000"/>
+              </a:bodyPr>
+              <a:lstStyle/>
+              <a:p>
+                <a:r>
+                  <a:rPr kumimoji="1" lang="zh-CN" altLang="en-US" sz="2400" dirty="0"/>
+                  <a:t>为什么要调整</a:t>
+                </a:r>
+                <a:endParaRPr kumimoji="1" lang="en-US" altLang="zh-CN" sz="2400" dirty="0"/>
+              </a:p>
+              <a:p>
+                <a:pPr lvl="1"/>
+                <a:r>
+                  <a:rPr kumimoji="1" lang="zh-CN" altLang="en-US" sz="1920" dirty="0"/>
+                  <a:t>将线性瓦片抽象成一个顶点之后</a:t>
+                </a:r>
+                <a:r>
+                  <a:rPr kumimoji="1" lang="en-US" altLang="zh-CN" sz="1920" dirty="0"/>
+                  <a:t>, </a:t>
+                </a:r>
+                <a:r>
+                  <a:rPr kumimoji="1" lang="zh-CN" altLang="en-US" sz="1920" dirty="0"/>
+                  <a:t>对于瓦片中新增的节点</a:t>
+                </a:r>
+                <a:r>
+                  <a:rPr kumimoji="1" lang="en-US" altLang="zh-CN" sz="1920" dirty="0"/>
+                  <a:t>, </a:t>
+                </a:r>
+                <a:r>
+                  <a:rPr kumimoji="1" lang="zh-CN" altLang="en-US" sz="1920" dirty="0"/>
+                  <a:t>没有有效的排序标准</a:t>
+                </a:r>
+                <a:endParaRPr kumimoji="1" lang="en-US" altLang="zh-CN" sz="1920" dirty="0"/>
+              </a:p>
+              <a:p>
+                <a:pPr lvl="1"/>
+                <a:endParaRPr kumimoji="1" lang="en-US" altLang="zh-CN" sz="1920" dirty="0"/>
+              </a:p>
+              <a:p>
+                <a:r>
+                  <a:rPr kumimoji="1" lang="zh-CN" altLang="en-US" sz="2400" dirty="0"/>
+                  <a:t>提出排序标准</a:t>
+                </a:r>
+                <a:endParaRPr kumimoji="1" lang="en-US" altLang="zh-CN" sz="2400" dirty="0"/>
+              </a:p>
+              <a:p>
+                <a:pPr lvl="1"/>
+                <a14:m>
+                  <m:oMath xmlns:m="http://schemas.openxmlformats.org/officeDocument/2006/math">
+                    <m:r>
+                      <a:rPr lang="en-US" altLang="zh-CN" sz="2400" i="1" smtClean="0">
+                        <a:effectLst/>
+                        <a:latin typeface="Cambria Math" panose="02040503050406030204" pitchFamily="18" charset="0"/>
+                        <a:ea typeface="Cambria Math" panose="02040503050406030204" pitchFamily="18" charset="0"/>
+                        <a:cs typeface="Cambria Math" panose="02040503050406030204" pitchFamily="18" charset="0"/>
+                      </a:rPr>
+                      <m:t>𝑤𝑒𝑖𝑔h𝑡</m:t>
+                    </m:r>
+                    <m:r>
+                      <a:rPr lang="en-US" altLang="zh-CN" sz="2400" i="1" smtClean="0">
+                        <a:effectLst/>
+                        <a:latin typeface="Cambria Math" panose="02040503050406030204" pitchFamily="18" charset="0"/>
+                        <a:ea typeface="Cambria Math" panose="02040503050406030204" pitchFamily="18" charset="0"/>
+                        <a:cs typeface="Cambria Math" panose="02040503050406030204" pitchFamily="18" charset="0"/>
+                      </a:rPr>
+                      <m:t> =</m:t>
+                    </m:r>
+                    <m:limLow>
+                      <m:limLowPr>
+                        <m:ctrlPr>
+                          <a:rPr lang="zh-CN" altLang="zh-CN" sz="2400" i="1">
+                            <a:effectLst/>
+                            <a:latin typeface="Cambria Math" panose="02040503050406030204" pitchFamily="18" charset="0"/>
+                            <a:ea typeface="Cambria Math" panose="02040503050406030204" pitchFamily="18" charset="0"/>
+                          </a:rPr>
+                        </m:ctrlPr>
+                      </m:limLowPr>
+                      <m:e>
+                        <m:r>
+                          <a:rPr lang="en-US" altLang="zh-CN" sz="2400" i="1">
+                            <a:effectLst/>
+                            <a:latin typeface="Cambria Math" panose="02040503050406030204" pitchFamily="18" charset="0"/>
+                            <a:ea typeface="Cambria Math" panose="02040503050406030204" pitchFamily="18" charset="0"/>
+                            <a:cs typeface="Cambria Math" panose="02040503050406030204" pitchFamily="18" charset="0"/>
+                          </a:rPr>
+                          <m:t>∑</m:t>
+                        </m:r>
+                      </m:e>
+                      <m:lim>
+                        <m:r>
+                          <a:rPr lang="en-US" altLang="zh-CN" sz="2400" i="1">
+                            <a:effectLst/>
+                            <a:latin typeface="Cambria Math" panose="02040503050406030204" pitchFamily="18" charset="0"/>
+                            <a:ea typeface="Cambria Math" panose="02040503050406030204" pitchFamily="18" charset="0"/>
+                            <a:cs typeface="Cambria Math" panose="02040503050406030204" pitchFamily="18" charset="0"/>
+                          </a:rPr>
+                          <m:t>𝑜𝑡h𝑒𝑟</m:t>
+                        </m:r>
+                        <m:r>
+                          <a:rPr lang="en-US" altLang="zh-CN" sz="2400" i="1">
+                            <a:effectLst/>
+                            <a:latin typeface="Cambria Math" panose="02040503050406030204" pitchFamily="18" charset="0"/>
+                            <a:ea typeface="Cambria Math" panose="02040503050406030204" pitchFamily="18" charset="0"/>
+                            <a:cs typeface="Cambria Math" panose="02040503050406030204" pitchFamily="18" charset="0"/>
+                          </a:rPr>
+                          <m:t> </m:t>
+                        </m:r>
+                        <m:r>
+                          <a:rPr lang="en-US" altLang="zh-CN" sz="2400" i="1">
+                            <a:effectLst/>
+                            <a:latin typeface="Cambria Math" panose="02040503050406030204" pitchFamily="18" charset="0"/>
+                            <a:ea typeface="Cambria Math" panose="02040503050406030204" pitchFamily="18" charset="0"/>
+                            <a:cs typeface="Cambria Math" panose="02040503050406030204" pitchFamily="18" charset="0"/>
+                          </a:rPr>
+                          <m:t>𝑙𝑖𝑛𝑒𝑎𝑟</m:t>
+                        </m:r>
+                        <m:r>
+                          <a:rPr lang="en-US" altLang="zh-CN" sz="2400" i="1">
+                            <a:effectLst/>
+                            <a:latin typeface="Cambria Math" panose="02040503050406030204" pitchFamily="18" charset="0"/>
+                            <a:ea typeface="Cambria Math" panose="02040503050406030204" pitchFamily="18" charset="0"/>
+                            <a:cs typeface="Cambria Math" panose="02040503050406030204" pitchFamily="18" charset="0"/>
+                          </a:rPr>
+                          <m:t> </m:t>
+                        </m:r>
+                        <m:r>
+                          <a:rPr lang="en-US" altLang="zh-CN" sz="2400" i="1">
+                            <a:effectLst/>
+                            <a:latin typeface="Cambria Math" panose="02040503050406030204" pitchFamily="18" charset="0"/>
+                            <a:ea typeface="Cambria Math" panose="02040503050406030204" pitchFamily="18" charset="0"/>
+                            <a:cs typeface="Cambria Math" panose="02040503050406030204" pitchFamily="18" charset="0"/>
+                          </a:rPr>
+                          <m:t>𝑡𝑖𝑙𝑒𝑠</m:t>
+                        </m:r>
+                        <m:r>
+                          <a:rPr lang="en-US" altLang="zh-CN" sz="2400" i="1">
+                            <a:effectLst/>
+                            <a:latin typeface="Cambria Math" panose="02040503050406030204" pitchFamily="18" charset="0"/>
+                            <a:ea typeface="Cambria Math" panose="02040503050406030204" pitchFamily="18" charset="0"/>
+                            <a:cs typeface="Cambria Math" panose="02040503050406030204" pitchFamily="18" charset="0"/>
+                          </a:rPr>
+                          <m:t> </m:t>
+                        </m:r>
+                      </m:lim>
+                    </m:limLow>
+                    <m:r>
+                      <a:rPr lang="en-US" altLang="zh-CN" sz="2400" i="1">
+                        <a:effectLst/>
+                        <a:latin typeface="Cambria Math" panose="02040503050406030204" pitchFamily="18" charset="0"/>
+                        <a:ea typeface="Cambria Math" panose="02040503050406030204" pitchFamily="18" charset="0"/>
+                        <a:cs typeface="Cambria Math" panose="02040503050406030204" pitchFamily="18" charset="0"/>
+                      </a:rPr>
+                      <m:t>∣ </m:t>
+                    </m:r>
+                    <m:r>
+                      <a:rPr lang="en-US" altLang="zh-CN" sz="2400" i="1">
+                        <a:effectLst/>
+                        <a:latin typeface="Cambria Math" panose="02040503050406030204" pitchFamily="18" charset="0"/>
+                        <a:ea typeface="Cambria Math" panose="02040503050406030204" pitchFamily="18" charset="0"/>
+                        <a:cs typeface="Cambria Math" panose="02040503050406030204" pitchFamily="18" charset="0"/>
+                      </a:rPr>
+                      <m:t>𝑓𝑖𝑒𝑙𝑑</m:t>
+                    </m:r>
+                    <m:r>
+                      <a:rPr lang="en-US" altLang="zh-CN" sz="2400" i="1">
+                        <a:effectLst/>
+                        <a:latin typeface="Cambria Math" panose="02040503050406030204" pitchFamily="18" charset="0"/>
+                        <a:ea typeface="Cambria Math" panose="02040503050406030204" pitchFamily="18" charset="0"/>
+                        <a:cs typeface="Cambria Math" panose="02040503050406030204" pitchFamily="18" charset="0"/>
+                      </a:rPr>
+                      <m:t> ∗ </m:t>
+                    </m:r>
+                    <m:r>
+                      <a:rPr lang="en-US" altLang="zh-CN" sz="2400" i="1">
+                        <a:effectLst/>
+                        <a:latin typeface="Cambria Math" panose="02040503050406030204" pitchFamily="18" charset="0"/>
+                        <a:ea typeface="Cambria Math" panose="02040503050406030204" pitchFamily="18" charset="0"/>
+                        <a:cs typeface="Cambria Math" panose="02040503050406030204" pitchFamily="18" charset="0"/>
+                      </a:rPr>
+                      <m:t>𝑤𝑒𝑖𝑔h𝑡</m:t>
+                    </m:r>
+                    <m:r>
+                      <a:rPr lang="en-US" altLang="zh-CN" sz="2400" i="1">
+                        <a:effectLst/>
+                        <a:latin typeface="Cambria Math" panose="02040503050406030204" pitchFamily="18" charset="0"/>
+                        <a:ea typeface="Cambria Math" panose="02040503050406030204" pitchFamily="18" charset="0"/>
+                        <a:cs typeface="Cambria Math" panose="02040503050406030204" pitchFamily="18" charset="0"/>
+                      </a:rPr>
+                      <m:t> </m:t>
+                    </m:r>
+                    <m:r>
+                      <a:rPr lang="en-US" altLang="zh-CN" sz="2400" i="1">
+                        <a:effectLst/>
+                        <a:latin typeface="Cambria Math" panose="02040503050406030204" pitchFamily="18" charset="0"/>
+                        <a:ea typeface="Cambria Math" panose="02040503050406030204" pitchFamily="18" charset="0"/>
+                        <a:cs typeface="Cambria Math" panose="02040503050406030204" pitchFamily="18" charset="0"/>
+                      </a:rPr>
+                      <m:t>𝑜𝑓</m:t>
+                    </m:r>
+                    <m:r>
+                      <a:rPr lang="en-US" altLang="zh-CN" sz="2400" i="1">
+                        <a:effectLst/>
+                        <a:latin typeface="Cambria Math" panose="02040503050406030204" pitchFamily="18" charset="0"/>
+                        <a:ea typeface="Cambria Math" panose="02040503050406030204" pitchFamily="18" charset="0"/>
+                        <a:cs typeface="Cambria Math" panose="02040503050406030204" pitchFamily="18" charset="0"/>
+                      </a:rPr>
+                      <m:t> </m:t>
+                    </m:r>
+                    <m:r>
+                      <a:rPr lang="en-US" altLang="zh-CN" sz="2400" i="1">
+                        <a:effectLst/>
+                        <a:latin typeface="Cambria Math" panose="02040503050406030204" pitchFamily="18" charset="0"/>
+                        <a:ea typeface="Cambria Math" panose="02040503050406030204" pitchFamily="18" charset="0"/>
+                        <a:cs typeface="Cambria Math" panose="02040503050406030204" pitchFamily="18" charset="0"/>
+                      </a:rPr>
+                      <m:t>𝑙𝑖𝑛𝑒𝑎𝑟</m:t>
+                    </m:r>
+                    <m:r>
+                      <a:rPr lang="en-US" altLang="zh-CN" sz="2400" i="1">
+                        <a:effectLst/>
+                        <a:latin typeface="Cambria Math" panose="02040503050406030204" pitchFamily="18" charset="0"/>
+                        <a:ea typeface="Cambria Math" panose="02040503050406030204" pitchFamily="18" charset="0"/>
+                        <a:cs typeface="Cambria Math" panose="02040503050406030204" pitchFamily="18" charset="0"/>
+                      </a:rPr>
+                      <m:t> </m:t>
+                    </m:r>
+                    <m:r>
+                      <a:rPr lang="en-US" altLang="zh-CN" sz="2400" i="1">
+                        <a:effectLst/>
+                        <a:latin typeface="Cambria Math" panose="02040503050406030204" pitchFamily="18" charset="0"/>
+                        <a:ea typeface="Cambria Math" panose="02040503050406030204" pitchFamily="18" charset="0"/>
+                        <a:cs typeface="Cambria Math" panose="02040503050406030204" pitchFamily="18" charset="0"/>
+                      </a:rPr>
+                      <m:t>𝑡𝑖𝑙𝑒</m:t>
+                    </m:r>
+                    <m:r>
+                      <a:rPr lang="en-US" altLang="zh-CN" sz="2400" i="1">
+                        <a:effectLst/>
+                        <a:latin typeface="Cambria Math" panose="02040503050406030204" pitchFamily="18" charset="0"/>
+                        <a:ea typeface="Cambria Math" panose="02040503050406030204" pitchFamily="18" charset="0"/>
+                        <a:cs typeface="Cambria Math" panose="02040503050406030204" pitchFamily="18" charset="0"/>
+                      </a:rPr>
+                      <m:t> ∣</m:t>
+                    </m:r>
+                  </m:oMath>
+                </a14:m>
+                <a:endParaRPr lang="en-US" altLang="zh-CN" sz="2400" dirty="0">
+                  <a:effectLst/>
+                  <a:latin typeface="Times New Roman" panose="02020603050405020304" pitchFamily="18" charset="0"/>
+                  <a:ea typeface="Times New Roman" panose="02020603050405020304" pitchFamily="18" charset="0"/>
+                </a:endParaRPr>
+              </a:p>
+              <a:p>
+                <a:pPr lvl="1"/>
+                <a:endParaRPr lang="en-US" altLang="zh-CN" sz="2400" dirty="0">
+                  <a:effectLst/>
+                  <a:latin typeface="Times New Roman" panose="02020603050405020304" pitchFamily="18" charset="0"/>
+                  <a:ea typeface="Times New Roman" panose="02020603050405020304" pitchFamily="18" charset="0"/>
+                </a:endParaRPr>
+              </a:p>
+              <a:p>
+                <a:r>
+                  <a:rPr kumimoji="1" lang="zh-CN" altLang="en-US" sz="2400" dirty="0"/>
+                  <a:t>原因</a:t>
+                </a:r>
+                <a:endParaRPr kumimoji="1" lang="en-US" altLang="zh-CN" sz="2400" dirty="0"/>
+              </a:p>
+              <a:p>
+                <a:pPr lvl="1"/>
+                <a:r>
+                  <a:rPr kumimoji="1" lang="zh-CN" altLang="en-US" sz="1920" dirty="0"/>
+                  <a:t>在线性瓦片中引入的新变量</a:t>
+                </a:r>
+                <a:r>
+                  <a:rPr kumimoji="1" lang="en-US" altLang="zh-CN" sz="1920" dirty="0"/>
+                  <a:t>, </a:t>
+                </a:r>
+                <a:r>
+                  <a:rPr kumimoji="1" lang="zh-CN" altLang="en-US" sz="1920" dirty="0"/>
+                  <a:t>其在其他线性瓦片中出现的情况某种程度上反映了其在整个约束组中的重要程度</a:t>
+                </a:r>
+                <a:endParaRPr kumimoji="1" lang="en-US" altLang="zh-CN" sz="1920" dirty="0"/>
+              </a:p>
+              <a:p>
+                <a:pPr lvl="1"/>
+                <a:r>
+                  <a:rPr kumimoji="1" lang="zh-CN" altLang="en-US" sz="1920" dirty="0"/>
+                  <a:t>如果某些新变量只在本身的约束中出现</a:t>
+                </a:r>
+                <a:r>
+                  <a:rPr kumimoji="1" lang="en-US" altLang="zh-CN" sz="1920" dirty="0"/>
+                  <a:t>, </a:t>
+                </a:r>
+                <a:r>
+                  <a:rPr kumimoji="1" lang="zh-CN" altLang="en-US" sz="1920" dirty="0"/>
+                  <a:t>他们的权重都将为 </a:t>
+                </a:r>
+                <a:r>
+                  <a:rPr kumimoji="1" lang="en-US" altLang="zh-CN" sz="1920" dirty="0"/>
+                  <a:t>0.</a:t>
+                </a:r>
+                <a:endParaRPr kumimoji="1" lang="zh-CN" altLang="zh-CN" sz="1920" dirty="0"/>
+              </a:p>
+              <a:p>
+                <a:pPr lvl="1"/>
+                <a:endParaRPr kumimoji="1" lang="en-US" altLang="zh-CN" sz="1920" dirty="0"/>
+              </a:p>
+              <a:p>
+                <a:endParaRPr kumimoji="1" lang="en-US" altLang="zh-CN" sz="2160" dirty="0"/>
+              </a:p>
+            </p:txBody>
+          </p:sp>
+        </mc:Choice>
+        <mc:Fallback xmlns="">
+          <p:sp>
+            <p:nvSpPr>
+              <p:cNvPr id="9" name="内容占位符 2">
+                <a:extLst>
+                  <a:ext uri="{FF2B5EF4-FFF2-40B4-BE49-F238E27FC236}">
+                    <a16:creationId xmlns:a16="http://schemas.microsoft.com/office/drawing/2014/main" id="{EB648DB9-04AF-7B4D-A50C-D5002B6028A5}"/>
+                  </a:ext>
+                </a:extLst>
+              </p:cNvPr>
+              <p:cNvSpPr>
+                <a:spLocks noGrp="1" noRot="1" noChangeAspect="1" noMove="1" noResize="1" noEditPoints="1" noAdjustHandles="1" noChangeArrowheads="1" noChangeShapeType="1" noTextEdit="1"/>
+              </p:cNvSpPr>
+              <p:nvPr>
+                <p:ph idx="1"/>
+              </p:nvPr>
+            </p:nvSpPr>
+            <p:spPr>
+              <a:xfrm>
+                <a:off x="786063" y="1374845"/>
+                <a:ext cx="10174396" cy="4981511"/>
+              </a:xfrm>
+              <a:blipFill>
+                <a:blip r:embed="rId2"/>
+                <a:stretch>
+                  <a:fillRect l="-839" t="-734"/>
+                </a:stretch>
+              </a:blipFill>
+            </p:spPr>
+            <p:txBody>
+              <a:bodyPr/>
+              <a:lstStyle/>
+              <a:p>
+                <a:r>
+                  <a:rPr lang="zh-CN" altLang="en-US">
+                    <a:noFill/>
+                  </a:rPr>
+                  <a:t> </a:t>
+                </a:r>
+              </a:p>
+            </p:txBody>
+          </p:sp>
+        </mc:Fallback>
+      </mc:AlternateContent>
     </p:spTree>
     <p:extLst>
       <p:ext uri="{BB962C8B-B14F-4D97-AF65-F5344CB8AC3E}">
@@ -14194,7 +13031,7 @@
 </p:sld>
 </file>
 
-<file path=ppt/slides/slide19.xml><?xml version="1.0" encoding="utf-8"?>
+<file path=ppt/slides/slide18.xml><?xml version="1.0" encoding="utf-8"?>
 <p:sld xmlns:a="http://schemas.openxmlformats.org/drawingml/2006/main" xmlns:r="http://schemas.openxmlformats.org/officeDocument/2006/relationships" xmlns:p="http://schemas.openxmlformats.org/presentationml/2006/main">
   <p:cSld>
     <p:spTree>
@@ -14213,10 +13050,10 @@
       </p:grpSpPr>
       <p:sp>
         <p:nvSpPr>
-          <p:cNvPr id="2" name="标题 1">
+          <p:cNvPr id="5" name="标题 4">
             <a:extLst>
               <a:ext uri="{FF2B5EF4-FFF2-40B4-BE49-F238E27FC236}">
-                <a16:creationId xmlns:a16="http://schemas.microsoft.com/office/drawing/2014/main" id="{9F3B7212-F12A-D74A-92BD-E30CFBD4760A}"/>
+                <a16:creationId xmlns:a16="http://schemas.microsoft.com/office/drawing/2014/main" id="{7C3CFBB2-29A4-9845-909C-D2C6211C1301}"/>
               </a:ext>
             </a:extLst>
           </p:cNvPr>
@@ -14233,26 +13070,23 @@
           <a:lstStyle/>
           <a:p>
             <a:r>
-              <a:rPr kumimoji="1" lang="zh-CN" altLang="en-US" dirty="0"/>
-              <a:t>第三阶段</a:t>
-            </a:r>
-            <a:r>
-              <a:rPr kumimoji="1" lang="en-US" altLang="zh-CN" dirty="0"/>
-              <a:t>: R1CS</a:t>
-            </a:r>
-            <a:r>
-              <a:rPr kumimoji="1" lang="zh-CN" altLang="en-US" dirty="0"/>
-              <a:t>约束生成算法设计</a:t>
-            </a:r>
+              <a:rPr kumimoji="1" lang="zh-CN" altLang="en-US" b="1" dirty="0"/>
+              <a:t>感谢您的倾听</a:t>
+            </a:r>
+            <a:r>
+              <a:rPr kumimoji="1" lang="en-US" altLang="zh-CN" b="1" dirty="0"/>
+              <a:t>!</a:t>
+            </a:r>
+            <a:endParaRPr kumimoji="1" lang="zh-CN" altLang="en-US" b="1" dirty="0"/>
           </a:p>
         </p:txBody>
       </p:sp>
       <p:sp>
         <p:nvSpPr>
-          <p:cNvPr id="3" name="内容占位符 2">
+          <p:cNvPr id="6" name="文本占位符 5">
             <a:extLst>
               <a:ext uri="{FF2B5EF4-FFF2-40B4-BE49-F238E27FC236}">
-                <a16:creationId xmlns:a16="http://schemas.microsoft.com/office/drawing/2014/main" id="{2737D179-7F37-624E-B49F-315DCC657BE1}"/>
+                <a16:creationId xmlns:a16="http://schemas.microsoft.com/office/drawing/2014/main" id="{88326478-0DD6-F849-B334-5BDB7DEEC82C}"/>
               </a:ext>
             </a:extLst>
           </p:cNvPr>
@@ -14260,161 +13094,7 @@
             <a:spLocks noGrp="1"/>
           </p:cNvSpPr>
           <p:nvPr>
-            <p:ph idx="1"/>
-          </p:nvPr>
-        </p:nvSpPr>
-        <p:spPr/>
-        <p:txBody>
-          <a:bodyPr>
-            <a:normAutofit fontScale="77500" lnSpcReduction="20000"/>
-          </a:bodyPr>
-          <a:lstStyle/>
-          <a:p>
-            <a:pPr marL="0" indent="0">
-              <a:buNone/>
-            </a:pPr>
-            <a:r>
-              <a:rPr kumimoji="1" lang="zh-CN" altLang="en-US" sz="2880" dirty="0"/>
-              <a:t>上一阶段构造出的语法树的本质上</a:t>
-            </a:r>
-            <a:r>
-              <a:rPr kumimoji="1" lang="en-US" altLang="zh-CN" sz="2880" dirty="0"/>
-              <a:t>,</a:t>
-            </a:r>
-            <a:r>
-              <a:rPr kumimoji="1" lang="zh-CN" altLang="en-US" sz="2880" dirty="0"/>
-              <a:t> 是几个有公用节点的算式树的集合所构成的有向无环图</a:t>
-            </a:r>
-            <a:endParaRPr kumimoji="1" lang="en-US" altLang="zh-CN" sz="2880" dirty="0"/>
-          </a:p>
-          <a:p>
-            <a:pPr marL="0" indent="0">
-              <a:buNone/>
-            </a:pPr>
-            <a:endParaRPr kumimoji="1" lang="en-US" altLang="zh-CN" sz="2880" dirty="0"/>
-          </a:p>
-          <a:p>
-            <a:pPr marL="0" indent="0">
-              <a:buNone/>
-            </a:pPr>
-            <a:r>
-              <a:rPr kumimoji="1" lang="zh-CN" altLang="en-US" sz="2400" dirty="0"/>
-              <a:t>两种思路</a:t>
-            </a:r>
-            <a:r>
-              <a:rPr kumimoji="1" lang="en-US" altLang="zh-CN" sz="2400" dirty="0"/>
-              <a:t>:</a:t>
-            </a:r>
-          </a:p>
-          <a:p>
-            <a:pPr marL="457200" indent="-457200">
-              <a:buAutoNum type="arabicPeriod"/>
-            </a:pPr>
-            <a:r>
-              <a:rPr kumimoji="1" lang="zh-CN" altLang="en-US" sz="2400" dirty="0"/>
-              <a:t>参考编译原理中</a:t>
-            </a:r>
-            <a:r>
-              <a:rPr kumimoji="1" lang="en-US" altLang="zh-CN" sz="2400" dirty="0"/>
-              <a:t>IR-Tree</a:t>
-            </a:r>
-            <a:r>
-              <a:rPr kumimoji="1" lang="zh-CN" altLang="en-US" sz="2400" dirty="0"/>
-              <a:t>到汇编语言语法树的转换中瓦片选取的步骤</a:t>
-            </a:r>
-            <a:r>
-              <a:rPr kumimoji="1" lang="en-US" altLang="zh-CN" sz="2400" dirty="0"/>
-              <a:t>, </a:t>
-            </a:r>
-            <a:r>
-              <a:rPr kumimoji="1" lang="zh-CN" altLang="en-US" sz="2400" dirty="0"/>
-              <a:t>实现一个多路并进的贪心算法</a:t>
-            </a:r>
-            <a:endParaRPr kumimoji="1" lang="en-US" altLang="zh-CN" sz="2400" dirty="0"/>
-          </a:p>
-          <a:p>
-            <a:pPr marL="457200" indent="-457200">
-              <a:buAutoNum type="arabicPeriod"/>
-            </a:pPr>
-            <a:r>
-              <a:rPr kumimoji="1" lang="zh-CN" altLang="en-US" sz="2400" dirty="0"/>
-              <a:t>先将公用节点提取出来与非公用的部分区分开</a:t>
-            </a:r>
-            <a:r>
-              <a:rPr kumimoji="1" lang="en-US" altLang="zh-CN" sz="2400" dirty="0"/>
-              <a:t>, </a:t>
-            </a:r>
-            <a:r>
-              <a:rPr kumimoji="1" lang="zh-CN" altLang="en-US" sz="2400" dirty="0"/>
-              <a:t>退化至普通的算式树</a:t>
-            </a:r>
-            <a:endParaRPr kumimoji="1" lang="en-US" altLang="zh-CN" sz="2400" dirty="0"/>
-          </a:p>
-          <a:p>
-            <a:pPr marL="0" indent="0">
-              <a:buNone/>
-            </a:pPr>
-            <a:r>
-              <a:rPr kumimoji="1" lang="zh-CN" altLang="en-US" sz="2400" dirty="0"/>
-              <a:t>仍在实现中</a:t>
-            </a:r>
-            <a:r>
-              <a:rPr kumimoji="1" lang="en-US" altLang="zh-CN" sz="2400" dirty="0"/>
-              <a:t>…</a:t>
-            </a:r>
-          </a:p>
-          <a:p>
-            <a:pPr marL="0" indent="0">
-              <a:buNone/>
-            </a:pPr>
-            <a:endParaRPr kumimoji="1" lang="en-US" altLang="zh-CN" sz="2400" dirty="0"/>
-          </a:p>
-          <a:p>
-            <a:pPr marL="0" indent="0">
-              <a:buNone/>
-            </a:pPr>
-            <a:r>
-              <a:rPr kumimoji="1" lang="en-US" altLang="zh-CN" sz="2400" dirty="0" err="1"/>
-              <a:t>Github</a:t>
-            </a:r>
-            <a:r>
-              <a:rPr kumimoji="1" lang="zh-CN" altLang="en-US" sz="2400" dirty="0"/>
-              <a:t>仓库</a:t>
-            </a:r>
-            <a:r>
-              <a:rPr kumimoji="1" lang="en-US" altLang="zh-CN" sz="2400" dirty="0"/>
-              <a:t>: </a:t>
-            </a:r>
-            <a:r>
-              <a:rPr lang="en-US" altLang="zh-CN" sz="2400" dirty="0">
-                <a:hlinkClick r:id="rId2"/>
-              </a:rPr>
-              <a:t>Ash1sc/R1CS-normal-form-generator (github.com)</a:t>
-            </a:r>
-            <a:endParaRPr kumimoji="1" lang="en-US" altLang="zh-CN" sz="2400" dirty="0"/>
-          </a:p>
-          <a:p>
-            <a:pPr marL="0" indent="0">
-              <a:buNone/>
-            </a:pPr>
-            <a:endParaRPr kumimoji="1" lang="en-US" altLang="zh-CN" sz="2880" dirty="0"/>
-          </a:p>
-        </p:txBody>
-      </p:sp>
-      <p:sp>
-        <p:nvSpPr>
-          <p:cNvPr id="4" name="灯片编号占位符 3">
-            <a:extLst>
-              <a:ext uri="{FF2B5EF4-FFF2-40B4-BE49-F238E27FC236}">
-                <a16:creationId xmlns:a16="http://schemas.microsoft.com/office/drawing/2014/main" id="{A388E478-06E9-5246-A637-C9DCE4E63FD9}"/>
-              </a:ext>
-            </a:extLst>
-          </p:cNvPr>
-          <p:cNvSpPr>
-            <a:spLocks noGrp="1"/>
-          </p:cNvSpPr>
-          <p:nvPr>
-            <p:ph type="sldNum" sz="quarter" idx="12"/>
+            <p:ph type="body" idx="1"/>
           </p:nvPr>
         </p:nvSpPr>
         <p:spPr/>
@@ -14422,32 +13102,14 @@
           <a:bodyPr/>
           <a:lstStyle/>
           <a:p>
-            <a:pPr defTabSz="1097280"/>
-            <a:fld id="{ADE361C3-C043-4A6E-BDCE-8DA1E7D90A3B}" type="slidenum">
-              <a:rPr lang="zh-CN" altLang="en-US">
-                <a:solidFill>
-                  <a:srgbClr val="000000">
-                    <a:tint val="75000"/>
-                  </a:srgbClr>
-                </a:solidFill>
-              </a:rPr>
-              <a:pPr defTabSz="1097280"/>
-              <a:t>19</a:t>
-            </a:fld>
-            <a:endParaRPr lang="zh-CN" altLang="en-US">
-              <a:solidFill>
-                <a:srgbClr val="000000">
-                  <a:tint val="75000"/>
-                </a:srgbClr>
-              </a:solidFill>
-            </a:endParaRPr>
+            <a:endParaRPr kumimoji="1" lang="zh-CN" altLang="en-US"/>
           </a:p>
         </p:txBody>
       </p:sp>
     </p:spTree>
     <p:extLst>
       <p:ext uri="{BB962C8B-B14F-4D97-AF65-F5344CB8AC3E}">
-        <p14:creationId xmlns:p14="http://schemas.microsoft.com/office/powerpoint/2010/main" val="4161856114"/>
+        <p14:creationId xmlns:p14="http://schemas.microsoft.com/office/powerpoint/2010/main" val="1262638301"/>
       </p:ext>
     </p:extLst>
   </p:cSld>
@@ -14574,7 +13236,7 @@
         <p:spPr>
           <a:xfrm>
             <a:off x="1158240" y="1600200"/>
-            <a:ext cx="9875520" cy="2709396"/>
+            <a:ext cx="9875520" cy="4135106"/>
           </a:xfrm>
           <a:prstGeom prst="rect">
             <a:avLst/>
@@ -14598,21 +13260,50 @@
               <a:rPr kumimoji="1" lang="zh-CN" altLang="en-US" sz="2880" dirty="0"/>
               <a:t>目前成果</a:t>
             </a:r>
-            <a:endParaRPr kumimoji="1" lang="en-US" altLang="zh-CN" sz="2880" dirty="0"/>
+            <a:r>
+              <a:rPr kumimoji="1" lang="en-US" altLang="zh-CN" sz="2880" dirty="0"/>
+              <a:t>1</a:t>
+            </a:r>
           </a:p>
           <a:p>
             <a:r>
               <a:rPr kumimoji="1" lang="zh-CN" altLang="en-US" sz="2880" dirty="0"/>
-              <a:t>第二阶段</a:t>
-            </a:r>
-            <a:endParaRPr kumimoji="1" lang="en-US" altLang="zh-CN" sz="2880" dirty="0"/>
+              <a:t>目前成果</a:t>
+            </a:r>
+            <a:r>
+              <a:rPr kumimoji="1" lang="en-US" altLang="zh-CN" sz="2880" dirty="0"/>
+              <a:t>2</a:t>
+            </a:r>
           </a:p>
           <a:p>
             <a:r>
               <a:rPr kumimoji="1" lang="zh-CN" altLang="en-US" sz="2880" dirty="0"/>
-              <a:t>第三阶段</a:t>
-            </a:r>
-            <a:endParaRPr kumimoji="1" lang="en-US" altLang="zh-CN" sz="2880" dirty="0"/>
+              <a:t>目前成果</a:t>
+            </a:r>
+            <a:r>
+              <a:rPr kumimoji="1" lang="en-US" altLang="zh-CN" sz="2880" dirty="0"/>
+              <a:t>3</a:t>
+            </a:r>
+          </a:p>
+          <a:p>
+            <a:r>
+              <a:rPr kumimoji="1" lang="zh-CN" altLang="en-US" sz="2880" dirty="0"/>
+              <a:t>目前成果</a:t>
+            </a:r>
+            <a:r>
+              <a:rPr kumimoji="1" lang="en-US" altLang="zh-CN" sz="2880" dirty="0"/>
+              <a:t>4</a:t>
+            </a:r>
+          </a:p>
+          <a:p>
+            <a:r>
+              <a:rPr kumimoji="1" lang="zh-CN" altLang="en-US" sz="2880" dirty="0"/>
+              <a:t>目前成果</a:t>
+            </a:r>
+            <a:r>
+              <a:rPr kumimoji="1" lang="en-US" altLang="zh-CN" sz="2880" dirty="0"/>
+              <a:t>5</a:t>
+            </a:r>
           </a:p>
         </p:txBody>
       </p:sp>
@@ -14620,94 +13311,6 @@
     <p:extLst>
       <p:ext uri="{BB962C8B-B14F-4D97-AF65-F5344CB8AC3E}">
         <p14:creationId xmlns:p14="http://schemas.microsoft.com/office/powerpoint/2010/main" val="3124453655"/>
-      </p:ext>
-    </p:extLst>
-  </p:cSld>
-  <p:clrMapOvr>
-    <a:masterClrMapping/>
-  </p:clrMapOvr>
-</p:sld>
-</file>
-
-<file path=ppt/slides/slide20.xml><?xml version="1.0" encoding="utf-8"?>
-<p:sld xmlns:a="http://schemas.openxmlformats.org/drawingml/2006/main" xmlns:r="http://schemas.openxmlformats.org/officeDocument/2006/relationships" xmlns:p="http://schemas.openxmlformats.org/presentationml/2006/main">
-  <p:cSld>
-    <p:spTree>
-      <p:nvGrpSpPr>
-        <p:cNvPr id="1" name=""/>
-        <p:cNvGrpSpPr/>
-        <p:nvPr/>
-      </p:nvGrpSpPr>
-      <p:grpSpPr>
-        <a:xfrm>
-          <a:off x="0" y="0"/>
-          <a:ext cx="0" cy="0"/>
-          <a:chOff x="0" y="0"/>
-          <a:chExt cx="0" cy="0"/>
-        </a:xfrm>
-      </p:grpSpPr>
-      <p:sp>
-        <p:nvSpPr>
-          <p:cNvPr id="5" name="标题 4">
-            <a:extLst>
-              <a:ext uri="{FF2B5EF4-FFF2-40B4-BE49-F238E27FC236}">
-                <a16:creationId xmlns:a16="http://schemas.microsoft.com/office/drawing/2014/main" id="{7C3CFBB2-29A4-9845-909C-D2C6211C1301}"/>
-              </a:ext>
-            </a:extLst>
-          </p:cNvPr>
-          <p:cNvSpPr>
-            <a:spLocks noGrp="1"/>
-          </p:cNvSpPr>
-          <p:nvPr>
-            <p:ph type="title"/>
-          </p:nvPr>
-        </p:nvSpPr>
-        <p:spPr/>
-        <p:txBody>
-          <a:bodyPr/>
-          <a:lstStyle/>
-          <a:p>
-            <a:r>
-              <a:rPr kumimoji="1" lang="zh-CN" altLang="en-US" b="1" dirty="0"/>
-              <a:t>感谢您的倾听</a:t>
-            </a:r>
-            <a:r>
-              <a:rPr kumimoji="1" lang="en-US" altLang="zh-CN" b="1" dirty="0"/>
-              <a:t>!</a:t>
-            </a:r>
-            <a:endParaRPr kumimoji="1" lang="zh-CN" altLang="en-US" b="1" dirty="0"/>
-          </a:p>
-        </p:txBody>
-      </p:sp>
-      <p:sp>
-        <p:nvSpPr>
-          <p:cNvPr id="6" name="文本占位符 5">
-            <a:extLst>
-              <a:ext uri="{FF2B5EF4-FFF2-40B4-BE49-F238E27FC236}">
-                <a16:creationId xmlns:a16="http://schemas.microsoft.com/office/drawing/2014/main" id="{88326478-0DD6-F849-B334-5BDB7DEEC82C}"/>
-              </a:ext>
-            </a:extLst>
-          </p:cNvPr>
-          <p:cNvSpPr>
-            <a:spLocks noGrp="1"/>
-          </p:cNvSpPr>
-          <p:nvPr>
-            <p:ph type="body" idx="1"/>
-          </p:nvPr>
-        </p:nvSpPr>
-        <p:spPr/>
-        <p:txBody>
-          <a:bodyPr/>
-          <a:lstStyle/>
-          <a:p>
-            <a:endParaRPr kumimoji="1" lang="zh-CN" altLang="en-US"/>
-          </a:p>
-        </p:txBody>
-      </p:sp>
-    </p:spTree>
-    <p:extLst>
-      <p:ext uri="{BB962C8B-B14F-4D97-AF65-F5344CB8AC3E}">
-        <p14:creationId xmlns:p14="http://schemas.microsoft.com/office/powerpoint/2010/main" val="1262638301"/>
       </p:ext>
     </p:extLst>
   </p:cSld>
@@ -16168,36 +14771,45 @@
           <a:lstStyle/>
           <a:p>
             <a:r>
-              <a:rPr kumimoji="1" lang="zh-CN" altLang="en-US" sz="2160" dirty="0"/>
-              <a:t>第一次尝试</a:t>
-            </a:r>
-            <a:r>
-              <a:rPr kumimoji="1" lang="en-US" altLang="zh-CN" sz="2160" dirty="0"/>
-              <a:t>: </a:t>
-            </a:r>
-            <a:r>
-              <a:rPr kumimoji="1" lang="zh-CN" altLang="en-US" sz="2160" dirty="0"/>
-              <a:t>将运算符和变量的</a:t>
-            </a:r>
-            <a:r>
-              <a:rPr kumimoji="1" lang="en-US" altLang="zh-CN" sz="2160" dirty="0"/>
-              <a:t>node</a:t>
-            </a:r>
-            <a:r>
-              <a:rPr kumimoji="1" lang="zh-CN" altLang="en-US" sz="2160" dirty="0"/>
-              <a:t>类型分开</a:t>
-            </a:r>
-            <a:endParaRPr kumimoji="1" lang="en-US" altLang="zh-CN" sz="2160" dirty="0"/>
-          </a:p>
-          <a:p>
-            <a:pPr lvl="1"/>
+              <a:rPr kumimoji="1" lang="zh-CN" altLang="en-US" sz="1920" dirty="0"/>
+              <a:t>将每一个约束按照</a:t>
+            </a:r>
             <a:r>
               <a:rPr kumimoji="1" lang="en-US" altLang="zh-CN" sz="1920" dirty="0"/>
-              <a:t>R1CS</a:t>
+              <a:t>a*b=c</a:t>
             </a:r>
             <a:r>
               <a:rPr kumimoji="1" lang="zh-CN" altLang="en-US" sz="1920" dirty="0"/>
-              <a:t>约束间合并方式不同</a:t>
+              <a:t>转换为算式</a:t>
+            </a:r>
+            <a:r>
+              <a:rPr kumimoji="1" lang="en-US" altLang="zh-CN" sz="1920" dirty="0"/>
+              <a:t>,</a:t>
+            </a:r>
+            <a:r>
+              <a:rPr kumimoji="1" lang="zh-CN" altLang="en-US" sz="1920" dirty="0"/>
+              <a:t>比如</a:t>
+            </a:r>
+            <a:endParaRPr kumimoji="1" lang="en-US" altLang="zh-CN" sz="1920" dirty="0"/>
+          </a:p>
+          <a:p>
+            <a:endParaRPr kumimoji="1" lang="en-US" altLang="zh-CN" sz="1920" dirty="0"/>
+          </a:p>
+          <a:p>
+            <a:endParaRPr kumimoji="1" lang="en-US" altLang="zh-CN" sz="1920" dirty="0"/>
+          </a:p>
+          <a:p>
+            <a:r>
+              <a:rPr kumimoji="1" lang="zh-CN" altLang="en-US" sz="1920" dirty="0"/>
+              <a:t>将原</a:t>
+            </a:r>
+            <a:r>
+              <a:rPr kumimoji="1" lang="en-US" altLang="zh-CN" sz="1920" dirty="0"/>
+              <a:t>R1CS </a:t>
+            </a:r>
+            <a:r>
+              <a:rPr kumimoji="1" lang="zh-CN" altLang="en-US" sz="1920" dirty="0"/>
+              <a:t>中每一个约束</a:t>
             </a:r>
             <a:r>
               <a:rPr kumimoji="1" lang="en-US" altLang="zh-CN" sz="1920" dirty="0"/>
@@ -16205,7 +14817,7 @@
             </a:r>
             <a:r>
               <a:rPr kumimoji="1" lang="zh-CN" altLang="en-US" sz="1920" dirty="0"/>
-              <a:t>即当中间变量选取不同时</a:t>
+              <a:t>都化成这样的算式</a:t>
             </a:r>
             <a:r>
               <a:rPr kumimoji="1" lang="en-US" altLang="zh-CN" sz="1920" dirty="0"/>
@@ -16213,103 +14825,45 @@
             </a:r>
             <a:r>
               <a:rPr kumimoji="1" lang="zh-CN" altLang="en-US" sz="1920" dirty="0"/>
-              <a:t>建立的数据流树不同</a:t>
+              <a:t>再将其结合在一起</a:t>
+            </a:r>
+            <a:endParaRPr kumimoji="1" lang="en-US" altLang="zh-CN" sz="1920" dirty="0"/>
+          </a:p>
+          <a:p>
+            <a:r>
+              <a:rPr kumimoji="1" lang="zh-CN" altLang="en-US" sz="1920" dirty="0"/>
+              <a:t>得到一个以</a:t>
             </a:r>
             <a:r>
               <a:rPr kumimoji="1" lang="en-US" altLang="zh-CN" sz="1920" dirty="0"/>
+              <a:t>DAG </a:t>
+            </a:r>
+            <a:r>
+              <a:rPr kumimoji="1" lang="zh-CN" altLang="en-US" sz="1920" dirty="0"/>
+              <a:t>形式存储的含有公共子式的算式树</a:t>
+            </a:r>
+            <a:r>
+              <a:rPr kumimoji="1" lang="en-US" altLang="zh-CN" sz="1920" dirty="0"/>
+              <a:t>,</a:t>
+            </a:r>
+            <a:r>
+              <a:rPr kumimoji="1" lang="zh-CN" altLang="en-US" sz="1920" dirty="0"/>
               <a:t> </a:t>
             </a:r>
+            <a:endParaRPr kumimoji="1" lang="en-US" altLang="zh-CN" sz="1920" dirty="0"/>
           </a:p>
           <a:p>
             <a:pPr lvl="1"/>
-            <a:r>
-              <a:rPr kumimoji="1" lang="zh-CN" altLang="en-US" sz="1920" dirty="0"/>
-              <a:t>树的结构复杂</a:t>
-            </a:r>
-            <a:r>
-              <a:rPr kumimoji="1" lang="en-US" altLang="zh-CN" sz="1920" dirty="0"/>
-              <a:t>, </a:t>
-            </a:r>
-            <a:r>
-              <a:rPr kumimoji="1" lang="zh-CN" altLang="en-US" sz="1920" dirty="0"/>
-              <a:t>导致需要考虑情况很多</a:t>
-            </a:r>
-            <a:r>
-              <a:rPr kumimoji="1" lang="en-US" altLang="zh-CN" sz="1920" dirty="0"/>
-              <a:t>, </a:t>
-            </a:r>
-            <a:r>
-              <a:rPr kumimoji="1" lang="zh-CN" altLang="en-US" sz="1920" dirty="0"/>
-              <a:t>算法实现较为复杂困难</a:t>
-            </a:r>
-          </a:p>
-          <a:p>
-            <a:r>
-              <a:rPr kumimoji="1" lang="zh-CN" altLang="en-US" sz="2160" dirty="0"/>
-              <a:t>第二次尝试</a:t>
-            </a:r>
-            <a:r>
-              <a:rPr kumimoji="1" lang="en-US" altLang="zh-CN" sz="2160" dirty="0"/>
-              <a:t>: </a:t>
-            </a:r>
-            <a:r>
-              <a:rPr kumimoji="1" lang="zh-CN" altLang="en-US" sz="2160" dirty="0"/>
-              <a:t>使用一种</a:t>
-            </a:r>
-            <a:r>
-              <a:rPr kumimoji="1" lang="en-US" altLang="zh-CN" sz="2160" dirty="0"/>
-              <a:t>node</a:t>
-            </a:r>
-          </a:p>
-          <a:p>
-            <a:pPr lvl="1"/>
-            <a:r>
-              <a:rPr kumimoji="1" lang="zh-CN" altLang="en-US" sz="1920" dirty="0"/>
-              <a:t>使用</a:t>
-            </a:r>
-            <a:r>
-              <a:rPr kumimoji="1" lang="en-US" altLang="zh-CN" sz="1920" dirty="0"/>
-              <a:t>node id</a:t>
-            </a:r>
-            <a:r>
-              <a:rPr kumimoji="1" lang="zh-CN" altLang="en-US" sz="1920" dirty="0"/>
-              <a:t>标识</a:t>
-            </a:r>
-            <a:r>
-              <a:rPr kumimoji="1" lang="en-US" altLang="zh-CN" sz="1920" dirty="0"/>
-              <a:t>node</a:t>
-            </a:r>
-          </a:p>
-          <a:p>
-            <a:pPr lvl="1"/>
-            <a:r>
-              <a:rPr kumimoji="1" lang="en-US" altLang="zh-CN" sz="1920" dirty="0"/>
-              <a:t>Node</a:t>
-            </a:r>
-            <a:r>
-              <a:rPr kumimoji="1" lang="zh-CN" altLang="en-US" sz="1920" dirty="0"/>
-              <a:t>中包含运算符信息</a:t>
-            </a:r>
-            <a:endParaRPr kumimoji="1" lang="en-US" altLang="zh-CN" sz="1920" dirty="0"/>
-          </a:p>
-          <a:p>
-            <a:pPr marL="548640" lvl="1" indent="0">
-              <a:buNone/>
-            </a:pPr>
-            <a:r>
-              <a:rPr kumimoji="1" lang="zh-CN" altLang="en-US" sz="1920" dirty="0"/>
-              <a:t>    以便查看其生成方式</a:t>
-            </a:r>
-            <a:endParaRPr kumimoji="1" lang="en-US" altLang="zh-CN" sz="1920" dirty="0"/>
+            <a:endParaRPr kumimoji="1" lang="en-US" altLang="zh-CN" sz="1680" dirty="0"/>
           </a:p>
         </p:txBody>
       </p:sp>
       <p:pic>
         <p:nvPicPr>
-          <p:cNvPr id="5" name="图片 4">
+          <p:cNvPr id="8" name="图片 7">
             <a:extLst>
               <a:ext uri="{FF2B5EF4-FFF2-40B4-BE49-F238E27FC236}">
-                <a16:creationId xmlns:a16="http://schemas.microsoft.com/office/drawing/2014/main" id="{CAEB431E-D581-B9E6-8545-BBCB98D33D43}"/>
+                <a16:creationId xmlns:a16="http://schemas.microsoft.com/office/drawing/2014/main" id="{8F8B1663-B8E9-611D-AA02-A8A2EA00CA9B}"/>
               </a:ext>
             </a:extLst>
           </p:cNvPr>
@@ -16326,8 +14880,8 @@
         </p:blipFill>
         <p:spPr>
           <a:xfrm>
-            <a:off x="5136962" y="3889035"/>
-            <a:ext cx="5896798" cy="2467319"/>
+            <a:off x="1693306" y="2141621"/>
+            <a:ext cx="8805388" cy="874294"/>
           </a:xfrm>
           <a:prstGeom prst="rect">
             <a:avLst/>
@@ -16337,7 +14891,7 @@
     </p:spTree>
     <p:extLst>
       <p:ext uri="{BB962C8B-B14F-4D97-AF65-F5344CB8AC3E}">
-        <p14:creationId xmlns:p14="http://schemas.microsoft.com/office/powerpoint/2010/main" val="1696840372"/>
+        <p14:creationId xmlns:p14="http://schemas.microsoft.com/office/powerpoint/2010/main" val="1364486871"/>
       </p:ext>
     </p:extLst>
   </p:cSld>
@@ -16467,45 +15021,36 @@
           <a:lstStyle/>
           <a:p>
             <a:r>
+              <a:rPr kumimoji="1" lang="zh-CN" altLang="en-US" sz="2160" dirty="0"/>
+              <a:t>第一次尝试</a:t>
+            </a:r>
+            <a:r>
+              <a:rPr kumimoji="1" lang="en-US" altLang="zh-CN" sz="2160" dirty="0"/>
+              <a:t>: </a:t>
+            </a:r>
+            <a:r>
+              <a:rPr kumimoji="1" lang="zh-CN" altLang="en-US" sz="2160" dirty="0"/>
+              <a:t>将运算符和变量的</a:t>
+            </a:r>
+            <a:r>
+              <a:rPr kumimoji="1" lang="en-US" altLang="zh-CN" sz="2160" dirty="0"/>
+              <a:t>node</a:t>
+            </a:r>
+            <a:r>
+              <a:rPr kumimoji="1" lang="zh-CN" altLang="en-US" sz="2160" dirty="0"/>
+              <a:t>类型分开</a:t>
+            </a:r>
+            <a:endParaRPr kumimoji="1" lang="en-US" altLang="zh-CN" sz="2160" dirty="0"/>
+          </a:p>
+          <a:p>
+            <a:pPr lvl="1"/>
+            <a:r>
+              <a:rPr kumimoji="1" lang="en-US" altLang="zh-CN" sz="1920" dirty="0"/>
+              <a:t>R1CS</a:t>
+            </a:r>
+            <a:r>
               <a:rPr kumimoji="1" lang="zh-CN" altLang="en-US" sz="1920" dirty="0"/>
-              <a:t>将每一个约束按照</a:t>
-            </a:r>
-            <a:r>
-              <a:rPr kumimoji="1" lang="en-US" altLang="zh-CN" sz="1920" dirty="0"/>
-              <a:t>a*b=c</a:t>
-            </a:r>
-            <a:r>
-              <a:rPr kumimoji="1" lang="zh-CN" altLang="en-US" sz="1920" dirty="0"/>
-              <a:t>转换为算式</a:t>
-            </a:r>
-            <a:r>
-              <a:rPr kumimoji="1" lang="en-US" altLang="zh-CN" sz="1920" dirty="0"/>
-              <a:t>,</a:t>
-            </a:r>
-            <a:r>
-              <a:rPr kumimoji="1" lang="zh-CN" altLang="en-US" sz="1920" dirty="0"/>
-              <a:t>比如</a:t>
-            </a:r>
-            <a:endParaRPr kumimoji="1" lang="en-US" altLang="zh-CN" sz="1920" dirty="0"/>
-          </a:p>
-          <a:p>
-            <a:endParaRPr kumimoji="1" lang="en-US" altLang="zh-CN" sz="1920" dirty="0"/>
-          </a:p>
-          <a:p>
-            <a:endParaRPr kumimoji="1" lang="en-US" altLang="zh-CN" sz="1920" dirty="0"/>
-          </a:p>
-          <a:p>
-            <a:r>
-              <a:rPr kumimoji="1" lang="zh-CN" altLang="en-US" sz="1920" dirty="0"/>
-              <a:t>将原</a:t>
-            </a:r>
-            <a:r>
-              <a:rPr kumimoji="1" lang="en-US" altLang="zh-CN" sz="1920" dirty="0"/>
-              <a:t>R1CS </a:t>
-            </a:r>
-            <a:r>
-              <a:rPr kumimoji="1" lang="zh-CN" altLang="en-US" sz="1920" dirty="0"/>
-              <a:t>中每一个约束</a:t>
+              <a:t>约束间合并方式不同</a:t>
             </a:r>
             <a:r>
               <a:rPr kumimoji="1" lang="en-US" altLang="zh-CN" sz="1920" dirty="0"/>
@@ -16513,7 +15058,7 @@
             </a:r>
             <a:r>
               <a:rPr kumimoji="1" lang="zh-CN" altLang="en-US" sz="1920" dirty="0"/>
-              <a:t>都化成这样的算式</a:t>
+              <a:t>即当中间变量选取不同时</a:t>
             </a:r>
             <a:r>
               <a:rPr kumimoji="1" lang="en-US" altLang="zh-CN" sz="1920" dirty="0"/>
@@ -16521,45 +15066,103 @@
             </a:r>
             <a:r>
               <a:rPr kumimoji="1" lang="zh-CN" altLang="en-US" sz="1920" dirty="0"/>
-              <a:t>再将其结合在一起</a:t>
+              <a:t>建立的数据流树不同</a:t>
+            </a:r>
+            <a:r>
+              <a:rPr kumimoji="1" lang="en-US" altLang="zh-CN" sz="1920" dirty="0"/>
+              <a:t> </a:t>
+            </a:r>
+          </a:p>
+          <a:p>
+            <a:pPr lvl="1"/>
+            <a:r>
+              <a:rPr kumimoji="1" lang="zh-CN" altLang="en-US" sz="1920" dirty="0"/>
+              <a:t>树的结构复杂</a:t>
+            </a:r>
+            <a:r>
+              <a:rPr kumimoji="1" lang="en-US" altLang="zh-CN" sz="1920" dirty="0"/>
+              <a:t>, </a:t>
+            </a:r>
+            <a:r>
+              <a:rPr kumimoji="1" lang="zh-CN" altLang="en-US" sz="1920" dirty="0"/>
+              <a:t>导致需要考虑情况很多</a:t>
+            </a:r>
+            <a:r>
+              <a:rPr kumimoji="1" lang="en-US" altLang="zh-CN" sz="1920" dirty="0"/>
+              <a:t>, </a:t>
+            </a:r>
+            <a:r>
+              <a:rPr kumimoji="1" lang="zh-CN" altLang="en-US" sz="1920" dirty="0"/>
+              <a:t>算法实现较为复杂困难</a:t>
+            </a:r>
+          </a:p>
+          <a:p>
+            <a:r>
+              <a:rPr kumimoji="1" lang="zh-CN" altLang="en-US" sz="2160" dirty="0"/>
+              <a:t>第二次尝试</a:t>
+            </a:r>
+            <a:r>
+              <a:rPr kumimoji="1" lang="en-US" altLang="zh-CN" sz="2160" dirty="0"/>
+              <a:t>: </a:t>
+            </a:r>
+            <a:r>
+              <a:rPr kumimoji="1" lang="zh-CN" altLang="en-US" sz="2160" dirty="0"/>
+              <a:t>使用一种</a:t>
+            </a:r>
+            <a:r>
+              <a:rPr kumimoji="1" lang="en-US" altLang="zh-CN" sz="2160" dirty="0"/>
+              <a:t>node</a:t>
+            </a:r>
+          </a:p>
+          <a:p>
+            <a:pPr lvl="1"/>
+            <a:r>
+              <a:rPr kumimoji="1" lang="zh-CN" altLang="en-US" sz="1920" dirty="0"/>
+              <a:t>使用</a:t>
+            </a:r>
+            <a:r>
+              <a:rPr kumimoji="1" lang="en-US" altLang="zh-CN" sz="1920" dirty="0"/>
+              <a:t>node id</a:t>
+            </a:r>
+            <a:r>
+              <a:rPr kumimoji="1" lang="zh-CN" altLang="en-US" sz="1920" dirty="0"/>
+              <a:t>标识</a:t>
+            </a:r>
+            <a:r>
+              <a:rPr kumimoji="1" lang="en-US" altLang="zh-CN" sz="1920" dirty="0"/>
+              <a:t>node</a:t>
+            </a:r>
+          </a:p>
+          <a:p>
+            <a:pPr lvl="1"/>
+            <a:r>
+              <a:rPr kumimoji="1" lang="en-US" altLang="zh-CN" sz="1920" dirty="0"/>
+              <a:t>Node</a:t>
+            </a:r>
+            <a:r>
+              <a:rPr kumimoji="1" lang="zh-CN" altLang="en-US" sz="1920" dirty="0"/>
+              <a:t>中包含运算符信息</a:t>
             </a:r>
             <a:endParaRPr kumimoji="1" lang="en-US" altLang="zh-CN" sz="1920" dirty="0"/>
           </a:p>
           <a:p>
+            <a:pPr marL="548640" lvl="1" indent="0">
+              <a:buNone/>
+            </a:pPr>
             <a:r>
               <a:rPr kumimoji="1" lang="zh-CN" altLang="en-US" sz="1920" dirty="0"/>
-              <a:t>得到一个以</a:t>
-            </a:r>
-            <a:r>
-              <a:rPr kumimoji="1" lang="en-US" altLang="zh-CN" sz="1920" dirty="0"/>
-              <a:t>DAG </a:t>
-            </a:r>
-            <a:r>
-              <a:rPr kumimoji="1" lang="zh-CN" altLang="en-US" sz="1920" dirty="0"/>
-              <a:t>形式存储的含有公共子式的算式树</a:t>
-            </a:r>
-            <a:r>
-              <a:rPr kumimoji="1" lang="en-US" altLang="zh-CN" sz="1920" dirty="0"/>
-              <a:t>,</a:t>
-            </a:r>
-            <a:r>
-              <a:rPr kumimoji="1" lang="zh-CN" altLang="en-US" sz="1920" dirty="0"/>
-              <a:t> </a:t>
+              <a:t>    以便查看其生成方式</a:t>
             </a:r>
             <a:endParaRPr kumimoji="1" lang="en-US" altLang="zh-CN" sz="1920" dirty="0"/>
-          </a:p>
-          <a:p>
-            <a:pPr lvl="1"/>
-            <a:endParaRPr kumimoji="1" lang="en-US" altLang="zh-CN" sz="1680" dirty="0"/>
           </a:p>
         </p:txBody>
       </p:sp>
       <p:pic>
         <p:nvPicPr>
-          <p:cNvPr id="8" name="图片 7">
+          <p:cNvPr id="5" name="图片 4">
             <a:extLst>
               <a:ext uri="{FF2B5EF4-FFF2-40B4-BE49-F238E27FC236}">
-                <a16:creationId xmlns:a16="http://schemas.microsoft.com/office/drawing/2014/main" id="{8F8B1663-B8E9-611D-AA02-A8A2EA00CA9B}"/>
+                <a16:creationId xmlns:a16="http://schemas.microsoft.com/office/drawing/2014/main" id="{CAEB431E-D581-B9E6-8545-BBCB98D33D43}"/>
               </a:ext>
             </a:extLst>
           </p:cNvPr>
@@ -16576,8 +15179,8 @@
         </p:blipFill>
         <p:spPr>
           <a:xfrm>
-            <a:off x="1693306" y="2141621"/>
-            <a:ext cx="8805388" cy="874294"/>
+            <a:off x="5136962" y="3889035"/>
+            <a:ext cx="5896798" cy="2467319"/>
           </a:xfrm>
           <a:prstGeom prst="rect">
             <a:avLst/>
@@ -16587,7 +15190,7 @@
     </p:spTree>
     <p:extLst>
       <p:ext uri="{BB962C8B-B14F-4D97-AF65-F5344CB8AC3E}">
-        <p14:creationId xmlns:p14="http://schemas.microsoft.com/office/powerpoint/2010/main" val="1364486871"/>
+        <p14:creationId xmlns:p14="http://schemas.microsoft.com/office/powerpoint/2010/main" val="1696840372"/>
       </p:ext>
     </p:extLst>
   </p:cSld>
@@ -18424,40 +17027,1291 @@
           </a:p>
         </p:txBody>
       </p:sp>
-      <p:pic>
-        <p:nvPicPr>
-          <p:cNvPr id="62" name="图片 61">
+      <p:sp>
+        <p:nvSpPr>
+          <p:cNvPr id="3" name="椭圆 2">
             <a:extLst>
               <a:ext uri="{FF2B5EF4-FFF2-40B4-BE49-F238E27FC236}">
-                <a16:creationId xmlns:a16="http://schemas.microsoft.com/office/drawing/2014/main" id="{BC5A1572-E818-A127-F71E-D9EDAAC54B8C}"/>
+                <a16:creationId xmlns:a16="http://schemas.microsoft.com/office/drawing/2014/main" id="{A9853901-9E36-F864-FA61-0C01D2E5C382}"/>
               </a:ext>
             </a:extLst>
           </p:cNvPr>
-          <p:cNvPicPr>
-            <a:picLocks noChangeAspect="1"/>
-          </p:cNvPicPr>
+          <p:cNvSpPr/>
           <p:nvPr/>
-        </p:nvPicPr>
-        <p:blipFill>
-          <a:blip r:embed="rId2"/>
-          <a:stretch>
-            <a:fillRect/>
-          </a:stretch>
-        </p:blipFill>
+        </p:nvSpPr>
         <p:spPr>
           <a:xfrm>
-            <a:off x="2318596" y="1792542"/>
-            <a:ext cx="7554808" cy="4371474"/>
+            <a:off x="4063077" y="1749388"/>
+            <a:ext cx="719091" cy="719091"/>
           </a:xfrm>
-          <a:prstGeom prst="rect">
+          <a:prstGeom prst="ellipse">
             <a:avLst/>
           </a:prstGeom>
         </p:spPr>
-      </p:pic>
+        <p:style>
+          <a:lnRef idx="2">
+            <a:schemeClr val="accent1">
+              <a:shade val="50000"/>
+            </a:schemeClr>
+          </a:lnRef>
+          <a:fillRef idx="1">
+            <a:schemeClr val="accent1"/>
+          </a:fillRef>
+          <a:effectRef idx="0">
+            <a:schemeClr val="accent1"/>
+          </a:effectRef>
+          <a:fontRef idx="minor">
+            <a:schemeClr val="lt1"/>
+          </a:fontRef>
+        </p:style>
+        <p:txBody>
+          <a:bodyPr rtlCol="0" anchor="ctr"/>
+          <a:lstStyle/>
+          <a:p>
+            <a:pPr algn="ctr"/>
+            <a:r>
+              <a:rPr lang="en-US" altLang="zh-CN" sz="1100" dirty="0"/>
+              <a:t>NUL</a:t>
+            </a:r>
+          </a:p>
+          <a:p>
+            <a:pPr algn="ctr"/>
+            <a:r>
+              <a:rPr lang="en-US" altLang="zh-CN" sz="1100" dirty="0"/>
+              <a:t>X</a:t>
+            </a:r>
+            <a:endParaRPr lang="zh-CN" altLang="en-US" sz="1100" dirty="0"/>
+          </a:p>
+        </p:txBody>
+      </p:sp>
+      <p:sp>
+        <p:nvSpPr>
+          <p:cNvPr id="5" name="椭圆 4">
+            <a:extLst>
+              <a:ext uri="{FF2B5EF4-FFF2-40B4-BE49-F238E27FC236}">
+                <a16:creationId xmlns:a16="http://schemas.microsoft.com/office/drawing/2014/main" id="{17716842-1842-A006-4A68-5C94ADADA80F}"/>
+              </a:ext>
+            </a:extLst>
+          </p:cNvPr>
+          <p:cNvSpPr/>
+          <p:nvPr/>
+        </p:nvSpPr>
+        <p:spPr>
+          <a:xfrm>
+            <a:off x="4063077" y="2922722"/>
+            <a:ext cx="719091" cy="719091"/>
+          </a:xfrm>
+          <a:prstGeom prst="ellipse">
+            <a:avLst/>
+          </a:prstGeom>
+        </p:spPr>
+        <p:style>
+          <a:lnRef idx="2">
+            <a:schemeClr val="accent1">
+              <a:shade val="50000"/>
+            </a:schemeClr>
+          </a:lnRef>
+          <a:fillRef idx="1">
+            <a:schemeClr val="accent1"/>
+          </a:fillRef>
+          <a:effectRef idx="0">
+            <a:schemeClr val="accent1"/>
+          </a:effectRef>
+          <a:fontRef idx="minor">
+            <a:schemeClr val="lt1"/>
+          </a:fontRef>
+        </p:style>
+        <p:txBody>
+          <a:bodyPr rtlCol="0" anchor="ctr"/>
+          <a:lstStyle/>
+          <a:p>
+            <a:pPr algn="ctr"/>
+            <a:r>
+              <a:rPr lang="en-US" altLang="zh-CN" sz="1100" dirty="0"/>
+              <a:t>MUL</a:t>
+            </a:r>
+          </a:p>
+          <a:p>
+            <a:pPr algn="ctr"/>
+            <a:r>
+              <a:rPr lang="en-US" altLang="zh-CN" sz="1100" dirty="0"/>
+              <a:t>X^2</a:t>
+            </a:r>
+            <a:endParaRPr lang="zh-CN" altLang="en-US" sz="1100" dirty="0"/>
+          </a:p>
+        </p:txBody>
+      </p:sp>
+      <p:sp>
+        <p:nvSpPr>
+          <p:cNvPr id="6" name="椭圆 5">
+            <a:extLst>
+              <a:ext uri="{FF2B5EF4-FFF2-40B4-BE49-F238E27FC236}">
+                <a16:creationId xmlns:a16="http://schemas.microsoft.com/office/drawing/2014/main" id="{A991E560-EA54-D2E9-2DE9-85946CEF1F82}"/>
+              </a:ext>
+            </a:extLst>
+          </p:cNvPr>
+          <p:cNvSpPr/>
+          <p:nvPr/>
+        </p:nvSpPr>
+        <p:spPr>
+          <a:xfrm>
+            <a:off x="3230057" y="3785335"/>
+            <a:ext cx="719091" cy="719091"/>
+          </a:xfrm>
+          <a:prstGeom prst="ellipse">
+            <a:avLst/>
+          </a:prstGeom>
+        </p:spPr>
+        <p:style>
+          <a:lnRef idx="2">
+            <a:schemeClr val="accent1">
+              <a:shade val="50000"/>
+            </a:schemeClr>
+          </a:lnRef>
+          <a:fillRef idx="1">
+            <a:schemeClr val="accent1"/>
+          </a:fillRef>
+          <a:effectRef idx="0">
+            <a:schemeClr val="accent1"/>
+          </a:effectRef>
+          <a:fontRef idx="minor">
+            <a:schemeClr val="lt1"/>
+          </a:fontRef>
+        </p:style>
+        <p:txBody>
+          <a:bodyPr rtlCol="0" anchor="ctr"/>
+          <a:lstStyle/>
+          <a:p>
+            <a:pPr algn="ctr"/>
+            <a:r>
+              <a:rPr lang="en-US" altLang="zh-CN" sz="1100" dirty="0"/>
+              <a:t>MUL</a:t>
+            </a:r>
+          </a:p>
+          <a:p>
+            <a:pPr algn="ctr"/>
+            <a:r>
+              <a:rPr lang="en-US" altLang="zh-CN" sz="1100" dirty="0"/>
+              <a:t>X^3</a:t>
+            </a:r>
+            <a:endParaRPr lang="zh-CN" altLang="en-US" sz="1100" dirty="0"/>
+          </a:p>
+        </p:txBody>
+      </p:sp>
+      <p:cxnSp>
+        <p:nvCxnSpPr>
+          <p:cNvPr id="7" name="连接符: 曲线 6">
+            <a:extLst>
+              <a:ext uri="{FF2B5EF4-FFF2-40B4-BE49-F238E27FC236}">
+                <a16:creationId xmlns:a16="http://schemas.microsoft.com/office/drawing/2014/main" id="{5A1D7CCF-E325-66A1-F848-34DBF2A261BE}"/>
+              </a:ext>
+            </a:extLst>
+          </p:cNvPr>
+          <p:cNvCxnSpPr>
+            <a:stCxn id="3" idx="4"/>
+            <a:endCxn id="5" idx="0"/>
+          </p:cNvCxnSpPr>
+          <p:nvPr/>
+        </p:nvCxnSpPr>
+        <p:spPr>
+          <a:xfrm rot="5400000">
+            <a:off x="4195502" y="2695600"/>
+            <a:ext cx="454243" cy="12700"/>
+          </a:xfrm>
+          <a:prstGeom prst="curvedConnector3">
+            <a:avLst/>
+          </a:prstGeom>
+          <a:ln>
+            <a:tailEnd type="triangle"/>
+          </a:ln>
+        </p:spPr>
+        <p:style>
+          <a:lnRef idx="1">
+            <a:schemeClr val="accent1"/>
+          </a:lnRef>
+          <a:fillRef idx="0">
+            <a:schemeClr val="accent1"/>
+          </a:fillRef>
+          <a:effectRef idx="0">
+            <a:schemeClr val="accent1"/>
+          </a:effectRef>
+          <a:fontRef idx="minor">
+            <a:schemeClr val="tx1"/>
+          </a:fontRef>
+        </p:style>
+      </p:cxnSp>
+      <p:cxnSp>
+        <p:nvCxnSpPr>
+          <p:cNvPr id="8" name="连接符: 曲线 7">
+            <a:extLst>
+              <a:ext uri="{FF2B5EF4-FFF2-40B4-BE49-F238E27FC236}">
+                <a16:creationId xmlns:a16="http://schemas.microsoft.com/office/drawing/2014/main" id="{159CCD41-C29A-68F8-2EE0-EAFCC39E269C}"/>
+              </a:ext>
+            </a:extLst>
+          </p:cNvPr>
+          <p:cNvCxnSpPr>
+            <a:stCxn id="5" idx="4"/>
+            <a:endCxn id="6" idx="6"/>
+          </p:cNvCxnSpPr>
+          <p:nvPr/>
+        </p:nvCxnSpPr>
+        <p:spPr>
+          <a:xfrm rot="5400000">
+            <a:off x="3934352" y="3656610"/>
+            <a:ext cx="503068" cy="473475"/>
+          </a:xfrm>
+          <a:prstGeom prst="curvedConnector2">
+            <a:avLst/>
+          </a:prstGeom>
+          <a:ln>
+            <a:tailEnd type="triangle"/>
+          </a:ln>
+        </p:spPr>
+        <p:style>
+          <a:lnRef idx="1">
+            <a:schemeClr val="accent1"/>
+          </a:lnRef>
+          <a:fillRef idx="0">
+            <a:schemeClr val="accent1"/>
+          </a:fillRef>
+          <a:effectRef idx="0">
+            <a:schemeClr val="accent1"/>
+          </a:effectRef>
+          <a:fontRef idx="minor">
+            <a:schemeClr val="tx1"/>
+          </a:fontRef>
+        </p:style>
+      </p:cxnSp>
+      <p:cxnSp>
+        <p:nvCxnSpPr>
+          <p:cNvPr id="11" name="连接符: 曲线 10">
+            <a:extLst>
+              <a:ext uri="{FF2B5EF4-FFF2-40B4-BE49-F238E27FC236}">
+                <a16:creationId xmlns:a16="http://schemas.microsoft.com/office/drawing/2014/main" id="{597DA95C-3186-AA57-964D-6BA4A52E0E0A}"/>
+              </a:ext>
+            </a:extLst>
+          </p:cNvPr>
+          <p:cNvCxnSpPr>
+            <a:cxnSpLocks/>
+            <a:stCxn id="3" idx="3"/>
+            <a:endCxn id="6" idx="0"/>
+          </p:cNvCxnSpPr>
+          <p:nvPr/>
+        </p:nvCxnSpPr>
+        <p:spPr>
+          <a:xfrm rot="5400000">
+            <a:off x="3167912" y="2784862"/>
+            <a:ext cx="1422164" cy="578782"/>
+          </a:xfrm>
+          <a:prstGeom prst="curvedConnector3">
+            <a:avLst>
+              <a:gd name="adj1" fmla="val 50000"/>
+            </a:avLst>
+          </a:prstGeom>
+          <a:ln>
+            <a:tailEnd type="triangle"/>
+          </a:ln>
+        </p:spPr>
+        <p:style>
+          <a:lnRef idx="1">
+            <a:schemeClr val="accent1"/>
+          </a:lnRef>
+          <a:fillRef idx="0">
+            <a:schemeClr val="accent1"/>
+          </a:fillRef>
+          <a:effectRef idx="0">
+            <a:schemeClr val="accent1"/>
+          </a:effectRef>
+          <a:fontRef idx="minor">
+            <a:schemeClr val="tx1"/>
+          </a:fontRef>
+        </p:style>
+      </p:cxnSp>
+      <p:sp>
+        <p:nvSpPr>
+          <p:cNvPr id="13" name="椭圆 12">
+            <a:extLst>
+              <a:ext uri="{FF2B5EF4-FFF2-40B4-BE49-F238E27FC236}">
+                <a16:creationId xmlns:a16="http://schemas.microsoft.com/office/drawing/2014/main" id="{F5209858-6118-2CD6-79C6-5549ED86C326}"/>
+              </a:ext>
+            </a:extLst>
+          </p:cNvPr>
+          <p:cNvSpPr/>
+          <p:nvPr/>
+        </p:nvSpPr>
+        <p:spPr>
+          <a:xfrm>
+            <a:off x="2411304" y="4735604"/>
+            <a:ext cx="719091" cy="719091"/>
+          </a:xfrm>
+          <a:prstGeom prst="ellipse">
+            <a:avLst/>
+          </a:prstGeom>
+        </p:spPr>
+        <p:style>
+          <a:lnRef idx="2">
+            <a:schemeClr val="accent1">
+              <a:shade val="50000"/>
+            </a:schemeClr>
+          </a:lnRef>
+          <a:fillRef idx="1">
+            <a:schemeClr val="accent1"/>
+          </a:fillRef>
+          <a:effectRef idx="0">
+            <a:schemeClr val="accent1"/>
+          </a:effectRef>
+          <a:fontRef idx="minor">
+            <a:schemeClr val="lt1"/>
+          </a:fontRef>
+        </p:style>
+        <p:txBody>
+          <a:bodyPr rtlCol="0" anchor="ctr"/>
+          <a:lstStyle/>
+          <a:p>
+            <a:pPr algn="ctr"/>
+            <a:r>
+              <a:rPr lang="en-US" altLang="zh-CN" sz="1100" dirty="0"/>
+              <a:t>ADD</a:t>
+            </a:r>
+          </a:p>
+          <a:p>
+            <a:pPr algn="ctr"/>
+            <a:r>
+              <a:rPr lang="en-US" altLang="zh-CN" sz="1100" dirty="0"/>
+              <a:t>_</a:t>
+            </a:r>
+            <a:endParaRPr lang="zh-CN" altLang="en-US" sz="1100" dirty="0"/>
+          </a:p>
+        </p:txBody>
+      </p:sp>
+      <p:cxnSp>
+        <p:nvCxnSpPr>
+          <p:cNvPr id="14" name="连接符: 曲线 13">
+            <a:extLst>
+              <a:ext uri="{FF2B5EF4-FFF2-40B4-BE49-F238E27FC236}">
+                <a16:creationId xmlns:a16="http://schemas.microsoft.com/office/drawing/2014/main" id="{8B0EBAB3-9F42-4DC9-9AC8-7653324F3CC7}"/>
+              </a:ext>
+            </a:extLst>
+          </p:cNvPr>
+          <p:cNvCxnSpPr>
+            <a:stCxn id="6" idx="3"/>
+            <a:endCxn id="13" idx="7"/>
+          </p:cNvCxnSpPr>
+          <p:nvPr/>
+        </p:nvCxnSpPr>
+        <p:spPr>
+          <a:xfrm rot="5400000">
+            <a:off x="2959329" y="4464876"/>
+            <a:ext cx="441794" cy="310278"/>
+          </a:xfrm>
+          <a:prstGeom prst="curvedConnector3">
+            <a:avLst/>
+          </a:prstGeom>
+          <a:ln>
+            <a:tailEnd type="triangle"/>
+          </a:ln>
+        </p:spPr>
+        <p:style>
+          <a:lnRef idx="1">
+            <a:schemeClr val="accent1"/>
+          </a:lnRef>
+          <a:fillRef idx="0">
+            <a:schemeClr val="accent1"/>
+          </a:fillRef>
+          <a:effectRef idx="0">
+            <a:schemeClr val="accent1"/>
+          </a:effectRef>
+          <a:fontRef idx="minor">
+            <a:schemeClr val="tx1"/>
+          </a:fontRef>
+        </p:style>
+      </p:cxnSp>
+      <p:cxnSp>
+        <p:nvCxnSpPr>
+          <p:cNvPr id="15" name="连接符: 曲线 14">
+            <a:extLst>
+              <a:ext uri="{FF2B5EF4-FFF2-40B4-BE49-F238E27FC236}">
+                <a16:creationId xmlns:a16="http://schemas.microsoft.com/office/drawing/2014/main" id="{562CEA5E-441E-519B-53DA-7E8A023FF67A}"/>
+              </a:ext>
+            </a:extLst>
+          </p:cNvPr>
+          <p:cNvCxnSpPr>
+            <a:stCxn id="3" idx="2"/>
+            <a:endCxn id="13" idx="0"/>
+          </p:cNvCxnSpPr>
+          <p:nvPr/>
+        </p:nvCxnSpPr>
+        <p:spPr>
+          <a:xfrm rot="10800000" flipV="1">
+            <a:off x="2770851" y="2108934"/>
+            <a:ext cx="1292227" cy="2626670"/>
+          </a:xfrm>
+          <a:prstGeom prst="curvedConnector2">
+            <a:avLst/>
+          </a:prstGeom>
+          <a:ln>
+            <a:tailEnd type="triangle"/>
+          </a:ln>
+        </p:spPr>
+        <p:style>
+          <a:lnRef idx="1">
+            <a:schemeClr val="accent1"/>
+          </a:lnRef>
+          <a:fillRef idx="0">
+            <a:schemeClr val="accent1"/>
+          </a:fillRef>
+          <a:effectRef idx="0">
+            <a:schemeClr val="accent1"/>
+          </a:effectRef>
+          <a:fontRef idx="minor">
+            <a:schemeClr val="tx1"/>
+          </a:fontRef>
+        </p:style>
+      </p:cxnSp>
+      <p:sp>
+        <p:nvSpPr>
+          <p:cNvPr id="16" name="椭圆 15">
+            <a:extLst>
+              <a:ext uri="{FF2B5EF4-FFF2-40B4-BE49-F238E27FC236}">
+                <a16:creationId xmlns:a16="http://schemas.microsoft.com/office/drawing/2014/main" id="{15948352-4C0D-183D-87E7-0E20B01FE5EE}"/>
+              </a:ext>
+            </a:extLst>
+          </p:cNvPr>
+          <p:cNvSpPr/>
+          <p:nvPr/>
+        </p:nvSpPr>
+        <p:spPr>
+          <a:xfrm>
+            <a:off x="1084939" y="4755454"/>
+            <a:ext cx="719091" cy="719091"/>
+          </a:xfrm>
+          <a:prstGeom prst="ellipse">
+            <a:avLst/>
+          </a:prstGeom>
+        </p:spPr>
+        <p:style>
+          <a:lnRef idx="2">
+            <a:schemeClr val="accent1">
+              <a:shade val="50000"/>
+            </a:schemeClr>
+          </a:lnRef>
+          <a:fillRef idx="1">
+            <a:schemeClr val="accent1"/>
+          </a:fillRef>
+          <a:effectRef idx="0">
+            <a:schemeClr val="accent1"/>
+          </a:effectRef>
+          <a:fontRef idx="minor">
+            <a:schemeClr val="lt1"/>
+          </a:fontRef>
+        </p:style>
+        <p:txBody>
+          <a:bodyPr rtlCol="0" anchor="ctr"/>
+          <a:lstStyle/>
+          <a:p>
+            <a:pPr algn="ctr"/>
+            <a:r>
+              <a:rPr lang="en-US" altLang="zh-CN" sz="900" dirty="0"/>
+              <a:t>~ONE</a:t>
+            </a:r>
+          </a:p>
+          <a:p>
+            <a:pPr algn="ctr"/>
+            <a:r>
+              <a:rPr lang="en-US" altLang="zh-CN" sz="1100" dirty="0"/>
+              <a:t>5</a:t>
+            </a:r>
+          </a:p>
+        </p:txBody>
+      </p:sp>
+      <p:sp>
+        <p:nvSpPr>
+          <p:cNvPr id="17" name="椭圆 16">
+            <a:extLst>
+              <a:ext uri="{FF2B5EF4-FFF2-40B4-BE49-F238E27FC236}">
+                <a16:creationId xmlns:a16="http://schemas.microsoft.com/office/drawing/2014/main" id="{CA892CD2-5F00-5E5A-AF52-2195729CFB9E}"/>
+              </a:ext>
+            </a:extLst>
+          </p:cNvPr>
+          <p:cNvSpPr/>
+          <p:nvPr/>
+        </p:nvSpPr>
+        <p:spPr>
+          <a:xfrm>
+            <a:off x="1774120" y="5637263"/>
+            <a:ext cx="719091" cy="719091"/>
+          </a:xfrm>
+          <a:prstGeom prst="ellipse">
+            <a:avLst/>
+          </a:prstGeom>
+        </p:spPr>
+        <p:style>
+          <a:lnRef idx="2">
+            <a:schemeClr val="accent1">
+              <a:shade val="50000"/>
+            </a:schemeClr>
+          </a:lnRef>
+          <a:fillRef idx="1">
+            <a:schemeClr val="accent1"/>
+          </a:fillRef>
+          <a:effectRef idx="0">
+            <a:schemeClr val="accent1"/>
+          </a:effectRef>
+          <a:fontRef idx="minor">
+            <a:schemeClr val="lt1"/>
+          </a:fontRef>
+        </p:style>
+        <p:txBody>
+          <a:bodyPr rtlCol="0" anchor="ctr"/>
+          <a:lstStyle/>
+          <a:p>
+            <a:pPr algn="ctr"/>
+            <a:r>
+              <a:rPr lang="en-US" altLang="zh-CN" sz="1100" dirty="0"/>
+              <a:t>ADD</a:t>
+            </a:r>
+          </a:p>
+          <a:p>
+            <a:pPr algn="ctr"/>
+            <a:r>
+              <a:rPr lang="en-US" altLang="zh-CN" sz="1100" dirty="0"/>
+              <a:t>_</a:t>
+            </a:r>
+            <a:endParaRPr lang="zh-CN" altLang="en-US" sz="1100" dirty="0"/>
+          </a:p>
+        </p:txBody>
+      </p:sp>
+      <p:cxnSp>
+        <p:nvCxnSpPr>
+          <p:cNvPr id="18" name="连接符: 曲线 17">
+            <a:extLst>
+              <a:ext uri="{FF2B5EF4-FFF2-40B4-BE49-F238E27FC236}">
+                <a16:creationId xmlns:a16="http://schemas.microsoft.com/office/drawing/2014/main" id="{D1EA5934-F687-C752-BFA7-EE11408C0B29}"/>
+              </a:ext>
+            </a:extLst>
+          </p:cNvPr>
+          <p:cNvCxnSpPr>
+            <a:stCxn id="16" idx="5"/>
+            <a:endCxn id="17" idx="1"/>
+          </p:cNvCxnSpPr>
+          <p:nvPr/>
+        </p:nvCxnSpPr>
+        <p:spPr>
+          <a:xfrm rot="16200000" flipH="1">
+            <a:off x="1602408" y="5465551"/>
+            <a:ext cx="373334" cy="180706"/>
+          </a:xfrm>
+          <a:prstGeom prst="curvedConnector3">
+            <a:avLst/>
+          </a:prstGeom>
+          <a:ln>
+            <a:tailEnd type="triangle"/>
+          </a:ln>
+        </p:spPr>
+        <p:style>
+          <a:lnRef idx="1">
+            <a:schemeClr val="accent1"/>
+          </a:lnRef>
+          <a:fillRef idx="0">
+            <a:schemeClr val="accent1"/>
+          </a:fillRef>
+          <a:effectRef idx="0">
+            <a:schemeClr val="accent1"/>
+          </a:effectRef>
+          <a:fontRef idx="minor">
+            <a:schemeClr val="tx1"/>
+          </a:fontRef>
+        </p:style>
+      </p:cxnSp>
+      <p:cxnSp>
+        <p:nvCxnSpPr>
+          <p:cNvPr id="19" name="连接符: 曲线 18">
+            <a:extLst>
+              <a:ext uri="{FF2B5EF4-FFF2-40B4-BE49-F238E27FC236}">
+                <a16:creationId xmlns:a16="http://schemas.microsoft.com/office/drawing/2014/main" id="{39E18E20-19E2-F2D4-19D4-F2C611C762A8}"/>
+              </a:ext>
+            </a:extLst>
+          </p:cNvPr>
+          <p:cNvCxnSpPr>
+            <a:stCxn id="13" idx="3"/>
+            <a:endCxn id="17" idx="7"/>
+          </p:cNvCxnSpPr>
+          <p:nvPr/>
+        </p:nvCxnSpPr>
+        <p:spPr>
+          <a:xfrm rot="5400000">
+            <a:off x="2255666" y="5481625"/>
+            <a:ext cx="393184" cy="128709"/>
+          </a:xfrm>
+          <a:prstGeom prst="curvedConnector3">
+            <a:avLst/>
+          </a:prstGeom>
+          <a:ln>
+            <a:tailEnd type="triangle"/>
+          </a:ln>
+        </p:spPr>
+        <p:style>
+          <a:lnRef idx="1">
+            <a:schemeClr val="accent1"/>
+          </a:lnRef>
+          <a:fillRef idx="0">
+            <a:schemeClr val="accent1"/>
+          </a:fillRef>
+          <a:effectRef idx="0">
+            <a:schemeClr val="accent1"/>
+          </a:effectRef>
+          <a:fontRef idx="minor">
+            <a:schemeClr val="tx1"/>
+          </a:fontRef>
+        </p:style>
+      </p:cxnSp>
+      <p:sp>
+        <p:nvSpPr>
+          <p:cNvPr id="20" name="椭圆 19">
+            <a:extLst>
+              <a:ext uri="{FF2B5EF4-FFF2-40B4-BE49-F238E27FC236}">
+                <a16:creationId xmlns:a16="http://schemas.microsoft.com/office/drawing/2014/main" id="{40CB2327-7D4F-5E2C-384D-B4028064E33E}"/>
+              </a:ext>
+            </a:extLst>
+          </p:cNvPr>
+          <p:cNvSpPr/>
+          <p:nvPr/>
+        </p:nvSpPr>
+        <p:spPr>
+          <a:xfrm>
+            <a:off x="9581339" y="1889389"/>
+            <a:ext cx="719091" cy="719091"/>
+          </a:xfrm>
+          <a:prstGeom prst="ellipse">
+            <a:avLst/>
+          </a:prstGeom>
+        </p:spPr>
+        <p:style>
+          <a:lnRef idx="2">
+            <a:schemeClr val="accent1">
+              <a:shade val="50000"/>
+            </a:schemeClr>
+          </a:lnRef>
+          <a:fillRef idx="1">
+            <a:schemeClr val="accent1"/>
+          </a:fillRef>
+          <a:effectRef idx="0">
+            <a:schemeClr val="accent1"/>
+          </a:effectRef>
+          <a:fontRef idx="minor">
+            <a:schemeClr val="lt1"/>
+          </a:fontRef>
+        </p:style>
+        <p:txBody>
+          <a:bodyPr rtlCol="0" anchor="ctr"/>
+          <a:lstStyle/>
+          <a:p>
+            <a:pPr algn="ctr"/>
+            <a:r>
+              <a:rPr lang="en-US" altLang="zh-CN" sz="1100" dirty="0"/>
+              <a:t>NUL</a:t>
+            </a:r>
+          </a:p>
+          <a:p>
+            <a:pPr algn="ctr"/>
+            <a:r>
+              <a:rPr lang="en-US" altLang="zh-CN" sz="1100" dirty="0"/>
+              <a:t>X</a:t>
+            </a:r>
+            <a:endParaRPr lang="zh-CN" altLang="en-US" sz="1100" dirty="0"/>
+          </a:p>
+        </p:txBody>
+      </p:sp>
+      <p:sp>
+        <p:nvSpPr>
+          <p:cNvPr id="21" name="椭圆 20">
+            <a:extLst>
+              <a:ext uri="{FF2B5EF4-FFF2-40B4-BE49-F238E27FC236}">
+                <a16:creationId xmlns:a16="http://schemas.microsoft.com/office/drawing/2014/main" id="{876F0601-54E3-F559-AEAF-A4E3606743FA}"/>
+              </a:ext>
+            </a:extLst>
+          </p:cNvPr>
+          <p:cNvSpPr/>
+          <p:nvPr/>
+        </p:nvSpPr>
+        <p:spPr>
+          <a:xfrm>
+            <a:off x="9581339" y="3062723"/>
+            <a:ext cx="719091" cy="719091"/>
+          </a:xfrm>
+          <a:prstGeom prst="ellipse">
+            <a:avLst/>
+          </a:prstGeom>
+        </p:spPr>
+        <p:style>
+          <a:lnRef idx="2">
+            <a:schemeClr val="accent1">
+              <a:shade val="50000"/>
+            </a:schemeClr>
+          </a:lnRef>
+          <a:fillRef idx="1">
+            <a:schemeClr val="accent1"/>
+          </a:fillRef>
+          <a:effectRef idx="0">
+            <a:schemeClr val="accent1"/>
+          </a:effectRef>
+          <a:fontRef idx="minor">
+            <a:schemeClr val="lt1"/>
+          </a:fontRef>
+        </p:style>
+        <p:txBody>
+          <a:bodyPr rtlCol="0" anchor="ctr"/>
+          <a:lstStyle/>
+          <a:p>
+            <a:pPr algn="ctr"/>
+            <a:r>
+              <a:rPr lang="en-US" altLang="zh-CN" sz="1100" dirty="0"/>
+              <a:t>MUL</a:t>
+            </a:r>
+          </a:p>
+          <a:p>
+            <a:pPr algn="ctr"/>
+            <a:r>
+              <a:rPr lang="en-US" altLang="zh-CN" sz="1100" dirty="0"/>
+              <a:t>X^2</a:t>
+            </a:r>
+            <a:endParaRPr lang="zh-CN" altLang="en-US" sz="1100" dirty="0"/>
+          </a:p>
+        </p:txBody>
+      </p:sp>
+      <p:sp>
+        <p:nvSpPr>
+          <p:cNvPr id="50" name="椭圆 49">
+            <a:extLst>
+              <a:ext uri="{FF2B5EF4-FFF2-40B4-BE49-F238E27FC236}">
+                <a16:creationId xmlns:a16="http://schemas.microsoft.com/office/drawing/2014/main" id="{FFF5218D-6E7C-C654-55FC-2FF20F93C315}"/>
+              </a:ext>
+            </a:extLst>
+          </p:cNvPr>
+          <p:cNvSpPr/>
+          <p:nvPr/>
+        </p:nvSpPr>
+        <p:spPr>
+          <a:xfrm>
+            <a:off x="8748319" y="3925336"/>
+            <a:ext cx="719091" cy="719091"/>
+          </a:xfrm>
+          <a:prstGeom prst="ellipse">
+            <a:avLst/>
+          </a:prstGeom>
+        </p:spPr>
+        <p:style>
+          <a:lnRef idx="2">
+            <a:schemeClr val="accent1">
+              <a:shade val="50000"/>
+            </a:schemeClr>
+          </a:lnRef>
+          <a:fillRef idx="1">
+            <a:schemeClr val="accent1"/>
+          </a:fillRef>
+          <a:effectRef idx="0">
+            <a:schemeClr val="accent1"/>
+          </a:effectRef>
+          <a:fontRef idx="minor">
+            <a:schemeClr val="lt1"/>
+          </a:fontRef>
+        </p:style>
+        <p:txBody>
+          <a:bodyPr rtlCol="0" anchor="ctr"/>
+          <a:lstStyle/>
+          <a:p>
+            <a:pPr algn="ctr"/>
+            <a:r>
+              <a:rPr lang="en-US" altLang="zh-CN" sz="1100" dirty="0"/>
+              <a:t>MUL</a:t>
+            </a:r>
+          </a:p>
+          <a:p>
+            <a:pPr algn="ctr"/>
+            <a:r>
+              <a:rPr lang="en-US" altLang="zh-CN" sz="1100" dirty="0"/>
+              <a:t>X^3</a:t>
+            </a:r>
+            <a:endParaRPr lang="zh-CN" altLang="en-US" sz="1100" dirty="0"/>
+          </a:p>
+        </p:txBody>
+      </p:sp>
+      <p:cxnSp>
+        <p:nvCxnSpPr>
+          <p:cNvPr id="51" name="连接符: 曲线 50">
+            <a:extLst>
+              <a:ext uri="{FF2B5EF4-FFF2-40B4-BE49-F238E27FC236}">
+                <a16:creationId xmlns:a16="http://schemas.microsoft.com/office/drawing/2014/main" id="{D5C963C7-839B-1E4B-2054-6143EAC74ED5}"/>
+              </a:ext>
+            </a:extLst>
+          </p:cNvPr>
+          <p:cNvCxnSpPr>
+            <a:stCxn id="20" idx="4"/>
+            <a:endCxn id="21" idx="0"/>
+          </p:cNvCxnSpPr>
+          <p:nvPr/>
+        </p:nvCxnSpPr>
+        <p:spPr>
+          <a:xfrm rot="5400000">
+            <a:off x="9713764" y="2835601"/>
+            <a:ext cx="454243" cy="12700"/>
+          </a:xfrm>
+          <a:prstGeom prst="curvedConnector3">
+            <a:avLst/>
+          </a:prstGeom>
+          <a:ln>
+            <a:tailEnd type="triangle"/>
+          </a:ln>
+        </p:spPr>
+        <p:style>
+          <a:lnRef idx="1">
+            <a:schemeClr val="accent1"/>
+          </a:lnRef>
+          <a:fillRef idx="0">
+            <a:schemeClr val="accent1"/>
+          </a:fillRef>
+          <a:effectRef idx="0">
+            <a:schemeClr val="accent1"/>
+          </a:effectRef>
+          <a:fontRef idx="minor">
+            <a:schemeClr val="tx1"/>
+          </a:fontRef>
+        </p:style>
+      </p:cxnSp>
+      <p:cxnSp>
+        <p:nvCxnSpPr>
+          <p:cNvPr id="52" name="连接符: 曲线 51">
+            <a:extLst>
+              <a:ext uri="{FF2B5EF4-FFF2-40B4-BE49-F238E27FC236}">
+                <a16:creationId xmlns:a16="http://schemas.microsoft.com/office/drawing/2014/main" id="{49A1996B-3C24-3001-EDC2-F7F2F2C866DB}"/>
+              </a:ext>
+            </a:extLst>
+          </p:cNvPr>
+          <p:cNvCxnSpPr>
+            <a:stCxn id="21" idx="4"/>
+            <a:endCxn id="50" idx="6"/>
+          </p:cNvCxnSpPr>
+          <p:nvPr/>
+        </p:nvCxnSpPr>
+        <p:spPr>
+          <a:xfrm rot="5400000">
+            <a:off x="9452614" y="3796611"/>
+            <a:ext cx="503068" cy="473475"/>
+          </a:xfrm>
+          <a:prstGeom prst="curvedConnector2">
+            <a:avLst/>
+          </a:prstGeom>
+          <a:ln>
+            <a:tailEnd type="triangle"/>
+          </a:ln>
+        </p:spPr>
+        <p:style>
+          <a:lnRef idx="1">
+            <a:schemeClr val="accent1"/>
+          </a:lnRef>
+          <a:fillRef idx="0">
+            <a:schemeClr val="accent1"/>
+          </a:fillRef>
+          <a:effectRef idx="0">
+            <a:schemeClr val="accent1"/>
+          </a:effectRef>
+          <a:fontRef idx="minor">
+            <a:schemeClr val="tx1"/>
+          </a:fontRef>
+        </p:style>
+      </p:cxnSp>
+      <p:cxnSp>
+        <p:nvCxnSpPr>
+          <p:cNvPr id="53" name="连接符: 曲线 52">
+            <a:extLst>
+              <a:ext uri="{FF2B5EF4-FFF2-40B4-BE49-F238E27FC236}">
+                <a16:creationId xmlns:a16="http://schemas.microsoft.com/office/drawing/2014/main" id="{DF0CF8AD-F750-B528-CCEA-31A5A0E6A8BE}"/>
+              </a:ext>
+            </a:extLst>
+          </p:cNvPr>
+          <p:cNvCxnSpPr>
+            <a:cxnSpLocks/>
+            <a:stCxn id="20" idx="3"/>
+            <a:endCxn id="50" idx="0"/>
+          </p:cNvCxnSpPr>
+          <p:nvPr/>
+        </p:nvCxnSpPr>
+        <p:spPr>
+          <a:xfrm rot="5400000">
+            <a:off x="8686174" y="2924863"/>
+            <a:ext cx="1422164" cy="578782"/>
+          </a:xfrm>
+          <a:prstGeom prst="curvedConnector3">
+            <a:avLst>
+              <a:gd name="adj1" fmla="val 50000"/>
+            </a:avLst>
+          </a:prstGeom>
+          <a:ln>
+            <a:tailEnd type="triangle"/>
+          </a:ln>
+        </p:spPr>
+        <p:style>
+          <a:lnRef idx="1">
+            <a:schemeClr val="accent1"/>
+          </a:lnRef>
+          <a:fillRef idx="0">
+            <a:schemeClr val="accent1"/>
+          </a:fillRef>
+          <a:effectRef idx="0">
+            <a:schemeClr val="accent1"/>
+          </a:effectRef>
+          <a:fontRef idx="minor">
+            <a:schemeClr val="tx1"/>
+          </a:fontRef>
+        </p:style>
+      </p:cxnSp>
+      <p:sp>
+        <p:nvSpPr>
+          <p:cNvPr id="54" name="椭圆 53">
+            <a:extLst>
+              <a:ext uri="{FF2B5EF4-FFF2-40B4-BE49-F238E27FC236}">
+                <a16:creationId xmlns:a16="http://schemas.microsoft.com/office/drawing/2014/main" id="{43809BD4-9753-EE83-C467-49CFC22F1026}"/>
+              </a:ext>
+            </a:extLst>
+          </p:cNvPr>
+          <p:cNvSpPr/>
+          <p:nvPr/>
+        </p:nvSpPr>
+        <p:spPr>
+          <a:xfrm>
+            <a:off x="7929566" y="4875605"/>
+            <a:ext cx="719091" cy="719091"/>
+          </a:xfrm>
+          <a:prstGeom prst="ellipse">
+            <a:avLst/>
+          </a:prstGeom>
+        </p:spPr>
+        <p:style>
+          <a:lnRef idx="2">
+            <a:schemeClr val="accent1">
+              <a:shade val="50000"/>
+            </a:schemeClr>
+          </a:lnRef>
+          <a:fillRef idx="1">
+            <a:schemeClr val="accent1"/>
+          </a:fillRef>
+          <a:effectRef idx="0">
+            <a:schemeClr val="accent1"/>
+          </a:effectRef>
+          <a:fontRef idx="minor">
+            <a:schemeClr val="lt1"/>
+          </a:fontRef>
+        </p:style>
+        <p:txBody>
+          <a:bodyPr rtlCol="0" anchor="ctr"/>
+          <a:lstStyle/>
+          <a:p>
+            <a:pPr algn="ctr"/>
+            <a:r>
+              <a:rPr lang="en-US" altLang="zh-CN" sz="1100" dirty="0"/>
+              <a:t>ADD</a:t>
+            </a:r>
+          </a:p>
+          <a:p>
+            <a:pPr algn="ctr"/>
+            <a:r>
+              <a:rPr lang="en-US" altLang="zh-CN" sz="1100" dirty="0"/>
+              <a:t>_</a:t>
+            </a:r>
+            <a:endParaRPr lang="zh-CN" altLang="en-US" sz="1100" dirty="0"/>
+          </a:p>
+        </p:txBody>
+      </p:sp>
+      <p:cxnSp>
+        <p:nvCxnSpPr>
+          <p:cNvPr id="55" name="连接符: 曲线 54">
+            <a:extLst>
+              <a:ext uri="{FF2B5EF4-FFF2-40B4-BE49-F238E27FC236}">
+                <a16:creationId xmlns:a16="http://schemas.microsoft.com/office/drawing/2014/main" id="{9ECC9930-C9B8-3DF2-0A6A-B6975AD30D94}"/>
+              </a:ext>
+            </a:extLst>
+          </p:cNvPr>
+          <p:cNvCxnSpPr>
+            <a:stCxn id="50" idx="3"/>
+            <a:endCxn id="54" idx="7"/>
+          </p:cNvCxnSpPr>
+          <p:nvPr/>
+        </p:nvCxnSpPr>
+        <p:spPr>
+          <a:xfrm rot="5400000">
+            <a:off x="8477591" y="4604877"/>
+            <a:ext cx="441794" cy="310278"/>
+          </a:xfrm>
+          <a:prstGeom prst="curvedConnector3">
+            <a:avLst/>
+          </a:prstGeom>
+          <a:ln>
+            <a:tailEnd type="triangle"/>
+          </a:ln>
+        </p:spPr>
+        <p:style>
+          <a:lnRef idx="1">
+            <a:schemeClr val="accent1"/>
+          </a:lnRef>
+          <a:fillRef idx="0">
+            <a:schemeClr val="accent1"/>
+          </a:fillRef>
+          <a:effectRef idx="0">
+            <a:schemeClr val="accent1"/>
+          </a:effectRef>
+          <a:fontRef idx="minor">
+            <a:schemeClr val="tx1"/>
+          </a:fontRef>
+        </p:style>
+      </p:cxnSp>
+      <p:cxnSp>
+        <p:nvCxnSpPr>
+          <p:cNvPr id="56" name="连接符: 曲线 55">
+            <a:extLst>
+              <a:ext uri="{FF2B5EF4-FFF2-40B4-BE49-F238E27FC236}">
+                <a16:creationId xmlns:a16="http://schemas.microsoft.com/office/drawing/2014/main" id="{CB62375F-4A3E-6F7A-97BE-48585A31A0E3}"/>
+              </a:ext>
+            </a:extLst>
+          </p:cNvPr>
+          <p:cNvCxnSpPr>
+            <a:cxnSpLocks/>
+            <a:stCxn id="20" idx="2"/>
+            <a:endCxn id="58" idx="1"/>
+          </p:cNvCxnSpPr>
+          <p:nvPr/>
+        </p:nvCxnSpPr>
+        <p:spPr>
+          <a:xfrm rot="10800000" flipV="1">
+            <a:off x="6962745" y="2248934"/>
+            <a:ext cx="2618594" cy="3341323"/>
+          </a:xfrm>
+          <a:prstGeom prst="curvedConnector2">
+            <a:avLst/>
+          </a:prstGeom>
+          <a:ln>
+            <a:tailEnd type="triangle"/>
+          </a:ln>
+        </p:spPr>
+        <p:style>
+          <a:lnRef idx="1">
+            <a:schemeClr val="accent1"/>
+          </a:lnRef>
+          <a:fillRef idx="0">
+            <a:schemeClr val="accent1"/>
+          </a:fillRef>
+          <a:effectRef idx="0">
+            <a:schemeClr val="accent1"/>
+          </a:effectRef>
+          <a:fontRef idx="minor">
+            <a:schemeClr val="tx1"/>
+          </a:fontRef>
+        </p:style>
+      </p:cxnSp>
+      <p:sp>
+        <p:nvSpPr>
+          <p:cNvPr id="57" name="椭圆 56">
+            <a:extLst>
+              <a:ext uri="{FF2B5EF4-FFF2-40B4-BE49-F238E27FC236}">
+                <a16:creationId xmlns:a16="http://schemas.microsoft.com/office/drawing/2014/main" id="{C7B27855-438D-7D75-BE3C-88E5189BB966}"/>
+              </a:ext>
+            </a:extLst>
+          </p:cNvPr>
+          <p:cNvSpPr/>
+          <p:nvPr/>
+        </p:nvSpPr>
+        <p:spPr>
+          <a:xfrm>
+            <a:off x="7815636" y="3849862"/>
+            <a:ext cx="719091" cy="719091"/>
+          </a:xfrm>
+          <a:prstGeom prst="ellipse">
+            <a:avLst/>
+          </a:prstGeom>
+        </p:spPr>
+        <p:style>
+          <a:lnRef idx="2">
+            <a:schemeClr val="accent1">
+              <a:shade val="50000"/>
+            </a:schemeClr>
+          </a:lnRef>
+          <a:fillRef idx="1">
+            <a:schemeClr val="accent1"/>
+          </a:fillRef>
+          <a:effectRef idx="0">
+            <a:schemeClr val="accent1"/>
+          </a:effectRef>
+          <a:fontRef idx="minor">
+            <a:schemeClr val="lt1"/>
+          </a:fontRef>
+        </p:style>
+        <p:txBody>
+          <a:bodyPr rtlCol="0" anchor="ctr"/>
+          <a:lstStyle/>
+          <a:p>
+            <a:pPr algn="ctr"/>
+            <a:r>
+              <a:rPr lang="en-US" altLang="zh-CN" sz="900" dirty="0"/>
+              <a:t>~ONE</a:t>
+            </a:r>
+          </a:p>
+          <a:p>
+            <a:pPr algn="ctr"/>
+            <a:r>
+              <a:rPr lang="en-US" altLang="zh-CN" sz="1100" dirty="0"/>
+              <a:t>5</a:t>
+            </a:r>
+          </a:p>
+        </p:txBody>
+      </p:sp>
+      <p:sp>
+        <p:nvSpPr>
+          <p:cNvPr id="58" name="椭圆 57">
+            <a:extLst>
+              <a:ext uri="{FF2B5EF4-FFF2-40B4-BE49-F238E27FC236}">
+                <a16:creationId xmlns:a16="http://schemas.microsoft.com/office/drawing/2014/main" id="{187B4AEE-5929-75F7-16D9-836AC954E584}"/>
+              </a:ext>
+            </a:extLst>
+          </p:cNvPr>
+          <p:cNvSpPr/>
+          <p:nvPr/>
+        </p:nvSpPr>
+        <p:spPr>
+          <a:xfrm>
+            <a:off x="6857437" y="5484950"/>
+            <a:ext cx="719091" cy="719091"/>
+          </a:xfrm>
+          <a:prstGeom prst="ellipse">
+            <a:avLst/>
+          </a:prstGeom>
+        </p:spPr>
+        <p:style>
+          <a:lnRef idx="2">
+            <a:schemeClr val="accent1">
+              <a:shade val="50000"/>
+            </a:schemeClr>
+          </a:lnRef>
+          <a:fillRef idx="1">
+            <a:schemeClr val="accent1"/>
+          </a:fillRef>
+          <a:effectRef idx="0">
+            <a:schemeClr val="accent1"/>
+          </a:effectRef>
+          <a:fontRef idx="minor">
+            <a:schemeClr val="lt1"/>
+          </a:fontRef>
+        </p:style>
+        <p:txBody>
+          <a:bodyPr rtlCol="0" anchor="ctr"/>
+          <a:lstStyle/>
+          <a:p>
+            <a:pPr algn="ctr"/>
+            <a:r>
+              <a:rPr lang="en-US" altLang="zh-CN" sz="1100" dirty="0"/>
+              <a:t>ADD</a:t>
+            </a:r>
+          </a:p>
+          <a:p>
+            <a:pPr algn="ctr"/>
+            <a:r>
+              <a:rPr lang="en-US" altLang="zh-CN" sz="1100" dirty="0"/>
+              <a:t>_</a:t>
+            </a:r>
+            <a:endParaRPr lang="zh-CN" altLang="en-US" sz="1100" dirty="0"/>
+          </a:p>
+        </p:txBody>
+      </p:sp>
+      <p:cxnSp>
+        <p:nvCxnSpPr>
+          <p:cNvPr id="59" name="连接符: 曲线 58">
+            <a:extLst>
+              <a:ext uri="{FF2B5EF4-FFF2-40B4-BE49-F238E27FC236}">
+                <a16:creationId xmlns:a16="http://schemas.microsoft.com/office/drawing/2014/main" id="{20FB0A17-2C39-51C7-FC69-4D3E50BC5E3A}"/>
+              </a:ext>
+            </a:extLst>
+          </p:cNvPr>
+          <p:cNvCxnSpPr>
+            <a:cxnSpLocks/>
+            <a:stCxn id="57" idx="4"/>
+            <a:endCxn id="54" idx="0"/>
+          </p:cNvCxnSpPr>
+          <p:nvPr/>
+        </p:nvCxnSpPr>
+        <p:spPr>
+          <a:xfrm rot="16200000" flipH="1">
+            <a:off x="8078821" y="4665314"/>
+            <a:ext cx="306652" cy="113930"/>
+          </a:xfrm>
+          <a:prstGeom prst="curvedConnector3">
+            <a:avLst>
+              <a:gd name="adj1" fmla="val 50000"/>
+            </a:avLst>
+          </a:prstGeom>
+          <a:ln>
+            <a:tailEnd type="triangle"/>
+          </a:ln>
+        </p:spPr>
+        <p:style>
+          <a:lnRef idx="1">
+            <a:schemeClr val="accent1"/>
+          </a:lnRef>
+          <a:fillRef idx="0">
+            <a:schemeClr val="accent1"/>
+          </a:fillRef>
+          <a:effectRef idx="0">
+            <a:schemeClr val="accent1"/>
+          </a:effectRef>
+          <a:fontRef idx="minor">
+            <a:schemeClr val="tx1"/>
+          </a:fontRef>
+        </p:style>
+      </p:cxnSp>
+      <p:cxnSp>
+        <p:nvCxnSpPr>
+          <p:cNvPr id="60" name="连接符: 曲线 59">
+            <a:extLst>
+              <a:ext uri="{FF2B5EF4-FFF2-40B4-BE49-F238E27FC236}">
+                <a16:creationId xmlns:a16="http://schemas.microsoft.com/office/drawing/2014/main" id="{4695DCA0-576E-F56B-2406-86F2FA0790A5}"/>
+              </a:ext>
+            </a:extLst>
+          </p:cNvPr>
+          <p:cNvCxnSpPr>
+            <a:cxnSpLocks/>
+            <a:stCxn id="54" idx="2"/>
+            <a:endCxn id="58" idx="7"/>
+          </p:cNvCxnSpPr>
+          <p:nvPr/>
+        </p:nvCxnSpPr>
+        <p:spPr>
+          <a:xfrm rot="10800000" flipV="1">
+            <a:off x="7471220" y="5235150"/>
+            <a:ext cx="458346" cy="355107"/>
+          </a:xfrm>
+          <a:prstGeom prst="curvedConnector2">
+            <a:avLst/>
+          </a:prstGeom>
+          <a:ln>
+            <a:tailEnd type="triangle"/>
+          </a:ln>
+        </p:spPr>
+        <p:style>
+          <a:lnRef idx="1">
+            <a:schemeClr val="accent1"/>
+          </a:lnRef>
+          <a:fillRef idx="0">
+            <a:schemeClr val="accent1"/>
+          </a:fillRef>
+          <a:effectRef idx="0">
+            <a:schemeClr val="accent1"/>
+          </a:effectRef>
+          <a:fontRef idx="minor">
+            <a:schemeClr val="tx1"/>
+          </a:fontRef>
+        </p:style>
+      </p:cxnSp>
     </p:spTree>
     <p:extLst>
       <p:ext uri="{BB962C8B-B14F-4D97-AF65-F5344CB8AC3E}">
-        <p14:creationId xmlns:p14="http://schemas.microsoft.com/office/powerpoint/2010/main" val="2739385291"/>
+        <p14:creationId xmlns:p14="http://schemas.microsoft.com/office/powerpoint/2010/main" val="3613671037"/>
       </p:ext>
     </p:extLst>
   </p:cSld>

--- a/meeting_docs/中期答辩/中期答辩PPT.pptx
+++ b/meeting_docs/中期答辩/中期答辩PPT.pptx
@@ -216,7 +216,7 @@
           <a:p>
             <a:fld id="{68E75791-964B-4C63-BFCE-0ED49BE326E8}" type="datetimeFigureOut">
               <a:rPr lang="zh-CN" altLang="en-US" smtClean="0"/>
-              <a:t>2023/4/4</a:t>
+              <a:t>2023/4/6</a:t>
             </a:fld>
             <a:endParaRPr lang="zh-CN" altLang="en-US"/>
           </a:p>
@@ -923,7 +923,7 @@
           <a:p>
             <a:fld id="{34C042E6-B216-4592-8AF3-2B42AC14DDDB}" type="datetimeFigureOut">
               <a:rPr lang="zh-CN" altLang="en-US" smtClean="0"/>
-              <a:t>2023/4/4</a:t>
+              <a:t>2023/4/6</a:t>
             </a:fld>
             <a:endParaRPr lang="zh-CN" altLang="en-US"/>
           </a:p>
@@ -1121,7 +1121,7 @@
           <a:p>
             <a:fld id="{34C042E6-B216-4592-8AF3-2B42AC14DDDB}" type="datetimeFigureOut">
               <a:rPr lang="zh-CN" altLang="en-US" smtClean="0"/>
-              <a:t>2023/4/4</a:t>
+              <a:t>2023/4/6</a:t>
             </a:fld>
             <a:endParaRPr lang="zh-CN" altLang="en-US"/>
           </a:p>
@@ -1329,7 +1329,7 @@
           <a:p>
             <a:fld id="{34C042E6-B216-4592-8AF3-2B42AC14DDDB}" type="datetimeFigureOut">
               <a:rPr lang="zh-CN" altLang="en-US" smtClean="0"/>
-              <a:t>2023/4/4</a:t>
+              <a:t>2023/4/6</a:t>
             </a:fld>
             <a:endParaRPr lang="zh-CN" altLang="en-US"/>
           </a:p>
@@ -3357,7 +3357,7 @@
           <a:p>
             <a:fld id="{34C042E6-B216-4592-8AF3-2B42AC14DDDB}" type="datetimeFigureOut">
               <a:rPr lang="zh-CN" altLang="en-US" smtClean="0"/>
-              <a:t>2023/4/4</a:t>
+              <a:t>2023/4/6</a:t>
             </a:fld>
             <a:endParaRPr lang="zh-CN" altLang="en-US"/>
           </a:p>
@@ -3632,7 +3632,7 @@
           <a:p>
             <a:fld id="{34C042E6-B216-4592-8AF3-2B42AC14DDDB}" type="datetimeFigureOut">
               <a:rPr lang="zh-CN" altLang="en-US" smtClean="0"/>
-              <a:t>2023/4/4</a:t>
+              <a:t>2023/4/6</a:t>
             </a:fld>
             <a:endParaRPr lang="zh-CN" altLang="en-US"/>
           </a:p>
@@ -3897,7 +3897,7 @@
           <a:p>
             <a:fld id="{34C042E6-B216-4592-8AF3-2B42AC14DDDB}" type="datetimeFigureOut">
               <a:rPr lang="zh-CN" altLang="en-US" smtClean="0"/>
-              <a:t>2023/4/4</a:t>
+              <a:t>2023/4/6</a:t>
             </a:fld>
             <a:endParaRPr lang="zh-CN" altLang="en-US"/>
           </a:p>
@@ -4309,7 +4309,7 @@
           <a:p>
             <a:fld id="{34C042E6-B216-4592-8AF3-2B42AC14DDDB}" type="datetimeFigureOut">
               <a:rPr lang="zh-CN" altLang="en-US" smtClean="0"/>
-              <a:t>2023/4/4</a:t>
+              <a:t>2023/4/6</a:t>
             </a:fld>
             <a:endParaRPr lang="zh-CN" altLang="en-US"/>
           </a:p>
@@ -4450,7 +4450,7 @@
           <a:p>
             <a:fld id="{34C042E6-B216-4592-8AF3-2B42AC14DDDB}" type="datetimeFigureOut">
               <a:rPr lang="zh-CN" altLang="en-US" smtClean="0"/>
-              <a:t>2023/4/4</a:t>
+              <a:t>2023/4/6</a:t>
             </a:fld>
             <a:endParaRPr lang="zh-CN" altLang="en-US"/>
           </a:p>
@@ -4563,7 +4563,7 @@
           <a:p>
             <a:fld id="{34C042E6-B216-4592-8AF3-2B42AC14DDDB}" type="datetimeFigureOut">
               <a:rPr lang="zh-CN" altLang="en-US" smtClean="0"/>
-              <a:t>2023/4/4</a:t>
+              <a:t>2023/4/6</a:t>
             </a:fld>
             <a:endParaRPr lang="zh-CN" altLang="en-US"/>
           </a:p>
@@ -4874,7 +4874,7 @@
           <a:p>
             <a:fld id="{34C042E6-B216-4592-8AF3-2B42AC14DDDB}" type="datetimeFigureOut">
               <a:rPr lang="zh-CN" altLang="en-US" smtClean="0"/>
-              <a:t>2023/4/4</a:t>
+              <a:t>2023/4/6</a:t>
             </a:fld>
             <a:endParaRPr lang="zh-CN" altLang="en-US"/>
           </a:p>
@@ -5162,7 +5162,7 @@
           <a:p>
             <a:fld id="{34C042E6-B216-4592-8AF3-2B42AC14DDDB}" type="datetimeFigureOut">
               <a:rPr lang="zh-CN" altLang="en-US" smtClean="0"/>
-              <a:t>2023/4/4</a:t>
+              <a:t>2023/4/6</a:t>
             </a:fld>
             <a:endParaRPr lang="zh-CN" altLang="en-US"/>
           </a:p>
@@ -5403,7 +5403,7 @@
           <a:p>
             <a:fld id="{34C042E6-B216-4592-8AF3-2B42AC14DDDB}" type="datetimeFigureOut">
               <a:rPr lang="zh-CN" altLang="en-US" smtClean="0"/>
-              <a:t>2023/4/4</a:t>
+              <a:t>2023/4/6</a:t>
             </a:fld>
             <a:endParaRPr lang="zh-CN" altLang="en-US"/>
           </a:p>
@@ -12038,8 +12038,8 @@
           </a:p>
         </p:txBody>
       </p:sp>
-      <mc:AlternateContent xmlns:mc="http://schemas.openxmlformats.org/markup-compatibility/2006">
-        <mc:Choice xmlns:a14="http://schemas.microsoft.com/office/drawing/2010/main" Requires="a14">
+      <mc:AlternateContent xmlns:mc="http://schemas.openxmlformats.org/markup-compatibility/2006" xmlns:a14="http://schemas.microsoft.com/office/drawing/2010/main">
+        <mc:Choice Requires="a14">
           <p:sp>
             <p:nvSpPr>
               <p:cNvPr id="9" name="内容占位符 2">
@@ -12494,7 +12494,7 @@
             </p:txBody>
           </p:sp>
         </mc:Choice>
-        <mc:Fallback>
+        <mc:Fallback xmlns="">
           <p:sp>
             <p:nvSpPr>
               <p:cNvPr id="9" name="内容占位符 2">

--- a/meeting_docs/中期答辩/中期答辩PPT.pptx
+++ b/meeting_docs/中期答辩/中期答辩PPT.pptx
@@ -7,7 +7,7 @@
     <p:sldMasterId id="2147483680" r:id="rId3"/>
   </p:sldMasterIdLst>
   <p:notesMasterIdLst>
-    <p:notesMasterId r:id="rId32"/>
+    <p:notesMasterId r:id="rId33"/>
   </p:notesMasterIdLst>
   <p:sldIdLst>
     <p:sldId id="2345" r:id="rId4"/>
@@ -23,21 +23,22 @@
     <p:sldId id="2637" r:id="rId14"/>
     <p:sldId id="2632" r:id="rId15"/>
     <p:sldId id="2640" r:id="rId16"/>
-    <p:sldId id="2642" r:id="rId17"/>
-    <p:sldId id="2641" r:id="rId18"/>
-    <p:sldId id="2646" r:id="rId19"/>
-    <p:sldId id="2647" r:id="rId20"/>
-    <p:sldId id="2648" r:id="rId21"/>
-    <p:sldId id="2649" r:id="rId22"/>
-    <p:sldId id="2645" r:id="rId23"/>
-    <p:sldId id="2643" r:id="rId24"/>
-    <p:sldId id="2644" r:id="rId25"/>
-    <p:sldId id="2636" r:id="rId26"/>
-    <p:sldId id="2634" r:id="rId27"/>
-    <p:sldId id="2638" r:id="rId28"/>
-    <p:sldId id="2635" r:id="rId29"/>
-    <p:sldId id="2639" r:id="rId30"/>
-    <p:sldId id="2625" r:id="rId31"/>
+    <p:sldId id="2650" r:id="rId17"/>
+    <p:sldId id="2642" r:id="rId18"/>
+    <p:sldId id="2641" r:id="rId19"/>
+    <p:sldId id="2646" r:id="rId20"/>
+    <p:sldId id="2647" r:id="rId21"/>
+    <p:sldId id="2648" r:id="rId22"/>
+    <p:sldId id="2649" r:id="rId23"/>
+    <p:sldId id="2645" r:id="rId24"/>
+    <p:sldId id="2643" r:id="rId25"/>
+    <p:sldId id="2644" r:id="rId26"/>
+    <p:sldId id="2636" r:id="rId27"/>
+    <p:sldId id="2634" r:id="rId28"/>
+    <p:sldId id="2638" r:id="rId29"/>
+    <p:sldId id="2635" r:id="rId30"/>
+    <p:sldId id="2639" r:id="rId31"/>
+    <p:sldId id="2625" r:id="rId32"/>
   </p:sldIdLst>
   <p:sldSz cx="14039850" cy="13679488"/>
   <p:notesSz cx="6858000" cy="9144000"/>
@@ -226,7 +227,7 @@
           <a:p>
             <a:fld id="{68E75791-964B-4C63-BFCE-0ED49BE326E8}" type="datetimeFigureOut">
               <a:rPr lang="zh-CN" altLang="en-US" smtClean="0"/>
-              <a:t>2023/4/26</a:t>
+              <a:t>2023/5/15</a:t>
             </a:fld>
             <a:endParaRPr lang="zh-CN" altLang="en-US"/>
           </a:p>
@@ -1206,7 +1207,7 @@
           <a:p>
             <a:fld id="{34C042E6-B216-4592-8AF3-2B42AC14DDDB}" type="datetimeFigureOut">
               <a:rPr lang="zh-CN" altLang="en-US" smtClean="0"/>
-              <a:t>2023/4/26</a:t>
+              <a:t>2023/5/15</a:t>
             </a:fld>
             <a:endParaRPr lang="zh-CN" altLang="en-US"/>
           </a:p>
@@ -1573,7 +1574,7 @@
           <a:p>
             <a:fld id="{34C042E6-B216-4592-8AF3-2B42AC14DDDB}" type="datetimeFigureOut">
               <a:rPr lang="zh-CN" altLang="en-US" smtClean="0"/>
-              <a:t>2023/4/26</a:t>
+              <a:t>2023/5/15</a:t>
             </a:fld>
             <a:endParaRPr lang="zh-CN" altLang="en-US"/>
           </a:p>
@@ -1691,7 +1692,7 @@
           <a:p>
             <a:fld id="{34C042E6-B216-4592-8AF3-2B42AC14DDDB}" type="datetimeFigureOut">
               <a:rPr lang="zh-CN" altLang="en-US" smtClean="0"/>
-              <a:t>2023/4/26</a:t>
+              <a:t>2023/5/15</a:t>
             </a:fld>
             <a:endParaRPr lang="zh-CN" altLang="en-US"/>
           </a:p>
@@ -1786,7 +1787,7 @@
           <a:p>
             <a:fld id="{34C042E6-B216-4592-8AF3-2B42AC14DDDB}" type="datetimeFigureOut">
               <a:rPr lang="zh-CN" altLang="en-US" smtClean="0"/>
-              <a:t>2023/4/26</a:t>
+              <a:t>2023/5/15</a:t>
             </a:fld>
             <a:endParaRPr lang="zh-CN" altLang="en-US"/>
           </a:p>
@@ -2063,7 +2064,7 @@
           <a:p>
             <a:fld id="{34C042E6-B216-4592-8AF3-2B42AC14DDDB}" type="datetimeFigureOut">
               <a:rPr lang="zh-CN" altLang="en-US" smtClean="0"/>
-              <a:t>2023/4/26</a:t>
+              <a:t>2023/5/15</a:t>
             </a:fld>
             <a:endParaRPr lang="zh-CN" altLang="en-US"/>
           </a:p>
@@ -2320,7 +2321,7 @@
           <a:p>
             <a:fld id="{34C042E6-B216-4592-8AF3-2B42AC14DDDB}" type="datetimeFigureOut">
               <a:rPr lang="zh-CN" altLang="en-US" smtClean="0"/>
-              <a:t>2023/4/26</a:t>
+              <a:t>2023/5/15</a:t>
             </a:fld>
             <a:endParaRPr lang="zh-CN" altLang="en-US"/>
           </a:p>
@@ -2490,7 +2491,7 @@
           <a:p>
             <a:fld id="{34C042E6-B216-4592-8AF3-2B42AC14DDDB}" type="datetimeFigureOut">
               <a:rPr lang="zh-CN" altLang="en-US" smtClean="0"/>
-              <a:t>2023/4/26</a:t>
+              <a:t>2023/5/15</a:t>
             </a:fld>
             <a:endParaRPr lang="zh-CN" altLang="en-US"/>
           </a:p>
@@ -2670,7 +2671,7 @@
           <a:p>
             <a:fld id="{34C042E6-B216-4592-8AF3-2B42AC14DDDB}" type="datetimeFigureOut">
               <a:rPr lang="zh-CN" altLang="en-US" smtClean="0"/>
-              <a:t>2023/4/26</a:t>
+              <a:t>2023/5/15</a:t>
             </a:fld>
             <a:endParaRPr lang="zh-CN" altLang="en-US"/>
           </a:p>
@@ -4448,7 +4449,7 @@
           <a:p>
             <a:fld id="{34C042E6-B216-4592-8AF3-2B42AC14DDDB}" type="datetimeFigureOut">
               <a:rPr lang="zh-CN" altLang="en-US" smtClean="0"/>
-              <a:t>2023/4/26</a:t>
+              <a:t>2023/5/15</a:t>
             </a:fld>
             <a:endParaRPr lang="zh-CN" altLang="en-US"/>
           </a:p>
@@ -4618,7 +4619,7 @@
           <a:p>
             <a:fld id="{34C042E6-B216-4592-8AF3-2B42AC14DDDB}" type="datetimeFigureOut">
               <a:rPr lang="zh-CN" altLang="en-US" smtClean="0"/>
-              <a:t>2023/4/26</a:t>
+              <a:t>2023/5/15</a:t>
             </a:fld>
             <a:endParaRPr lang="zh-CN" altLang="en-US"/>
           </a:p>
@@ -4862,7 +4863,7 @@
           <a:p>
             <a:fld id="{34C042E6-B216-4592-8AF3-2B42AC14DDDB}" type="datetimeFigureOut">
               <a:rPr lang="zh-CN" altLang="en-US" smtClean="0"/>
-              <a:t>2023/4/26</a:t>
+              <a:t>2023/5/15</a:t>
             </a:fld>
             <a:endParaRPr lang="zh-CN" altLang="en-US"/>
           </a:p>
@@ -10290,6 +10291,116 @@
       </p:grpSpPr>
       <p:sp>
         <p:nvSpPr>
+          <p:cNvPr id="3" name="灯片编号占位符 2">
+            <a:extLst>
+              <a:ext uri="{FF2B5EF4-FFF2-40B4-BE49-F238E27FC236}">
+                <a16:creationId xmlns:a16="http://schemas.microsoft.com/office/drawing/2014/main" id="{77FEBD44-FA4C-2AF6-9CEB-13AF7BB27CA4}"/>
+              </a:ext>
+            </a:extLst>
+          </p:cNvPr>
+          <p:cNvSpPr>
+            <a:spLocks noGrp="1"/>
+          </p:cNvSpPr>
+          <p:nvPr>
+            <p:ph type="sldNum" sz="quarter" idx="12"/>
+          </p:nvPr>
+        </p:nvSpPr>
+        <p:spPr/>
+        <p:txBody>
+          <a:bodyPr/>
+          <a:lstStyle/>
+          <a:p>
+            <a:fld id="{ADE361C3-C043-4A6E-BDCE-8DA1E7D90A3B}" type="slidenum">
+              <a:rPr lang="zh-CN" altLang="en-US" smtClean="0"/>
+              <a:pPr/>
+              <a:t>14</a:t>
+            </a:fld>
+            <a:endParaRPr lang="zh-CN" altLang="en-US"/>
+          </a:p>
+        </p:txBody>
+      </p:sp>
+      <p:sp>
+        <p:nvSpPr>
+          <p:cNvPr id="5" name="矩形: 圆角 4">
+            <a:extLst>
+              <a:ext uri="{FF2B5EF4-FFF2-40B4-BE49-F238E27FC236}">
+                <a16:creationId xmlns:a16="http://schemas.microsoft.com/office/drawing/2014/main" id="{B297DEE7-F442-13DA-EC8E-663B06C22750}"/>
+              </a:ext>
+            </a:extLst>
+          </p:cNvPr>
+          <p:cNvSpPr/>
+          <p:nvPr/>
+        </p:nvSpPr>
+        <p:spPr>
+          <a:xfrm>
+            <a:off x="4923692" y="2620108"/>
+            <a:ext cx="685800" cy="826477"/>
+          </a:xfrm>
+          <a:prstGeom prst="roundRect">
+            <a:avLst/>
+          </a:prstGeom>
+        </p:spPr>
+        <p:style>
+          <a:lnRef idx="2">
+            <a:schemeClr val="accent1">
+              <a:shade val="50000"/>
+            </a:schemeClr>
+          </a:lnRef>
+          <a:fillRef idx="1">
+            <a:schemeClr val="accent1"/>
+          </a:fillRef>
+          <a:effectRef idx="0">
+            <a:schemeClr val="accent1"/>
+          </a:effectRef>
+          <a:fontRef idx="minor">
+            <a:schemeClr val="lt1"/>
+          </a:fontRef>
+        </p:style>
+        <p:txBody>
+          <a:bodyPr rtlCol="0" anchor="ctr"/>
+          <a:lstStyle/>
+          <a:p>
+            <a:pPr algn="ctr"/>
+            <a:r>
+              <a:rPr lang="en-US" altLang="zh-CN" sz="3200" dirty="0"/>
+              <a:t>A</a:t>
+            </a:r>
+            <a:endParaRPr lang="zh-CN" altLang="en-US" sz="3200" dirty="0"/>
+          </a:p>
+        </p:txBody>
+      </p:sp>
+    </p:spTree>
+    <p:extLst>
+      <p:ext uri="{BB962C8B-B14F-4D97-AF65-F5344CB8AC3E}">
+        <p14:creationId xmlns:p14="http://schemas.microsoft.com/office/powerpoint/2010/main" val="1048993885"/>
+      </p:ext>
+    </p:extLst>
+  </p:cSld>
+  <p:clrMapOvr>
+    <a:masterClrMapping/>
+  </p:clrMapOvr>
+</p:sld>
+</file>
+
+<file path=ppt/slides/slide15.xml><?xml version="1.0" encoding="utf-8"?>
+<p:sld xmlns:a="http://schemas.openxmlformats.org/drawingml/2006/main" xmlns:r="http://schemas.openxmlformats.org/officeDocument/2006/relationships" xmlns:p="http://schemas.openxmlformats.org/presentationml/2006/main">
+  <p:cSld>
+    <p:spTree>
+      <p:nvGrpSpPr>
+        <p:cNvPr id="1" name=""/>
+        <p:cNvGrpSpPr/>
+        <p:nvPr/>
+      </p:nvGrpSpPr>
+      <p:grpSpPr>
+        <a:xfrm>
+          <a:off x="0" y="0"/>
+          <a:ext cx="0" cy="0"/>
+          <a:chOff x="0" y="0"/>
+          <a:chExt cx="0" cy="0"/>
+        </a:xfrm>
+      </p:grpSpPr>
+      <p:sp>
+        <p:nvSpPr>
           <p:cNvPr id="2" name="标题 1">
             <a:extLst>
               <a:ext uri="{FF2B5EF4-FFF2-40B4-BE49-F238E27FC236}">
@@ -10346,7 +10457,7 @@
           <a:p>
             <a:fld id="{ADE361C3-C043-4A6E-BDCE-8DA1E7D90A3B}" type="slidenum">
               <a:rPr lang="zh-CN" altLang="en-US" smtClean="0"/>
-              <a:t>14</a:t>
+              <a:t>15</a:t>
             </a:fld>
             <a:endParaRPr lang="zh-CN" altLang="en-US"/>
           </a:p>
@@ -12165,7 +12276,7 @@
 </p:sld>
 </file>
 
-<file path=ppt/slides/slide15.xml><?xml version="1.0" encoding="utf-8"?>
+<file path=ppt/slides/slide16.xml><?xml version="1.0" encoding="utf-8"?>
 <p:sld xmlns:a="http://schemas.openxmlformats.org/drawingml/2006/main" xmlns:r="http://schemas.openxmlformats.org/officeDocument/2006/relationships" xmlns:p="http://schemas.openxmlformats.org/presentationml/2006/main">
   <p:cSld>
     <p:spTree>
@@ -12240,7 +12351,7 @@
           <a:p>
             <a:fld id="{ADE361C3-C043-4A6E-BDCE-8DA1E7D90A3B}" type="slidenum">
               <a:rPr lang="zh-CN" altLang="en-US" smtClean="0"/>
-              <a:t>15</a:t>
+              <a:t>16</a:t>
             </a:fld>
             <a:endParaRPr lang="zh-CN" altLang="en-US"/>
           </a:p>
@@ -13599,7 +13710,7 @@
 </p:sld>
 </file>
 
-<file path=ppt/slides/slide16.xml><?xml version="1.0" encoding="utf-8"?>
+<file path=ppt/slides/slide17.xml><?xml version="1.0" encoding="utf-8"?>
 <p:sld xmlns:a="http://schemas.openxmlformats.org/drawingml/2006/main" xmlns:r="http://schemas.openxmlformats.org/officeDocument/2006/relationships" xmlns:p="http://schemas.openxmlformats.org/presentationml/2006/main">
   <p:cSld>
     <p:spTree>
@@ -13639,7 +13750,7 @@
           <a:p>
             <a:fld id="{ADE361C3-C043-4A6E-BDCE-8DA1E7D90A3B}" type="slidenum">
               <a:rPr lang="zh-CN" altLang="en-US" smtClean="0"/>
-              <a:t>16</a:t>
+              <a:t>17</a:t>
             </a:fld>
             <a:endParaRPr lang="zh-CN" altLang="en-US"/>
           </a:p>
@@ -15197,7 +15308,7 @@
 </p:sld>
 </file>
 
-<file path=ppt/slides/slide17.xml><?xml version="1.0" encoding="utf-8"?>
+<file path=ppt/slides/slide18.xml><?xml version="1.0" encoding="utf-8"?>
 <p:sld xmlns:a="http://schemas.openxmlformats.org/drawingml/2006/main" xmlns:r="http://schemas.openxmlformats.org/officeDocument/2006/relationships" xmlns:p="http://schemas.openxmlformats.org/presentationml/2006/main">
   <p:cSld>
     <p:spTree>
@@ -17568,7 +17679,7 @@
 </p:sld>
 </file>
 
-<file path=ppt/slides/slide18.xml><?xml version="1.0" encoding="utf-8"?>
+<file path=ppt/slides/slide19.xml><?xml version="1.0" encoding="utf-8"?>
 <p:sld xmlns:a="http://schemas.openxmlformats.org/drawingml/2006/main" xmlns:r="http://schemas.openxmlformats.org/officeDocument/2006/relationships" xmlns:p="http://schemas.openxmlformats.org/presentationml/2006/main">
   <p:cSld>
     <p:spTree>
@@ -19642,7 +19753,208 @@
 </p:sld>
 </file>
 
-<file path=ppt/slides/slide19.xml><?xml version="1.0" encoding="utf-8"?>
+<file path=ppt/slides/slide2.xml><?xml version="1.0" encoding="utf-8"?>
+<p:sld xmlns:a="http://schemas.openxmlformats.org/drawingml/2006/main" xmlns:r="http://schemas.openxmlformats.org/officeDocument/2006/relationships" xmlns:p="http://schemas.openxmlformats.org/presentationml/2006/main">
+  <p:cSld>
+    <p:spTree>
+      <p:nvGrpSpPr>
+        <p:cNvPr id="1" name=""/>
+        <p:cNvGrpSpPr/>
+        <p:nvPr/>
+      </p:nvGrpSpPr>
+      <p:grpSpPr>
+        <a:xfrm>
+          <a:off x="0" y="0"/>
+          <a:ext cx="0" cy="0"/>
+          <a:chOff x="0" y="0"/>
+          <a:chExt cx="0" cy="0"/>
+        </a:xfrm>
+      </p:grpSpPr>
+      <p:sp>
+        <p:nvSpPr>
+          <p:cNvPr id="2" name="标题 1">
+            <a:extLst>
+              <a:ext uri="{FF2B5EF4-FFF2-40B4-BE49-F238E27FC236}">
+                <a16:creationId xmlns:a16="http://schemas.microsoft.com/office/drawing/2014/main" id="{4DFD6E33-0E6E-AA4B-A39D-011517B2B7B9}"/>
+              </a:ext>
+            </a:extLst>
+          </p:cNvPr>
+          <p:cNvSpPr>
+            <a:spLocks noGrp="1"/>
+          </p:cNvSpPr>
+          <p:nvPr>
+            <p:ph type="title"/>
+          </p:nvPr>
+        </p:nvSpPr>
+        <p:spPr>
+          <a:xfrm>
+            <a:off x="2082165" y="3685383"/>
+            <a:ext cx="9875520" cy="1080530"/>
+          </a:xfrm>
+        </p:spPr>
+        <p:txBody>
+          <a:bodyPr/>
+          <a:lstStyle/>
+          <a:p>
+            <a:r>
+              <a:rPr kumimoji="1" lang="zh-CN" altLang="en-US" dirty="0"/>
+              <a:t>目录</a:t>
+            </a:r>
+          </a:p>
+        </p:txBody>
+      </p:sp>
+      <p:sp>
+        <p:nvSpPr>
+          <p:cNvPr id="4" name="灯片编号占位符 3">
+            <a:extLst>
+              <a:ext uri="{FF2B5EF4-FFF2-40B4-BE49-F238E27FC236}">
+                <a16:creationId xmlns:a16="http://schemas.microsoft.com/office/drawing/2014/main" id="{AD856ACA-3890-6646-973B-54397C209014}"/>
+              </a:ext>
+            </a:extLst>
+          </p:cNvPr>
+          <p:cNvSpPr>
+            <a:spLocks noGrp="1"/>
+          </p:cNvSpPr>
+          <p:nvPr>
+            <p:ph type="sldNum" sz="quarter" idx="12"/>
+          </p:nvPr>
+        </p:nvSpPr>
+        <p:spPr>
+          <a:xfrm>
+            <a:off x="9397365" y="9767101"/>
+            <a:ext cx="2560320" cy="365125"/>
+          </a:xfrm>
+        </p:spPr>
+        <p:txBody>
+          <a:bodyPr/>
+          <a:lstStyle/>
+          <a:p>
+            <a:pPr defTabSz="1097280"/>
+            <a:fld id="{ADE361C3-C043-4A6E-BDCE-8DA1E7D90A3B}" type="slidenum">
+              <a:rPr lang="zh-CN" altLang="en-US">
+                <a:solidFill>
+                  <a:srgbClr val="000000">
+                    <a:tint val="75000"/>
+                  </a:srgbClr>
+                </a:solidFill>
+              </a:rPr>
+              <a:pPr defTabSz="1097280"/>
+              <a:t>2</a:t>
+            </a:fld>
+            <a:endParaRPr lang="zh-CN" altLang="en-US">
+              <a:solidFill>
+                <a:srgbClr val="000000">
+                  <a:tint val="75000"/>
+                </a:srgbClr>
+              </a:solidFill>
+            </a:endParaRPr>
+          </a:p>
+        </p:txBody>
+      </p:sp>
+      <p:sp>
+        <p:nvSpPr>
+          <p:cNvPr id="8" name="内容占位符 7">
+            <a:extLst>
+              <a:ext uri="{FF2B5EF4-FFF2-40B4-BE49-F238E27FC236}">
+                <a16:creationId xmlns:a16="http://schemas.microsoft.com/office/drawing/2014/main" id="{9066F415-CE51-3EEF-963C-0EDF66E65B78}"/>
+              </a:ext>
+            </a:extLst>
+          </p:cNvPr>
+          <p:cNvSpPr txBox="1">
+            <a:spLocks noGrp="1"/>
+          </p:cNvSpPr>
+          <p:nvPr>
+            <p:ph idx="1"/>
+          </p:nvPr>
+        </p:nvSpPr>
+        <p:spPr>
+          <a:xfrm>
+            <a:off x="2082165" y="5010944"/>
+            <a:ext cx="9875520" cy="4135106"/>
+          </a:xfrm>
+          <a:prstGeom prst="rect">
+            <a:avLst/>
+          </a:prstGeom>
+          <a:noFill/>
+        </p:spPr>
+        <p:txBody>
+          <a:bodyPr wrap="square" rtlCol="0">
+            <a:spAutoFit/>
+          </a:bodyPr>
+          <a:lstStyle/>
+          <a:p>
+            <a:r>
+              <a:rPr kumimoji="1" lang="zh-CN" altLang="en-US" sz="2880" dirty="0"/>
+              <a:t>预期进度</a:t>
+            </a:r>
+            <a:endParaRPr kumimoji="1" lang="en-US" altLang="zh-CN" sz="2880" dirty="0"/>
+          </a:p>
+          <a:p>
+            <a:r>
+              <a:rPr kumimoji="1" lang="zh-CN" altLang="en-US" sz="2880" dirty="0"/>
+              <a:t>目前成果</a:t>
+            </a:r>
+            <a:r>
+              <a:rPr kumimoji="1" lang="en-US" altLang="zh-CN" sz="2880" dirty="0"/>
+              <a:t>1</a:t>
+            </a:r>
+          </a:p>
+          <a:p>
+            <a:r>
+              <a:rPr kumimoji="1" lang="zh-CN" altLang="en-US" sz="2880" dirty="0"/>
+              <a:t>目前成果</a:t>
+            </a:r>
+            <a:r>
+              <a:rPr kumimoji="1" lang="en-US" altLang="zh-CN" sz="2880" dirty="0"/>
+              <a:t>2</a:t>
+            </a:r>
+          </a:p>
+          <a:p>
+            <a:r>
+              <a:rPr kumimoji="1" lang="zh-CN" altLang="en-US" sz="2880" dirty="0"/>
+              <a:t>目前成果</a:t>
+            </a:r>
+            <a:r>
+              <a:rPr kumimoji="1" lang="en-US" altLang="zh-CN" sz="2880" dirty="0"/>
+              <a:t>3</a:t>
+            </a:r>
+          </a:p>
+          <a:p>
+            <a:r>
+              <a:rPr kumimoji="1" lang="zh-CN" altLang="en-US" sz="2880" dirty="0"/>
+              <a:t>目前成果</a:t>
+            </a:r>
+            <a:r>
+              <a:rPr kumimoji="1" lang="en-US" altLang="zh-CN" sz="2880" dirty="0"/>
+              <a:t>4</a:t>
+            </a:r>
+          </a:p>
+          <a:p>
+            <a:r>
+              <a:rPr kumimoji="1" lang="zh-CN" altLang="en-US" sz="2880" dirty="0"/>
+              <a:t>目前成果</a:t>
+            </a:r>
+            <a:r>
+              <a:rPr kumimoji="1" lang="en-US" altLang="zh-CN" sz="2880" dirty="0"/>
+              <a:t>5</a:t>
+            </a:r>
+          </a:p>
+        </p:txBody>
+      </p:sp>
+    </p:spTree>
+    <p:extLst>
+      <p:ext uri="{BB962C8B-B14F-4D97-AF65-F5344CB8AC3E}">
+        <p14:creationId xmlns:p14="http://schemas.microsoft.com/office/powerpoint/2010/main" val="3124453655"/>
+      </p:ext>
+    </p:extLst>
+  </p:cSld>
+  <p:clrMapOvr>
+    <a:masterClrMapping/>
+  </p:clrMapOvr>
+</p:sld>
+</file>
+
+<file path=ppt/slides/slide20.xml><?xml version="1.0" encoding="utf-8"?>
 <p:sld xmlns:a="http://schemas.openxmlformats.org/drawingml/2006/main" xmlns:r="http://schemas.openxmlformats.org/officeDocument/2006/relationships" xmlns:p="http://schemas.openxmlformats.org/presentationml/2006/main">
   <p:cSld>
     <p:spTree>
@@ -22609,208 +22921,7 @@
 </p:sld>
 </file>
 
-<file path=ppt/slides/slide2.xml><?xml version="1.0" encoding="utf-8"?>
-<p:sld xmlns:a="http://schemas.openxmlformats.org/drawingml/2006/main" xmlns:r="http://schemas.openxmlformats.org/officeDocument/2006/relationships" xmlns:p="http://schemas.openxmlformats.org/presentationml/2006/main">
-  <p:cSld>
-    <p:spTree>
-      <p:nvGrpSpPr>
-        <p:cNvPr id="1" name=""/>
-        <p:cNvGrpSpPr/>
-        <p:nvPr/>
-      </p:nvGrpSpPr>
-      <p:grpSpPr>
-        <a:xfrm>
-          <a:off x="0" y="0"/>
-          <a:ext cx="0" cy="0"/>
-          <a:chOff x="0" y="0"/>
-          <a:chExt cx="0" cy="0"/>
-        </a:xfrm>
-      </p:grpSpPr>
-      <p:sp>
-        <p:nvSpPr>
-          <p:cNvPr id="2" name="标题 1">
-            <a:extLst>
-              <a:ext uri="{FF2B5EF4-FFF2-40B4-BE49-F238E27FC236}">
-                <a16:creationId xmlns:a16="http://schemas.microsoft.com/office/drawing/2014/main" id="{4DFD6E33-0E6E-AA4B-A39D-011517B2B7B9}"/>
-              </a:ext>
-            </a:extLst>
-          </p:cNvPr>
-          <p:cNvSpPr>
-            <a:spLocks noGrp="1"/>
-          </p:cNvSpPr>
-          <p:nvPr>
-            <p:ph type="title"/>
-          </p:nvPr>
-        </p:nvSpPr>
-        <p:spPr>
-          <a:xfrm>
-            <a:off x="2082165" y="3685383"/>
-            <a:ext cx="9875520" cy="1080530"/>
-          </a:xfrm>
-        </p:spPr>
-        <p:txBody>
-          <a:bodyPr/>
-          <a:lstStyle/>
-          <a:p>
-            <a:r>
-              <a:rPr kumimoji="1" lang="zh-CN" altLang="en-US" dirty="0"/>
-              <a:t>目录</a:t>
-            </a:r>
-          </a:p>
-        </p:txBody>
-      </p:sp>
-      <p:sp>
-        <p:nvSpPr>
-          <p:cNvPr id="4" name="灯片编号占位符 3">
-            <a:extLst>
-              <a:ext uri="{FF2B5EF4-FFF2-40B4-BE49-F238E27FC236}">
-                <a16:creationId xmlns:a16="http://schemas.microsoft.com/office/drawing/2014/main" id="{AD856ACA-3890-6646-973B-54397C209014}"/>
-              </a:ext>
-            </a:extLst>
-          </p:cNvPr>
-          <p:cNvSpPr>
-            <a:spLocks noGrp="1"/>
-          </p:cNvSpPr>
-          <p:nvPr>
-            <p:ph type="sldNum" sz="quarter" idx="12"/>
-          </p:nvPr>
-        </p:nvSpPr>
-        <p:spPr>
-          <a:xfrm>
-            <a:off x="9397365" y="9767101"/>
-            <a:ext cx="2560320" cy="365125"/>
-          </a:xfrm>
-        </p:spPr>
-        <p:txBody>
-          <a:bodyPr/>
-          <a:lstStyle/>
-          <a:p>
-            <a:pPr defTabSz="1097280"/>
-            <a:fld id="{ADE361C3-C043-4A6E-BDCE-8DA1E7D90A3B}" type="slidenum">
-              <a:rPr lang="zh-CN" altLang="en-US">
-                <a:solidFill>
-                  <a:srgbClr val="000000">
-                    <a:tint val="75000"/>
-                  </a:srgbClr>
-                </a:solidFill>
-              </a:rPr>
-              <a:pPr defTabSz="1097280"/>
-              <a:t>2</a:t>
-            </a:fld>
-            <a:endParaRPr lang="zh-CN" altLang="en-US">
-              <a:solidFill>
-                <a:srgbClr val="000000">
-                  <a:tint val="75000"/>
-                </a:srgbClr>
-              </a:solidFill>
-            </a:endParaRPr>
-          </a:p>
-        </p:txBody>
-      </p:sp>
-      <p:sp>
-        <p:nvSpPr>
-          <p:cNvPr id="8" name="内容占位符 7">
-            <a:extLst>
-              <a:ext uri="{FF2B5EF4-FFF2-40B4-BE49-F238E27FC236}">
-                <a16:creationId xmlns:a16="http://schemas.microsoft.com/office/drawing/2014/main" id="{9066F415-CE51-3EEF-963C-0EDF66E65B78}"/>
-              </a:ext>
-            </a:extLst>
-          </p:cNvPr>
-          <p:cNvSpPr txBox="1">
-            <a:spLocks noGrp="1"/>
-          </p:cNvSpPr>
-          <p:nvPr>
-            <p:ph idx="1"/>
-          </p:nvPr>
-        </p:nvSpPr>
-        <p:spPr>
-          <a:xfrm>
-            <a:off x="2082165" y="5010944"/>
-            <a:ext cx="9875520" cy="4135106"/>
-          </a:xfrm>
-          <a:prstGeom prst="rect">
-            <a:avLst/>
-          </a:prstGeom>
-          <a:noFill/>
-        </p:spPr>
-        <p:txBody>
-          <a:bodyPr wrap="square" rtlCol="0">
-            <a:spAutoFit/>
-          </a:bodyPr>
-          <a:lstStyle/>
-          <a:p>
-            <a:r>
-              <a:rPr kumimoji="1" lang="zh-CN" altLang="en-US" sz="2880" dirty="0"/>
-              <a:t>预期进度</a:t>
-            </a:r>
-            <a:endParaRPr kumimoji="1" lang="en-US" altLang="zh-CN" sz="2880" dirty="0"/>
-          </a:p>
-          <a:p>
-            <a:r>
-              <a:rPr kumimoji="1" lang="zh-CN" altLang="en-US" sz="2880" dirty="0"/>
-              <a:t>目前成果</a:t>
-            </a:r>
-            <a:r>
-              <a:rPr kumimoji="1" lang="en-US" altLang="zh-CN" sz="2880" dirty="0"/>
-              <a:t>1</a:t>
-            </a:r>
-          </a:p>
-          <a:p>
-            <a:r>
-              <a:rPr kumimoji="1" lang="zh-CN" altLang="en-US" sz="2880" dirty="0"/>
-              <a:t>目前成果</a:t>
-            </a:r>
-            <a:r>
-              <a:rPr kumimoji="1" lang="en-US" altLang="zh-CN" sz="2880" dirty="0"/>
-              <a:t>2</a:t>
-            </a:r>
-          </a:p>
-          <a:p>
-            <a:r>
-              <a:rPr kumimoji="1" lang="zh-CN" altLang="en-US" sz="2880" dirty="0"/>
-              <a:t>目前成果</a:t>
-            </a:r>
-            <a:r>
-              <a:rPr kumimoji="1" lang="en-US" altLang="zh-CN" sz="2880" dirty="0"/>
-              <a:t>3</a:t>
-            </a:r>
-          </a:p>
-          <a:p>
-            <a:r>
-              <a:rPr kumimoji="1" lang="zh-CN" altLang="en-US" sz="2880" dirty="0"/>
-              <a:t>目前成果</a:t>
-            </a:r>
-            <a:r>
-              <a:rPr kumimoji="1" lang="en-US" altLang="zh-CN" sz="2880" dirty="0"/>
-              <a:t>4</a:t>
-            </a:r>
-          </a:p>
-          <a:p>
-            <a:r>
-              <a:rPr kumimoji="1" lang="zh-CN" altLang="en-US" sz="2880" dirty="0"/>
-              <a:t>目前成果</a:t>
-            </a:r>
-            <a:r>
-              <a:rPr kumimoji="1" lang="en-US" altLang="zh-CN" sz="2880" dirty="0"/>
-              <a:t>5</a:t>
-            </a:r>
-          </a:p>
-        </p:txBody>
-      </p:sp>
-    </p:spTree>
-    <p:extLst>
-      <p:ext uri="{BB962C8B-B14F-4D97-AF65-F5344CB8AC3E}">
-        <p14:creationId xmlns:p14="http://schemas.microsoft.com/office/powerpoint/2010/main" val="3124453655"/>
-      </p:ext>
-    </p:extLst>
-  </p:cSld>
-  <p:clrMapOvr>
-    <a:masterClrMapping/>
-  </p:clrMapOvr>
-</p:sld>
-</file>
-
-<file path=ppt/slides/slide20.xml><?xml version="1.0" encoding="utf-8"?>
+<file path=ppt/slides/slide21.xml><?xml version="1.0" encoding="utf-8"?>
 <p:sld xmlns:a="http://schemas.openxmlformats.org/drawingml/2006/main" xmlns:r="http://schemas.openxmlformats.org/officeDocument/2006/relationships" xmlns:p="http://schemas.openxmlformats.org/presentationml/2006/main">
   <p:cSld>
     <p:spTree>
@@ -22850,7 +22961,7 @@
           <a:p>
             <a:fld id="{ADE361C3-C043-4A6E-BDCE-8DA1E7D90A3B}" type="slidenum">
               <a:rPr lang="zh-CN" altLang="en-US" smtClean="0"/>
-              <a:t>20</a:t>
+              <a:t>21</a:t>
             </a:fld>
             <a:endParaRPr lang="zh-CN" altLang="en-US"/>
           </a:p>
@@ -23357,7 +23468,7 @@
 </p:sld>
 </file>
 
-<file path=ppt/slides/slide21.xml><?xml version="1.0" encoding="utf-8"?>
+<file path=ppt/slides/slide22.xml><?xml version="1.0" encoding="utf-8"?>
 <p:sld xmlns:a="http://schemas.openxmlformats.org/drawingml/2006/main" xmlns:r="http://schemas.openxmlformats.org/officeDocument/2006/relationships" xmlns:p="http://schemas.openxmlformats.org/presentationml/2006/main">
   <p:cSld>
     <p:spTree>
@@ -23434,7 +23545,7 @@
 </p:sld>
 </file>
 
-<file path=ppt/slides/slide22.xml><?xml version="1.0" encoding="utf-8"?>
+<file path=ppt/slides/slide23.xml><?xml version="1.0" encoding="utf-8"?>
 <p:sld xmlns:a="http://schemas.openxmlformats.org/drawingml/2006/main" xmlns:r="http://schemas.openxmlformats.org/officeDocument/2006/relationships" xmlns:p="http://schemas.openxmlformats.org/presentationml/2006/main">
   <p:cSld>
     <p:spTree>
@@ -23473,7 +23584,7 @@
         </p:nvGraphicFramePr>
         <p:xfrm>
           <a:off x="3450068" y="4888716"/>
-          <a:ext cx="424872" cy="2539998"/>
+          <a:ext cx="424872" cy="4339971"/>
         </p:xfrm>
         <a:graphic>
           <a:graphicData uri="http://schemas.openxmlformats.org/drawingml/2006/table">
@@ -23848,7 +23959,7 @@
         </p:nvGraphicFramePr>
         <p:xfrm>
           <a:off x="4239777" y="4888716"/>
-          <a:ext cx="424872" cy="2539998"/>
+          <a:ext cx="424872" cy="3076194"/>
         </p:xfrm>
         <a:graphic>
           <a:graphicData uri="http://schemas.openxmlformats.org/drawingml/2006/table">
@@ -24223,7 +24334,7 @@
         </p:nvGraphicFramePr>
         <p:xfrm>
           <a:off x="6241759" y="4888716"/>
-          <a:ext cx="424872" cy="2539998"/>
+          <a:ext cx="424872" cy="4339971"/>
         </p:xfrm>
         <a:graphic>
           <a:graphicData uri="http://schemas.openxmlformats.org/drawingml/2006/table">
@@ -24598,7 +24709,7 @@
         </p:nvGraphicFramePr>
         <p:xfrm>
           <a:off x="7031468" y="4888716"/>
-          <a:ext cx="424872" cy="2539998"/>
+          <a:ext cx="424872" cy="3076194"/>
         </p:xfrm>
         <a:graphic>
           <a:graphicData uri="http://schemas.openxmlformats.org/drawingml/2006/table">
@@ -24973,7 +25084,7 @@
         </p:nvGraphicFramePr>
         <p:xfrm>
           <a:off x="9033451" y="4888716"/>
-          <a:ext cx="424872" cy="2539998"/>
+          <a:ext cx="424872" cy="4339971"/>
         </p:xfrm>
         <a:graphic>
           <a:graphicData uri="http://schemas.openxmlformats.org/drawingml/2006/table">
@@ -25348,7 +25459,7 @@
         </p:nvGraphicFramePr>
         <p:xfrm>
           <a:off x="9823160" y="4888716"/>
-          <a:ext cx="424872" cy="2539998"/>
+          <a:ext cx="424872" cy="3076194"/>
         </p:xfrm>
         <a:graphic>
           <a:graphicData uri="http://schemas.openxmlformats.org/drawingml/2006/table">
@@ -25936,7 +26047,7 @@
 </p:sld>
 </file>
 
-<file path=ppt/slides/slide23.xml><?xml version="1.0" encoding="utf-8"?>
+<file path=ppt/slides/slide24.xml><?xml version="1.0" encoding="utf-8"?>
 <p:sld xmlns:a="http://schemas.openxmlformats.org/drawingml/2006/main" xmlns:r="http://schemas.openxmlformats.org/officeDocument/2006/relationships" xmlns:p="http://schemas.openxmlformats.org/presentationml/2006/main">
   <p:cSld>
     <p:spTree>
@@ -26012,7 +26123,7 @@
           <a:p>
             <a:fld id="{ADE361C3-C043-4A6E-BDCE-8DA1E7D90A3B}" type="slidenum">
               <a:rPr lang="zh-CN" altLang="en-US" smtClean="0"/>
-              <a:t>23</a:t>
+              <a:t>24</a:t>
             </a:fld>
             <a:endParaRPr lang="zh-CN" altLang="en-US"/>
           </a:p>
@@ -26186,7 +26297,7 @@
 </p:sld>
 </file>
 
-<file path=ppt/slides/slide24.xml><?xml version="1.0" encoding="utf-8"?>
+<file path=ppt/slides/slide25.xml><?xml version="1.0" encoding="utf-8"?>
 <p:sld xmlns:a="http://schemas.openxmlformats.org/drawingml/2006/main" xmlns:r="http://schemas.openxmlformats.org/officeDocument/2006/relationships" xmlns:p="http://schemas.openxmlformats.org/presentationml/2006/main">
   <p:cSld>
     <p:spTree>
@@ -26264,7 +26375,7 @@
           <a:p>
             <a:fld id="{ADE361C3-C043-4A6E-BDCE-8DA1E7D90A3B}" type="slidenum">
               <a:rPr lang="zh-CN" altLang="en-US" smtClean="0"/>
-              <a:t>24</a:t>
+              <a:t>25</a:t>
             </a:fld>
             <a:endParaRPr lang="zh-CN" altLang="en-US"/>
           </a:p>
@@ -28219,7 +28330,7 @@
 </p:sld>
 </file>
 
-<file path=ppt/slides/slide25.xml><?xml version="1.0" encoding="utf-8"?>
+<file path=ppt/slides/slide26.xml><?xml version="1.0" encoding="utf-8"?>
 <p:sld xmlns:a="http://schemas.openxmlformats.org/drawingml/2006/main" xmlns:r="http://schemas.openxmlformats.org/officeDocument/2006/relationships" xmlns:p="http://schemas.openxmlformats.org/presentationml/2006/main">
   <p:cSld>
     <p:spTree>
@@ -28327,7 +28438,7 @@
           <a:p>
             <a:fld id="{ADE361C3-C043-4A6E-BDCE-8DA1E7D90A3B}" type="slidenum">
               <a:rPr lang="zh-CN" altLang="en-US" smtClean="0"/>
-              <a:t>25</a:t>
+              <a:t>26</a:t>
             </a:fld>
             <a:endParaRPr lang="zh-CN" altLang="en-US" dirty="0"/>
           </a:p>
@@ -28823,7 +28934,7 @@
 </p:sld>
 </file>
 
-<file path=ppt/slides/slide26.xml><?xml version="1.0" encoding="utf-8"?>
+<file path=ppt/slides/slide27.xml><?xml version="1.0" encoding="utf-8"?>
 <p:sld xmlns:a="http://schemas.openxmlformats.org/drawingml/2006/main" xmlns:r="http://schemas.openxmlformats.org/officeDocument/2006/relationships" xmlns:p="http://schemas.openxmlformats.org/presentationml/2006/main">
   <p:cSld>
     <p:spTree>
@@ -28901,14 +29012,14 @@
           <a:p>
             <a:fld id="{ADE361C3-C043-4A6E-BDCE-8DA1E7D90A3B}" type="slidenum">
               <a:rPr lang="zh-CN" altLang="en-US" smtClean="0"/>
-              <a:t>26</a:t>
+              <a:t>27</a:t>
             </a:fld>
             <a:endParaRPr lang="zh-CN" altLang="en-US"/>
           </a:p>
         </p:txBody>
       </p:sp>
-      <mc:AlternateContent xmlns:mc="http://schemas.openxmlformats.org/markup-compatibility/2006">
-        <mc:Choice xmlns:a14="http://schemas.microsoft.com/office/drawing/2010/main" Requires="a14">
+      <mc:AlternateContent xmlns:mc="http://schemas.openxmlformats.org/markup-compatibility/2006" xmlns:a14="http://schemas.microsoft.com/office/drawing/2010/main">
+        <mc:Choice Requires="a14">
           <p:sp>
             <p:nvSpPr>
               <p:cNvPr id="9" name="内容占位符 2">
@@ -29328,7 +29439,7 @@
             </p:txBody>
           </p:sp>
         </mc:Choice>
-        <mc:Fallback>
+        <mc:Fallback xmlns="">
           <p:sp>
             <p:nvSpPr>
               <p:cNvPr id="9" name="内容占位符 2">
@@ -29385,7 +29496,7 @@
 </p:sld>
 </file>
 
-<file path=ppt/slides/slide27.xml><?xml version="1.0" encoding="utf-8"?>
+<file path=ppt/slides/slide28.xml><?xml version="1.0" encoding="utf-8"?>
 <p:sld xmlns:a="http://schemas.openxmlformats.org/drawingml/2006/main" xmlns:r="http://schemas.openxmlformats.org/officeDocument/2006/relationships" xmlns:p="http://schemas.openxmlformats.org/presentationml/2006/main">
   <p:cSld>
     <p:spTree>
@@ -29463,14 +29574,14 @@
           <a:p>
             <a:fld id="{ADE361C3-C043-4A6E-BDCE-8DA1E7D90A3B}" type="slidenum">
               <a:rPr lang="zh-CN" altLang="en-US" smtClean="0"/>
-              <a:t>27</a:t>
+              <a:t>28</a:t>
             </a:fld>
             <a:endParaRPr lang="zh-CN" altLang="en-US"/>
           </a:p>
         </p:txBody>
       </p:sp>
-      <mc:AlternateContent xmlns:mc="http://schemas.openxmlformats.org/markup-compatibility/2006">
-        <mc:Choice xmlns:a14="http://schemas.microsoft.com/office/drawing/2010/main" Requires="a14">
+      <mc:AlternateContent xmlns:mc="http://schemas.openxmlformats.org/markup-compatibility/2006" xmlns:a14="http://schemas.microsoft.com/office/drawing/2010/main">
+        <mc:Choice Requires="a14">
           <p:sp>
             <p:nvSpPr>
               <p:cNvPr id="9" name="内容占位符 2">
@@ -29785,7 +29896,7 @@
             </p:txBody>
           </p:sp>
         </mc:Choice>
-        <mc:Fallback>
+        <mc:Fallback xmlns="">
           <p:sp>
             <p:nvSpPr>
               <p:cNvPr id="9" name="内容占位符 2">
@@ -29842,7 +29953,7 @@
 </p:sld>
 </file>
 
-<file path=ppt/slides/slide28.xml><?xml version="1.0" encoding="utf-8"?>
+<file path=ppt/slides/slide29.xml><?xml version="1.0" encoding="utf-8"?>
 <p:sld xmlns:a="http://schemas.openxmlformats.org/drawingml/2006/main" xmlns:r="http://schemas.openxmlformats.org/officeDocument/2006/relationships" xmlns:p="http://schemas.openxmlformats.org/presentationml/2006/main">
   <p:cSld>
     <p:spTree>
@@ -31901,8 +32012,8 @@
           </a:p>
         </p:txBody>
       </p:sp>
-      <mc:AlternateContent xmlns:mc="http://schemas.openxmlformats.org/markup-compatibility/2006">
-        <mc:Choice xmlns:a14="http://schemas.microsoft.com/office/drawing/2010/main" Requires="a14">
+      <mc:AlternateContent xmlns:mc="http://schemas.openxmlformats.org/markup-compatibility/2006" xmlns:a14="http://schemas.microsoft.com/office/drawing/2010/main">
+        <mc:Choice Requires="a14">
           <p:sp>
             <p:nvSpPr>
               <p:cNvPr id="9" name="内容占位符 2">
@@ -32004,7 +32115,7 @@
             </p:txBody>
           </p:sp>
         </mc:Choice>
-        <mc:Fallback>
+        <mc:Fallback xmlns="">
           <p:sp>
             <p:nvSpPr>
               <p:cNvPr id="9" name="内容占位符 2">
